--- a/docs/LEADS.pptx
+++ b/docs/LEADS.pptx
@@ -2,17 +2,19 @@
 <file path=ppt/presentation.xml><?xml version="1.0" encoding="utf-8"?>
 <p:presentation xmlns:a="http://schemas.openxmlformats.org/drawingml/2006/main" xmlns:r="http://schemas.openxmlformats.org/officeDocument/2006/relationships" xmlns:p="http://schemas.openxmlformats.org/presentationml/2006/main" saveSubsetFonts="1">
   <p:sldMasterIdLst>
-    <p:sldMasterId id="2147483648" r:id="rId1"/>
+    <p:sldMasterId id="2147483660" r:id="rId1"/>
   </p:sldMasterIdLst>
   <p:notesMasterIdLst>
-    <p:notesMasterId r:id="rId7"/>
+    <p:notesMasterId r:id="rId9"/>
   </p:notesMasterIdLst>
   <p:sldIdLst>
     <p:sldId id="256" r:id="rId2"/>
     <p:sldId id="259" r:id="rId3"/>
     <p:sldId id="258" r:id="rId4"/>
     <p:sldId id="260" r:id="rId5"/>
-    <p:sldId id="261" r:id="rId6"/>
+    <p:sldId id="263" r:id="rId6"/>
+    <p:sldId id="264" r:id="rId7"/>
+    <p:sldId id="261" r:id="rId8"/>
   </p:sldIdLst>
   <p:sldSz cx="12192000" cy="6858000"/>
   <p:notesSz cx="6858000" cy="9144000"/>
@@ -20,7 +22,7 @@
     <a:defPPr>
       <a:defRPr lang="en-US"/>
     </a:defPPr>
-    <a:lvl1pPr marL="0" algn="l" defTabSz="914400" rtl="0" eaLnBrk="1" latinLnBrk="0" hangingPunct="1">
+    <a:lvl1pPr marL="0" algn="l" defTabSz="457200" rtl="0" eaLnBrk="1" latinLnBrk="0" hangingPunct="1">
       <a:defRPr sz="1800" kern="1200">
         <a:solidFill>
           <a:schemeClr val="tx1"/>
@@ -30,7 +32,7 @@
         <a:cs typeface="+mn-cs"/>
       </a:defRPr>
     </a:lvl1pPr>
-    <a:lvl2pPr marL="457200" algn="l" defTabSz="914400" rtl="0" eaLnBrk="1" latinLnBrk="0" hangingPunct="1">
+    <a:lvl2pPr marL="457200" algn="l" defTabSz="457200" rtl="0" eaLnBrk="1" latinLnBrk="0" hangingPunct="1">
       <a:defRPr sz="1800" kern="1200">
         <a:solidFill>
           <a:schemeClr val="tx1"/>
@@ -40,7 +42,7 @@
         <a:cs typeface="+mn-cs"/>
       </a:defRPr>
     </a:lvl2pPr>
-    <a:lvl3pPr marL="914400" algn="l" defTabSz="914400" rtl="0" eaLnBrk="1" latinLnBrk="0" hangingPunct="1">
+    <a:lvl3pPr marL="914400" algn="l" defTabSz="457200" rtl="0" eaLnBrk="1" latinLnBrk="0" hangingPunct="1">
       <a:defRPr sz="1800" kern="1200">
         <a:solidFill>
           <a:schemeClr val="tx1"/>
@@ -50,7 +52,7 @@
         <a:cs typeface="+mn-cs"/>
       </a:defRPr>
     </a:lvl3pPr>
-    <a:lvl4pPr marL="1371600" algn="l" defTabSz="914400" rtl="0" eaLnBrk="1" latinLnBrk="0" hangingPunct="1">
+    <a:lvl4pPr marL="1371600" algn="l" defTabSz="457200" rtl="0" eaLnBrk="1" latinLnBrk="0" hangingPunct="1">
       <a:defRPr sz="1800" kern="1200">
         <a:solidFill>
           <a:schemeClr val="tx1"/>
@@ -60,7 +62,7 @@
         <a:cs typeface="+mn-cs"/>
       </a:defRPr>
     </a:lvl4pPr>
-    <a:lvl5pPr marL="1828800" algn="l" defTabSz="914400" rtl="0" eaLnBrk="1" latinLnBrk="0" hangingPunct="1">
+    <a:lvl5pPr marL="1828800" algn="l" defTabSz="457200" rtl="0" eaLnBrk="1" latinLnBrk="0" hangingPunct="1">
       <a:defRPr sz="1800" kern="1200">
         <a:solidFill>
           <a:schemeClr val="tx1"/>
@@ -70,7 +72,7 @@
         <a:cs typeface="+mn-cs"/>
       </a:defRPr>
     </a:lvl5pPr>
-    <a:lvl6pPr marL="2286000" algn="l" defTabSz="914400" rtl="0" eaLnBrk="1" latinLnBrk="0" hangingPunct="1">
+    <a:lvl6pPr marL="2286000" algn="l" defTabSz="457200" rtl="0" eaLnBrk="1" latinLnBrk="0" hangingPunct="1">
       <a:defRPr sz="1800" kern="1200">
         <a:solidFill>
           <a:schemeClr val="tx1"/>
@@ -80,7 +82,7 @@
         <a:cs typeface="+mn-cs"/>
       </a:defRPr>
     </a:lvl6pPr>
-    <a:lvl7pPr marL="2743200" algn="l" defTabSz="914400" rtl="0" eaLnBrk="1" latinLnBrk="0" hangingPunct="1">
+    <a:lvl7pPr marL="2743200" algn="l" defTabSz="457200" rtl="0" eaLnBrk="1" latinLnBrk="0" hangingPunct="1">
       <a:defRPr sz="1800" kern="1200">
         <a:solidFill>
           <a:schemeClr val="tx1"/>
@@ -90,7 +92,7 @@
         <a:cs typeface="+mn-cs"/>
       </a:defRPr>
     </a:lvl7pPr>
-    <a:lvl8pPr marL="3200400" algn="l" defTabSz="914400" rtl="0" eaLnBrk="1" latinLnBrk="0" hangingPunct="1">
+    <a:lvl8pPr marL="3200400" algn="l" defTabSz="457200" rtl="0" eaLnBrk="1" latinLnBrk="0" hangingPunct="1">
       <a:defRPr sz="1800" kern="1200">
         <a:solidFill>
           <a:schemeClr val="tx1"/>
@@ -100,7 +102,7 @@
         <a:cs typeface="+mn-cs"/>
       </a:defRPr>
     </a:lvl8pPr>
-    <a:lvl9pPr marL="3657600" algn="l" defTabSz="914400" rtl="0" eaLnBrk="1" latinLnBrk="0" hangingPunct="1">
+    <a:lvl9pPr marL="3657600" algn="l" defTabSz="457200" rtl="0" eaLnBrk="1" latinLnBrk="0" hangingPunct="1">
       <a:defRPr sz="1800" kern="1200">
         <a:solidFill>
           <a:schemeClr val="tx1"/>
@@ -122,7 +124,7 @@
 <file path=ppt/revisionInfo.xml><?xml version="1.0" encoding="utf-8"?>
 <p1510:revInfo xmlns:a="http://schemas.openxmlformats.org/drawingml/2006/main" xmlns:r="http://schemas.openxmlformats.org/officeDocument/2006/relationships" xmlns:p1510="http://schemas.microsoft.com/office/powerpoint/2015/10/main">
   <p1510:revLst>
-    <p1510:client id="{2628F682-DF01-404E-B59F-6BDA13BCEEDE}" v="78" dt="2024-07-24T10:52:30.105"/>
+    <p1510:client id="{2628F682-DF01-404E-B59F-6BDA13BCEEDE}" v="155" dt="2024-07-25T05:57:49.774"/>
   </p1510:revLst>
 </p1510:revInfo>
 </file>
@@ -131,19 +133,19 @@
 <pc:chgInfo xmlns:a="http://schemas.openxmlformats.org/drawingml/2006/main" xmlns:r="http://schemas.openxmlformats.org/officeDocument/2006/relationships" xmlns:ac="http://schemas.microsoft.com/office/drawing/2013/main/command" xmlns:pc="http://schemas.microsoft.com/office/powerpoint/2013/main/command">
   <pc:docChgLst>
     <pc:chgData name="Tianhao Fu" userId="3c5ffcaadea6c056" providerId="LiveId" clId="{2628F682-DF01-404E-B59F-6BDA13BCEEDE}"/>
-    <pc:docChg chg="undo custSel addSld delSld modSld sldOrd">
-      <pc:chgData name="Tianhao Fu" userId="3c5ffcaadea6c056" providerId="LiveId" clId="{2628F682-DF01-404E-B59F-6BDA13BCEEDE}" dt="2024-07-24T11:03:01.905" v="3419" actId="478"/>
+    <pc:docChg chg="undo custSel addSld delSld modSld sldOrd modMainMaster">
+      <pc:chgData name="Tianhao Fu" userId="3c5ffcaadea6c056" providerId="LiveId" clId="{2628F682-DF01-404E-B59F-6BDA13BCEEDE}" dt="2024-07-25T05:58:24.584" v="4443" actId="478"/>
       <pc:docMkLst>
         <pc:docMk/>
       </pc:docMkLst>
       <pc:sldChg chg="addSp modSp mod setBg">
-        <pc:chgData name="Tianhao Fu" userId="3c5ffcaadea6c056" providerId="LiveId" clId="{2628F682-DF01-404E-B59F-6BDA13BCEEDE}" dt="2024-07-24T09:17:06.968" v="2441" actId="113"/>
+        <pc:chgData name="Tianhao Fu" userId="3c5ffcaadea6c056" providerId="LiveId" clId="{2628F682-DF01-404E-B59F-6BDA13BCEEDE}" dt="2024-07-25T05:57:49.774" v="4442"/>
         <pc:sldMkLst>
           <pc:docMk/>
           <pc:sldMk cId="2679133407" sldId="256"/>
         </pc:sldMkLst>
         <pc:spChg chg="mod">
-          <ac:chgData name="Tianhao Fu" userId="3c5ffcaadea6c056" providerId="LiveId" clId="{2628F682-DF01-404E-B59F-6BDA13BCEEDE}" dt="2024-07-24T09:17:06.968" v="2441" actId="113"/>
+          <ac:chgData name="Tianhao Fu" userId="3c5ffcaadea6c056" providerId="LiveId" clId="{2628F682-DF01-404E-B59F-6BDA13BCEEDE}" dt="2024-07-25T04:54:45.330" v="3528" actId="207"/>
           <ac:spMkLst>
             <pc:docMk/>
             <pc:sldMk cId="2679133407" sldId="256"/>
@@ -151,7 +153,7 @@
           </ac:spMkLst>
         </pc:spChg>
         <pc:spChg chg="mod">
-          <ac:chgData name="Tianhao Fu" userId="3c5ffcaadea6c056" providerId="LiveId" clId="{2628F682-DF01-404E-B59F-6BDA13BCEEDE}" dt="2024-07-24T09:04:02.122" v="2203" actId="255"/>
+          <ac:chgData name="Tianhao Fu" userId="3c5ffcaadea6c056" providerId="LiveId" clId="{2628F682-DF01-404E-B59F-6BDA13BCEEDE}" dt="2024-07-25T04:51:19.887" v="3489" actId="207"/>
           <ac:spMkLst>
             <pc:docMk/>
             <pc:sldMk cId="2679133407" sldId="256"/>
@@ -159,7 +161,7 @@
           </ac:spMkLst>
         </pc:spChg>
         <pc:spChg chg="add mod">
-          <ac:chgData name="Tianhao Fu" userId="3c5ffcaadea6c056" providerId="LiveId" clId="{2628F682-DF01-404E-B59F-6BDA13BCEEDE}" dt="2024-07-24T09:02:07.636" v="2190" actId="14100"/>
+          <ac:chgData name="Tianhao Fu" userId="3c5ffcaadea6c056" providerId="LiveId" clId="{2628F682-DF01-404E-B59F-6BDA13BCEEDE}" dt="2024-07-25T04:54:01.925" v="3519" actId="207"/>
           <ac:spMkLst>
             <pc:docMk/>
             <pc:sldMk cId="2679133407" sldId="256"/>
@@ -167,7 +169,7 @@
           </ac:spMkLst>
         </pc:spChg>
         <pc:spChg chg="add mod">
-          <ac:chgData name="Tianhao Fu" userId="3c5ffcaadea6c056" providerId="LiveId" clId="{2628F682-DF01-404E-B59F-6BDA13BCEEDE}" dt="2024-07-24T09:02:53.010" v="2197" actId="1076"/>
+          <ac:chgData name="Tianhao Fu" userId="3c5ffcaadea6c056" providerId="LiveId" clId="{2628F682-DF01-404E-B59F-6BDA13BCEEDE}" dt="2024-07-25T04:54:11.859" v="3521" actId="207"/>
           <ac:spMkLst>
             <pc:docMk/>
             <pc:sldMk cId="2679133407" sldId="256"/>
@@ -175,7 +177,7 @@
           </ac:spMkLst>
         </pc:spChg>
         <pc:picChg chg="add mod">
-          <ac:chgData name="Tianhao Fu" userId="3c5ffcaadea6c056" providerId="LiveId" clId="{2628F682-DF01-404E-B59F-6BDA13BCEEDE}" dt="2024-07-24T09:03:00.538" v="2200" actId="1076"/>
+          <ac:chgData name="Tianhao Fu" userId="3c5ffcaadea6c056" providerId="LiveId" clId="{2628F682-DF01-404E-B59F-6BDA13BCEEDE}" dt="2024-07-25T04:54:14.265" v="3522" actId="1076"/>
           <ac:picMkLst>
             <pc:docMk/>
             <pc:sldMk cId="2679133407" sldId="256"/>
@@ -247,7 +249,7 @@
         </pc:spChg>
       </pc:sldChg>
       <pc:sldChg chg="addSp delSp modSp new mod ord setBg">
-        <pc:chgData name="Tianhao Fu" userId="3c5ffcaadea6c056" providerId="LiveId" clId="{2628F682-DF01-404E-B59F-6BDA13BCEEDE}" dt="2024-07-24T09:47:22.017" v="2925" actId="120"/>
+        <pc:chgData name="Tianhao Fu" userId="3c5ffcaadea6c056" providerId="LiveId" clId="{2628F682-DF01-404E-B59F-6BDA13BCEEDE}" dt="2024-07-25T05:57:42.161" v="4441"/>
         <pc:sldMkLst>
           <pc:docMk/>
           <pc:sldMk cId="2737534459" sldId="258"/>
@@ -293,7 +295,7 @@
           </ac:spMkLst>
         </pc:spChg>
         <pc:spChg chg="add mod">
-          <ac:chgData name="Tianhao Fu" userId="3c5ffcaadea6c056" providerId="LiveId" clId="{2628F682-DF01-404E-B59F-6BDA13BCEEDE}" dt="2024-07-24T09:19:09.504" v="2446" actId="20577"/>
+          <ac:chgData name="Tianhao Fu" userId="3c5ffcaadea6c056" providerId="LiveId" clId="{2628F682-DF01-404E-B59F-6BDA13BCEEDE}" dt="2024-07-25T05:09:41.759" v="3979" actId="208"/>
           <ac:spMkLst>
             <pc:docMk/>
             <pc:sldMk cId="2737534459" sldId="258"/>
@@ -301,7 +303,7 @@
           </ac:spMkLst>
         </pc:spChg>
         <pc:spChg chg="add mod">
-          <ac:chgData name="Tianhao Fu" userId="3c5ffcaadea6c056" providerId="LiveId" clId="{2628F682-DF01-404E-B59F-6BDA13BCEEDE}" dt="2024-07-24T09:47:22.017" v="2925" actId="120"/>
+          <ac:chgData name="Tianhao Fu" userId="3c5ffcaadea6c056" providerId="LiveId" clId="{2628F682-DF01-404E-B59F-6BDA13BCEEDE}" dt="2024-07-25T05:49:01.674" v="4390" actId="3064"/>
           <ac:spMkLst>
             <pc:docMk/>
             <pc:sldMk cId="2737534459" sldId="258"/>
@@ -309,7 +311,7 @@
           </ac:spMkLst>
         </pc:spChg>
         <pc:spChg chg="add mod">
-          <ac:chgData name="Tianhao Fu" userId="3c5ffcaadea6c056" providerId="LiveId" clId="{2628F682-DF01-404E-B59F-6BDA13BCEEDE}" dt="2024-07-24T09:18:41.374" v="2445" actId="113"/>
+          <ac:chgData name="Tianhao Fu" userId="3c5ffcaadea6c056" providerId="LiveId" clId="{2628F682-DF01-404E-B59F-6BDA13BCEEDE}" dt="2024-07-25T05:09:46.786" v="3980" actId="208"/>
           <ac:spMkLst>
             <pc:docMk/>
             <pc:sldMk cId="2737534459" sldId="258"/>
@@ -317,7 +319,7 @@
           </ac:spMkLst>
         </pc:spChg>
         <pc:spChg chg="add mod">
-          <ac:chgData name="Tianhao Fu" userId="3c5ffcaadea6c056" providerId="LiveId" clId="{2628F682-DF01-404E-B59F-6BDA13BCEEDE}" dt="2024-07-24T09:18:35.925" v="2443" actId="113"/>
+          <ac:chgData name="Tianhao Fu" userId="3c5ffcaadea6c056" providerId="LiveId" clId="{2628F682-DF01-404E-B59F-6BDA13BCEEDE}" dt="2024-07-25T05:09:38.706" v="3978" actId="208"/>
           <ac:spMkLst>
             <pc:docMk/>
             <pc:sldMk cId="2737534459" sldId="258"/>
@@ -325,7 +327,7 @@
           </ac:spMkLst>
         </pc:spChg>
         <pc:spChg chg="add mod">
-          <ac:chgData name="Tianhao Fu" userId="3c5ffcaadea6c056" providerId="LiveId" clId="{2628F682-DF01-404E-B59F-6BDA13BCEEDE}" dt="2024-07-24T09:46:20.326" v="2913" actId="3064"/>
+          <ac:chgData name="Tianhao Fu" userId="3c5ffcaadea6c056" providerId="LiveId" clId="{2628F682-DF01-404E-B59F-6BDA13BCEEDE}" dt="2024-07-25T05:49:21.532" v="4392" actId="3064"/>
           <ac:spMkLst>
             <pc:docMk/>
             <pc:sldMk cId="2737534459" sldId="258"/>
@@ -334,13 +336,13 @@
         </pc:spChg>
       </pc:sldChg>
       <pc:sldChg chg="addSp delSp modSp new mod ord setBg">
-        <pc:chgData name="Tianhao Fu" userId="3c5ffcaadea6c056" providerId="LiveId" clId="{2628F682-DF01-404E-B59F-6BDA13BCEEDE}" dt="2024-07-24T09:17:01.883" v="2440" actId="113"/>
+        <pc:chgData name="Tianhao Fu" userId="3c5ffcaadea6c056" providerId="LiveId" clId="{2628F682-DF01-404E-B59F-6BDA13BCEEDE}" dt="2024-07-25T05:57:35.020" v="4440"/>
         <pc:sldMkLst>
           <pc:docMk/>
           <pc:sldMk cId="1881318779" sldId="259"/>
         </pc:sldMkLst>
         <pc:spChg chg="mod">
-          <ac:chgData name="Tianhao Fu" userId="3c5ffcaadea6c056" providerId="LiveId" clId="{2628F682-DF01-404E-B59F-6BDA13BCEEDE}" dt="2024-07-24T09:16:49.676" v="2433" actId="113"/>
+          <ac:chgData name="Tianhao Fu" userId="3c5ffcaadea6c056" providerId="LiveId" clId="{2628F682-DF01-404E-B59F-6BDA13BCEEDE}" dt="2024-07-25T04:53:19.331" v="3512" actId="207"/>
           <ac:spMkLst>
             <pc:docMk/>
             <pc:sldMk cId="1881318779" sldId="259"/>
@@ -428,7 +430,7 @@
           </ac:spMkLst>
         </pc:spChg>
         <pc:spChg chg="add mod">
-          <ac:chgData name="Tianhao Fu" userId="3c5ffcaadea6c056" providerId="LiveId" clId="{2628F682-DF01-404E-B59F-6BDA13BCEEDE}" dt="2024-07-24T09:16:59.950" v="2438" actId="113"/>
+          <ac:chgData name="Tianhao Fu" userId="3c5ffcaadea6c056" providerId="LiveId" clId="{2628F682-DF01-404E-B59F-6BDA13BCEEDE}" dt="2024-07-25T04:52:19.708" v="3500" actId="207"/>
           <ac:spMkLst>
             <pc:docMk/>
             <pc:sldMk cId="1881318779" sldId="259"/>
@@ -436,7 +438,7 @@
           </ac:spMkLst>
         </pc:spChg>
         <pc:spChg chg="add mod">
-          <ac:chgData name="Tianhao Fu" userId="3c5ffcaadea6c056" providerId="LiveId" clId="{2628F682-DF01-404E-B59F-6BDA13BCEEDE}" dt="2024-07-24T09:16:55.905" v="2435" actId="113"/>
+          <ac:chgData name="Tianhao Fu" userId="3c5ffcaadea6c056" providerId="LiveId" clId="{2628F682-DF01-404E-B59F-6BDA13BCEEDE}" dt="2024-07-25T04:52:19.708" v="3500" actId="207"/>
           <ac:spMkLst>
             <pc:docMk/>
             <pc:sldMk cId="1881318779" sldId="259"/>
@@ -444,7 +446,7 @@
           </ac:spMkLst>
         </pc:spChg>
         <pc:spChg chg="add mod">
-          <ac:chgData name="Tianhao Fu" userId="3c5ffcaadea6c056" providerId="LiveId" clId="{2628F682-DF01-404E-B59F-6BDA13BCEEDE}" dt="2024-07-24T09:16:57.892" v="2436" actId="113"/>
+          <ac:chgData name="Tianhao Fu" userId="3c5ffcaadea6c056" providerId="LiveId" clId="{2628F682-DF01-404E-B59F-6BDA13BCEEDE}" dt="2024-07-25T04:52:19.708" v="3500" actId="207"/>
           <ac:spMkLst>
             <pc:docMk/>
             <pc:sldMk cId="1881318779" sldId="259"/>
@@ -460,7 +462,7 @@
           </ac:spMkLst>
         </pc:spChg>
         <pc:spChg chg="add mod">
-          <ac:chgData name="Tianhao Fu" userId="3c5ffcaadea6c056" providerId="LiveId" clId="{2628F682-DF01-404E-B59F-6BDA13BCEEDE}" dt="2024-07-24T09:12:07.370" v="2361" actId="1035"/>
+          <ac:chgData name="Tianhao Fu" userId="3c5ffcaadea6c056" providerId="LiveId" clId="{2628F682-DF01-404E-B59F-6BDA13BCEEDE}" dt="2024-07-25T05:09:03.662" v="3975" actId="208"/>
           <ac:spMkLst>
             <pc:docMk/>
             <pc:sldMk cId="1881318779" sldId="259"/>
@@ -468,7 +470,7 @@
           </ac:spMkLst>
         </pc:spChg>
         <pc:spChg chg="add mod">
-          <ac:chgData name="Tianhao Fu" userId="3c5ffcaadea6c056" providerId="LiveId" clId="{2628F682-DF01-404E-B59F-6BDA13BCEEDE}" dt="2024-07-24T09:16:58.969" v="2437" actId="113"/>
+          <ac:chgData name="Tianhao Fu" userId="3c5ffcaadea6c056" providerId="LiveId" clId="{2628F682-DF01-404E-B59F-6BDA13BCEEDE}" dt="2024-07-25T04:52:19.708" v="3500" actId="207"/>
           <ac:spMkLst>
             <pc:docMk/>
             <pc:sldMk cId="1881318779" sldId="259"/>
@@ -500,7 +502,7 @@
           </ac:spMkLst>
         </pc:spChg>
         <pc:spChg chg="add mod">
-          <ac:chgData name="Tianhao Fu" userId="3c5ffcaadea6c056" providerId="LiveId" clId="{2628F682-DF01-404E-B59F-6BDA13BCEEDE}" dt="2024-07-24T09:17:01.883" v="2440" actId="113"/>
+          <ac:chgData name="Tianhao Fu" userId="3c5ffcaadea6c056" providerId="LiveId" clId="{2628F682-DF01-404E-B59F-6BDA13BCEEDE}" dt="2024-07-25T04:52:14.166" v="3499" actId="207"/>
           <ac:spMkLst>
             <pc:docMk/>
             <pc:sldMk cId="1881318779" sldId="259"/>
@@ -508,7 +510,7 @@
           </ac:spMkLst>
         </pc:spChg>
         <pc:spChg chg="add mod">
-          <ac:chgData name="Tianhao Fu" userId="3c5ffcaadea6c056" providerId="LiveId" clId="{2628F682-DF01-404E-B59F-6BDA13BCEEDE}" dt="2024-07-24T09:17:01.023" v="2439" actId="113"/>
+          <ac:chgData name="Tianhao Fu" userId="3c5ffcaadea6c056" providerId="LiveId" clId="{2628F682-DF01-404E-B59F-6BDA13BCEEDE}" dt="2024-07-25T04:52:19.708" v="3500" actId="207"/>
           <ac:spMkLst>
             <pc:docMk/>
             <pc:sldMk cId="1881318779" sldId="259"/>
@@ -516,7 +518,7 @@
           </ac:spMkLst>
         </pc:spChg>
         <pc:spChg chg="add mod">
-          <ac:chgData name="Tianhao Fu" userId="3c5ffcaadea6c056" providerId="LiveId" clId="{2628F682-DF01-404E-B59F-6BDA13BCEEDE}" dt="2024-07-24T09:12:07.370" v="2361" actId="1035"/>
+          <ac:chgData name="Tianhao Fu" userId="3c5ffcaadea6c056" providerId="LiveId" clId="{2628F682-DF01-404E-B59F-6BDA13BCEEDE}" dt="2024-07-25T05:08:39.923" v="3967" actId="208"/>
           <ac:spMkLst>
             <pc:docMk/>
             <pc:sldMk cId="1881318779" sldId="259"/>
@@ -532,7 +534,7 @@
           </ac:spMkLst>
         </pc:spChg>
         <pc:spChg chg="add mod">
-          <ac:chgData name="Tianhao Fu" userId="3c5ffcaadea6c056" providerId="LiveId" clId="{2628F682-DF01-404E-B59F-6BDA13BCEEDE}" dt="2024-07-24T09:16:53.886" v="2434" actId="113"/>
+          <ac:chgData name="Tianhao Fu" userId="3c5ffcaadea6c056" providerId="LiveId" clId="{2628F682-DF01-404E-B59F-6BDA13BCEEDE}" dt="2024-07-25T04:52:09.958" v="3498" actId="207"/>
           <ac:spMkLst>
             <pc:docMk/>
             <pc:sldMk cId="1881318779" sldId="259"/>
@@ -548,7 +550,7 @@
           </ac:cxnSpMkLst>
         </pc:cxnChg>
         <pc:cxnChg chg="add mod">
-          <ac:chgData name="Tianhao Fu" userId="3c5ffcaadea6c056" providerId="LiveId" clId="{2628F682-DF01-404E-B59F-6BDA13BCEEDE}" dt="2024-07-24T09:13:11.158" v="2362" actId="1076"/>
+          <ac:chgData name="Tianhao Fu" userId="3c5ffcaadea6c056" providerId="LiveId" clId="{2628F682-DF01-404E-B59F-6BDA13BCEEDE}" dt="2024-07-25T05:08:59.134" v="3973" actId="208"/>
           <ac:cxnSpMkLst>
             <pc:docMk/>
             <pc:sldMk cId="1881318779" sldId="259"/>
@@ -556,7 +558,7 @@
           </ac:cxnSpMkLst>
         </pc:cxnChg>
         <pc:cxnChg chg="add mod">
-          <ac:chgData name="Tianhao Fu" userId="3c5ffcaadea6c056" providerId="LiveId" clId="{2628F682-DF01-404E-B59F-6BDA13BCEEDE}" dt="2024-07-24T09:12:07.370" v="2361" actId="1035"/>
+          <ac:chgData name="Tianhao Fu" userId="3c5ffcaadea6c056" providerId="LiveId" clId="{2628F682-DF01-404E-B59F-6BDA13BCEEDE}" dt="2024-07-25T05:09:01.458" v="3974" actId="208"/>
           <ac:cxnSpMkLst>
             <pc:docMk/>
             <pc:sldMk cId="1881318779" sldId="259"/>
@@ -564,7 +566,7 @@
           </ac:cxnSpMkLst>
         </pc:cxnChg>
         <pc:cxnChg chg="add del mod">
-          <ac:chgData name="Tianhao Fu" userId="3c5ffcaadea6c056" providerId="LiveId" clId="{2628F682-DF01-404E-B59F-6BDA13BCEEDE}" dt="2024-07-24T09:12:07.370" v="2361" actId="1035"/>
+          <ac:chgData name="Tianhao Fu" userId="3c5ffcaadea6c056" providerId="LiveId" clId="{2628F682-DF01-404E-B59F-6BDA13BCEEDE}" dt="2024-07-25T05:08:51.078" v="3970" actId="208"/>
           <ac:cxnSpMkLst>
             <pc:docMk/>
             <pc:sldMk cId="1881318779" sldId="259"/>
@@ -572,7 +574,7 @@
           </ac:cxnSpMkLst>
         </pc:cxnChg>
         <pc:cxnChg chg="add mod">
-          <ac:chgData name="Tianhao Fu" userId="3c5ffcaadea6c056" providerId="LiveId" clId="{2628F682-DF01-404E-B59F-6BDA13BCEEDE}" dt="2024-07-24T09:13:11.158" v="2362" actId="1076"/>
+          <ac:chgData name="Tianhao Fu" userId="3c5ffcaadea6c056" providerId="LiveId" clId="{2628F682-DF01-404E-B59F-6BDA13BCEEDE}" dt="2024-07-25T05:08:53.577" v="3971" actId="208"/>
           <ac:cxnSpMkLst>
             <pc:docMk/>
             <pc:sldMk cId="1881318779" sldId="259"/>
@@ -580,7 +582,7 @@
           </ac:cxnSpMkLst>
         </pc:cxnChg>
         <pc:cxnChg chg="add del mod">
-          <ac:chgData name="Tianhao Fu" userId="3c5ffcaadea6c056" providerId="LiveId" clId="{2628F682-DF01-404E-B59F-6BDA13BCEEDE}" dt="2024-07-24T09:12:07.370" v="2361" actId="1035"/>
+          <ac:chgData name="Tianhao Fu" userId="3c5ffcaadea6c056" providerId="LiveId" clId="{2628F682-DF01-404E-B59F-6BDA13BCEEDE}" dt="2024-07-25T05:08:55.981" v="3972" actId="208"/>
           <ac:cxnSpMkLst>
             <pc:docMk/>
             <pc:sldMk cId="1881318779" sldId="259"/>
@@ -588,7 +590,7 @@
           </ac:cxnSpMkLst>
         </pc:cxnChg>
         <pc:cxnChg chg="add mod">
-          <ac:chgData name="Tianhao Fu" userId="3c5ffcaadea6c056" providerId="LiveId" clId="{2628F682-DF01-404E-B59F-6BDA13BCEEDE}" dt="2024-07-24T09:12:07.370" v="2361" actId="1035"/>
+          <ac:chgData name="Tianhao Fu" userId="3c5ffcaadea6c056" providerId="LiveId" clId="{2628F682-DF01-404E-B59F-6BDA13BCEEDE}" dt="2024-07-25T05:08:47.740" v="3969" actId="208"/>
           <ac:cxnSpMkLst>
             <pc:docMk/>
             <pc:sldMk cId="1881318779" sldId="259"/>
@@ -596,7 +598,7 @@
           </ac:cxnSpMkLst>
         </pc:cxnChg>
         <pc:cxnChg chg="add mod">
-          <ac:chgData name="Tianhao Fu" userId="3c5ffcaadea6c056" providerId="LiveId" clId="{2628F682-DF01-404E-B59F-6BDA13BCEEDE}" dt="2024-07-24T09:12:07.370" v="2361" actId="1035"/>
+          <ac:chgData name="Tianhao Fu" userId="3c5ffcaadea6c056" providerId="LiveId" clId="{2628F682-DF01-404E-B59F-6BDA13BCEEDE}" dt="2024-07-25T05:08:45.297" v="3968" actId="208"/>
           <ac:cxnSpMkLst>
             <pc:docMk/>
             <pc:sldMk cId="1881318779" sldId="259"/>
@@ -605,13 +607,13 @@
         </pc:cxnChg>
       </pc:sldChg>
       <pc:sldChg chg="addSp delSp modSp new mod setBg">
-        <pc:chgData name="Tianhao Fu" userId="3c5ffcaadea6c056" providerId="LiveId" clId="{2628F682-DF01-404E-B59F-6BDA13BCEEDE}" dt="2024-07-24T10:50:50.991" v="3384" actId="208"/>
+        <pc:chgData name="Tianhao Fu" userId="3c5ffcaadea6c056" providerId="LiveId" clId="{2628F682-DF01-404E-B59F-6BDA13BCEEDE}" dt="2024-07-25T05:57:28.824" v="4439"/>
         <pc:sldMkLst>
           <pc:docMk/>
           <pc:sldMk cId="1442687705" sldId="260"/>
         </pc:sldMkLst>
         <pc:spChg chg="mod">
-          <ac:chgData name="Tianhao Fu" userId="3c5ffcaadea6c056" providerId="LiveId" clId="{2628F682-DF01-404E-B59F-6BDA13BCEEDE}" dt="2024-07-24T10:32:25.664" v="3354" actId="14100"/>
+          <ac:chgData name="Tianhao Fu" userId="3c5ffcaadea6c056" providerId="LiveId" clId="{2628F682-DF01-404E-B59F-6BDA13BCEEDE}" dt="2024-07-25T04:52:39.818" v="3504" actId="207"/>
           <ac:spMkLst>
             <pc:docMk/>
             <pc:sldMk cId="1442687705" sldId="260"/>
@@ -627,7 +629,7 @@
           </ac:spMkLst>
         </pc:spChg>
         <pc:spChg chg="add mod">
-          <ac:chgData name="Tianhao Fu" userId="3c5ffcaadea6c056" providerId="LiveId" clId="{2628F682-DF01-404E-B59F-6BDA13BCEEDE}" dt="2024-07-24T10:14:26.928" v="3120" actId="242"/>
+          <ac:chgData name="Tianhao Fu" userId="3c5ffcaadea6c056" providerId="LiveId" clId="{2628F682-DF01-404E-B59F-6BDA13BCEEDE}" dt="2024-07-25T04:52:50.159" v="3506" actId="207"/>
           <ac:spMkLst>
             <pc:docMk/>
             <pc:sldMk cId="1442687705" sldId="260"/>
@@ -635,7 +637,7 @@
           </ac:spMkLst>
         </pc:spChg>
         <pc:spChg chg="add mod">
-          <ac:chgData name="Tianhao Fu" userId="3c5ffcaadea6c056" providerId="LiveId" clId="{2628F682-DF01-404E-B59F-6BDA13BCEEDE}" dt="2024-07-24T10:50:50.991" v="3384" actId="208"/>
+          <ac:chgData name="Tianhao Fu" userId="3c5ffcaadea6c056" providerId="LiveId" clId="{2628F682-DF01-404E-B59F-6BDA13BCEEDE}" dt="2024-07-25T05:11:45.012" v="3993" actId="208"/>
           <ac:spMkLst>
             <pc:docMk/>
             <pc:sldMk cId="1442687705" sldId="260"/>
@@ -651,7 +653,7 @@
           </ac:spMkLst>
         </pc:spChg>
         <pc:spChg chg="add mod">
-          <ac:chgData name="Tianhao Fu" userId="3c5ffcaadea6c056" providerId="LiveId" clId="{2628F682-DF01-404E-B59F-6BDA13BCEEDE}" dt="2024-07-24T09:52:07.091" v="2965" actId="1076"/>
+          <ac:chgData name="Tianhao Fu" userId="3c5ffcaadea6c056" providerId="LiveId" clId="{2628F682-DF01-404E-B59F-6BDA13BCEEDE}" dt="2024-07-25T05:11:40.501" v="3992" actId="208"/>
           <ac:spMkLst>
             <pc:docMk/>
             <pc:sldMk cId="1442687705" sldId="260"/>
@@ -659,7 +661,7 @@
           </ac:spMkLst>
         </pc:spChg>
         <pc:spChg chg="add mod">
-          <ac:chgData name="Tianhao Fu" userId="3c5ffcaadea6c056" providerId="LiveId" clId="{2628F682-DF01-404E-B59F-6BDA13BCEEDE}" dt="2024-07-24T10:34:06.967" v="3363" actId="14100"/>
+          <ac:chgData name="Tianhao Fu" userId="3c5ffcaadea6c056" providerId="LiveId" clId="{2628F682-DF01-404E-B59F-6BDA13BCEEDE}" dt="2024-07-25T05:50:42.671" v="4398" actId="1076"/>
           <ac:spMkLst>
             <pc:docMk/>
             <pc:sldMk cId="1442687705" sldId="260"/>
@@ -667,7 +669,7 @@
           </ac:spMkLst>
         </pc:spChg>
         <pc:spChg chg="add mod">
-          <ac:chgData name="Tianhao Fu" userId="3c5ffcaadea6c056" providerId="LiveId" clId="{2628F682-DF01-404E-B59F-6BDA13BCEEDE}" dt="2024-07-24T10:34:38.483" v="3369" actId="1076"/>
+          <ac:chgData name="Tianhao Fu" userId="3c5ffcaadea6c056" providerId="LiveId" clId="{2628F682-DF01-404E-B59F-6BDA13BCEEDE}" dt="2024-07-25T05:50:56.749" v="4399" actId="1076"/>
           <ac:spMkLst>
             <pc:docMk/>
             <pc:sldMk cId="1442687705" sldId="260"/>
@@ -683,7 +685,7 @@
           </ac:spMkLst>
         </pc:spChg>
         <pc:spChg chg="add mod">
-          <ac:chgData name="Tianhao Fu" userId="3c5ffcaadea6c056" providerId="LiveId" clId="{2628F682-DF01-404E-B59F-6BDA13BCEEDE}" dt="2024-07-24T10:35:18.686" v="3378" actId="1076"/>
+          <ac:chgData name="Tianhao Fu" userId="3c5ffcaadea6c056" providerId="LiveId" clId="{2628F682-DF01-404E-B59F-6BDA13BCEEDE}" dt="2024-07-25T05:51:27.232" v="4403" actId="1076"/>
           <ac:spMkLst>
             <pc:docMk/>
             <pc:sldMk cId="1442687705" sldId="260"/>
@@ -691,7 +693,7 @@
           </ac:spMkLst>
         </pc:spChg>
         <pc:spChg chg="add mod">
-          <ac:chgData name="Tianhao Fu" userId="3c5ffcaadea6c056" providerId="LiveId" clId="{2628F682-DF01-404E-B59F-6BDA13BCEEDE}" dt="2024-07-24T10:35:25.864" v="3380" actId="14100"/>
+          <ac:chgData name="Tianhao Fu" userId="3c5ffcaadea6c056" providerId="LiveId" clId="{2628F682-DF01-404E-B59F-6BDA13BCEEDE}" dt="2024-07-25T05:54:14.516" v="4410" actId="1076"/>
           <ac:spMkLst>
             <pc:docMk/>
             <pc:sldMk cId="1442687705" sldId="260"/>
@@ -699,7 +701,7 @@
           </ac:spMkLst>
         </pc:spChg>
         <pc:spChg chg="add mod">
-          <ac:chgData name="Tianhao Fu" userId="3c5ffcaadea6c056" providerId="LiveId" clId="{2628F682-DF01-404E-B59F-6BDA13BCEEDE}" dt="2024-07-24T10:35:01.975" v="3375" actId="1076"/>
+          <ac:chgData name="Tianhao Fu" userId="3c5ffcaadea6c056" providerId="LiveId" clId="{2628F682-DF01-404E-B59F-6BDA13BCEEDE}" dt="2024-07-25T05:51:19.545" v="4402" actId="1076"/>
           <ac:spMkLst>
             <pc:docMk/>
             <pc:sldMk cId="1442687705" sldId="260"/>
@@ -707,7 +709,7 @@
           </ac:spMkLst>
         </pc:spChg>
         <pc:spChg chg="add mod">
-          <ac:chgData name="Tianhao Fu" userId="3c5ffcaadea6c056" providerId="LiveId" clId="{2628F682-DF01-404E-B59F-6BDA13BCEEDE}" dt="2024-07-24T10:34:17.287" v="3365" actId="14100"/>
+          <ac:chgData name="Tianhao Fu" userId="3c5ffcaadea6c056" providerId="LiveId" clId="{2628F682-DF01-404E-B59F-6BDA13BCEEDE}" dt="2024-07-25T05:53:52.088" v="4406" actId="1076"/>
           <ac:spMkLst>
             <pc:docMk/>
             <pc:sldMk cId="1442687705" sldId="260"/>
@@ -715,7 +717,7 @@
           </ac:spMkLst>
         </pc:spChg>
         <pc:spChg chg="add mod">
-          <ac:chgData name="Tianhao Fu" userId="3c5ffcaadea6c056" providerId="LiveId" clId="{2628F682-DF01-404E-B59F-6BDA13BCEEDE}" dt="2024-07-24T10:34:40.107" v="3370" actId="1076"/>
+          <ac:chgData name="Tianhao Fu" userId="3c5ffcaadea6c056" providerId="LiveId" clId="{2628F682-DF01-404E-B59F-6BDA13BCEEDE}" dt="2024-07-25T05:53:55.105" v="4407" actId="1076"/>
           <ac:spMkLst>
             <pc:docMk/>
             <pc:sldMk cId="1442687705" sldId="260"/>
@@ -723,7 +725,7 @@
           </ac:spMkLst>
         </pc:spChg>
         <pc:spChg chg="add mod">
-          <ac:chgData name="Tianhao Fu" userId="3c5ffcaadea6c056" providerId="LiveId" clId="{2628F682-DF01-404E-B59F-6BDA13BCEEDE}" dt="2024-07-24T10:35:29.241" v="3381" actId="14100"/>
+          <ac:chgData name="Tianhao Fu" userId="3c5ffcaadea6c056" providerId="LiveId" clId="{2628F682-DF01-404E-B59F-6BDA13BCEEDE}" dt="2024-07-25T05:54:10.674" v="4409" actId="1076"/>
           <ac:spMkLst>
             <pc:docMk/>
             <pc:sldMk cId="1442687705" sldId="260"/>
@@ -755,7 +757,7 @@
           </ac:picMkLst>
         </pc:picChg>
         <pc:picChg chg="add mod">
-          <ac:chgData name="Tianhao Fu" userId="3c5ffcaadea6c056" providerId="LiveId" clId="{2628F682-DF01-404E-B59F-6BDA13BCEEDE}" dt="2024-07-24T09:58:22.514" v="2998" actId="1076"/>
+          <ac:chgData name="Tianhao Fu" userId="3c5ffcaadea6c056" providerId="LiveId" clId="{2628F682-DF01-404E-B59F-6BDA13BCEEDE}" dt="2024-07-25T05:11:24.712" v="3990" actId="1076"/>
           <ac:picMkLst>
             <pc:docMk/>
             <pc:sldMk cId="1442687705" sldId="260"/>
@@ -763,7 +765,7 @@
           </ac:picMkLst>
         </pc:picChg>
         <pc:picChg chg="add mod">
-          <ac:chgData name="Tianhao Fu" userId="3c5ffcaadea6c056" providerId="LiveId" clId="{2628F682-DF01-404E-B59F-6BDA13BCEEDE}" dt="2024-07-24T09:58:17.805" v="2997" actId="1076"/>
+          <ac:chgData name="Tianhao Fu" userId="3c5ffcaadea6c056" providerId="LiveId" clId="{2628F682-DF01-404E-B59F-6BDA13BCEEDE}" dt="2024-07-25T05:11:49.587" v="3994" actId="207"/>
           <ac:picMkLst>
             <pc:docMk/>
             <pc:sldMk cId="1442687705" sldId="260"/>
@@ -794,13 +796,13 @@
         </pc:spChg>
       </pc:sldChg>
       <pc:sldChg chg="delSp modSp new mod setBg">
-        <pc:chgData name="Tianhao Fu" userId="3c5ffcaadea6c056" providerId="LiveId" clId="{2628F682-DF01-404E-B59F-6BDA13BCEEDE}" dt="2024-07-24T11:03:01.905" v="3419" actId="478"/>
+        <pc:chgData name="Tianhao Fu" userId="3c5ffcaadea6c056" providerId="LiveId" clId="{2628F682-DF01-404E-B59F-6BDA13BCEEDE}" dt="2024-07-25T04:37:59.117" v="3452"/>
         <pc:sldMkLst>
           <pc:docMk/>
           <pc:sldMk cId="1478565706" sldId="261"/>
         </pc:sldMkLst>
         <pc:spChg chg="mod">
-          <ac:chgData name="Tianhao Fu" userId="3c5ffcaadea6c056" providerId="LiveId" clId="{2628F682-DF01-404E-B59F-6BDA13BCEEDE}" dt="2024-07-24T11:02:51.481" v="3418" actId="242"/>
+          <ac:chgData name="Tianhao Fu" userId="3c5ffcaadea6c056" providerId="LiveId" clId="{2628F682-DF01-404E-B59F-6BDA13BCEEDE}" dt="2024-07-25T04:37:59.117" v="3452"/>
           <ac:spMkLst>
             <pc:docMk/>
             <pc:sldMk cId="1478565706" sldId="261"/>
@@ -816,6 +818,398 @@
           </ac:spMkLst>
         </pc:spChg>
       </pc:sldChg>
+      <pc:sldChg chg="add del setBg">
+        <pc:chgData name="Tianhao Fu" userId="3c5ffcaadea6c056" providerId="LiveId" clId="{2628F682-DF01-404E-B59F-6BDA13BCEEDE}" dt="2024-07-25T04:33:32.996" v="3443"/>
+        <pc:sldMkLst>
+          <pc:docMk/>
+          <pc:sldMk cId="1141025011" sldId="262"/>
+        </pc:sldMkLst>
+      </pc:sldChg>
+      <pc:sldChg chg="new del setBg">
+        <pc:chgData name="Tianhao Fu" userId="3c5ffcaadea6c056" providerId="LiveId" clId="{2628F682-DF01-404E-B59F-6BDA13BCEEDE}" dt="2024-07-25T04:56:16.324" v="3532" actId="2696"/>
+        <pc:sldMkLst>
+          <pc:docMk/>
+          <pc:sldMk cId="2548991580" sldId="262"/>
+        </pc:sldMkLst>
+      </pc:sldChg>
+      <pc:sldChg chg="new add del">
+        <pc:chgData name="Tianhao Fu" userId="3c5ffcaadea6c056" providerId="LiveId" clId="{2628F682-DF01-404E-B59F-6BDA13BCEEDE}" dt="2024-07-25T04:34:37.390" v="3447" actId="680"/>
+        <pc:sldMkLst>
+          <pc:docMk/>
+          <pc:sldMk cId="3396777172" sldId="262"/>
+        </pc:sldMkLst>
+      </pc:sldChg>
+      <pc:sldChg chg="addSp delSp modSp add mod setBg">
+        <pc:chgData name="Tianhao Fu" userId="3c5ffcaadea6c056" providerId="LiveId" clId="{2628F682-DF01-404E-B59F-6BDA13BCEEDE}" dt="2024-07-25T05:48:43.657" v="4389" actId="3064"/>
+        <pc:sldMkLst>
+          <pc:docMk/>
+          <pc:sldMk cId="1401013285" sldId="263"/>
+        </pc:sldMkLst>
+        <pc:spChg chg="add mod">
+          <ac:chgData name="Tianhao Fu" userId="3c5ffcaadea6c056" providerId="LiveId" clId="{2628F682-DF01-404E-B59F-6BDA13BCEEDE}" dt="2024-07-25T05:14:28.096" v="4043" actId="1076"/>
+          <ac:spMkLst>
+            <pc:docMk/>
+            <pc:sldMk cId="1401013285" sldId="263"/>
+            <ac:spMk id="2" creationId="{21CF1AE8-102D-9DA1-8132-D5ADB418D715}"/>
+          </ac:spMkLst>
+        </pc:spChg>
+        <pc:spChg chg="add mod">
+          <ac:chgData name="Tianhao Fu" userId="3c5ffcaadea6c056" providerId="LiveId" clId="{2628F682-DF01-404E-B59F-6BDA13BCEEDE}" dt="2024-07-25T05:08:29.013" v="3966" actId="208"/>
+          <ac:spMkLst>
+            <pc:docMk/>
+            <pc:sldMk cId="1401013285" sldId="263"/>
+            <ac:spMk id="3" creationId="{F849994B-D63D-6ACA-2213-0EC2C91AF7E4}"/>
+          </ac:spMkLst>
+        </pc:spChg>
+        <pc:spChg chg="add mod">
+          <ac:chgData name="Tianhao Fu" userId="3c5ffcaadea6c056" providerId="LiveId" clId="{2628F682-DF01-404E-B59F-6BDA13BCEEDE}" dt="2024-07-25T05:08:13.459" v="3962" actId="207"/>
+          <ac:spMkLst>
+            <pc:docMk/>
+            <pc:sldMk cId="1401013285" sldId="263"/>
+            <ac:spMk id="4" creationId="{CD0150C6-6EE7-52DC-CDAF-C74DC6CA9389}"/>
+          </ac:spMkLst>
+        </pc:spChg>
+        <pc:spChg chg="add mod">
+          <ac:chgData name="Tianhao Fu" userId="3c5ffcaadea6c056" providerId="LiveId" clId="{2628F682-DF01-404E-B59F-6BDA13BCEEDE}" dt="2024-07-25T05:08:17.069" v="3963" actId="207"/>
+          <ac:spMkLst>
+            <pc:docMk/>
+            <pc:sldMk cId="1401013285" sldId="263"/>
+            <ac:spMk id="5" creationId="{D269FEC9-60DD-F242-70FB-4634965E58EF}"/>
+          </ac:spMkLst>
+        </pc:spChg>
+        <pc:spChg chg="del mod">
+          <ac:chgData name="Tianhao Fu" userId="3c5ffcaadea6c056" providerId="LiveId" clId="{2628F682-DF01-404E-B59F-6BDA13BCEEDE}" dt="2024-07-25T04:58:43.288" v="3587" actId="478"/>
+          <ac:spMkLst>
+            <pc:docMk/>
+            <pc:sldMk cId="1401013285" sldId="263"/>
+            <ac:spMk id="9" creationId="{49E307C5-5510-6176-3A67-B1012F2EAAB4}"/>
+          </ac:spMkLst>
+        </pc:spChg>
+        <pc:spChg chg="mod">
+          <ac:chgData name="Tianhao Fu" userId="3c5ffcaadea6c056" providerId="LiveId" clId="{2628F682-DF01-404E-B59F-6BDA13BCEEDE}" dt="2024-07-25T05:48:43.657" v="4389" actId="3064"/>
+          <ac:spMkLst>
+            <pc:docMk/>
+            <pc:sldMk cId="1401013285" sldId="263"/>
+            <ac:spMk id="10" creationId="{760B2514-928F-6309-3B68-0B8287A0F32D}"/>
+          </ac:spMkLst>
+        </pc:spChg>
+        <pc:spChg chg="del mod">
+          <ac:chgData name="Tianhao Fu" userId="3c5ffcaadea6c056" providerId="LiveId" clId="{2628F682-DF01-404E-B59F-6BDA13BCEEDE}" dt="2024-07-25T04:59:21.395" v="3650" actId="478"/>
+          <ac:spMkLst>
+            <pc:docMk/>
+            <pc:sldMk cId="1401013285" sldId="263"/>
+            <ac:spMk id="11" creationId="{F5808D5F-7086-4266-0583-6981ED231DAF}"/>
+          </ac:spMkLst>
+        </pc:spChg>
+        <pc:spChg chg="mod">
+          <ac:chgData name="Tianhao Fu" userId="3c5ffcaadea6c056" providerId="LiveId" clId="{2628F682-DF01-404E-B59F-6BDA13BCEEDE}" dt="2024-07-25T05:08:23.649" v="3964" actId="208"/>
+          <ac:spMkLst>
+            <pc:docMk/>
+            <pc:sldMk cId="1401013285" sldId="263"/>
+            <ac:spMk id="12" creationId="{924C8CED-8197-33C3-18B9-BE5FF6DC7C86}"/>
+          </ac:spMkLst>
+        </pc:spChg>
+        <pc:spChg chg="del">
+          <ac:chgData name="Tianhao Fu" userId="3c5ffcaadea6c056" providerId="LiveId" clId="{2628F682-DF01-404E-B59F-6BDA13BCEEDE}" dt="2024-07-25T05:01:41.341" v="3788" actId="478"/>
+          <ac:spMkLst>
+            <pc:docMk/>
+            <pc:sldMk cId="1401013285" sldId="263"/>
+            <ac:spMk id="13" creationId="{09DED1D1-39DD-EF16-692F-9E3773284159}"/>
+          </ac:spMkLst>
+        </pc:spChg>
+        <pc:spChg chg="add mod">
+          <ac:chgData name="Tianhao Fu" userId="3c5ffcaadea6c056" providerId="LiveId" clId="{2628F682-DF01-404E-B59F-6BDA13BCEEDE}" dt="2024-07-25T05:47:23.072" v="4381" actId="1038"/>
+          <ac:spMkLst>
+            <pc:docMk/>
+            <pc:sldMk cId="1401013285" sldId="263"/>
+            <ac:spMk id="19" creationId="{CA330F27-4084-F55A-8401-B573720D9337}"/>
+          </ac:spMkLst>
+        </pc:spChg>
+        <pc:spChg chg="add mod">
+          <ac:chgData name="Tianhao Fu" userId="3c5ffcaadea6c056" providerId="LiveId" clId="{2628F682-DF01-404E-B59F-6BDA13BCEEDE}" dt="2024-07-25T05:47:23.072" v="4381" actId="1038"/>
+          <ac:spMkLst>
+            <pc:docMk/>
+            <pc:sldMk cId="1401013285" sldId="263"/>
+            <ac:spMk id="22" creationId="{42877CE5-AFE8-8328-705F-13A26DF28328}"/>
+          </ac:spMkLst>
+        </pc:spChg>
+        <pc:spChg chg="add mod">
+          <ac:chgData name="Tianhao Fu" userId="3c5ffcaadea6c056" providerId="LiveId" clId="{2628F682-DF01-404E-B59F-6BDA13BCEEDE}" dt="2024-07-25T05:47:23.072" v="4381" actId="1038"/>
+          <ac:spMkLst>
+            <pc:docMk/>
+            <pc:sldMk cId="1401013285" sldId="263"/>
+            <ac:spMk id="25" creationId="{1C1485C8-07C6-B18A-E271-633481E4AEB7}"/>
+          </ac:spMkLst>
+        </pc:spChg>
+        <pc:spChg chg="add mod">
+          <ac:chgData name="Tianhao Fu" userId="3c5ffcaadea6c056" providerId="LiveId" clId="{2628F682-DF01-404E-B59F-6BDA13BCEEDE}" dt="2024-07-25T05:47:23.072" v="4381" actId="1038"/>
+          <ac:spMkLst>
+            <pc:docMk/>
+            <pc:sldMk cId="1401013285" sldId="263"/>
+            <ac:spMk id="28" creationId="{08D717F8-9C58-39A1-D324-7E6964CA2153}"/>
+          </ac:spMkLst>
+        </pc:spChg>
+        <pc:picChg chg="add mod">
+          <ac:chgData name="Tianhao Fu" userId="3c5ffcaadea6c056" providerId="LiveId" clId="{2628F682-DF01-404E-B59F-6BDA13BCEEDE}" dt="2024-07-25T05:13:02.645" v="4012" actId="1036"/>
+          <ac:picMkLst>
+            <pc:docMk/>
+            <pc:sldMk cId="1401013285" sldId="263"/>
+            <ac:picMk id="7" creationId="{1B9D6AD9-3166-5F5D-661E-A02F0BE704D8}"/>
+          </ac:picMkLst>
+        </pc:picChg>
+        <pc:picChg chg="add mod">
+          <ac:chgData name="Tianhao Fu" userId="3c5ffcaadea6c056" providerId="LiveId" clId="{2628F682-DF01-404E-B59F-6BDA13BCEEDE}" dt="2024-07-25T05:13:04.548" v="4013" actId="1036"/>
+          <ac:picMkLst>
+            <pc:docMk/>
+            <pc:sldMk cId="1401013285" sldId="263"/>
+            <ac:picMk id="8" creationId="{4A2B5CFD-FAEF-A2BA-2779-3350D9BBE563}"/>
+          </ac:picMkLst>
+        </pc:picChg>
+        <pc:picChg chg="add mod">
+          <ac:chgData name="Tianhao Fu" userId="3c5ffcaadea6c056" providerId="LiveId" clId="{2628F682-DF01-404E-B59F-6BDA13BCEEDE}" dt="2024-07-25T05:16:51.867" v="4071" actId="1035"/>
+          <ac:picMkLst>
+            <pc:docMk/>
+            <pc:sldMk cId="1401013285" sldId="263"/>
+            <ac:picMk id="15" creationId="{42CE23DB-E834-AFAD-BD4C-365C1092C3FA}"/>
+          </ac:picMkLst>
+        </pc:picChg>
+        <pc:picChg chg="add mod">
+          <ac:chgData name="Tianhao Fu" userId="3c5ffcaadea6c056" providerId="LiveId" clId="{2628F682-DF01-404E-B59F-6BDA13BCEEDE}" dt="2024-07-25T05:17:06.418" v="4074" actId="1076"/>
+          <ac:picMkLst>
+            <pc:docMk/>
+            <pc:sldMk cId="1401013285" sldId="263"/>
+            <ac:picMk id="16" creationId="{12F35469-55C0-06A8-502A-1CEE79A0D05D}"/>
+          </ac:picMkLst>
+        </pc:picChg>
+        <pc:picChg chg="add mod">
+          <ac:chgData name="Tianhao Fu" userId="3c5ffcaadea6c056" providerId="LiveId" clId="{2628F682-DF01-404E-B59F-6BDA13BCEEDE}" dt="2024-07-25T05:17:35.598" v="4079" actId="1036"/>
+          <ac:picMkLst>
+            <pc:docMk/>
+            <pc:sldMk cId="1401013285" sldId="263"/>
+            <ac:picMk id="17" creationId="{61E89E14-C11E-BACC-2559-04010A88CF05}"/>
+          </ac:picMkLst>
+        </pc:picChg>
+        <pc:picChg chg="add mod">
+          <ac:chgData name="Tianhao Fu" userId="3c5ffcaadea6c056" providerId="LiveId" clId="{2628F682-DF01-404E-B59F-6BDA13BCEEDE}" dt="2024-07-25T05:47:23.072" v="4381" actId="1038"/>
+          <ac:picMkLst>
+            <pc:docMk/>
+            <pc:sldMk cId="1401013285" sldId="263"/>
+            <ac:picMk id="18" creationId="{CFEA909F-7958-0C7E-19CF-9A1E8C6978B0}"/>
+          </ac:picMkLst>
+        </pc:picChg>
+        <pc:picChg chg="add mod">
+          <ac:chgData name="Tianhao Fu" userId="3c5ffcaadea6c056" providerId="LiveId" clId="{2628F682-DF01-404E-B59F-6BDA13BCEEDE}" dt="2024-07-25T05:19:56.533" v="4155" actId="1076"/>
+          <ac:picMkLst>
+            <pc:docMk/>
+            <pc:sldMk cId="1401013285" sldId="263"/>
+            <ac:picMk id="20" creationId="{93CC8581-ECC4-4D52-D1F5-E6E5AD6EB5F0}"/>
+          </ac:picMkLst>
+        </pc:picChg>
+        <pc:picChg chg="add mod">
+          <ac:chgData name="Tianhao Fu" userId="3c5ffcaadea6c056" providerId="LiveId" clId="{2628F682-DF01-404E-B59F-6BDA13BCEEDE}" dt="2024-07-25T05:47:23.072" v="4381" actId="1038"/>
+          <ac:picMkLst>
+            <pc:docMk/>
+            <pc:sldMk cId="1401013285" sldId="263"/>
+            <ac:picMk id="21" creationId="{918383C2-F7D9-0822-D1B6-AFC5B355629E}"/>
+          </ac:picMkLst>
+        </pc:picChg>
+        <pc:picChg chg="add mod">
+          <ac:chgData name="Tianhao Fu" userId="3c5ffcaadea6c056" providerId="LiveId" clId="{2628F682-DF01-404E-B59F-6BDA13BCEEDE}" dt="2024-07-25T05:47:23.072" v="4381" actId="1038"/>
+          <ac:picMkLst>
+            <pc:docMk/>
+            <pc:sldMk cId="1401013285" sldId="263"/>
+            <ac:picMk id="24" creationId="{C26CD685-A2F6-EB66-ED09-F1D1A7C5283B}"/>
+          </ac:picMkLst>
+        </pc:picChg>
+        <pc:picChg chg="add mod">
+          <ac:chgData name="Tianhao Fu" userId="3c5ffcaadea6c056" providerId="LiveId" clId="{2628F682-DF01-404E-B59F-6BDA13BCEEDE}" dt="2024-07-25T05:47:23.072" v="4381" actId="1038"/>
+          <ac:picMkLst>
+            <pc:docMk/>
+            <pc:sldMk cId="1401013285" sldId="263"/>
+            <ac:picMk id="27" creationId="{D5DA8FED-69BD-6FB5-1D66-B8B210F1E22A}"/>
+          </ac:picMkLst>
+        </pc:picChg>
+        <pc:picChg chg="add del mod">
+          <ac:chgData name="Tianhao Fu" userId="3c5ffcaadea6c056" providerId="LiveId" clId="{2628F682-DF01-404E-B59F-6BDA13BCEEDE}" dt="2024-07-25T05:47:29.031" v="4383" actId="478"/>
+          <ac:picMkLst>
+            <pc:docMk/>
+            <pc:sldMk cId="1401013285" sldId="263"/>
+            <ac:picMk id="29" creationId="{A7CCB8B0-DD65-F01B-F525-9828FB0A7F9F}"/>
+          </ac:picMkLst>
+        </pc:picChg>
+        <pc:picChg chg="add mod">
+          <ac:chgData name="Tianhao Fu" userId="3c5ffcaadea6c056" providerId="LiveId" clId="{2628F682-DF01-404E-B59F-6BDA13BCEEDE}" dt="2024-07-25T05:47:40.046" v="4385" actId="1076"/>
+          <ac:picMkLst>
+            <pc:docMk/>
+            <pc:sldMk cId="1401013285" sldId="263"/>
+            <ac:picMk id="30" creationId="{354CD114-196A-645C-59A7-CC138D8F83F5}"/>
+          </ac:picMkLst>
+        </pc:picChg>
+      </pc:sldChg>
+      <pc:sldChg chg="add del setBg">
+        <pc:chgData name="Tianhao Fu" userId="3c5ffcaadea6c056" providerId="LiveId" clId="{2628F682-DF01-404E-B59F-6BDA13BCEEDE}" dt="2024-07-25T04:28:37.745" v="3424"/>
+        <pc:sldMkLst>
+          <pc:docMk/>
+          <pc:sldMk cId="1616406476" sldId="263"/>
+        </pc:sldMkLst>
+      </pc:sldChg>
+      <pc:sldChg chg="add del setBg">
+        <pc:chgData name="Tianhao Fu" userId="3c5ffcaadea6c056" providerId="LiveId" clId="{2628F682-DF01-404E-B59F-6BDA13BCEEDE}" dt="2024-07-25T05:56:49.093" v="4412" actId="2696"/>
+        <pc:sldMkLst>
+          <pc:docMk/>
+          <pc:sldMk cId="958355017" sldId="264"/>
+        </pc:sldMkLst>
+      </pc:sldChg>
+      <pc:sldChg chg="delSp modSp add mod setBg">
+        <pc:chgData name="Tianhao Fu" userId="3c5ffcaadea6c056" providerId="LiveId" clId="{2628F682-DF01-404E-B59F-6BDA13BCEEDE}" dt="2024-07-25T05:58:24.584" v="4443" actId="478"/>
+        <pc:sldMkLst>
+          <pc:docMk/>
+          <pc:sldMk cId="1391951025" sldId="264"/>
+        </pc:sldMkLst>
+        <pc:spChg chg="mod">
+          <ac:chgData name="Tianhao Fu" userId="3c5ffcaadea6c056" providerId="LiveId" clId="{2628F682-DF01-404E-B59F-6BDA13BCEEDE}" dt="2024-07-25T05:57:07.411" v="4437" actId="207"/>
+          <ac:spMkLst>
+            <pc:docMk/>
+            <pc:sldMk cId="1391951025" sldId="264"/>
+            <ac:spMk id="2" creationId="{8699D222-16D9-B56F-D1A7-EF42B3137189}"/>
+          </ac:spMkLst>
+        </pc:spChg>
+        <pc:spChg chg="del">
+          <ac:chgData name="Tianhao Fu" userId="3c5ffcaadea6c056" providerId="LiveId" clId="{2628F682-DF01-404E-B59F-6BDA13BCEEDE}" dt="2024-07-25T05:58:24.584" v="4443" actId="478"/>
+          <ac:spMkLst>
+            <pc:docMk/>
+            <pc:sldMk cId="1391951025" sldId="264"/>
+            <ac:spMk id="13" creationId="{1FF3259D-980D-B79C-3A5D-732B2C397373}"/>
+          </ac:spMkLst>
+        </pc:spChg>
+        <pc:spChg chg="del">
+          <ac:chgData name="Tianhao Fu" userId="3c5ffcaadea6c056" providerId="LiveId" clId="{2628F682-DF01-404E-B59F-6BDA13BCEEDE}" dt="2024-07-25T05:58:24.584" v="4443" actId="478"/>
+          <ac:spMkLst>
+            <pc:docMk/>
+            <pc:sldMk cId="1391951025" sldId="264"/>
+            <ac:spMk id="14" creationId="{4AF114A6-698C-CAF4-47C5-A4B9B3A8BB57}"/>
+          </ac:spMkLst>
+        </pc:spChg>
+        <pc:spChg chg="del">
+          <ac:chgData name="Tianhao Fu" userId="3c5ffcaadea6c056" providerId="LiveId" clId="{2628F682-DF01-404E-B59F-6BDA13BCEEDE}" dt="2024-07-25T05:58:24.584" v="4443" actId="478"/>
+          <ac:spMkLst>
+            <pc:docMk/>
+            <pc:sldMk cId="1391951025" sldId="264"/>
+            <ac:spMk id="17" creationId="{49671BFB-9538-FF31-36AE-AD0D96A0E63F}"/>
+          </ac:spMkLst>
+        </pc:spChg>
+        <pc:spChg chg="del">
+          <ac:chgData name="Tianhao Fu" userId="3c5ffcaadea6c056" providerId="LiveId" clId="{2628F682-DF01-404E-B59F-6BDA13BCEEDE}" dt="2024-07-25T05:58:24.584" v="4443" actId="478"/>
+          <ac:spMkLst>
+            <pc:docMk/>
+            <pc:sldMk cId="1391951025" sldId="264"/>
+            <ac:spMk id="20" creationId="{54EE3E2A-9325-E8DA-570F-496965B80413}"/>
+          </ac:spMkLst>
+        </pc:spChg>
+        <pc:spChg chg="del">
+          <ac:chgData name="Tianhao Fu" userId="3c5ffcaadea6c056" providerId="LiveId" clId="{2628F682-DF01-404E-B59F-6BDA13BCEEDE}" dt="2024-07-25T05:58:24.584" v="4443" actId="478"/>
+          <ac:spMkLst>
+            <pc:docMk/>
+            <pc:sldMk cId="1391951025" sldId="264"/>
+            <ac:spMk id="21" creationId="{9D7B57DF-2AE9-0F7A-9B1D-1660B63512DF}"/>
+          </ac:spMkLst>
+        </pc:spChg>
+        <pc:spChg chg="del">
+          <ac:chgData name="Tianhao Fu" userId="3c5ffcaadea6c056" providerId="LiveId" clId="{2628F682-DF01-404E-B59F-6BDA13BCEEDE}" dt="2024-07-25T05:58:24.584" v="4443" actId="478"/>
+          <ac:spMkLst>
+            <pc:docMk/>
+            <pc:sldMk cId="1391951025" sldId="264"/>
+            <ac:spMk id="33" creationId="{898CBA67-B1E7-C446-E328-DF27A6A65472}"/>
+          </ac:spMkLst>
+        </pc:spChg>
+        <pc:spChg chg="del">
+          <ac:chgData name="Tianhao Fu" userId="3c5ffcaadea6c056" providerId="LiveId" clId="{2628F682-DF01-404E-B59F-6BDA13BCEEDE}" dt="2024-07-25T05:58:24.584" v="4443" actId="478"/>
+          <ac:spMkLst>
+            <pc:docMk/>
+            <pc:sldMk cId="1391951025" sldId="264"/>
+            <ac:spMk id="34" creationId="{610360A3-60CA-1A96-7AAE-3B53674D34B6}"/>
+          </ac:spMkLst>
+        </pc:spChg>
+        <pc:spChg chg="del">
+          <ac:chgData name="Tianhao Fu" userId="3c5ffcaadea6c056" providerId="LiveId" clId="{2628F682-DF01-404E-B59F-6BDA13BCEEDE}" dt="2024-07-25T05:58:24.584" v="4443" actId="478"/>
+          <ac:spMkLst>
+            <pc:docMk/>
+            <pc:sldMk cId="1391951025" sldId="264"/>
+            <ac:spMk id="35" creationId="{0F48323D-A2B5-260C-8678-B5F0A6A8A737}"/>
+          </ac:spMkLst>
+        </pc:spChg>
+        <pc:spChg chg="del">
+          <ac:chgData name="Tianhao Fu" userId="3c5ffcaadea6c056" providerId="LiveId" clId="{2628F682-DF01-404E-B59F-6BDA13BCEEDE}" dt="2024-07-25T05:58:24.584" v="4443" actId="478"/>
+          <ac:spMkLst>
+            <pc:docMk/>
+            <pc:sldMk cId="1391951025" sldId="264"/>
+            <ac:spMk id="57" creationId="{8852AD21-42C3-6AD8-C6F1-C6DBEF6E96F2}"/>
+          </ac:spMkLst>
+        </pc:spChg>
+        <pc:cxnChg chg="del mod">
+          <ac:chgData name="Tianhao Fu" userId="3c5ffcaadea6c056" providerId="LiveId" clId="{2628F682-DF01-404E-B59F-6BDA13BCEEDE}" dt="2024-07-25T05:58:24.584" v="4443" actId="478"/>
+          <ac:cxnSpMkLst>
+            <pc:docMk/>
+            <pc:sldMk cId="1391951025" sldId="264"/>
+            <ac:cxnSpMk id="23" creationId="{69B81918-538D-AA4E-1E5A-8C2216E36F9D}"/>
+          </ac:cxnSpMkLst>
+        </pc:cxnChg>
+        <pc:cxnChg chg="del mod">
+          <ac:chgData name="Tianhao Fu" userId="3c5ffcaadea6c056" providerId="LiveId" clId="{2628F682-DF01-404E-B59F-6BDA13BCEEDE}" dt="2024-07-25T05:58:24.584" v="4443" actId="478"/>
+          <ac:cxnSpMkLst>
+            <pc:docMk/>
+            <pc:sldMk cId="1391951025" sldId="264"/>
+            <ac:cxnSpMk id="27" creationId="{BD0CD2FC-7387-65D2-ABA1-5F02D9203B64}"/>
+          </ac:cxnSpMkLst>
+        </pc:cxnChg>
+        <pc:cxnChg chg="del mod">
+          <ac:chgData name="Tianhao Fu" userId="3c5ffcaadea6c056" providerId="LiveId" clId="{2628F682-DF01-404E-B59F-6BDA13BCEEDE}" dt="2024-07-25T05:58:24.584" v="4443" actId="478"/>
+          <ac:cxnSpMkLst>
+            <pc:docMk/>
+            <pc:sldMk cId="1391951025" sldId="264"/>
+            <ac:cxnSpMk id="37" creationId="{0A47C5EB-9118-EAB0-2321-B67BF92D107D}"/>
+          </ac:cxnSpMkLst>
+        </pc:cxnChg>
+        <pc:cxnChg chg="del mod">
+          <ac:chgData name="Tianhao Fu" userId="3c5ffcaadea6c056" providerId="LiveId" clId="{2628F682-DF01-404E-B59F-6BDA13BCEEDE}" dt="2024-07-25T05:58:24.584" v="4443" actId="478"/>
+          <ac:cxnSpMkLst>
+            <pc:docMk/>
+            <pc:sldMk cId="1391951025" sldId="264"/>
+            <ac:cxnSpMk id="48" creationId="{92A5A2A6-3084-9F70-6B3D-2226F2CBE167}"/>
+          </ac:cxnSpMkLst>
+        </pc:cxnChg>
+        <pc:cxnChg chg="del mod">
+          <ac:chgData name="Tianhao Fu" userId="3c5ffcaadea6c056" providerId="LiveId" clId="{2628F682-DF01-404E-B59F-6BDA13BCEEDE}" dt="2024-07-25T05:58:24.584" v="4443" actId="478"/>
+          <ac:cxnSpMkLst>
+            <pc:docMk/>
+            <pc:sldMk cId="1391951025" sldId="264"/>
+            <ac:cxnSpMk id="51" creationId="{E167C354-8A79-6202-60C4-09454A54173B}"/>
+          </ac:cxnSpMkLst>
+        </pc:cxnChg>
+        <pc:cxnChg chg="del mod">
+          <ac:chgData name="Tianhao Fu" userId="3c5ffcaadea6c056" providerId="LiveId" clId="{2628F682-DF01-404E-B59F-6BDA13BCEEDE}" dt="2024-07-25T05:58:24.584" v="4443" actId="478"/>
+          <ac:cxnSpMkLst>
+            <pc:docMk/>
+            <pc:sldMk cId="1391951025" sldId="264"/>
+            <ac:cxnSpMk id="58" creationId="{910A9505-960F-476E-1BD9-6676355CD59E}"/>
+          </ac:cxnSpMkLst>
+        </pc:cxnChg>
+        <pc:cxnChg chg="del mod">
+          <ac:chgData name="Tianhao Fu" userId="3c5ffcaadea6c056" providerId="LiveId" clId="{2628F682-DF01-404E-B59F-6BDA13BCEEDE}" dt="2024-07-25T05:58:24.584" v="4443" actId="478"/>
+          <ac:cxnSpMkLst>
+            <pc:docMk/>
+            <pc:sldMk cId="1391951025" sldId="264"/>
+            <ac:cxnSpMk id="63" creationId="{A4256477-A514-2DBE-0C2A-7B3617760D5D}"/>
+          </ac:cxnSpMkLst>
+        </pc:cxnChg>
+      </pc:sldChg>
+      <pc:sldMasterChg chg="setBg">
+        <pc:chgData name="Tianhao Fu" userId="3c5ffcaadea6c056" providerId="LiveId" clId="{2628F682-DF01-404E-B59F-6BDA13BCEEDE}" dt="2024-07-25T04:34:33.498" v="3445"/>
+        <pc:sldMasterMkLst>
+          <pc:docMk/>
+          <pc:sldMasterMk cId="2682454756" sldId="2147483648"/>
+        </pc:sldMasterMkLst>
+      </pc:sldMasterChg>
     </pc:docChg>
   </pc:docChgLst>
   <pc:docChgLst>
@@ -935,7 +1329,7 @@
           <a:p>
             <a:fld id="{0FC8290A-0E42-2F47-A033-0833A59CB4B8}" type="datetimeFigureOut">
               <a:rPr lang="en-US" smtClean="0"/>
-              <a:t>7/24/24</a:t>
+              <a:t>7/25/24</a:t>
             </a:fld>
             <a:endParaRPr lang="en-US"/>
           </a:p>
@@ -1202,6 +1596,90 @@
 </p:notesMaster>
 </file>
 
+<file path=ppt/notesSlides/notesSlide1.xml><?xml version="1.0" encoding="utf-8"?>
+<p:notes xmlns:a="http://schemas.openxmlformats.org/drawingml/2006/main" xmlns:r="http://schemas.openxmlformats.org/officeDocument/2006/relationships" xmlns:p="http://schemas.openxmlformats.org/presentationml/2006/main">
+  <p:cSld>
+    <p:spTree>
+      <p:nvGrpSpPr>
+        <p:cNvPr id="1" name=""/>
+        <p:cNvGrpSpPr/>
+        <p:nvPr/>
+      </p:nvGrpSpPr>
+      <p:grpSpPr>
+        <a:xfrm>
+          <a:off x="0" y="0"/>
+          <a:ext cx="0" cy="0"/>
+          <a:chOff x="0" y="0"/>
+          <a:chExt cx="0" cy="0"/>
+        </a:xfrm>
+      </p:grpSpPr>
+      <p:sp>
+        <p:nvSpPr>
+          <p:cNvPr id="2" name="Slide Image Placeholder 1"/>
+          <p:cNvSpPr>
+            <a:spLocks noGrp="1" noRot="1" noChangeAspect="1"/>
+          </p:cNvSpPr>
+          <p:nvPr>
+            <p:ph type="sldImg"/>
+          </p:nvPr>
+        </p:nvSpPr>
+        <p:spPr/>
+      </p:sp>
+      <p:sp>
+        <p:nvSpPr>
+          <p:cNvPr id="3" name="Notes Placeholder 2"/>
+          <p:cNvSpPr>
+            <a:spLocks noGrp="1"/>
+          </p:cNvSpPr>
+          <p:nvPr>
+            <p:ph type="body" idx="1"/>
+          </p:nvPr>
+        </p:nvSpPr>
+        <p:spPr/>
+        <p:txBody>
+          <a:bodyPr/>
+          <a:lstStyle/>
+          <a:p>
+            <a:endParaRPr lang="en-US" dirty="0"/>
+          </a:p>
+        </p:txBody>
+      </p:sp>
+      <p:sp>
+        <p:nvSpPr>
+          <p:cNvPr id="4" name="Slide Number Placeholder 3"/>
+          <p:cNvSpPr>
+            <a:spLocks noGrp="1"/>
+          </p:cNvSpPr>
+          <p:nvPr>
+            <p:ph type="sldNum" sz="quarter" idx="5"/>
+          </p:nvPr>
+        </p:nvSpPr>
+        <p:spPr/>
+        <p:txBody>
+          <a:bodyPr/>
+          <a:lstStyle/>
+          <a:p>
+            <a:fld id="{7A965B42-9ED9-2B41-87DB-75DA12D8B177}" type="slidenum">
+              <a:rPr lang="en-US" smtClean="0"/>
+              <a:t>1</a:t>
+            </a:fld>
+            <a:endParaRPr lang="en-US"/>
+          </a:p>
+        </p:txBody>
+      </p:sp>
+    </p:spTree>
+    <p:extLst>
+      <p:ext uri="{BB962C8B-B14F-4D97-AF65-F5344CB8AC3E}">
+        <p14:creationId xmlns:p14="http://schemas.microsoft.com/office/powerpoint/2010/main" val="4122823645"/>
+      </p:ext>
+    </p:extLst>
+  </p:cSld>
+  <p:clrMapOvr>
+    <a:masterClrMapping/>
+  </p:clrMapOvr>
+</p:notes>
+</file>
+
 <file path=ppt/slideLayouts/slideLayout1.xml><?xml version="1.0" encoding="utf-8"?>
 <p:sldLayout xmlns:a="http://schemas.openxmlformats.org/drawingml/2006/main" xmlns:r="http://schemas.openxmlformats.org/officeDocument/2006/relationships" xmlns:p="http://schemas.openxmlformats.org/presentationml/2006/main" type="title" preserve="1">
   <p:cSld name="Title Slide">
@@ -1221,13 +1699,7 @@
       </p:grpSpPr>
       <p:sp>
         <p:nvSpPr>
-          <p:cNvPr id="2" name="Title 1">
-            <a:extLst>
-              <a:ext uri="{FF2B5EF4-FFF2-40B4-BE49-F238E27FC236}">
-                <a16:creationId xmlns:a16="http://schemas.microsoft.com/office/drawing/2014/main" id="{C9AA6228-304F-85B3-2974-E95D3BD4E54A}"/>
-              </a:ext>
-            </a:extLst>
-          </p:cNvPr>
+          <p:cNvPr id="2" name="Title 1"/>
           <p:cNvSpPr>
             <a:spLocks noGrp="1"/>
           </p:cNvSpPr>
@@ -1253,18 +1725,13 @@
               <a:rPr lang="en-US"/>
               <a:t>Click to edit Master title style</a:t>
             </a:r>
-          </a:p>
-        </p:txBody>
-      </p:sp>
-      <p:sp>
-        <p:nvSpPr>
-          <p:cNvPr id="3" name="Subtitle 2">
-            <a:extLst>
-              <a:ext uri="{FF2B5EF4-FFF2-40B4-BE49-F238E27FC236}">
-                <a16:creationId xmlns:a16="http://schemas.microsoft.com/office/drawing/2014/main" id="{E75873DA-0840-1388-B906-079FE7B1257E}"/>
-              </a:ext>
-            </a:extLst>
-          </p:cNvPr>
+            <a:endParaRPr lang="en-US" dirty="0"/>
+          </a:p>
+        </p:txBody>
+      </p:sp>
+      <p:sp>
+        <p:nvSpPr>
+          <p:cNvPr id="3" name="Subtitle 2"/>
           <p:cNvSpPr>
             <a:spLocks noGrp="1"/>
           </p:cNvSpPr>
@@ -1323,18 +1790,13 @@
               <a:rPr lang="en-US"/>
               <a:t>Click to edit Master subtitle style</a:t>
             </a:r>
-          </a:p>
-        </p:txBody>
-      </p:sp>
-      <p:sp>
-        <p:nvSpPr>
-          <p:cNvPr id="4" name="Date Placeholder 3">
-            <a:extLst>
-              <a:ext uri="{FF2B5EF4-FFF2-40B4-BE49-F238E27FC236}">
-                <a16:creationId xmlns:a16="http://schemas.microsoft.com/office/drawing/2014/main" id="{7B448775-A9A1-7100-7BF8-E998E57A43E2}"/>
-              </a:ext>
-            </a:extLst>
-          </p:cNvPr>
+            <a:endParaRPr lang="en-US" dirty="0"/>
+          </a:p>
+        </p:txBody>
+      </p:sp>
+      <p:sp>
+        <p:nvSpPr>
+          <p:cNvPr id="4" name="Date Placeholder 3"/>
           <p:cNvSpPr>
             <a:spLocks noGrp="1"/>
           </p:cNvSpPr>
@@ -1349,7 +1811,7 @@
           <a:p>
             <a:fld id="{EB14851A-53D1-B04B-AD6B-CB7FEFB4C1FD}" type="datetimeFigureOut">
               <a:rPr lang="en-US" smtClean="0"/>
-              <a:t>7/24/24</a:t>
+              <a:t>7/25/24</a:t>
             </a:fld>
             <a:endParaRPr lang="en-US"/>
           </a:p>
@@ -1357,13 +1819,7 @@
       </p:sp>
       <p:sp>
         <p:nvSpPr>
-          <p:cNvPr id="5" name="Footer Placeholder 4">
-            <a:extLst>
-              <a:ext uri="{FF2B5EF4-FFF2-40B4-BE49-F238E27FC236}">
-                <a16:creationId xmlns:a16="http://schemas.microsoft.com/office/drawing/2014/main" id="{8CDFF148-B4DE-2AEE-B171-FBEF94969071}"/>
-              </a:ext>
-            </a:extLst>
-          </p:cNvPr>
+          <p:cNvPr id="5" name="Footer Placeholder 4"/>
           <p:cNvSpPr>
             <a:spLocks noGrp="1"/>
           </p:cNvSpPr>
@@ -1382,13 +1838,7 @@
       </p:sp>
       <p:sp>
         <p:nvSpPr>
-          <p:cNvPr id="6" name="Slide Number Placeholder 5">
-            <a:extLst>
-              <a:ext uri="{FF2B5EF4-FFF2-40B4-BE49-F238E27FC236}">
-                <a16:creationId xmlns:a16="http://schemas.microsoft.com/office/drawing/2014/main" id="{7F584A8A-D3F5-D5C0-72BB-EBC54A6F970E}"/>
-              </a:ext>
-            </a:extLst>
-          </p:cNvPr>
+          <p:cNvPr id="6" name="Slide Number Placeholder 5"/>
           <p:cNvSpPr>
             <a:spLocks noGrp="1"/>
           </p:cNvSpPr>
@@ -1412,7 +1862,7 @@
     </p:spTree>
     <p:extLst>
       <p:ext uri="{BB962C8B-B14F-4D97-AF65-F5344CB8AC3E}">
-        <p14:creationId xmlns:p14="http://schemas.microsoft.com/office/powerpoint/2010/main" val="2048431772"/>
+        <p14:creationId xmlns:p14="http://schemas.microsoft.com/office/powerpoint/2010/main" val="4066414041"/>
       </p:ext>
     </p:extLst>
   </p:cSld>
@@ -1441,13 +1891,7 @@
       </p:grpSpPr>
       <p:sp>
         <p:nvSpPr>
-          <p:cNvPr id="2" name="Title 1">
-            <a:extLst>
-              <a:ext uri="{FF2B5EF4-FFF2-40B4-BE49-F238E27FC236}">
-                <a16:creationId xmlns:a16="http://schemas.microsoft.com/office/drawing/2014/main" id="{BBD73BF9-E832-A242-D518-041AD8AB8E97}"/>
-              </a:ext>
-            </a:extLst>
-          </p:cNvPr>
+          <p:cNvPr id="2" name="Title 1"/>
           <p:cNvSpPr>
             <a:spLocks noGrp="1"/>
           </p:cNvSpPr>
@@ -1464,18 +1908,13 @@
               <a:rPr lang="en-US"/>
               <a:t>Click to edit Master title style</a:t>
             </a:r>
-          </a:p>
-        </p:txBody>
-      </p:sp>
-      <p:sp>
-        <p:nvSpPr>
-          <p:cNvPr id="3" name="Vertical Text Placeholder 2">
-            <a:extLst>
-              <a:ext uri="{FF2B5EF4-FFF2-40B4-BE49-F238E27FC236}">
-                <a16:creationId xmlns:a16="http://schemas.microsoft.com/office/drawing/2014/main" id="{974404D3-F23A-3DAA-02D4-C32E2087D6D0}"/>
-              </a:ext>
-            </a:extLst>
-          </p:cNvPr>
+            <a:endParaRPr lang="en-US" dirty="0"/>
+          </a:p>
+        </p:txBody>
+      </p:sp>
+      <p:sp>
+        <p:nvSpPr>
+          <p:cNvPr id="3" name="Vertical Text Placeholder 2"/>
           <p:cNvSpPr>
             <a:spLocks noGrp="1"/>
           </p:cNvSpPr>
@@ -1521,18 +1960,13 @@
               <a:rPr lang="en-US"/>
               <a:t>Fifth level</a:t>
             </a:r>
-          </a:p>
-        </p:txBody>
-      </p:sp>
-      <p:sp>
-        <p:nvSpPr>
-          <p:cNvPr id="4" name="Date Placeholder 3">
-            <a:extLst>
-              <a:ext uri="{FF2B5EF4-FFF2-40B4-BE49-F238E27FC236}">
-                <a16:creationId xmlns:a16="http://schemas.microsoft.com/office/drawing/2014/main" id="{FDFA2579-8C58-067C-19CF-43C8480F4249}"/>
-              </a:ext>
-            </a:extLst>
-          </p:cNvPr>
+            <a:endParaRPr lang="en-US" dirty="0"/>
+          </a:p>
+        </p:txBody>
+      </p:sp>
+      <p:sp>
+        <p:nvSpPr>
+          <p:cNvPr id="4" name="Date Placeholder 3"/>
           <p:cNvSpPr>
             <a:spLocks noGrp="1"/>
           </p:cNvSpPr>
@@ -1547,7 +1981,7 @@
           <a:p>
             <a:fld id="{EB14851A-53D1-B04B-AD6B-CB7FEFB4C1FD}" type="datetimeFigureOut">
               <a:rPr lang="en-US" smtClean="0"/>
-              <a:t>7/24/24</a:t>
+              <a:t>7/25/24</a:t>
             </a:fld>
             <a:endParaRPr lang="en-US"/>
           </a:p>
@@ -1555,13 +1989,7 @@
       </p:sp>
       <p:sp>
         <p:nvSpPr>
-          <p:cNvPr id="5" name="Footer Placeholder 4">
-            <a:extLst>
-              <a:ext uri="{FF2B5EF4-FFF2-40B4-BE49-F238E27FC236}">
-                <a16:creationId xmlns:a16="http://schemas.microsoft.com/office/drawing/2014/main" id="{C5D26AEA-7CA6-20E0-E1E6-85FB40D13C0F}"/>
-              </a:ext>
-            </a:extLst>
-          </p:cNvPr>
+          <p:cNvPr id="5" name="Footer Placeholder 4"/>
           <p:cNvSpPr>
             <a:spLocks noGrp="1"/>
           </p:cNvSpPr>
@@ -1580,13 +2008,7 @@
       </p:sp>
       <p:sp>
         <p:nvSpPr>
-          <p:cNvPr id="6" name="Slide Number Placeholder 5">
-            <a:extLst>
-              <a:ext uri="{FF2B5EF4-FFF2-40B4-BE49-F238E27FC236}">
-                <a16:creationId xmlns:a16="http://schemas.microsoft.com/office/drawing/2014/main" id="{B2108016-4EDB-51D5-734F-225CA63FC33D}"/>
-              </a:ext>
-            </a:extLst>
-          </p:cNvPr>
+          <p:cNvPr id="6" name="Slide Number Placeholder 5"/>
           <p:cNvSpPr>
             <a:spLocks noGrp="1"/>
           </p:cNvSpPr>
@@ -1610,7 +2032,7 @@
     </p:spTree>
     <p:extLst>
       <p:ext uri="{BB962C8B-B14F-4D97-AF65-F5344CB8AC3E}">
-        <p14:creationId xmlns:p14="http://schemas.microsoft.com/office/powerpoint/2010/main" val="3807955413"/>
+        <p14:creationId xmlns:p14="http://schemas.microsoft.com/office/powerpoint/2010/main" val="821656521"/>
       </p:ext>
     </p:extLst>
   </p:cSld>
@@ -1639,13 +2061,7 @@
       </p:grpSpPr>
       <p:sp>
         <p:nvSpPr>
-          <p:cNvPr id="2" name="Vertical Title 1">
-            <a:extLst>
-              <a:ext uri="{FF2B5EF4-FFF2-40B4-BE49-F238E27FC236}">
-                <a16:creationId xmlns:a16="http://schemas.microsoft.com/office/drawing/2014/main" id="{8F84150D-BC23-157C-ABD1-76FE009272D5}"/>
-              </a:ext>
-            </a:extLst>
-          </p:cNvPr>
+          <p:cNvPr id="2" name="Vertical Title 1"/>
           <p:cNvSpPr>
             <a:spLocks noGrp="1"/>
           </p:cNvSpPr>
@@ -1667,18 +2083,13 @@
               <a:rPr lang="en-US"/>
               <a:t>Click to edit Master title style</a:t>
             </a:r>
-          </a:p>
-        </p:txBody>
-      </p:sp>
-      <p:sp>
-        <p:nvSpPr>
-          <p:cNvPr id="3" name="Vertical Text Placeholder 2">
-            <a:extLst>
-              <a:ext uri="{FF2B5EF4-FFF2-40B4-BE49-F238E27FC236}">
-                <a16:creationId xmlns:a16="http://schemas.microsoft.com/office/drawing/2014/main" id="{19BAA7C7-0450-40DA-A3AA-6BD030E658AB}"/>
-              </a:ext>
-            </a:extLst>
-          </p:cNvPr>
+            <a:endParaRPr lang="en-US" dirty="0"/>
+          </a:p>
+        </p:txBody>
+      </p:sp>
+      <p:sp>
+        <p:nvSpPr>
+          <p:cNvPr id="3" name="Vertical Text Placeholder 2"/>
           <p:cNvSpPr>
             <a:spLocks noGrp="1"/>
           </p:cNvSpPr>
@@ -1729,18 +2140,13 @@
               <a:rPr lang="en-US"/>
               <a:t>Fifth level</a:t>
             </a:r>
-          </a:p>
-        </p:txBody>
-      </p:sp>
-      <p:sp>
-        <p:nvSpPr>
-          <p:cNvPr id="4" name="Date Placeholder 3">
-            <a:extLst>
-              <a:ext uri="{FF2B5EF4-FFF2-40B4-BE49-F238E27FC236}">
-                <a16:creationId xmlns:a16="http://schemas.microsoft.com/office/drawing/2014/main" id="{BDB31928-EF6B-EDEE-787D-24FEC130E403}"/>
-              </a:ext>
-            </a:extLst>
-          </p:cNvPr>
+            <a:endParaRPr lang="en-US" dirty="0"/>
+          </a:p>
+        </p:txBody>
+      </p:sp>
+      <p:sp>
+        <p:nvSpPr>
+          <p:cNvPr id="4" name="Date Placeholder 3"/>
           <p:cNvSpPr>
             <a:spLocks noGrp="1"/>
           </p:cNvSpPr>
@@ -1755,7 +2161,7 @@
           <a:p>
             <a:fld id="{EB14851A-53D1-B04B-AD6B-CB7FEFB4C1FD}" type="datetimeFigureOut">
               <a:rPr lang="en-US" smtClean="0"/>
-              <a:t>7/24/24</a:t>
+              <a:t>7/25/24</a:t>
             </a:fld>
             <a:endParaRPr lang="en-US"/>
           </a:p>
@@ -1763,13 +2169,7 @@
       </p:sp>
       <p:sp>
         <p:nvSpPr>
-          <p:cNvPr id="5" name="Footer Placeholder 4">
-            <a:extLst>
-              <a:ext uri="{FF2B5EF4-FFF2-40B4-BE49-F238E27FC236}">
-                <a16:creationId xmlns:a16="http://schemas.microsoft.com/office/drawing/2014/main" id="{621BD37B-0A43-510A-734D-CB3E01BBC631}"/>
-              </a:ext>
-            </a:extLst>
-          </p:cNvPr>
+          <p:cNvPr id="5" name="Footer Placeholder 4"/>
           <p:cNvSpPr>
             <a:spLocks noGrp="1"/>
           </p:cNvSpPr>
@@ -1788,13 +2188,7 @@
       </p:sp>
       <p:sp>
         <p:nvSpPr>
-          <p:cNvPr id="6" name="Slide Number Placeholder 5">
-            <a:extLst>
-              <a:ext uri="{FF2B5EF4-FFF2-40B4-BE49-F238E27FC236}">
-                <a16:creationId xmlns:a16="http://schemas.microsoft.com/office/drawing/2014/main" id="{295FE1D6-744E-330A-6A8F-6654BBCDEC01}"/>
-              </a:ext>
-            </a:extLst>
-          </p:cNvPr>
+          <p:cNvPr id="6" name="Slide Number Placeholder 5"/>
           <p:cNvSpPr>
             <a:spLocks noGrp="1"/>
           </p:cNvSpPr>
@@ -1818,7 +2212,7 @@
     </p:spTree>
     <p:extLst>
       <p:ext uri="{BB962C8B-B14F-4D97-AF65-F5344CB8AC3E}">
-        <p14:creationId xmlns:p14="http://schemas.microsoft.com/office/powerpoint/2010/main" val="67653077"/>
+        <p14:creationId xmlns:p14="http://schemas.microsoft.com/office/powerpoint/2010/main" val="493741127"/>
       </p:ext>
     </p:extLst>
   </p:cSld>
@@ -1847,13 +2241,7 @@
       </p:grpSpPr>
       <p:sp>
         <p:nvSpPr>
-          <p:cNvPr id="2" name="Title 1">
-            <a:extLst>
-              <a:ext uri="{FF2B5EF4-FFF2-40B4-BE49-F238E27FC236}">
-                <a16:creationId xmlns:a16="http://schemas.microsoft.com/office/drawing/2014/main" id="{A2A83FD8-2F54-054A-9E8D-B1CC7A8AA306}"/>
-              </a:ext>
-            </a:extLst>
-          </p:cNvPr>
+          <p:cNvPr id="2" name="Title 1"/>
           <p:cNvSpPr>
             <a:spLocks noGrp="1"/>
           </p:cNvSpPr>
@@ -1870,18 +2258,13 @@
               <a:rPr lang="en-US"/>
               <a:t>Click to edit Master title style</a:t>
             </a:r>
-          </a:p>
-        </p:txBody>
-      </p:sp>
-      <p:sp>
-        <p:nvSpPr>
-          <p:cNvPr id="3" name="Content Placeholder 2">
-            <a:extLst>
-              <a:ext uri="{FF2B5EF4-FFF2-40B4-BE49-F238E27FC236}">
-                <a16:creationId xmlns:a16="http://schemas.microsoft.com/office/drawing/2014/main" id="{5F081F2A-2B69-CEE0-2B47-1750AD75BB6E}"/>
-              </a:ext>
-            </a:extLst>
-          </p:cNvPr>
+            <a:endParaRPr lang="en-US" dirty="0"/>
+          </a:p>
+        </p:txBody>
+      </p:sp>
+      <p:sp>
+        <p:nvSpPr>
+          <p:cNvPr id="3" name="Content Placeholder 2"/>
           <p:cNvSpPr>
             <a:spLocks noGrp="1"/>
           </p:cNvSpPr>
@@ -1927,18 +2310,13 @@
               <a:rPr lang="en-US"/>
               <a:t>Fifth level</a:t>
             </a:r>
-          </a:p>
-        </p:txBody>
-      </p:sp>
-      <p:sp>
-        <p:nvSpPr>
-          <p:cNvPr id="4" name="Date Placeholder 3">
-            <a:extLst>
-              <a:ext uri="{FF2B5EF4-FFF2-40B4-BE49-F238E27FC236}">
-                <a16:creationId xmlns:a16="http://schemas.microsoft.com/office/drawing/2014/main" id="{695512DB-0E87-05D3-AE4E-858D24620E50}"/>
-              </a:ext>
-            </a:extLst>
-          </p:cNvPr>
+            <a:endParaRPr lang="en-US" dirty="0"/>
+          </a:p>
+        </p:txBody>
+      </p:sp>
+      <p:sp>
+        <p:nvSpPr>
+          <p:cNvPr id="4" name="Date Placeholder 3"/>
           <p:cNvSpPr>
             <a:spLocks noGrp="1"/>
           </p:cNvSpPr>
@@ -1953,7 +2331,7 @@
           <a:p>
             <a:fld id="{EB14851A-53D1-B04B-AD6B-CB7FEFB4C1FD}" type="datetimeFigureOut">
               <a:rPr lang="en-US" smtClean="0"/>
-              <a:t>7/24/24</a:t>
+              <a:t>7/25/24</a:t>
             </a:fld>
             <a:endParaRPr lang="en-US"/>
           </a:p>
@@ -1961,13 +2339,7 @@
       </p:sp>
       <p:sp>
         <p:nvSpPr>
-          <p:cNvPr id="5" name="Footer Placeholder 4">
-            <a:extLst>
-              <a:ext uri="{FF2B5EF4-FFF2-40B4-BE49-F238E27FC236}">
-                <a16:creationId xmlns:a16="http://schemas.microsoft.com/office/drawing/2014/main" id="{5D84C2F0-ABD1-C36B-2BA8-6D9BA8B0BA5B}"/>
-              </a:ext>
-            </a:extLst>
-          </p:cNvPr>
+          <p:cNvPr id="5" name="Footer Placeholder 4"/>
           <p:cNvSpPr>
             <a:spLocks noGrp="1"/>
           </p:cNvSpPr>
@@ -1986,13 +2358,7 @@
       </p:sp>
       <p:sp>
         <p:nvSpPr>
-          <p:cNvPr id="6" name="Slide Number Placeholder 5">
-            <a:extLst>
-              <a:ext uri="{FF2B5EF4-FFF2-40B4-BE49-F238E27FC236}">
-                <a16:creationId xmlns:a16="http://schemas.microsoft.com/office/drawing/2014/main" id="{BE1DC2A8-6B28-25DF-1AE5-3572F55D6F03}"/>
-              </a:ext>
-            </a:extLst>
-          </p:cNvPr>
+          <p:cNvPr id="6" name="Slide Number Placeholder 5"/>
           <p:cNvSpPr>
             <a:spLocks noGrp="1"/>
           </p:cNvSpPr>
@@ -2016,7 +2382,7 @@
     </p:spTree>
     <p:extLst>
       <p:ext uri="{BB962C8B-B14F-4D97-AF65-F5344CB8AC3E}">
-        <p14:creationId xmlns:p14="http://schemas.microsoft.com/office/powerpoint/2010/main" val="1570950450"/>
+        <p14:creationId xmlns:p14="http://schemas.microsoft.com/office/powerpoint/2010/main" val="2922454752"/>
       </p:ext>
     </p:extLst>
   </p:cSld>
@@ -2045,13 +2411,7 @@
       </p:grpSpPr>
       <p:sp>
         <p:nvSpPr>
-          <p:cNvPr id="2" name="Title 1">
-            <a:extLst>
-              <a:ext uri="{FF2B5EF4-FFF2-40B4-BE49-F238E27FC236}">
-                <a16:creationId xmlns:a16="http://schemas.microsoft.com/office/drawing/2014/main" id="{69C58A7C-DFE0-2F44-E2D3-95B458DDA70F}"/>
-              </a:ext>
-            </a:extLst>
-          </p:cNvPr>
+          <p:cNvPr id="2" name="Title 1"/>
           <p:cNvSpPr>
             <a:spLocks noGrp="1"/>
           </p:cNvSpPr>
@@ -2077,18 +2437,13 @@
               <a:rPr lang="en-US"/>
               <a:t>Click to edit Master title style</a:t>
             </a:r>
-          </a:p>
-        </p:txBody>
-      </p:sp>
-      <p:sp>
-        <p:nvSpPr>
-          <p:cNvPr id="3" name="Text Placeholder 2">
-            <a:extLst>
-              <a:ext uri="{FF2B5EF4-FFF2-40B4-BE49-F238E27FC236}">
-                <a16:creationId xmlns:a16="http://schemas.microsoft.com/office/drawing/2014/main" id="{2B5213EC-24A8-6281-16E4-5BD043E5852C}"/>
-              </a:ext>
-            </a:extLst>
-          </p:cNvPr>
+            <a:endParaRPr lang="en-US" dirty="0"/>
+          </a:p>
+        </p:txBody>
+      </p:sp>
+      <p:sp>
+        <p:nvSpPr>
+          <p:cNvPr id="3" name="Text Placeholder 2"/>
           <p:cNvSpPr>
             <a:spLocks noGrp="1"/>
           </p:cNvSpPr>
@@ -2207,13 +2562,7 @@
       </p:sp>
       <p:sp>
         <p:nvSpPr>
-          <p:cNvPr id="4" name="Date Placeholder 3">
-            <a:extLst>
-              <a:ext uri="{FF2B5EF4-FFF2-40B4-BE49-F238E27FC236}">
-                <a16:creationId xmlns:a16="http://schemas.microsoft.com/office/drawing/2014/main" id="{3AC4C237-B847-FE83-3E28-8BDD040CD85D}"/>
-              </a:ext>
-            </a:extLst>
-          </p:cNvPr>
+          <p:cNvPr id="4" name="Date Placeholder 3"/>
           <p:cNvSpPr>
             <a:spLocks noGrp="1"/>
           </p:cNvSpPr>
@@ -2228,7 +2577,7 @@
           <a:p>
             <a:fld id="{EB14851A-53D1-B04B-AD6B-CB7FEFB4C1FD}" type="datetimeFigureOut">
               <a:rPr lang="en-US" smtClean="0"/>
-              <a:t>7/24/24</a:t>
+              <a:t>7/25/24</a:t>
             </a:fld>
             <a:endParaRPr lang="en-US"/>
           </a:p>
@@ -2236,13 +2585,7 @@
       </p:sp>
       <p:sp>
         <p:nvSpPr>
-          <p:cNvPr id="5" name="Footer Placeholder 4">
-            <a:extLst>
-              <a:ext uri="{FF2B5EF4-FFF2-40B4-BE49-F238E27FC236}">
-                <a16:creationId xmlns:a16="http://schemas.microsoft.com/office/drawing/2014/main" id="{9ECA4F51-2C98-13B6-0F0B-46980EFA2CD3}"/>
-              </a:ext>
-            </a:extLst>
-          </p:cNvPr>
+          <p:cNvPr id="5" name="Footer Placeholder 4"/>
           <p:cNvSpPr>
             <a:spLocks noGrp="1"/>
           </p:cNvSpPr>
@@ -2261,13 +2604,7 @@
       </p:sp>
       <p:sp>
         <p:nvSpPr>
-          <p:cNvPr id="6" name="Slide Number Placeholder 5">
-            <a:extLst>
-              <a:ext uri="{FF2B5EF4-FFF2-40B4-BE49-F238E27FC236}">
-                <a16:creationId xmlns:a16="http://schemas.microsoft.com/office/drawing/2014/main" id="{BAFC98CD-55C6-DE9D-602B-99EC125799A9}"/>
-              </a:ext>
-            </a:extLst>
-          </p:cNvPr>
+          <p:cNvPr id="6" name="Slide Number Placeholder 5"/>
           <p:cNvSpPr>
             <a:spLocks noGrp="1"/>
           </p:cNvSpPr>
@@ -2291,7 +2628,7 @@
     </p:spTree>
     <p:extLst>
       <p:ext uri="{BB962C8B-B14F-4D97-AF65-F5344CB8AC3E}">
-        <p14:creationId xmlns:p14="http://schemas.microsoft.com/office/powerpoint/2010/main" val="405543658"/>
+        <p14:creationId xmlns:p14="http://schemas.microsoft.com/office/powerpoint/2010/main" val="1105416433"/>
       </p:ext>
     </p:extLst>
   </p:cSld>
@@ -2320,13 +2657,7 @@
       </p:grpSpPr>
       <p:sp>
         <p:nvSpPr>
-          <p:cNvPr id="2" name="Title 1">
-            <a:extLst>
-              <a:ext uri="{FF2B5EF4-FFF2-40B4-BE49-F238E27FC236}">
-                <a16:creationId xmlns:a16="http://schemas.microsoft.com/office/drawing/2014/main" id="{E4244AD3-841B-F35F-1356-56C175835C7E}"/>
-              </a:ext>
-            </a:extLst>
-          </p:cNvPr>
+          <p:cNvPr id="2" name="Title 1"/>
           <p:cNvSpPr>
             <a:spLocks noGrp="1"/>
           </p:cNvSpPr>
@@ -2343,18 +2674,13 @@
               <a:rPr lang="en-US"/>
               <a:t>Click to edit Master title style</a:t>
             </a:r>
-          </a:p>
-        </p:txBody>
-      </p:sp>
-      <p:sp>
-        <p:nvSpPr>
-          <p:cNvPr id="3" name="Content Placeholder 2">
-            <a:extLst>
-              <a:ext uri="{FF2B5EF4-FFF2-40B4-BE49-F238E27FC236}">
-                <a16:creationId xmlns:a16="http://schemas.microsoft.com/office/drawing/2014/main" id="{94A0C59D-4975-2D5D-BF53-2B5EFFF6A2A6}"/>
-              </a:ext>
-            </a:extLst>
-          </p:cNvPr>
+            <a:endParaRPr lang="en-US" dirty="0"/>
+          </a:p>
+        </p:txBody>
+      </p:sp>
+      <p:sp>
+        <p:nvSpPr>
+          <p:cNvPr id="3" name="Content Placeholder 2"/>
           <p:cNvSpPr>
             <a:spLocks noGrp="1"/>
           </p:cNvSpPr>
@@ -2405,18 +2731,13 @@
               <a:rPr lang="en-US"/>
               <a:t>Fifth level</a:t>
             </a:r>
-          </a:p>
-        </p:txBody>
-      </p:sp>
-      <p:sp>
-        <p:nvSpPr>
-          <p:cNvPr id="4" name="Content Placeholder 3">
-            <a:extLst>
-              <a:ext uri="{FF2B5EF4-FFF2-40B4-BE49-F238E27FC236}">
-                <a16:creationId xmlns:a16="http://schemas.microsoft.com/office/drawing/2014/main" id="{A4968C2F-2901-9A3E-9F2A-2C8A78D7711A}"/>
-              </a:ext>
-            </a:extLst>
-          </p:cNvPr>
+            <a:endParaRPr lang="en-US" dirty="0"/>
+          </a:p>
+        </p:txBody>
+      </p:sp>
+      <p:sp>
+        <p:nvSpPr>
+          <p:cNvPr id="4" name="Content Placeholder 3"/>
           <p:cNvSpPr>
             <a:spLocks noGrp="1"/>
           </p:cNvSpPr>
@@ -2467,18 +2788,13 @@
               <a:rPr lang="en-US"/>
               <a:t>Fifth level</a:t>
             </a:r>
-          </a:p>
-        </p:txBody>
-      </p:sp>
-      <p:sp>
-        <p:nvSpPr>
-          <p:cNvPr id="5" name="Date Placeholder 4">
-            <a:extLst>
-              <a:ext uri="{FF2B5EF4-FFF2-40B4-BE49-F238E27FC236}">
-                <a16:creationId xmlns:a16="http://schemas.microsoft.com/office/drawing/2014/main" id="{C3726D7D-02D9-6F37-CD9D-B8852372AB6E}"/>
-              </a:ext>
-            </a:extLst>
-          </p:cNvPr>
+            <a:endParaRPr lang="en-US" dirty="0"/>
+          </a:p>
+        </p:txBody>
+      </p:sp>
+      <p:sp>
+        <p:nvSpPr>
+          <p:cNvPr id="5" name="Date Placeholder 4"/>
           <p:cNvSpPr>
             <a:spLocks noGrp="1"/>
           </p:cNvSpPr>
@@ -2493,7 +2809,7 @@
           <a:p>
             <a:fld id="{EB14851A-53D1-B04B-AD6B-CB7FEFB4C1FD}" type="datetimeFigureOut">
               <a:rPr lang="en-US" smtClean="0"/>
-              <a:t>7/24/24</a:t>
+              <a:t>7/25/24</a:t>
             </a:fld>
             <a:endParaRPr lang="en-US"/>
           </a:p>
@@ -2501,13 +2817,7 @@
       </p:sp>
       <p:sp>
         <p:nvSpPr>
-          <p:cNvPr id="6" name="Footer Placeholder 5">
-            <a:extLst>
-              <a:ext uri="{FF2B5EF4-FFF2-40B4-BE49-F238E27FC236}">
-                <a16:creationId xmlns:a16="http://schemas.microsoft.com/office/drawing/2014/main" id="{1F2068EB-FCBD-DA46-0A3E-742FF81F24F2}"/>
-              </a:ext>
-            </a:extLst>
-          </p:cNvPr>
+          <p:cNvPr id="6" name="Footer Placeholder 5"/>
           <p:cNvSpPr>
             <a:spLocks noGrp="1"/>
           </p:cNvSpPr>
@@ -2526,13 +2836,7 @@
       </p:sp>
       <p:sp>
         <p:nvSpPr>
-          <p:cNvPr id="7" name="Slide Number Placeholder 6">
-            <a:extLst>
-              <a:ext uri="{FF2B5EF4-FFF2-40B4-BE49-F238E27FC236}">
-                <a16:creationId xmlns:a16="http://schemas.microsoft.com/office/drawing/2014/main" id="{5D6496E6-ACCD-148A-6646-6219AA48ADA3}"/>
-              </a:ext>
-            </a:extLst>
-          </p:cNvPr>
+          <p:cNvPr id="7" name="Slide Number Placeholder 6"/>
           <p:cNvSpPr>
             <a:spLocks noGrp="1"/>
           </p:cNvSpPr>
@@ -2556,7 +2860,7 @@
     </p:spTree>
     <p:extLst>
       <p:ext uri="{BB962C8B-B14F-4D97-AF65-F5344CB8AC3E}">
-        <p14:creationId xmlns:p14="http://schemas.microsoft.com/office/powerpoint/2010/main" val="3237902328"/>
+        <p14:creationId xmlns:p14="http://schemas.microsoft.com/office/powerpoint/2010/main" val="193255315"/>
       </p:ext>
     </p:extLst>
   </p:cSld>
@@ -2585,13 +2889,7 @@
       </p:grpSpPr>
       <p:sp>
         <p:nvSpPr>
-          <p:cNvPr id="2" name="Title 1">
-            <a:extLst>
-              <a:ext uri="{FF2B5EF4-FFF2-40B4-BE49-F238E27FC236}">
-                <a16:creationId xmlns:a16="http://schemas.microsoft.com/office/drawing/2014/main" id="{FF64FE3A-1D20-1C48-2668-9F13CD1E90DA}"/>
-              </a:ext>
-            </a:extLst>
-          </p:cNvPr>
+          <p:cNvPr id="2" name="Title 1"/>
           <p:cNvSpPr>
             <a:spLocks noGrp="1"/>
           </p:cNvSpPr>
@@ -2613,18 +2911,13 @@
               <a:rPr lang="en-US"/>
               <a:t>Click to edit Master title style</a:t>
             </a:r>
-          </a:p>
-        </p:txBody>
-      </p:sp>
-      <p:sp>
-        <p:nvSpPr>
-          <p:cNvPr id="3" name="Text Placeholder 2">
-            <a:extLst>
-              <a:ext uri="{FF2B5EF4-FFF2-40B4-BE49-F238E27FC236}">
-                <a16:creationId xmlns:a16="http://schemas.microsoft.com/office/drawing/2014/main" id="{5462A5FB-4561-4E33-87AF-F6D06C9A5EE4}"/>
-              </a:ext>
-            </a:extLst>
-          </p:cNvPr>
+            <a:endParaRPr lang="en-US" dirty="0"/>
+          </a:p>
+        </p:txBody>
+      </p:sp>
+      <p:sp>
+        <p:nvSpPr>
+          <p:cNvPr id="3" name="Text Placeholder 2"/>
           <p:cNvSpPr>
             <a:spLocks noGrp="1"/>
           </p:cNvSpPr>
@@ -2689,13 +2982,7 @@
       </p:sp>
       <p:sp>
         <p:nvSpPr>
-          <p:cNvPr id="4" name="Content Placeholder 3">
-            <a:extLst>
-              <a:ext uri="{FF2B5EF4-FFF2-40B4-BE49-F238E27FC236}">
-                <a16:creationId xmlns:a16="http://schemas.microsoft.com/office/drawing/2014/main" id="{E72DB50A-1597-2112-96AB-F7B9691864FD}"/>
-              </a:ext>
-            </a:extLst>
-          </p:cNvPr>
+          <p:cNvPr id="4" name="Content Placeholder 3"/>
           <p:cNvSpPr>
             <a:spLocks noGrp="1"/>
           </p:cNvSpPr>
@@ -2746,18 +3033,13 @@
               <a:rPr lang="en-US"/>
               <a:t>Fifth level</a:t>
             </a:r>
-          </a:p>
-        </p:txBody>
-      </p:sp>
-      <p:sp>
-        <p:nvSpPr>
-          <p:cNvPr id="5" name="Text Placeholder 4">
-            <a:extLst>
-              <a:ext uri="{FF2B5EF4-FFF2-40B4-BE49-F238E27FC236}">
-                <a16:creationId xmlns:a16="http://schemas.microsoft.com/office/drawing/2014/main" id="{FF567F50-B2DD-E142-943E-694808B4D375}"/>
-              </a:ext>
-            </a:extLst>
-          </p:cNvPr>
+            <a:endParaRPr lang="en-US" dirty="0"/>
+          </a:p>
+        </p:txBody>
+      </p:sp>
+      <p:sp>
+        <p:nvSpPr>
+          <p:cNvPr id="5" name="Text Placeholder 4"/>
           <p:cNvSpPr>
             <a:spLocks noGrp="1"/>
           </p:cNvSpPr>
@@ -2822,13 +3104,7 @@
       </p:sp>
       <p:sp>
         <p:nvSpPr>
-          <p:cNvPr id="6" name="Content Placeholder 5">
-            <a:extLst>
-              <a:ext uri="{FF2B5EF4-FFF2-40B4-BE49-F238E27FC236}">
-                <a16:creationId xmlns:a16="http://schemas.microsoft.com/office/drawing/2014/main" id="{94995DFE-D69F-5930-A6AA-1A679296A922}"/>
-              </a:ext>
-            </a:extLst>
-          </p:cNvPr>
+          <p:cNvPr id="6" name="Content Placeholder 5"/>
           <p:cNvSpPr>
             <a:spLocks noGrp="1"/>
           </p:cNvSpPr>
@@ -2879,18 +3155,13 @@
               <a:rPr lang="en-US"/>
               <a:t>Fifth level</a:t>
             </a:r>
-          </a:p>
-        </p:txBody>
-      </p:sp>
-      <p:sp>
-        <p:nvSpPr>
-          <p:cNvPr id="7" name="Date Placeholder 6">
-            <a:extLst>
-              <a:ext uri="{FF2B5EF4-FFF2-40B4-BE49-F238E27FC236}">
-                <a16:creationId xmlns:a16="http://schemas.microsoft.com/office/drawing/2014/main" id="{9CB4097C-D647-E6A7-2A04-4621E70FFB09}"/>
-              </a:ext>
-            </a:extLst>
-          </p:cNvPr>
+            <a:endParaRPr lang="en-US" dirty="0"/>
+          </a:p>
+        </p:txBody>
+      </p:sp>
+      <p:sp>
+        <p:nvSpPr>
+          <p:cNvPr id="7" name="Date Placeholder 6"/>
           <p:cNvSpPr>
             <a:spLocks noGrp="1"/>
           </p:cNvSpPr>
@@ -2905,7 +3176,7 @@
           <a:p>
             <a:fld id="{EB14851A-53D1-B04B-AD6B-CB7FEFB4C1FD}" type="datetimeFigureOut">
               <a:rPr lang="en-US" smtClean="0"/>
-              <a:t>7/24/24</a:t>
+              <a:t>7/25/24</a:t>
             </a:fld>
             <a:endParaRPr lang="en-US"/>
           </a:p>
@@ -2913,13 +3184,7 @@
       </p:sp>
       <p:sp>
         <p:nvSpPr>
-          <p:cNvPr id="8" name="Footer Placeholder 7">
-            <a:extLst>
-              <a:ext uri="{FF2B5EF4-FFF2-40B4-BE49-F238E27FC236}">
-                <a16:creationId xmlns:a16="http://schemas.microsoft.com/office/drawing/2014/main" id="{90C4021A-89D8-1A5D-27B3-9E11FB194714}"/>
-              </a:ext>
-            </a:extLst>
-          </p:cNvPr>
+          <p:cNvPr id="8" name="Footer Placeholder 7"/>
           <p:cNvSpPr>
             <a:spLocks noGrp="1"/>
           </p:cNvSpPr>
@@ -2938,13 +3203,7 @@
       </p:sp>
       <p:sp>
         <p:nvSpPr>
-          <p:cNvPr id="9" name="Slide Number Placeholder 8">
-            <a:extLst>
-              <a:ext uri="{FF2B5EF4-FFF2-40B4-BE49-F238E27FC236}">
-                <a16:creationId xmlns:a16="http://schemas.microsoft.com/office/drawing/2014/main" id="{3A7375C9-42FE-20CD-FE14-25B7A8F4AE1D}"/>
-              </a:ext>
-            </a:extLst>
-          </p:cNvPr>
+          <p:cNvPr id="9" name="Slide Number Placeholder 8"/>
           <p:cNvSpPr>
             <a:spLocks noGrp="1"/>
           </p:cNvSpPr>
@@ -2968,7 +3227,7 @@
     </p:spTree>
     <p:extLst>
       <p:ext uri="{BB962C8B-B14F-4D97-AF65-F5344CB8AC3E}">
-        <p14:creationId xmlns:p14="http://schemas.microsoft.com/office/powerpoint/2010/main" val="678229807"/>
+        <p14:creationId xmlns:p14="http://schemas.microsoft.com/office/powerpoint/2010/main" val="1802083322"/>
       </p:ext>
     </p:extLst>
   </p:cSld>
@@ -2997,13 +3256,7 @@
       </p:grpSpPr>
       <p:sp>
         <p:nvSpPr>
-          <p:cNvPr id="2" name="Title 1">
-            <a:extLst>
-              <a:ext uri="{FF2B5EF4-FFF2-40B4-BE49-F238E27FC236}">
-                <a16:creationId xmlns:a16="http://schemas.microsoft.com/office/drawing/2014/main" id="{0F69B3C0-8260-D067-0E43-1B8B7FD83AE3}"/>
-              </a:ext>
-            </a:extLst>
-          </p:cNvPr>
+          <p:cNvPr id="2" name="Title 1"/>
           <p:cNvSpPr>
             <a:spLocks noGrp="1"/>
           </p:cNvSpPr>
@@ -3020,18 +3273,13 @@
               <a:rPr lang="en-US"/>
               <a:t>Click to edit Master title style</a:t>
             </a:r>
-          </a:p>
-        </p:txBody>
-      </p:sp>
-      <p:sp>
-        <p:nvSpPr>
-          <p:cNvPr id="3" name="Date Placeholder 2">
-            <a:extLst>
-              <a:ext uri="{FF2B5EF4-FFF2-40B4-BE49-F238E27FC236}">
-                <a16:creationId xmlns:a16="http://schemas.microsoft.com/office/drawing/2014/main" id="{537FD064-E75E-1DD2-1607-48EE3014B9FA}"/>
-              </a:ext>
-            </a:extLst>
-          </p:cNvPr>
+            <a:endParaRPr lang="en-US" dirty="0"/>
+          </a:p>
+        </p:txBody>
+      </p:sp>
+      <p:sp>
+        <p:nvSpPr>
+          <p:cNvPr id="3" name="Date Placeholder 2"/>
           <p:cNvSpPr>
             <a:spLocks noGrp="1"/>
           </p:cNvSpPr>
@@ -3046,7 +3294,7 @@
           <a:p>
             <a:fld id="{EB14851A-53D1-B04B-AD6B-CB7FEFB4C1FD}" type="datetimeFigureOut">
               <a:rPr lang="en-US" smtClean="0"/>
-              <a:t>7/24/24</a:t>
+              <a:t>7/25/24</a:t>
             </a:fld>
             <a:endParaRPr lang="en-US"/>
           </a:p>
@@ -3054,13 +3302,7 @@
       </p:sp>
       <p:sp>
         <p:nvSpPr>
-          <p:cNvPr id="4" name="Footer Placeholder 3">
-            <a:extLst>
-              <a:ext uri="{FF2B5EF4-FFF2-40B4-BE49-F238E27FC236}">
-                <a16:creationId xmlns:a16="http://schemas.microsoft.com/office/drawing/2014/main" id="{FB00BDFA-AB95-36B0-9D8D-B9FFC4F76227}"/>
-              </a:ext>
-            </a:extLst>
-          </p:cNvPr>
+          <p:cNvPr id="4" name="Footer Placeholder 3"/>
           <p:cNvSpPr>
             <a:spLocks noGrp="1"/>
           </p:cNvSpPr>
@@ -3079,13 +3321,7 @@
       </p:sp>
       <p:sp>
         <p:nvSpPr>
-          <p:cNvPr id="5" name="Slide Number Placeholder 4">
-            <a:extLst>
-              <a:ext uri="{FF2B5EF4-FFF2-40B4-BE49-F238E27FC236}">
-                <a16:creationId xmlns:a16="http://schemas.microsoft.com/office/drawing/2014/main" id="{04F1CC0C-367C-F6DC-24E9-43988EFB3BAE}"/>
-              </a:ext>
-            </a:extLst>
-          </p:cNvPr>
+          <p:cNvPr id="5" name="Slide Number Placeholder 4"/>
           <p:cNvSpPr>
             <a:spLocks noGrp="1"/>
           </p:cNvSpPr>
@@ -3109,7 +3345,7 @@
     </p:spTree>
     <p:extLst>
       <p:ext uri="{BB962C8B-B14F-4D97-AF65-F5344CB8AC3E}">
-        <p14:creationId xmlns:p14="http://schemas.microsoft.com/office/powerpoint/2010/main" val="3698034436"/>
+        <p14:creationId xmlns:p14="http://schemas.microsoft.com/office/powerpoint/2010/main" val="2476080548"/>
       </p:ext>
     </p:extLst>
   </p:cSld>
@@ -3138,13 +3374,7 @@
       </p:grpSpPr>
       <p:sp>
         <p:nvSpPr>
-          <p:cNvPr id="2" name="Date Placeholder 1">
-            <a:extLst>
-              <a:ext uri="{FF2B5EF4-FFF2-40B4-BE49-F238E27FC236}">
-                <a16:creationId xmlns:a16="http://schemas.microsoft.com/office/drawing/2014/main" id="{054BC18B-B363-A3AB-041A-CC0CC72BCE52}"/>
-              </a:ext>
-            </a:extLst>
-          </p:cNvPr>
+          <p:cNvPr id="2" name="Date Placeholder 1"/>
           <p:cNvSpPr>
             <a:spLocks noGrp="1"/>
           </p:cNvSpPr>
@@ -3159,7 +3389,7 @@
           <a:p>
             <a:fld id="{EB14851A-53D1-B04B-AD6B-CB7FEFB4C1FD}" type="datetimeFigureOut">
               <a:rPr lang="en-US" smtClean="0"/>
-              <a:t>7/24/24</a:t>
+              <a:t>7/25/24</a:t>
             </a:fld>
             <a:endParaRPr lang="en-US"/>
           </a:p>
@@ -3167,13 +3397,7 @@
       </p:sp>
       <p:sp>
         <p:nvSpPr>
-          <p:cNvPr id="3" name="Footer Placeholder 2">
-            <a:extLst>
-              <a:ext uri="{FF2B5EF4-FFF2-40B4-BE49-F238E27FC236}">
-                <a16:creationId xmlns:a16="http://schemas.microsoft.com/office/drawing/2014/main" id="{2AC0A3D7-9014-9648-688C-1C339DA58E44}"/>
-              </a:ext>
-            </a:extLst>
-          </p:cNvPr>
+          <p:cNvPr id="3" name="Footer Placeholder 2"/>
           <p:cNvSpPr>
             <a:spLocks noGrp="1"/>
           </p:cNvSpPr>
@@ -3192,13 +3416,7 @@
       </p:sp>
       <p:sp>
         <p:nvSpPr>
-          <p:cNvPr id="4" name="Slide Number Placeholder 3">
-            <a:extLst>
-              <a:ext uri="{FF2B5EF4-FFF2-40B4-BE49-F238E27FC236}">
-                <a16:creationId xmlns:a16="http://schemas.microsoft.com/office/drawing/2014/main" id="{297AFEF3-2D78-FC35-BE2A-138C61283A20}"/>
-              </a:ext>
-            </a:extLst>
-          </p:cNvPr>
+          <p:cNvPr id="4" name="Slide Number Placeholder 3"/>
           <p:cNvSpPr>
             <a:spLocks noGrp="1"/>
           </p:cNvSpPr>
@@ -3222,7 +3440,7 @@
     </p:spTree>
     <p:extLst>
       <p:ext uri="{BB962C8B-B14F-4D97-AF65-F5344CB8AC3E}">
-        <p14:creationId xmlns:p14="http://schemas.microsoft.com/office/powerpoint/2010/main" val="2266011789"/>
+        <p14:creationId xmlns:p14="http://schemas.microsoft.com/office/powerpoint/2010/main" val="2527674680"/>
       </p:ext>
     </p:extLst>
   </p:cSld>
@@ -3251,13 +3469,7 @@
       </p:grpSpPr>
       <p:sp>
         <p:nvSpPr>
-          <p:cNvPr id="2" name="Title 1">
-            <a:extLst>
-              <a:ext uri="{FF2B5EF4-FFF2-40B4-BE49-F238E27FC236}">
-                <a16:creationId xmlns:a16="http://schemas.microsoft.com/office/drawing/2014/main" id="{C1600A6C-5F0F-040A-C15F-DE290E284E48}"/>
-              </a:ext>
-            </a:extLst>
-          </p:cNvPr>
+          <p:cNvPr id="2" name="Title 1"/>
           <p:cNvSpPr>
             <a:spLocks noGrp="1"/>
           </p:cNvSpPr>
@@ -3283,18 +3495,13 @@
               <a:rPr lang="en-US"/>
               <a:t>Click to edit Master title style</a:t>
             </a:r>
-          </a:p>
-        </p:txBody>
-      </p:sp>
-      <p:sp>
-        <p:nvSpPr>
-          <p:cNvPr id="3" name="Content Placeholder 2">
-            <a:extLst>
-              <a:ext uri="{FF2B5EF4-FFF2-40B4-BE49-F238E27FC236}">
-                <a16:creationId xmlns:a16="http://schemas.microsoft.com/office/drawing/2014/main" id="{A6EC4FEC-9679-9D28-AD18-AB9546999F6A}"/>
-              </a:ext>
-            </a:extLst>
-          </p:cNvPr>
+            <a:endParaRPr lang="en-US" dirty="0"/>
+          </a:p>
+        </p:txBody>
+      </p:sp>
+      <p:sp>
+        <p:nvSpPr>
+          <p:cNvPr id="3" name="Content Placeholder 2"/>
           <p:cNvSpPr>
             <a:spLocks noGrp="1"/>
           </p:cNvSpPr>
@@ -3373,18 +3580,13 @@
               <a:rPr lang="en-US"/>
               <a:t>Fifth level</a:t>
             </a:r>
-          </a:p>
-        </p:txBody>
-      </p:sp>
-      <p:sp>
-        <p:nvSpPr>
-          <p:cNvPr id="4" name="Text Placeholder 3">
-            <a:extLst>
-              <a:ext uri="{FF2B5EF4-FFF2-40B4-BE49-F238E27FC236}">
-                <a16:creationId xmlns:a16="http://schemas.microsoft.com/office/drawing/2014/main" id="{A5F4A160-ECBC-CB15-B7D2-268BF6D2E527}"/>
-              </a:ext>
-            </a:extLst>
-          </p:cNvPr>
+            <a:endParaRPr lang="en-US" dirty="0"/>
+          </a:p>
+        </p:txBody>
+      </p:sp>
+      <p:sp>
+        <p:nvSpPr>
+          <p:cNvPr id="4" name="Text Placeholder 3"/>
           <p:cNvSpPr>
             <a:spLocks noGrp="1"/>
           </p:cNvSpPr>
@@ -3449,13 +3651,7 @@
       </p:sp>
       <p:sp>
         <p:nvSpPr>
-          <p:cNvPr id="5" name="Date Placeholder 4">
-            <a:extLst>
-              <a:ext uri="{FF2B5EF4-FFF2-40B4-BE49-F238E27FC236}">
-                <a16:creationId xmlns:a16="http://schemas.microsoft.com/office/drawing/2014/main" id="{75AC2312-A877-9F26-4883-5B0B1A41F816}"/>
-              </a:ext>
-            </a:extLst>
-          </p:cNvPr>
+          <p:cNvPr id="5" name="Date Placeholder 4"/>
           <p:cNvSpPr>
             <a:spLocks noGrp="1"/>
           </p:cNvSpPr>
@@ -3470,7 +3666,7 @@
           <a:p>
             <a:fld id="{EB14851A-53D1-B04B-AD6B-CB7FEFB4C1FD}" type="datetimeFigureOut">
               <a:rPr lang="en-US" smtClean="0"/>
-              <a:t>7/24/24</a:t>
+              <a:t>7/25/24</a:t>
             </a:fld>
             <a:endParaRPr lang="en-US"/>
           </a:p>
@@ -3478,13 +3674,7 @@
       </p:sp>
       <p:sp>
         <p:nvSpPr>
-          <p:cNvPr id="6" name="Footer Placeholder 5">
-            <a:extLst>
-              <a:ext uri="{FF2B5EF4-FFF2-40B4-BE49-F238E27FC236}">
-                <a16:creationId xmlns:a16="http://schemas.microsoft.com/office/drawing/2014/main" id="{FC6F7DD5-ED85-A795-7792-6774FBED7057}"/>
-              </a:ext>
-            </a:extLst>
-          </p:cNvPr>
+          <p:cNvPr id="6" name="Footer Placeholder 5"/>
           <p:cNvSpPr>
             <a:spLocks noGrp="1"/>
           </p:cNvSpPr>
@@ -3503,13 +3693,7 @@
       </p:sp>
       <p:sp>
         <p:nvSpPr>
-          <p:cNvPr id="7" name="Slide Number Placeholder 6">
-            <a:extLst>
-              <a:ext uri="{FF2B5EF4-FFF2-40B4-BE49-F238E27FC236}">
-                <a16:creationId xmlns:a16="http://schemas.microsoft.com/office/drawing/2014/main" id="{CA3F2F9A-D751-26B9-372D-D8B1F4FEE501}"/>
-              </a:ext>
-            </a:extLst>
-          </p:cNvPr>
+          <p:cNvPr id="7" name="Slide Number Placeholder 6"/>
           <p:cNvSpPr>
             <a:spLocks noGrp="1"/>
           </p:cNvSpPr>
@@ -3533,7 +3717,7 @@
     </p:spTree>
     <p:extLst>
       <p:ext uri="{BB962C8B-B14F-4D97-AF65-F5344CB8AC3E}">
-        <p14:creationId xmlns:p14="http://schemas.microsoft.com/office/powerpoint/2010/main" val="2808507281"/>
+        <p14:creationId xmlns:p14="http://schemas.microsoft.com/office/powerpoint/2010/main" val="4292661585"/>
       </p:ext>
     </p:extLst>
   </p:cSld>
@@ -3562,13 +3746,7 @@
       </p:grpSpPr>
       <p:sp>
         <p:nvSpPr>
-          <p:cNvPr id="2" name="Title 1">
-            <a:extLst>
-              <a:ext uri="{FF2B5EF4-FFF2-40B4-BE49-F238E27FC236}">
-                <a16:creationId xmlns:a16="http://schemas.microsoft.com/office/drawing/2014/main" id="{F6F0ED9F-3EC2-2FE5-55CC-45C6161BD152}"/>
-              </a:ext>
-            </a:extLst>
-          </p:cNvPr>
+          <p:cNvPr id="2" name="Title 1"/>
           <p:cNvSpPr>
             <a:spLocks noGrp="1"/>
           </p:cNvSpPr>
@@ -3594,20 +3772,15 @@
               <a:rPr lang="en-US"/>
               <a:t>Click to edit Master title style</a:t>
             </a:r>
-          </a:p>
-        </p:txBody>
-      </p:sp>
-      <p:sp>
-        <p:nvSpPr>
-          <p:cNvPr id="3" name="Picture Placeholder 2">
-            <a:extLst>
-              <a:ext uri="{FF2B5EF4-FFF2-40B4-BE49-F238E27FC236}">
-                <a16:creationId xmlns:a16="http://schemas.microsoft.com/office/drawing/2014/main" id="{E9B040D5-819A-C64C-484A-84BDE9E5DC4A}"/>
-              </a:ext>
-            </a:extLst>
-          </p:cNvPr>
+            <a:endParaRPr lang="en-US" dirty="0"/>
+          </a:p>
+        </p:txBody>
+      </p:sp>
+      <p:sp>
+        <p:nvSpPr>
+          <p:cNvPr id="3" name="Picture Placeholder 2"/>
           <p:cNvSpPr>
-            <a:spLocks noGrp="1"/>
+            <a:spLocks noGrp="1" noChangeAspect="1"/>
           </p:cNvSpPr>
           <p:nvPr>
             <p:ph type="pic" idx="1"/>
@@ -3620,7 +3793,7 @@
           </a:xfrm>
         </p:spPr>
         <p:txBody>
-          <a:bodyPr/>
+          <a:bodyPr anchor="t"/>
           <a:lstStyle>
             <a:lvl1pPr marL="0" indent="0">
               <a:buNone/>
@@ -3660,19 +3833,17 @@
             </a:lvl9pPr>
           </a:lstStyle>
           <a:p>
-            <a:endParaRPr lang="en-US"/>
-          </a:p>
-        </p:txBody>
-      </p:sp>
-      <p:sp>
-        <p:nvSpPr>
-          <p:cNvPr id="4" name="Text Placeholder 3">
-            <a:extLst>
-              <a:ext uri="{FF2B5EF4-FFF2-40B4-BE49-F238E27FC236}">
-                <a16:creationId xmlns:a16="http://schemas.microsoft.com/office/drawing/2014/main" id="{110D3195-2576-D37A-081F-DDA293CFC9C2}"/>
-              </a:ext>
-            </a:extLst>
-          </p:cNvPr>
+            <a:r>
+              <a:rPr lang="en-US"/>
+              <a:t>Click icon to add picture</a:t>
+            </a:r>
+            <a:endParaRPr lang="en-US" dirty="0"/>
+          </a:p>
+        </p:txBody>
+      </p:sp>
+      <p:sp>
+        <p:nvSpPr>
+          <p:cNvPr id="4" name="Text Placeholder 3"/>
           <p:cNvSpPr>
             <a:spLocks noGrp="1"/>
           </p:cNvSpPr>
@@ -3737,13 +3908,7 @@
       </p:sp>
       <p:sp>
         <p:nvSpPr>
-          <p:cNvPr id="5" name="Date Placeholder 4">
-            <a:extLst>
-              <a:ext uri="{FF2B5EF4-FFF2-40B4-BE49-F238E27FC236}">
-                <a16:creationId xmlns:a16="http://schemas.microsoft.com/office/drawing/2014/main" id="{678C1625-AD4D-09CA-47BF-34304058438D}"/>
-              </a:ext>
-            </a:extLst>
-          </p:cNvPr>
+          <p:cNvPr id="5" name="Date Placeholder 4"/>
           <p:cNvSpPr>
             <a:spLocks noGrp="1"/>
           </p:cNvSpPr>
@@ -3758,7 +3923,7 @@
           <a:p>
             <a:fld id="{EB14851A-53D1-B04B-AD6B-CB7FEFB4C1FD}" type="datetimeFigureOut">
               <a:rPr lang="en-US" smtClean="0"/>
-              <a:t>7/24/24</a:t>
+              <a:t>7/25/24</a:t>
             </a:fld>
             <a:endParaRPr lang="en-US"/>
           </a:p>
@@ -3766,13 +3931,7 @@
       </p:sp>
       <p:sp>
         <p:nvSpPr>
-          <p:cNvPr id="6" name="Footer Placeholder 5">
-            <a:extLst>
-              <a:ext uri="{FF2B5EF4-FFF2-40B4-BE49-F238E27FC236}">
-                <a16:creationId xmlns:a16="http://schemas.microsoft.com/office/drawing/2014/main" id="{435B8D4A-E653-38FC-9F02-18EAF912F79B}"/>
-              </a:ext>
-            </a:extLst>
-          </p:cNvPr>
+          <p:cNvPr id="6" name="Footer Placeholder 5"/>
           <p:cNvSpPr>
             <a:spLocks noGrp="1"/>
           </p:cNvSpPr>
@@ -3791,13 +3950,7 @@
       </p:sp>
       <p:sp>
         <p:nvSpPr>
-          <p:cNvPr id="7" name="Slide Number Placeholder 6">
-            <a:extLst>
-              <a:ext uri="{FF2B5EF4-FFF2-40B4-BE49-F238E27FC236}">
-                <a16:creationId xmlns:a16="http://schemas.microsoft.com/office/drawing/2014/main" id="{0C11D3A4-7B9E-F734-2F58-19A4A2BA4146}"/>
-              </a:ext>
-            </a:extLst>
-          </p:cNvPr>
+          <p:cNvPr id="7" name="Slide Number Placeholder 6"/>
           <p:cNvSpPr>
             <a:spLocks noGrp="1"/>
           </p:cNvSpPr>
@@ -3821,7 +3974,7 @@
     </p:spTree>
     <p:extLst>
       <p:ext uri="{BB962C8B-B14F-4D97-AF65-F5344CB8AC3E}">
-        <p14:creationId xmlns:p14="http://schemas.microsoft.com/office/powerpoint/2010/main" val="1644921047"/>
+        <p14:creationId xmlns:p14="http://schemas.microsoft.com/office/powerpoint/2010/main" val="2480680449"/>
       </p:ext>
     </p:extLst>
   </p:cSld>
@@ -3855,13 +4008,7 @@
       </p:grpSpPr>
       <p:sp>
         <p:nvSpPr>
-          <p:cNvPr id="2" name="Title Placeholder 1">
-            <a:extLst>
-              <a:ext uri="{FF2B5EF4-FFF2-40B4-BE49-F238E27FC236}">
-                <a16:creationId xmlns:a16="http://schemas.microsoft.com/office/drawing/2014/main" id="{2BB5BE87-AB33-F280-4807-A5379C277097}"/>
-              </a:ext>
-            </a:extLst>
-          </p:cNvPr>
+          <p:cNvPr id="2" name="Title Placeholder 1"/>
           <p:cNvSpPr>
             <a:spLocks noGrp="1"/>
           </p:cNvSpPr>
@@ -3888,18 +4035,13 @@
               <a:rPr lang="en-US"/>
               <a:t>Click to edit Master title style</a:t>
             </a:r>
-          </a:p>
-        </p:txBody>
-      </p:sp>
-      <p:sp>
-        <p:nvSpPr>
-          <p:cNvPr id="3" name="Text Placeholder 2">
-            <a:extLst>
-              <a:ext uri="{FF2B5EF4-FFF2-40B4-BE49-F238E27FC236}">
-                <a16:creationId xmlns:a16="http://schemas.microsoft.com/office/drawing/2014/main" id="{4AF80908-ACE5-E6D8-AEB5-A6C0D6A3F235}"/>
-              </a:ext>
-            </a:extLst>
-          </p:cNvPr>
+            <a:endParaRPr lang="en-US" dirty="0"/>
+          </a:p>
+        </p:txBody>
+      </p:sp>
+      <p:sp>
+        <p:nvSpPr>
+          <p:cNvPr id="3" name="Text Placeholder 2"/>
           <p:cNvSpPr>
             <a:spLocks noGrp="1"/>
           </p:cNvSpPr>
@@ -3955,18 +4097,13 @@
               <a:rPr lang="en-US"/>
               <a:t>Fifth level</a:t>
             </a:r>
-          </a:p>
-        </p:txBody>
-      </p:sp>
-      <p:sp>
-        <p:nvSpPr>
-          <p:cNvPr id="4" name="Date Placeholder 3">
-            <a:extLst>
-              <a:ext uri="{FF2B5EF4-FFF2-40B4-BE49-F238E27FC236}">
-                <a16:creationId xmlns:a16="http://schemas.microsoft.com/office/drawing/2014/main" id="{3DD774D9-2AF6-4C2B-C2A1-C6B1CBB8A338}"/>
-              </a:ext>
-            </a:extLst>
-          </p:cNvPr>
+            <a:endParaRPr lang="en-US" dirty="0"/>
+          </a:p>
+        </p:txBody>
+      </p:sp>
+      <p:sp>
+        <p:nvSpPr>
+          <p:cNvPr id="4" name="Date Placeholder 3"/>
           <p:cNvSpPr>
             <a:spLocks noGrp="1"/>
           </p:cNvSpPr>
@@ -3999,7 +4136,7 @@
           <a:p>
             <a:fld id="{EB14851A-53D1-B04B-AD6B-CB7FEFB4C1FD}" type="datetimeFigureOut">
               <a:rPr lang="en-US" smtClean="0"/>
-              <a:t>7/24/24</a:t>
+              <a:t>7/25/24</a:t>
             </a:fld>
             <a:endParaRPr lang="en-US"/>
           </a:p>
@@ -4007,13 +4144,7 @@
       </p:sp>
       <p:sp>
         <p:nvSpPr>
-          <p:cNvPr id="5" name="Footer Placeholder 4">
-            <a:extLst>
-              <a:ext uri="{FF2B5EF4-FFF2-40B4-BE49-F238E27FC236}">
-                <a16:creationId xmlns:a16="http://schemas.microsoft.com/office/drawing/2014/main" id="{D73217ED-72CF-2960-CB38-E6601B8ADB1D}"/>
-              </a:ext>
-            </a:extLst>
-          </p:cNvPr>
+          <p:cNvPr id="5" name="Footer Placeholder 4"/>
           <p:cNvSpPr>
             <a:spLocks noGrp="1"/>
           </p:cNvSpPr>
@@ -4050,13 +4181,7 @@
       </p:sp>
       <p:sp>
         <p:nvSpPr>
-          <p:cNvPr id="6" name="Slide Number Placeholder 5">
-            <a:extLst>
-              <a:ext uri="{FF2B5EF4-FFF2-40B4-BE49-F238E27FC236}">
-                <a16:creationId xmlns:a16="http://schemas.microsoft.com/office/drawing/2014/main" id="{FFC009A0-DC7E-C878-120C-87B122DA95F0}"/>
-              </a:ext>
-            </a:extLst>
-          </p:cNvPr>
+          <p:cNvPr id="6" name="Slide Number Placeholder 5"/>
           <p:cNvSpPr>
             <a:spLocks noGrp="1"/>
           </p:cNvSpPr>
@@ -4098,23 +4223,23 @@
     </p:spTree>
     <p:extLst>
       <p:ext uri="{BB962C8B-B14F-4D97-AF65-F5344CB8AC3E}">
-        <p14:creationId xmlns:p14="http://schemas.microsoft.com/office/powerpoint/2010/main" val="2682454756"/>
+        <p14:creationId xmlns:p14="http://schemas.microsoft.com/office/powerpoint/2010/main" val="1648642031"/>
       </p:ext>
     </p:extLst>
   </p:cSld>
-  <p:clrMap bg1="lt1" tx1="dk1" bg2="lt2" tx2="dk2" accent1="accent1" accent2="accent2" accent3="accent3" accent4="accent4" accent5="accent5" accent6="accent6" hlink="hlink" folHlink="folHlink"/>
+  <p:clrMap bg1="dk1" tx1="lt1" bg2="dk2" tx2="lt2" accent1="accent1" accent2="accent2" accent3="accent3" accent4="accent4" accent5="accent5" accent6="accent6" hlink="hlink" folHlink="folHlink"/>
   <p:sldLayoutIdLst>
-    <p:sldLayoutId id="2147483649" r:id="rId1"/>
-    <p:sldLayoutId id="2147483650" r:id="rId2"/>
-    <p:sldLayoutId id="2147483651" r:id="rId3"/>
-    <p:sldLayoutId id="2147483652" r:id="rId4"/>
-    <p:sldLayoutId id="2147483653" r:id="rId5"/>
-    <p:sldLayoutId id="2147483654" r:id="rId6"/>
-    <p:sldLayoutId id="2147483655" r:id="rId7"/>
-    <p:sldLayoutId id="2147483656" r:id="rId8"/>
-    <p:sldLayoutId id="2147483657" r:id="rId9"/>
-    <p:sldLayoutId id="2147483658" r:id="rId10"/>
-    <p:sldLayoutId id="2147483659" r:id="rId11"/>
+    <p:sldLayoutId id="2147483661" r:id="rId1"/>
+    <p:sldLayoutId id="2147483662" r:id="rId2"/>
+    <p:sldLayoutId id="2147483663" r:id="rId3"/>
+    <p:sldLayoutId id="2147483664" r:id="rId4"/>
+    <p:sldLayoutId id="2147483665" r:id="rId5"/>
+    <p:sldLayoutId id="2147483666" r:id="rId6"/>
+    <p:sldLayoutId id="2147483667" r:id="rId7"/>
+    <p:sldLayoutId id="2147483668" r:id="rId8"/>
+    <p:sldLayoutId id="2147483669" r:id="rId9"/>
+    <p:sldLayoutId id="2147483670" r:id="rId10"/>
+    <p:sldLayoutId id="2147483671" r:id="rId11"/>
   </p:sldLayoutIdLst>
   <p:txStyles>
     <p:titleStyle>
@@ -4405,7 +4530,7 @@
     <p:bg>
       <p:bgPr>
         <a:solidFill>
-          <a:srgbClr val="343752"/>
+          <a:schemeClr val="bg2"/>
         </a:solidFill>
         <a:effectLst/>
       </p:bgPr>
@@ -4450,7 +4575,7 @@
             <a:r>
               <a:rPr lang="en-US" sz="5400" b="1" dirty="0">
                 <a:solidFill>
-                  <a:srgbClr val="90ACC7"/>
+                  <a:schemeClr val="accent1"/>
                 </a:solidFill>
               </a:rPr>
               <a:t>LEADS: </a:t>
@@ -4458,10 +4583,18 @@
             <a:r>
               <a:rPr lang="en-US" sz="5400" b="1" dirty="0">
                 <a:solidFill>
-                  <a:srgbClr val="FAD12B"/>
+                  <a:schemeClr val="accent4"/>
                 </a:solidFill>
               </a:rPr>
               <a:t>L</a:t>
+            </a:r>
+            <a:r>
+              <a:rPr lang="en-US" sz="5400" b="1" dirty="0">
+                <a:solidFill>
+                  <a:schemeClr val="accent1"/>
+                </a:solidFill>
+              </a:rPr>
+              <a:t>ightweight</a:t>
             </a:r>
             <a:r>
               <a:rPr lang="en-US" sz="5400" b="1" dirty="0">
@@ -4469,15 +4602,23 @@
                   <a:srgbClr val="90ACC7"/>
                 </a:solidFill>
               </a:rPr>
-              <a:t>ightweight </a:t>
+              <a:t> </a:t>
             </a:r>
             <a:r>
               <a:rPr lang="en-US" sz="5400" b="1" dirty="0">
                 <a:solidFill>
-                  <a:srgbClr val="FAD12B"/>
+                  <a:schemeClr val="accent4"/>
                 </a:solidFill>
               </a:rPr>
               <a:t>E</a:t>
+            </a:r>
+            <a:r>
+              <a:rPr lang="en-US" sz="5400" b="1" dirty="0">
+                <a:solidFill>
+                  <a:schemeClr val="accent1"/>
+                </a:solidFill>
+              </a:rPr>
+              <a:t>mbedded</a:t>
             </a:r>
             <a:r>
               <a:rPr lang="en-US" sz="5400" b="1" dirty="0">
@@ -4485,15 +4626,23 @@
                   <a:srgbClr val="90ACC7"/>
                 </a:solidFill>
               </a:rPr>
-              <a:t>mbedded </a:t>
+              <a:t> </a:t>
             </a:r>
             <a:r>
               <a:rPr lang="en-US" sz="5400" b="1" dirty="0">
                 <a:solidFill>
-                  <a:srgbClr val="FAD12B"/>
+                  <a:schemeClr val="accent4"/>
                 </a:solidFill>
               </a:rPr>
               <a:t>A</a:t>
+            </a:r>
+            <a:r>
+              <a:rPr lang="en-US" sz="5400" b="1" dirty="0">
+                <a:solidFill>
+                  <a:schemeClr val="accent1"/>
+                </a:solidFill>
+              </a:rPr>
+              <a:t>ssisted</a:t>
             </a:r>
             <a:r>
               <a:rPr lang="en-US" sz="5400" b="1" dirty="0">
@@ -4501,15 +4650,23 @@
                   <a:srgbClr val="90ACC7"/>
                 </a:solidFill>
               </a:rPr>
-              <a:t>ssisted </a:t>
+              <a:t> </a:t>
             </a:r>
             <a:r>
               <a:rPr lang="en-US" sz="5400" b="1" dirty="0">
                 <a:solidFill>
-                  <a:srgbClr val="FAD12B"/>
+                  <a:schemeClr val="accent4"/>
                 </a:solidFill>
               </a:rPr>
               <a:t>D</a:t>
+            </a:r>
+            <a:r>
+              <a:rPr lang="en-US" sz="5400" b="1" dirty="0">
+                <a:solidFill>
+                  <a:schemeClr val="accent1"/>
+                </a:solidFill>
+              </a:rPr>
+              <a:t>riving</a:t>
             </a:r>
             <a:r>
               <a:rPr lang="en-US" sz="5400" b="1" dirty="0">
@@ -4517,23 +4674,15 @@
                   <a:srgbClr val="90ACC7"/>
                 </a:solidFill>
               </a:rPr>
-              <a:t>riving </a:t>
+              <a:t> </a:t>
             </a:r>
             <a:r>
               <a:rPr lang="en-US" sz="5400" b="1" dirty="0">
                 <a:solidFill>
-                  <a:srgbClr val="FAD12B"/>
+                  <a:schemeClr val="accent1"/>
                 </a:solidFill>
               </a:rPr>
-              <a:t>S</a:t>
-            </a:r>
-            <a:r>
-              <a:rPr lang="en-US" sz="5400" b="1" dirty="0">
-                <a:solidFill>
-                  <a:srgbClr val="90ACC7"/>
-                </a:solidFill>
-              </a:rPr>
-              <a:t>ystem</a:t>
+              <a:t>System</a:t>
             </a:r>
           </a:p>
         </p:txBody>
@@ -4562,11 +4711,7 @@
           <a:lstStyle/>
           <a:p>
             <a:r>
-              <a:rPr lang="en-US" dirty="0">
-                <a:solidFill>
-                  <a:schemeClr val="bg1"/>
-                </a:solidFill>
-              </a:rPr>
+              <a:rPr lang="en-US" dirty="0"/>
               <a:t>Enable your racing car with powerful, data-driven instrumentation, control, and analysis systems, all wrapped up in a gorgeous look.</a:t>
             </a:r>
           </a:p>
@@ -4593,7 +4738,7 @@
             <a:avLst/>
           </a:prstGeom>
           <a:solidFill>
-            <a:srgbClr val="FAD12B"/>
+            <a:schemeClr val="accent4"/>
           </a:solidFill>
           <a:ln>
             <a:noFill/>
@@ -4621,7 +4766,11 @@
           <a:p>
             <a:pPr algn="ctr"/>
             <a:r>
-              <a:rPr lang="en-US" sz="1200" dirty="0"/>
+              <a:rPr lang="en-US" sz="1200" dirty="0">
+                <a:solidFill>
+                  <a:schemeClr val="tx1"/>
+                </a:solidFill>
+              </a:rPr>
               <a:t>PROUDLY PRESENTED BY PROJECT NEURA</a:t>
             </a:r>
           </a:p>
@@ -4648,7 +4797,7 @@
             <a:avLst/>
           </a:prstGeom>
           <a:solidFill>
-            <a:srgbClr val="90ACC7"/>
+            <a:schemeClr val="accent1"/>
           </a:solidFill>
           <a:ln>
             <a:noFill/>
@@ -4694,7 +4843,7 @@
           <p:nvPr/>
         </p:nvPicPr>
         <p:blipFill>
-          <a:blip r:embed="rId2">
+          <a:blip r:embed="rId3">
             <a:extLst>
               <a:ext uri="{28A0092B-C50C-407E-A947-70E740481C1C}">
                 <a14:useLocalDpi xmlns:a14="http://schemas.microsoft.com/office/drawing/2010/main" val="0"/>
@@ -4745,7 +4894,7 @@
     <p:bg>
       <p:bgPr>
         <a:solidFill>
-          <a:srgbClr val="343752"/>
+          <a:schemeClr val="bg2"/>
         </a:solidFill>
         <a:effectLst/>
       </p:bgPr>
@@ -4793,7 +4942,7 @@
             <a:r>
               <a:rPr lang="en-US" sz="5400" b="1" dirty="0">
                 <a:solidFill>
-                  <a:srgbClr val="FAD12B"/>
+                  <a:schemeClr val="accent4"/>
                 </a:solidFill>
               </a:rPr>
               <a:t>LEADS</a:t>
@@ -4830,7 +4979,7 @@
             <a:avLst/>
           </a:prstGeom>
           <a:solidFill>
-            <a:srgbClr val="90ACC7"/>
+            <a:schemeClr val="accent1"/>
           </a:solidFill>
           <a:ln w="12700">
             <a:noFill/>
@@ -4860,7 +5009,7 @@
             <a:r>
               <a:rPr lang="en-US" sz="1600" b="1" dirty="0">
                 <a:solidFill>
-                  <a:schemeClr val="bg1"/>
+                  <a:schemeClr val="tx1"/>
                 </a:solidFill>
               </a:rPr>
               <a:t>LEADS Framework</a:t>
@@ -4889,7 +5038,7 @@
             <a:avLst/>
           </a:prstGeom>
           <a:solidFill>
-            <a:srgbClr val="90ACC7"/>
+            <a:schemeClr val="accent1"/>
           </a:solidFill>
           <a:ln w="12700">
             <a:noFill/>
@@ -4919,7 +5068,7 @@
             <a:r>
               <a:rPr lang="en-US" sz="1600" b="1" dirty="0">
                 <a:solidFill>
-                  <a:schemeClr val="bg1"/>
+                  <a:schemeClr val="tx1"/>
                 </a:solidFill>
               </a:rPr>
               <a:t>LEADS Jarvis</a:t>
@@ -4948,7 +5097,7 @@
             <a:avLst/>
           </a:prstGeom>
           <a:solidFill>
-            <a:srgbClr val="90ACC7"/>
+            <a:schemeClr val="accent1"/>
           </a:solidFill>
           <a:ln w="12700">
             <a:noFill/>
@@ -4978,7 +5127,7 @@
             <a:r>
               <a:rPr lang="en-US" sz="1600" b="1" dirty="0">
                 <a:solidFill>
-                  <a:schemeClr val="bg1"/>
+                  <a:schemeClr val="tx1"/>
                 </a:solidFill>
               </a:rPr>
               <a:t>Project Thor</a:t>
@@ -5009,7 +5158,7 @@
           <a:noFill/>
           <a:ln w="38100">
             <a:solidFill>
-              <a:schemeClr val="bg2"/>
+              <a:schemeClr val="accent1"/>
             </a:solidFill>
           </a:ln>
         </p:spPr>
@@ -5059,7 +5208,7 @@
             <a:avLst/>
           </a:prstGeom>
           <a:solidFill>
-            <a:srgbClr val="90ACC7"/>
+            <a:schemeClr val="accent1"/>
           </a:solidFill>
           <a:ln w="12700">
             <a:noFill/>
@@ -5089,7 +5238,7 @@
             <a:r>
               <a:rPr lang="en-US" sz="1600" b="1" dirty="0">
                 <a:solidFill>
-                  <a:schemeClr val="bg2"/>
+                  <a:schemeClr val="accent3"/>
                 </a:solidFill>
               </a:rPr>
               <a:t>LEADS Arduino</a:t>
@@ -5123,7 +5272,7 @@
           </a:prstGeom>
           <a:ln w="38100">
             <a:solidFill>
-              <a:schemeClr val="bg2"/>
+              <a:schemeClr val="accent1"/>
             </a:solidFill>
             <a:tailEnd type="triangle"/>
           </a:ln>
@@ -5169,7 +5318,7 @@
           </a:prstGeom>
           <a:ln w="38100">
             <a:solidFill>
-              <a:schemeClr val="bg2"/>
+              <a:schemeClr val="accent1"/>
             </a:solidFill>
             <a:tailEnd type="triangle"/>
           </a:ln>
@@ -5210,7 +5359,7 @@
             <a:avLst/>
           </a:prstGeom>
           <a:solidFill>
-            <a:srgbClr val="90ACC7"/>
+            <a:schemeClr val="accent1"/>
           </a:solidFill>
           <a:ln w="12700">
             <a:noFill/>
@@ -5240,7 +5389,7 @@
             <a:r>
               <a:rPr lang="en-US" sz="1600" b="1" dirty="0">
                 <a:solidFill>
-                  <a:schemeClr val="bg1"/>
+                  <a:schemeClr val="tx1"/>
                 </a:solidFill>
               </a:rPr>
               <a:t>LEADS </a:t>
@@ -5248,14 +5397,14 @@
             <a:r>
               <a:rPr lang="en-US" sz="1600" b="1" dirty="0" err="1">
                 <a:solidFill>
-                  <a:schemeClr val="bg1"/>
+                  <a:schemeClr val="tx1"/>
                 </a:solidFill>
               </a:rPr>
               <a:t>VeC</a:t>
             </a:r>
             <a:endParaRPr lang="en-US" sz="1600" b="1" dirty="0">
               <a:solidFill>
-                <a:schemeClr val="bg1"/>
+                <a:schemeClr val="tx1"/>
               </a:solidFill>
             </a:endParaRPr>
           </a:p>
@@ -5282,7 +5431,7 @@
             <a:avLst/>
           </a:prstGeom>
           <a:solidFill>
-            <a:srgbClr val="90ACC7"/>
+            <a:schemeClr val="accent1"/>
           </a:solidFill>
           <a:ln w="12700">
             <a:noFill/>
@@ -5312,7 +5461,7 @@
             <a:r>
               <a:rPr lang="en-US" sz="1600" b="1" dirty="0">
                 <a:solidFill>
-                  <a:schemeClr val="bg2"/>
+                  <a:schemeClr val="accent3"/>
                 </a:solidFill>
               </a:rPr>
               <a:t>LEADS </a:t>
@@ -5320,7 +5469,7 @@
             <a:r>
               <a:rPr lang="en-US" sz="1600" b="1" dirty="0" err="1">
                 <a:solidFill>
-                  <a:schemeClr val="bg2"/>
+                  <a:schemeClr val="accent3"/>
                 </a:solidFill>
               </a:rPr>
               <a:t>VeC</a:t>
@@ -5328,7 +5477,7 @@
             <a:r>
               <a:rPr lang="en-US" sz="1600" b="1" dirty="0">
                 <a:solidFill>
-                  <a:schemeClr val="bg2"/>
+                  <a:schemeClr val="accent3"/>
                 </a:solidFill>
               </a:rPr>
               <a:t> RC</a:t>
@@ -5359,7 +5508,7 @@
           <a:noFill/>
           <a:ln w="38100">
             <a:solidFill>
-              <a:schemeClr val="bg2"/>
+              <a:schemeClr val="accent1"/>
             </a:solidFill>
           </a:ln>
         </p:spPr>
@@ -5416,7 +5565,7 @@
           </a:prstGeom>
           <a:ln w="38100">
             <a:solidFill>
-              <a:schemeClr val="bg2"/>
+              <a:schemeClr val="accent1"/>
             </a:solidFill>
             <a:tailEnd type="triangle"/>
           </a:ln>
@@ -5462,7 +5611,7 @@
           </a:prstGeom>
           <a:ln w="38100">
             <a:solidFill>
-              <a:schemeClr val="bg2"/>
+              <a:schemeClr val="accent1"/>
             </a:solidFill>
             <a:prstDash val="sysDot"/>
             <a:headEnd type="triangle" w="med" len="med"/>
@@ -5510,7 +5659,7 @@
           </a:prstGeom>
           <a:ln w="38100">
             <a:solidFill>
-              <a:schemeClr val="bg2"/>
+              <a:schemeClr val="accent1"/>
             </a:solidFill>
             <a:prstDash val="sysDot"/>
             <a:headEnd type="triangle" w="med" len="med"/>
@@ -5553,7 +5702,7 @@
             <a:avLst/>
           </a:prstGeom>
           <a:solidFill>
-            <a:srgbClr val="FAD12B"/>
+            <a:schemeClr val="accent4"/>
           </a:solidFill>
           <a:ln w="12700">
             <a:noFill/>
@@ -5583,7 +5732,7 @@
             <a:r>
               <a:rPr lang="en-US" sz="1600" b="1" dirty="0">
                 <a:solidFill>
-                  <a:schemeClr val="bg1"/>
+                  <a:schemeClr val="tx1"/>
                 </a:solidFill>
               </a:rPr>
               <a:t>LEADS</a:t>
@@ -5617,7 +5766,7 @@
           </a:prstGeom>
           <a:ln w="38100">
             <a:solidFill>
-              <a:schemeClr val="bg2"/>
+              <a:schemeClr val="accent1"/>
             </a:solidFill>
             <a:tailEnd type="triangle"/>
           </a:ln>
@@ -5663,7 +5812,7 @@
           </a:prstGeom>
           <a:ln w="38100">
             <a:solidFill>
-              <a:schemeClr val="bg2"/>
+              <a:schemeClr val="accent1"/>
             </a:solidFill>
             <a:tailEnd type="triangle"/>
           </a:ln>
@@ -5702,7 +5851,7 @@
     <p:bg>
       <p:bgPr>
         <a:solidFill>
-          <a:srgbClr val="171B21"/>
+          <a:schemeClr val="accent6"/>
         </a:solidFill>
         <a:effectLst/>
       </p:bgPr>
@@ -5744,7 +5893,7 @@
           <a:noFill/>
           <a:ln w="38100">
             <a:solidFill>
-              <a:srgbClr val="343752"/>
+              <a:schemeClr val="accent1"/>
             </a:solidFill>
           </a:ln>
         </p:spPr>
@@ -5786,7 +5935,7 @@
             <a:r>
               <a:rPr lang="en-US" dirty="0">
                 <a:solidFill>
-                  <a:schemeClr val="bg1"/>
+                  <a:schemeClr val="tx1"/>
                 </a:solidFill>
               </a:rPr>
               <a:t>All data from hundreds of sensors and cameras can be displayed in a gorgeous look, shared in real-time, and saved in popular formats.</a:t>
@@ -5817,7 +5966,7 @@
           </a:xfrm>
         </p:spPr>
         <p:txBody>
-          <a:bodyPr lIns="720000" rIns="360000" anchor="ctr">
+          <a:bodyPr lIns="648000" rIns="360000" anchor="ctr">
             <a:normAutofit/>
           </a:bodyPr>
           <a:lstStyle/>
@@ -5825,7 +5974,7 @@
             <a:r>
               <a:rPr lang="en-US" sz="5400" b="1" dirty="0">
                 <a:solidFill>
-                  <a:srgbClr val="FAD12B"/>
+                  <a:schemeClr val="accent4"/>
                 </a:solidFill>
               </a:rPr>
               <a:t>OUR MISSION</a:t>
@@ -5856,7 +6005,7 @@
           <a:noFill/>
           <a:ln w="38100">
             <a:solidFill>
-              <a:srgbClr val="343752"/>
+              <a:schemeClr val="accent1"/>
             </a:solidFill>
           </a:ln>
         </p:spPr>
@@ -5898,13 +6047,53 @@
             <a:r>
               <a:rPr lang="en-US" dirty="0">
                 <a:solidFill>
-                  <a:schemeClr val="bg1"/>
+                  <a:schemeClr val="tx1"/>
                 </a:solidFill>
               </a:rPr>
               <a:t>Enhanced by deep learning, training a driver is no longer what it used to be.</a:t>
             </a:r>
             <a:r>
               <a:rPr lang="zh-CN" altLang="en-US" dirty="0">
+                <a:solidFill>
+                  <a:schemeClr val="tx1"/>
+                </a:solidFill>
+              </a:rPr>
+              <a:t> </a:t>
+            </a:r>
+            <a:r>
+              <a:rPr lang="en-CA" altLang="zh-CN" dirty="0">
+                <a:solidFill>
+                  <a:schemeClr val="tx1"/>
+                </a:solidFill>
+              </a:rPr>
+              <a:t>The closer you get to </a:t>
+            </a:r>
+            <a:r>
+              <a:rPr lang="en-CA" altLang="zh-CN" dirty="0">
+                <a:solidFill>
+                  <a:schemeClr val="accent4"/>
+                </a:solidFill>
+              </a:rPr>
+              <a:t>Jarvis</a:t>
+            </a:r>
+            <a:r>
+              <a:rPr lang="en-CA" altLang="zh-CN" dirty="0">
+                <a:solidFill>
+                  <a:schemeClr val="tx1"/>
+                </a:solidFill>
+              </a:rPr>
+              <a:t>, the better you are, and </a:t>
+            </a:r>
+            <a:r>
+              <a:rPr lang="en-CA" altLang="zh-CN" dirty="0">
+                <a:solidFill>
+                  <a:schemeClr val="accent4"/>
+                </a:solidFill>
+              </a:rPr>
+              <a:t>Jarvis</a:t>
+            </a:r>
+            <a:r>
+              <a:rPr lang="en-CA" altLang="zh-CN" dirty="0">
                 <a:solidFill>
                   <a:schemeClr val="bg1"/>
                 </a:solidFill>
@@ -5914,46 +6103,14 @@
             <a:r>
               <a:rPr lang="en-CA" altLang="zh-CN" dirty="0">
                 <a:solidFill>
-                  <a:schemeClr val="bg1"/>
+                  <a:schemeClr val="tx1"/>
                 </a:solidFill>
               </a:rPr>
-              <a:t>The closer you get to </a:t>
-            </a:r>
-            <a:r>
-              <a:rPr lang="en-CA" altLang="zh-CN" dirty="0">
-                <a:solidFill>
-                  <a:srgbClr val="FAD12B"/>
-                </a:solidFill>
-              </a:rPr>
-              <a:t>Jarvis</a:t>
-            </a:r>
-            <a:r>
-              <a:rPr lang="en-CA" altLang="zh-CN" dirty="0">
-                <a:solidFill>
-                  <a:schemeClr val="bg1"/>
-                </a:solidFill>
-              </a:rPr>
-              <a:t>, the better you are, and </a:t>
-            </a:r>
-            <a:r>
-              <a:rPr lang="en-CA" altLang="zh-CN" dirty="0">
-                <a:solidFill>
-                  <a:srgbClr val="FAD12B"/>
-                </a:solidFill>
-              </a:rPr>
-              <a:t>Jarvis</a:t>
-            </a:r>
-            <a:r>
-              <a:rPr lang="en-CA" altLang="zh-CN" dirty="0">
-                <a:solidFill>
-                  <a:schemeClr val="bg1"/>
-                </a:solidFill>
-              </a:rPr>
-              <a:t> knows you better than you do.</a:t>
+              <a:t>knows you better than you do.</a:t>
             </a:r>
             <a:endParaRPr lang="en-US" dirty="0">
               <a:solidFill>
-                <a:schemeClr val="bg1"/>
+                <a:schemeClr val="tx1"/>
               </a:solidFill>
             </a:endParaRPr>
           </a:p>
@@ -5982,7 +6139,7 @@
           <a:noFill/>
           <a:ln w="38100">
             <a:solidFill>
-              <a:srgbClr val="343752"/>
+              <a:schemeClr val="accent1"/>
             </a:solidFill>
           </a:ln>
         </p:spPr>
@@ -6024,7 +6181,7 @@
             <a:r>
               <a:rPr lang="en-US" dirty="0">
                 <a:solidFill>
-                  <a:schemeClr val="bg1"/>
+                  <a:schemeClr val="tx1"/>
                 </a:solidFill>
               </a:rPr>
               <a:t>Whether it is an electric racing drive system or a modern control system, </a:t>
@@ -6032,7 +6189,7 @@
             <a:r>
               <a:rPr lang="en-US" dirty="0">
                 <a:solidFill>
-                  <a:srgbClr val="FAD12B"/>
+                  <a:schemeClr val="accent4"/>
                 </a:solidFill>
               </a:rPr>
               <a:t>LEADS</a:t>
@@ -6043,12 +6200,20 @@
                   <a:schemeClr val="bg1"/>
                 </a:solidFill>
               </a:rPr>
-              <a:t> can meet your needs.</a:t>
+              <a:t> </a:t>
+            </a:r>
+            <a:r>
+              <a:rPr lang="en-US" dirty="0">
+                <a:solidFill>
+                  <a:schemeClr val="tx1"/>
+                </a:solidFill>
+              </a:rPr>
+              <a:t>can meet your needs.</a:t>
             </a:r>
             <a:r>
               <a:rPr lang="zh-CN" altLang="en-US" dirty="0">
                 <a:solidFill>
-                  <a:schemeClr val="bg1"/>
+                  <a:schemeClr val="tx1"/>
                 </a:solidFill>
               </a:rPr>
               <a:t> </a:t>
@@ -6056,14 +6221,14 @@
             <a:r>
               <a:rPr lang="en-CA" altLang="zh-CN" dirty="0">
                 <a:solidFill>
-                  <a:schemeClr val="bg1"/>
+                  <a:schemeClr val="tx1"/>
                 </a:solidFill>
               </a:rPr>
               <a:t>It has the potential to adapt to racing cars of any size and category.</a:t>
             </a:r>
             <a:endParaRPr lang="en-US" dirty="0">
               <a:solidFill>
-                <a:schemeClr val="bg1"/>
+                <a:schemeClr val="tx1"/>
               </a:solidFill>
             </a:endParaRPr>
           </a:p>
@@ -6098,50 +6263,30 @@
           <a:lstStyle/>
           <a:p>
             <a:r>
+              <a:rPr lang="en-US" dirty="0"/>
+              <a:t>Throughout the development of </a:t>
+            </a:r>
+            <a:r>
               <a:rPr lang="en-US" dirty="0">
                 <a:solidFill>
-                  <a:schemeClr val="bg1"/>
-                </a:solidFill>
-              </a:rPr>
-              <a:t>Throughout the development of </a:t>
-            </a:r>
-            <a:r>
-              <a:rPr lang="en-US" dirty="0">
-                <a:solidFill>
-                  <a:srgbClr val="FAD12B"/>
+                  <a:schemeClr val="accent4"/>
                 </a:solidFill>
               </a:rPr>
               <a:t>LEADS</a:t>
             </a:r>
             <a:r>
-              <a:rPr lang="en-US" dirty="0">
-                <a:solidFill>
-                  <a:schemeClr val="bg1"/>
-                </a:solidFill>
-              </a:rPr>
+              <a:rPr lang="en-US" dirty="0"/>
               <a:t>, we have never forgotten our beginning – an amateur-developer-friendly project initialized by high school students. We have always tried our best to give back to the community by making it easy to understand while ensuring professionalism and safety.</a:t>
             </a:r>
             <a:r>
-              <a:rPr lang="zh-CN" altLang="en-US" dirty="0">
-                <a:solidFill>
-                  <a:schemeClr val="bg1"/>
-                </a:solidFill>
-              </a:rPr>
+              <a:rPr lang="zh-CN" altLang="en-US" dirty="0"/>
               <a:t> </a:t>
             </a:r>
             <a:r>
-              <a:rPr lang="en-CA" altLang="zh-CN" dirty="0">
-                <a:solidFill>
-                  <a:schemeClr val="bg1"/>
-                </a:solidFill>
-              </a:rPr>
+              <a:rPr lang="en-CA" altLang="zh-CN" dirty="0"/>
               <a:t>Whether it is the framework or other out-of-the-box modules in the ecology, our goal is to make users feel as easy and happy as building a LEGO.</a:t>
             </a:r>
-            <a:endParaRPr lang="en-US" dirty="0">
-              <a:solidFill>
-                <a:srgbClr val="FAD12B"/>
-              </a:solidFill>
-            </a:endParaRPr>
+            <a:endParaRPr lang="en-US" dirty="0"/>
           </a:p>
         </p:txBody>
       </p:sp>
@@ -6164,7 +6309,7 @@
     <p:bg>
       <p:bgPr>
         <a:solidFill>
-          <a:srgbClr val="343752"/>
+          <a:schemeClr val="bg2"/>
         </a:solidFill>
         <a:effectLst/>
       </p:bgPr>
@@ -6205,7 +6350,7 @@
             <a:ext cx="5234940" cy="3093719"/>
           </a:xfrm>
           <a:solidFill>
-            <a:srgbClr val="FAD12B"/>
+            <a:schemeClr val="accent4"/>
           </a:solidFill>
         </p:spPr>
         <p:txBody>
@@ -6217,7 +6362,7 @@
             <a:r>
               <a:rPr lang="en-US" sz="5400" b="1" dirty="0">
                 <a:solidFill>
-                  <a:srgbClr val="90ACC7"/>
+                  <a:schemeClr val="accent1"/>
                 </a:solidFill>
               </a:rPr>
               <a:t>EMBRACE ARTIFICIAL INTELLIGENCE</a:t>
@@ -6254,27 +6399,19 @@
           <a:lstStyle/>
           <a:p>
             <a:r>
+              <a:rPr lang="en-US" dirty="0"/>
+              <a:t>Ever since the birth of </a:t>
+            </a:r>
+            <a:r>
               <a:rPr lang="en-US" dirty="0">
                 <a:solidFill>
-                  <a:schemeClr val="bg1"/>
-                </a:solidFill>
-              </a:rPr>
-              <a:t>Ever since the birth of </a:t>
-            </a:r>
-            <a:r>
-              <a:rPr lang="en-US" dirty="0">
-                <a:solidFill>
-                  <a:srgbClr val="FAD12B"/>
+                  <a:schemeClr val="accent4"/>
                 </a:solidFill>
               </a:rPr>
               <a:t>LEADS</a:t>
             </a:r>
             <a:r>
-              <a:rPr lang="en-US" dirty="0">
-                <a:solidFill>
-                  <a:schemeClr val="bg1"/>
-                </a:solidFill>
-              </a:rPr>
+              <a:rPr lang="en-US" dirty="0"/>
               <a:t>, AI has been destined to play a role of importance that does not overshadow but assists the driver.</a:t>
             </a:r>
           </a:p>
@@ -6287,27 +6424,19 @@
           </a:p>
           <a:p>
             <a:r>
+              <a:rPr lang="en-US" dirty="0"/>
+              <a:t>Both traditional machine learning and deep learning are widely used everywhere in </a:t>
+            </a:r>
+            <a:r>
               <a:rPr lang="en-US" dirty="0">
                 <a:solidFill>
-                  <a:schemeClr val="bg1"/>
-                </a:solidFill>
-              </a:rPr>
-              <a:t>Both traditional machine learning and deep learning are widely used everywhere in </a:t>
-            </a:r>
-            <a:r>
-              <a:rPr lang="en-US" dirty="0">
-                <a:solidFill>
-                  <a:srgbClr val="FAD12B"/>
+                  <a:schemeClr val="accent4"/>
                 </a:solidFill>
               </a:rPr>
               <a:t>LEADS</a:t>
             </a:r>
             <a:r>
-              <a:rPr lang="en-US" dirty="0">
-                <a:solidFill>
-                  <a:schemeClr val="bg1"/>
-                </a:solidFill>
-              </a:rPr>
+              <a:rPr lang="en-US" dirty="0"/>
               <a:t>. They provide users with robust and intelligent experiences in various scenarios, big and small.</a:t>
             </a:r>
           </a:p>
@@ -6336,7 +6465,7 @@
           <a:noFill/>
           <a:ln w="38100">
             <a:solidFill>
-              <a:schemeClr val="bg2"/>
+              <a:schemeClr val="accent1"/>
             </a:solidFill>
           </a:ln>
         </p:spPr>
@@ -6388,7 +6517,7 @@
           <a:noFill/>
           <a:ln w="38100">
             <a:solidFill>
-              <a:schemeClr val="bg2"/>
+              <a:schemeClr val="accent4"/>
             </a:solidFill>
           </a:ln>
         </p:spPr>
@@ -6445,8 +6574,8 @@
         </p:blipFill>
         <p:spPr>
           <a:xfrm>
-            <a:off x="10668000" y="5784444"/>
-            <a:ext cx="403860" cy="403860"/>
+            <a:off x="10845443" y="5986374"/>
+            <a:ext cx="288000" cy="288000"/>
           </a:xfrm>
           <a:prstGeom prst="rect">
             <a:avLst/>
@@ -6481,8 +6610,8 @@
         </p:blipFill>
         <p:spPr>
           <a:xfrm>
-            <a:off x="4975860" y="5784444"/>
-            <a:ext cx="403860" cy="403860"/>
+            <a:off x="5158740" y="5986374"/>
+            <a:ext cx="287172" cy="287172"/>
           </a:xfrm>
           <a:prstGeom prst="rect">
             <a:avLst/>
@@ -6503,14 +6632,14 @@
         </p:nvSpPr>
         <p:spPr>
           <a:xfrm>
-            <a:off x="1163781" y="4047659"/>
+            <a:off x="1408897" y="4165123"/>
             <a:ext cx="1509081" cy="665018"/>
           </a:xfrm>
           <a:prstGeom prst="roundRect">
             <a:avLst/>
           </a:prstGeom>
           <a:solidFill>
-            <a:srgbClr val="90ACC7"/>
+            <a:schemeClr val="accent1"/>
           </a:solidFill>
           <a:ln>
             <a:noFill/>
@@ -6538,7 +6667,11 @@
           <a:p>
             <a:pPr algn="ctr"/>
             <a:r>
-              <a:rPr lang="en-US" sz="1600" b="1" dirty="0"/>
+              <a:rPr lang="en-US" sz="1600" b="1" dirty="0">
+                <a:solidFill>
+                  <a:schemeClr val="tx1"/>
+                </a:solidFill>
+              </a:rPr>
               <a:t>Performance Checker</a:t>
             </a:r>
           </a:p>
@@ -6558,14 +6691,14 @@
         </p:nvSpPr>
         <p:spPr>
           <a:xfrm>
-            <a:off x="2975581" y="4047658"/>
+            <a:off x="3578043" y="4165123"/>
             <a:ext cx="1509081" cy="665018"/>
           </a:xfrm>
           <a:prstGeom prst="roundRect">
             <a:avLst/>
           </a:prstGeom>
           <a:solidFill>
-            <a:srgbClr val="90ACC7"/>
+            <a:schemeClr val="accent1"/>
           </a:solidFill>
           <a:ln>
             <a:noFill/>
@@ -6593,7 +6726,11 @@
           <a:p>
             <a:pPr algn="ctr"/>
             <a:r>
-              <a:rPr lang="en-US" sz="1600" b="1" dirty="0"/>
+              <a:rPr lang="en-US" sz="1600" b="1" dirty="0">
+                <a:solidFill>
+                  <a:schemeClr val="tx1"/>
+                </a:solidFill>
+              </a:rPr>
               <a:t>Data Inference</a:t>
             </a:r>
           </a:p>
@@ -6613,14 +6750,14 @@
         </p:nvSpPr>
         <p:spPr>
           <a:xfrm>
-            <a:off x="8667721" y="4047658"/>
+            <a:off x="9271930" y="4165122"/>
             <a:ext cx="1509081" cy="665018"/>
           </a:xfrm>
           <a:prstGeom prst="roundRect">
             <a:avLst/>
           </a:prstGeom>
           <a:solidFill>
-            <a:srgbClr val="90ACC7"/>
+            <a:schemeClr val="accent1"/>
           </a:solidFill>
           <a:ln>
             <a:noFill/>
@@ -6648,7 +6785,11 @@
           <a:p>
             <a:pPr algn="ctr"/>
             <a:r>
-              <a:rPr lang="en-US" sz="1600" b="1" dirty="0"/>
+              <a:rPr lang="en-US" sz="1600" b="1" dirty="0">
+                <a:solidFill>
+                  <a:schemeClr val="tx1"/>
+                </a:solidFill>
+              </a:rPr>
               <a:t>Data Inference</a:t>
             </a:r>
           </a:p>
@@ -6668,14 +6809,14 @@
         </p:nvSpPr>
         <p:spPr>
           <a:xfrm>
-            <a:off x="8667721" y="4899340"/>
+            <a:off x="9271930" y="5350869"/>
             <a:ext cx="1509081" cy="665018"/>
           </a:xfrm>
           <a:prstGeom prst="roundRect">
             <a:avLst/>
           </a:prstGeom>
           <a:solidFill>
-            <a:srgbClr val="FAD12B"/>
+            <a:schemeClr val="accent4"/>
           </a:solidFill>
           <a:ln>
             <a:noFill/>
@@ -6703,7 +6844,11 @@
           <a:p>
             <a:pPr algn="ctr"/>
             <a:r>
-              <a:rPr lang="en-US" sz="1600" b="1" dirty="0"/>
+              <a:rPr lang="en-US" sz="1600" b="1" dirty="0">
+                <a:solidFill>
+                  <a:schemeClr val="tx1"/>
+                </a:solidFill>
+              </a:rPr>
               <a:t>Jarvis</a:t>
             </a:r>
           </a:p>
@@ -6723,14 +6868,14 @@
         </p:nvSpPr>
         <p:spPr>
           <a:xfrm>
-            <a:off x="6855921" y="4047658"/>
+            <a:off x="7104202" y="4165122"/>
             <a:ext cx="1509081" cy="665018"/>
           </a:xfrm>
           <a:prstGeom prst="roundRect">
             <a:avLst/>
           </a:prstGeom>
           <a:solidFill>
-            <a:srgbClr val="90ACC7"/>
+            <a:schemeClr val="accent1"/>
           </a:solidFill>
           <a:ln>
             <a:noFill/>
@@ -6758,7 +6903,11 @@
           <a:p>
             <a:pPr algn="ctr"/>
             <a:r>
-              <a:rPr lang="en-US" sz="1600" b="1" dirty="0"/>
+              <a:rPr lang="en-US" sz="1600" b="1" dirty="0">
+                <a:solidFill>
+                  <a:schemeClr val="tx1"/>
+                </a:solidFill>
+              </a:rPr>
               <a:t>Driver Scoring</a:t>
             </a:r>
           </a:p>
@@ -6778,14 +6927,14 @@
         </p:nvSpPr>
         <p:spPr>
           <a:xfrm>
-            <a:off x="1163781" y="4899340"/>
+            <a:off x="1408896" y="5350869"/>
             <a:ext cx="1509081" cy="665018"/>
           </a:xfrm>
           <a:prstGeom prst="roundRect">
             <a:avLst/>
           </a:prstGeom>
           <a:solidFill>
-            <a:srgbClr val="90ACC7"/>
+            <a:schemeClr val="accent1"/>
           </a:solidFill>
           <a:ln>
             <a:noFill/>
@@ -6813,7 +6962,11 @@
           <a:p>
             <a:pPr algn="ctr"/>
             <a:r>
-              <a:rPr lang="en-US" sz="1600" b="1" dirty="0"/>
+              <a:rPr lang="en-US" sz="1600" b="1" dirty="0">
+                <a:solidFill>
+                  <a:schemeClr val="tx1"/>
+                </a:solidFill>
+              </a:rPr>
               <a:t>EBI</a:t>
             </a:r>
           </a:p>
@@ -6833,14 +6986,14 @@
         </p:nvSpPr>
         <p:spPr>
           <a:xfrm>
-            <a:off x="2975580" y="4899340"/>
+            <a:off x="3576624" y="5350869"/>
             <a:ext cx="1509081" cy="665018"/>
           </a:xfrm>
           <a:prstGeom prst="roundRect">
             <a:avLst/>
           </a:prstGeom>
           <a:solidFill>
-            <a:srgbClr val="90ACC7"/>
+            <a:schemeClr val="accent1"/>
           </a:solidFill>
           <a:ln>
             <a:noFill/>
@@ -6868,7 +7021,11 @@
           <a:p>
             <a:pPr algn="ctr"/>
             <a:r>
-              <a:rPr lang="en-US" sz="1600" b="1" dirty="0"/>
+              <a:rPr lang="en-US" sz="1600" b="1" dirty="0">
+                <a:solidFill>
+                  <a:schemeClr val="tx1"/>
+                </a:solidFill>
+              </a:rPr>
               <a:t>ATBS</a:t>
             </a:r>
           </a:p>
@@ -6888,14 +7045,14 @@
         </p:nvSpPr>
         <p:spPr>
           <a:xfrm>
-            <a:off x="6855921" y="4899340"/>
+            <a:off x="7109414" y="5350869"/>
             <a:ext cx="1509081" cy="665018"/>
           </a:xfrm>
           <a:prstGeom prst="roundRect">
             <a:avLst/>
           </a:prstGeom>
           <a:solidFill>
-            <a:srgbClr val="90ACC7"/>
+            <a:schemeClr val="accent1"/>
           </a:solidFill>
           <a:ln>
             <a:noFill/>
@@ -6943,6 +7100,1101 @@
 </file>
 
 <file path=ppt/slides/slide5.xml><?xml version="1.0" encoding="utf-8"?>
+<p:sld xmlns:a="http://schemas.openxmlformats.org/drawingml/2006/main" xmlns:r="http://schemas.openxmlformats.org/officeDocument/2006/relationships" xmlns:p="http://schemas.openxmlformats.org/presentationml/2006/main">
+  <p:cSld>
+    <p:bg>
+      <p:bgPr>
+        <a:solidFill>
+          <a:schemeClr val="accent6"/>
+        </a:solidFill>
+        <a:effectLst/>
+      </p:bgPr>
+    </p:bg>
+    <p:spTree>
+      <p:nvGrpSpPr>
+        <p:cNvPr id="1" name=""/>
+        <p:cNvGrpSpPr/>
+        <p:nvPr/>
+      </p:nvGrpSpPr>
+      <p:grpSpPr>
+        <a:xfrm>
+          <a:off x="0" y="0"/>
+          <a:ext cx="0" cy="0"/>
+          <a:chOff x="0" y="0"/>
+          <a:chExt cx="0" cy="0"/>
+        </a:xfrm>
+      </p:grpSpPr>
+      <p:sp>
+        <p:nvSpPr>
+          <p:cNvPr id="10" name="Title 1">
+            <a:extLst>
+              <a:ext uri="{FF2B5EF4-FFF2-40B4-BE49-F238E27FC236}">
+                <a16:creationId xmlns:a16="http://schemas.microsoft.com/office/drawing/2014/main" id="{760B2514-928F-6309-3B68-0B8287A0F32D}"/>
+              </a:ext>
+            </a:extLst>
+          </p:cNvPr>
+          <p:cNvSpPr>
+            <a:spLocks noGrp="1"/>
+          </p:cNvSpPr>
+          <p:nvPr>
+            <p:ph type="title"/>
+          </p:nvPr>
+        </p:nvSpPr>
+        <p:spPr>
+          <a:xfrm>
+            <a:off x="0" y="640898"/>
+            <a:ext cx="5715000" cy="1415583"/>
+          </a:xfrm>
+        </p:spPr>
+        <p:txBody>
+          <a:bodyPr lIns="648000" rIns="360000" anchor="ctr">
+            <a:normAutofit/>
+          </a:bodyPr>
+          <a:lstStyle/>
+          <a:p>
+            <a:r>
+              <a:rPr lang="en-US" sz="5400" b="1" dirty="0">
+                <a:solidFill>
+                  <a:schemeClr val="accent4"/>
+                </a:solidFill>
+              </a:rPr>
+              <a:t>OUR AMBITION</a:t>
+            </a:r>
+          </a:p>
+        </p:txBody>
+      </p:sp>
+      <p:sp>
+        <p:nvSpPr>
+          <p:cNvPr id="12" name="Rounded Rectangle 11">
+            <a:extLst>
+              <a:ext uri="{FF2B5EF4-FFF2-40B4-BE49-F238E27FC236}">
+                <a16:creationId xmlns:a16="http://schemas.microsoft.com/office/drawing/2014/main" id="{924C8CED-8197-33C3-18B9-BE5FF6DC7C86}"/>
+              </a:ext>
+            </a:extLst>
+          </p:cNvPr>
+          <p:cNvSpPr/>
+          <p:nvPr/>
+        </p:nvSpPr>
+        <p:spPr>
+          <a:xfrm>
+            <a:off x="5715000" y="914772"/>
+            <a:ext cx="5829300" cy="860262"/>
+          </a:xfrm>
+          <a:prstGeom prst="roundRect">
+            <a:avLst/>
+          </a:prstGeom>
+          <a:noFill/>
+          <a:ln w="38100">
+            <a:solidFill>
+              <a:schemeClr val="accent1"/>
+            </a:solidFill>
+          </a:ln>
+        </p:spPr>
+        <p:style>
+          <a:lnRef idx="2">
+            <a:schemeClr val="accent1">
+              <a:shade val="15000"/>
+            </a:schemeClr>
+          </a:lnRef>
+          <a:fillRef idx="1">
+            <a:schemeClr val="accent1"/>
+          </a:fillRef>
+          <a:effectRef idx="0">
+            <a:schemeClr val="accent1"/>
+          </a:effectRef>
+          <a:fontRef idx="minor">
+            <a:schemeClr val="lt1"/>
+          </a:fontRef>
+        </p:style>
+        <p:txBody>
+          <a:bodyPr rtlCol="0" anchor="t"/>
+          <a:lstStyle/>
+          <a:p>
+            <a:r>
+              <a:rPr lang="en-US" sz="2400" b="1" dirty="0">
+                <a:solidFill>
+                  <a:srgbClr val="90ACC7"/>
+                </a:solidFill>
+              </a:rPr>
+              <a:t>Phase I</a:t>
+            </a:r>
+            <a:endParaRPr lang="en-US" b="1" dirty="0">
+              <a:solidFill>
+                <a:schemeClr val="bg1"/>
+              </a:solidFill>
+            </a:endParaRPr>
+          </a:p>
+          <a:p>
+            <a:r>
+              <a:rPr lang="en-US" dirty="0">
+                <a:solidFill>
+                  <a:schemeClr val="tx1"/>
+                </a:solidFill>
+              </a:rPr>
+              <a:t>Vehicle Instrument Display Cluster</a:t>
+            </a:r>
+          </a:p>
+        </p:txBody>
+      </p:sp>
+      <p:sp>
+        <p:nvSpPr>
+          <p:cNvPr id="2" name="Rounded Rectangle 1">
+            <a:extLst>
+              <a:ext uri="{FF2B5EF4-FFF2-40B4-BE49-F238E27FC236}">
+                <a16:creationId xmlns:a16="http://schemas.microsoft.com/office/drawing/2014/main" id="{21CF1AE8-102D-9DA1-8132-D5ADB418D715}"/>
+              </a:ext>
+            </a:extLst>
+          </p:cNvPr>
+          <p:cNvSpPr/>
+          <p:nvPr/>
+        </p:nvSpPr>
+        <p:spPr>
+          <a:xfrm>
+            <a:off x="5715000" y="1958714"/>
+            <a:ext cx="5829300" cy="860262"/>
+          </a:xfrm>
+          <a:prstGeom prst="roundRect">
+            <a:avLst/>
+          </a:prstGeom>
+          <a:noFill/>
+          <a:ln w="38100">
+            <a:solidFill>
+              <a:schemeClr val="accent1"/>
+            </a:solidFill>
+          </a:ln>
+        </p:spPr>
+        <p:style>
+          <a:lnRef idx="2">
+            <a:schemeClr val="accent1">
+              <a:shade val="15000"/>
+            </a:schemeClr>
+          </a:lnRef>
+          <a:fillRef idx="1">
+            <a:schemeClr val="accent1"/>
+          </a:fillRef>
+          <a:effectRef idx="0">
+            <a:schemeClr val="accent1"/>
+          </a:effectRef>
+          <a:fontRef idx="minor">
+            <a:schemeClr val="lt1"/>
+          </a:fontRef>
+        </p:style>
+        <p:txBody>
+          <a:bodyPr rtlCol="0" anchor="t"/>
+          <a:lstStyle/>
+          <a:p>
+            <a:r>
+              <a:rPr lang="en-US" sz="2400" b="1" dirty="0">
+                <a:solidFill>
+                  <a:srgbClr val="90ACC7"/>
+                </a:solidFill>
+              </a:rPr>
+              <a:t>Phase II</a:t>
+            </a:r>
+            <a:endParaRPr lang="en-US" b="1" dirty="0">
+              <a:solidFill>
+                <a:schemeClr val="bg1"/>
+              </a:solidFill>
+            </a:endParaRPr>
+          </a:p>
+          <a:p>
+            <a:r>
+              <a:rPr lang="en-US" dirty="0">
+                <a:solidFill>
+                  <a:schemeClr val="tx1"/>
+                </a:solidFill>
+              </a:rPr>
+              <a:t>Cloud Data Repository with Live Video Feed</a:t>
+            </a:r>
+          </a:p>
+        </p:txBody>
+      </p:sp>
+      <p:sp>
+        <p:nvSpPr>
+          <p:cNvPr id="3" name="Rounded Rectangle 2">
+            <a:extLst>
+              <a:ext uri="{FF2B5EF4-FFF2-40B4-BE49-F238E27FC236}">
+                <a16:creationId xmlns:a16="http://schemas.microsoft.com/office/drawing/2014/main" id="{F849994B-D63D-6ACA-2213-0EC2C91AF7E4}"/>
+              </a:ext>
+            </a:extLst>
+          </p:cNvPr>
+          <p:cNvSpPr/>
+          <p:nvPr/>
+        </p:nvSpPr>
+        <p:spPr>
+          <a:xfrm>
+            <a:off x="5715000" y="2998869"/>
+            <a:ext cx="5829300" cy="860262"/>
+          </a:xfrm>
+          <a:prstGeom prst="roundRect">
+            <a:avLst/>
+          </a:prstGeom>
+          <a:noFill/>
+          <a:ln w="38100">
+            <a:solidFill>
+              <a:schemeClr val="accent1"/>
+            </a:solidFill>
+          </a:ln>
+        </p:spPr>
+        <p:style>
+          <a:lnRef idx="2">
+            <a:schemeClr val="accent1">
+              <a:shade val="15000"/>
+            </a:schemeClr>
+          </a:lnRef>
+          <a:fillRef idx="1">
+            <a:schemeClr val="accent1"/>
+          </a:fillRef>
+          <a:effectRef idx="0">
+            <a:schemeClr val="accent1"/>
+          </a:effectRef>
+          <a:fontRef idx="minor">
+            <a:schemeClr val="lt1"/>
+          </a:fontRef>
+        </p:style>
+        <p:txBody>
+          <a:bodyPr rtlCol="0" anchor="t"/>
+          <a:lstStyle/>
+          <a:p>
+            <a:r>
+              <a:rPr lang="en-US" sz="2400" b="1" dirty="0">
+                <a:solidFill>
+                  <a:srgbClr val="90ACC7"/>
+                </a:solidFill>
+              </a:rPr>
+              <a:t>Phase III</a:t>
+            </a:r>
+            <a:endParaRPr lang="en-US" b="1" dirty="0">
+              <a:solidFill>
+                <a:schemeClr val="bg1"/>
+              </a:solidFill>
+            </a:endParaRPr>
+          </a:p>
+          <a:p>
+            <a:r>
+              <a:rPr lang="en-US" dirty="0">
+                <a:solidFill>
+                  <a:schemeClr val="tx1"/>
+                </a:solidFill>
+              </a:rPr>
+              <a:t>Remote Analyst and Onboard Control System</a:t>
+            </a:r>
+          </a:p>
+        </p:txBody>
+      </p:sp>
+      <p:sp>
+        <p:nvSpPr>
+          <p:cNvPr id="4" name="Rounded Rectangle 3">
+            <a:extLst>
+              <a:ext uri="{FF2B5EF4-FFF2-40B4-BE49-F238E27FC236}">
+                <a16:creationId xmlns:a16="http://schemas.microsoft.com/office/drawing/2014/main" id="{CD0150C6-6EE7-52DC-CDAF-C74DC6CA9389}"/>
+              </a:ext>
+            </a:extLst>
+          </p:cNvPr>
+          <p:cNvSpPr/>
+          <p:nvPr/>
+        </p:nvSpPr>
+        <p:spPr>
+          <a:xfrm>
+            <a:off x="5715000" y="4039024"/>
+            <a:ext cx="5829300" cy="860261"/>
+          </a:xfrm>
+          <a:prstGeom prst="roundRect">
+            <a:avLst/>
+          </a:prstGeom>
+          <a:noFill/>
+          <a:ln w="38100">
+            <a:solidFill>
+              <a:schemeClr val="accent4"/>
+            </a:solidFill>
+          </a:ln>
+        </p:spPr>
+        <p:style>
+          <a:lnRef idx="2">
+            <a:schemeClr val="accent1">
+              <a:shade val="15000"/>
+            </a:schemeClr>
+          </a:lnRef>
+          <a:fillRef idx="1">
+            <a:schemeClr val="accent1"/>
+          </a:fillRef>
+          <a:effectRef idx="0">
+            <a:schemeClr val="accent1"/>
+          </a:effectRef>
+          <a:fontRef idx="minor">
+            <a:schemeClr val="lt1"/>
+          </a:fontRef>
+        </p:style>
+        <p:txBody>
+          <a:bodyPr rtlCol="0" anchor="t"/>
+          <a:lstStyle/>
+          <a:p>
+            <a:r>
+              <a:rPr lang="en-US" sz="2400" b="1" dirty="0">
+                <a:solidFill>
+                  <a:schemeClr val="accent4"/>
+                </a:solidFill>
+              </a:rPr>
+              <a:t>Phase IV</a:t>
+            </a:r>
+            <a:endParaRPr lang="en-US" b="1" dirty="0">
+              <a:solidFill>
+                <a:schemeClr val="accent4"/>
+              </a:solidFill>
+            </a:endParaRPr>
+          </a:p>
+          <a:p>
+            <a:r>
+              <a:rPr lang="en-US" dirty="0">
+                <a:solidFill>
+                  <a:schemeClr val="tx1"/>
+                </a:solidFill>
+              </a:rPr>
+              <a:t>Road Datasets with Comprehensive</a:t>
+            </a:r>
+            <a:r>
+              <a:rPr lang="zh-CN" altLang="en-US" dirty="0">
+                <a:solidFill>
+                  <a:schemeClr val="tx1"/>
+                </a:solidFill>
+              </a:rPr>
+              <a:t> </a:t>
+            </a:r>
+            <a:r>
+              <a:rPr lang="en-US" dirty="0">
+                <a:solidFill>
+                  <a:schemeClr val="tx1"/>
+                </a:solidFill>
+              </a:rPr>
+              <a:t>Annotation</a:t>
+            </a:r>
+          </a:p>
+        </p:txBody>
+      </p:sp>
+      <p:sp>
+        <p:nvSpPr>
+          <p:cNvPr id="5" name="Rounded Rectangle 4">
+            <a:extLst>
+              <a:ext uri="{FF2B5EF4-FFF2-40B4-BE49-F238E27FC236}">
+                <a16:creationId xmlns:a16="http://schemas.microsoft.com/office/drawing/2014/main" id="{D269FEC9-60DD-F242-70FB-4634965E58EF}"/>
+              </a:ext>
+            </a:extLst>
+          </p:cNvPr>
+          <p:cNvSpPr/>
+          <p:nvPr/>
+        </p:nvSpPr>
+        <p:spPr>
+          <a:xfrm>
+            <a:off x="5715000" y="5079178"/>
+            <a:ext cx="5829300" cy="860261"/>
+          </a:xfrm>
+          <a:prstGeom prst="roundRect">
+            <a:avLst/>
+          </a:prstGeom>
+          <a:noFill/>
+          <a:ln w="38100">
+            <a:solidFill>
+              <a:schemeClr val="accent4"/>
+            </a:solidFill>
+          </a:ln>
+        </p:spPr>
+        <p:style>
+          <a:lnRef idx="2">
+            <a:schemeClr val="accent1">
+              <a:shade val="15000"/>
+            </a:schemeClr>
+          </a:lnRef>
+          <a:fillRef idx="1">
+            <a:schemeClr val="accent1"/>
+          </a:fillRef>
+          <a:effectRef idx="0">
+            <a:schemeClr val="accent1"/>
+          </a:effectRef>
+          <a:fontRef idx="minor">
+            <a:schemeClr val="lt1"/>
+          </a:fontRef>
+        </p:style>
+        <p:txBody>
+          <a:bodyPr rtlCol="0" anchor="t"/>
+          <a:lstStyle/>
+          <a:p>
+            <a:r>
+              <a:rPr lang="en-US" sz="2400" b="1" dirty="0">
+                <a:solidFill>
+                  <a:schemeClr val="accent4"/>
+                </a:solidFill>
+              </a:rPr>
+              <a:t>Phase V</a:t>
+            </a:r>
+            <a:endParaRPr lang="en-US" b="1" dirty="0">
+              <a:solidFill>
+                <a:schemeClr val="accent4"/>
+              </a:solidFill>
+            </a:endParaRPr>
+          </a:p>
+          <a:p>
+            <a:r>
+              <a:rPr lang="en-CA" dirty="0">
+                <a:solidFill>
+                  <a:schemeClr val="tx1"/>
+                </a:solidFill>
+              </a:rPr>
+              <a:t>Deep Learning Models Trained on the Road Datasets</a:t>
+            </a:r>
+            <a:endParaRPr lang="en-US" dirty="0">
+              <a:solidFill>
+                <a:schemeClr val="tx1"/>
+              </a:solidFill>
+            </a:endParaRPr>
+          </a:p>
+        </p:txBody>
+      </p:sp>
+      <p:pic>
+        <p:nvPicPr>
+          <p:cNvPr id="7" name="Graphic 6" descr="Document with solid fill">
+            <a:extLst>
+              <a:ext uri="{FF2B5EF4-FFF2-40B4-BE49-F238E27FC236}">
+                <a16:creationId xmlns:a16="http://schemas.microsoft.com/office/drawing/2014/main" id="{1B9D6AD9-3166-5F5D-661E-A02F0BE704D8}"/>
+              </a:ext>
+            </a:extLst>
+          </p:cNvPr>
+          <p:cNvPicPr>
+            <a:picLocks noChangeAspect="1"/>
+          </p:cNvPicPr>
+          <p:nvPr/>
+        </p:nvPicPr>
+        <p:blipFill>
+          <a:blip r:embed="rId2">
+            <a:extLst>
+              <a:ext uri="{96DAC541-7B7A-43D3-8B79-37D633B846F1}">
+                <asvg:svgBlip xmlns:asvg="http://schemas.microsoft.com/office/drawing/2016/SVG/main" r:embed="rId3"/>
+              </a:ext>
+            </a:extLst>
+          </a:blip>
+          <a:stretch>
+            <a:fillRect/>
+          </a:stretch>
+        </p:blipFill>
+        <p:spPr>
+          <a:xfrm>
+            <a:off x="11256300" y="4063904"/>
+            <a:ext cx="288000" cy="288000"/>
+          </a:xfrm>
+          <a:prstGeom prst="rect">
+            <a:avLst/>
+          </a:prstGeom>
+        </p:spPr>
+      </p:pic>
+      <p:pic>
+        <p:nvPicPr>
+          <p:cNvPr id="8" name="Graphic 7" descr="Document with solid fill">
+            <a:extLst>
+              <a:ext uri="{FF2B5EF4-FFF2-40B4-BE49-F238E27FC236}">
+                <a16:creationId xmlns:a16="http://schemas.microsoft.com/office/drawing/2014/main" id="{4A2B5CFD-FAEF-A2BA-2779-3350D9BBE563}"/>
+              </a:ext>
+            </a:extLst>
+          </p:cNvPr>
+          <p:cNvPicPr>
+            <a:picLocks noChangeAspect="1"/>
+          </p:cNvPicPr>
+          <p:nvPr/>
+        </p:nvPicPr>
+        <p:blipFill>
+          <a:blip r:embed="rId2">
+            <a:extLst>
+              <a:ext uri="{96DAC541-7B7A-43D3-8B79-37D633B846F1}">
+                <asvg:svgBlip xmlns:asvg="http://schemas.microsoft.com/office/drawing/2016/SVG/main" r:embed="rId3"/>
+              </a:ext>
+            </a:extLst>
+          </a:blip>
+          <a:stretch>
+            <a:fillRect/>
+          </a:stretch>
+        </p:blipFill>
+        <p:spPr>
+          <a:xfrm>
+            <a:off x="11256300" y="5104058"/>
+            <a:ext cx="288000" cy="288000"/>
+          </a:xfrm>
+          <a:prstGeom prst="rect">
+            <a:avLst/>
+          </a:prstGeom>
+        </p:spPr>
+      </p:pic>
+      <p:pic>
+        <p:nvPicPr>
+          <p:cNvPr id="15" name="Graphic 14" descr="Morse Code with solid fill">
+            <a:extLst>
+              <a:ext uri="{FF2B5EF4-FFF2-40B4-BE49-F238E27FC236}">
+                <a16:creationId xmlns:a16="http://schemas.microsoft.com/office/drawing/2014/main" id="{42CE23DB-E834-AFAD-BD4C-365C1092C3FA}"/>
+              </a:ext>
+            </a:extLst>
+          </p:cNvPr>
+          <p:cNvPicPr>
+            <a:picLocks noChangeAspect="1"/>
+          </p:cNvPicPr>
+          <p:nvPr/>
+        </p:nvPicPr>
+        <p:blipFill>
+          <a:blip r:embed="rId4">
+            <a:extLst>
+              <a:ext uri="{96DAC541-7B7A-43D3-8B79-37D633B846F1}">
+                <asvg:svgBlip xmlns:asvg="http://schemas.microsoft.com/office/drawing/2016/SVG/main" r:embed="rId5"/>
+              </a:ext>
+            </a:extLst>
+          </a:blip>
+          <a:stretch>
+            <a:fillRect/>
+          </a:stretch>
+        </p:blipFill>
+        <p:spPr>
+          <a:xfrm>
+            <a:off x="11216530" y="3017364"/>
+            <a:ext cx="288000" cy="288000"/>
+          </a:xfrm>
+          <a:prstGeom prst="rect">
+            <a:avLst/>
+          </a:prstGeom>
+        </p:spPr>
+      </p:pic>
+      <p:pic>
+        <p:nvPicPr>
+          <p:cNvPr id="16" name="Graphic 15" descr="Morse Code with solid fill">
+            <a:extLst>
+              <a:ext uri="{FF2B5EF4-FFF2-40B4-BE49-F238E27FC236}">
+                <a16:creationId xmlns:a16="http://schemas.microsoft.com/office/drawing/2014/main" id="{12F35469-55C0-06A8-502A-1CEE79A0D05D}"/>
+              </a:ext>
+            </a:extLst>
+          </p:cNvPr>
+          <p:cNvPicPr>
+            <a:picLocks noChangeAspect="1"/>
+          </p:cNvPicPr>
+          <p:nvPr/>
+        </p:nvPicPr>
+        <p:blipFill>
+          <a:blip r:embed="rId4">
+            <a:extLst>
+              <a:ext uri="{96DAC541-7B7A-43D3-8B79-37D633B846F1}">
+                <asvg:svgBlip xmlns:asvg="http://schemas.microsoft.com/office/drawing/2016/SVG/main" r:embed="rId5"/>
+              </a:ext>
+            </a:extLst>
+          </a:blip>
+          <a:stretch>
+            <a:fillRect/>
+          </a:stretch>
+        </p:blipFill>
+        <p:spPr>
+          <a:xfrm>
+            <a:off x="11216530" y="1983542"/>
+            <a:ext cx="288000" cy="288000"/>
+          </a:xfrm>
+          <a:prstGeom prst="rect">
+            <a:avLst/>
+          </a:prstGeom>
+        </p:spPr>
+      </p:pic>
+      <p:pic>
+        <p:nvPicPr>
+          <p:cNvPr id="17" name="Graphic 16" descr="Morse Code with solid fill">
+            <a:extLst>
+              <a:ext uri="{FF2B5EF4-FFF2-40B4-BE49-F238E27FC236}">
+                <a16:creationId xmlns:a16="http://schemas.microsoft.com/office/drawing/2014/main" id="{61E89E14-C11E-BACC-2559-04010A88CF05}"/>
+              </a:ext>
+            </a:extLst>
+          </p:cNvPr>
+          <p:cNvPicPr>
+            <a:picLocks noChangeAspect="1"/>
+          </p:cNvPicPr>
+          <p:nvPr/>
+        </p:nvPicPr>
+        <p:blipFill>
+          <a:blip r:embed="rId4">
+            <a:extLst>
+              <a:ext uri="{96DAC541-7B7A-43D3-8B79-37D633B846F1}">
+                <asvg:svgBlip xmlns:asvg="http://schemas.microsoft.com/office/drawing/2016/SVG/main" r:embed="rId5"/>
+              </a:ext>
+            </a:extLst>
+          </a:blip>
+          <a:stretch>
+            <a:fillRect/>
+          </a:stretch>
+        </p:blipFill>
+        <p:spPr>
+          <a:xfrm>
+            <a:off x="11216530" y="944452"/>
+            <a:ext cx="288000" cy="288000"/>
+          </a:xfrm>
+          <a:prstGeom prst="rect">
+            <a:avLst/>
+          </a:prstGeom>
+        </p:spPr>
+      </p:pic>
+      <p:pic>
+        <p:nvPicPr>
+          <p:cNvPr id="18" name="Graphic 17" descr="Morse Code with solid fill">
+            <a:extLst>
+              <a:ext uri="{FF2B5EF4-FFF2-40B4-BE49-F238E27FC236}">
+                <a16:creationId xmlns:a16="http://schemas.microsoft.com/office/drawing/2014/main" id="{CFEA909F-7958-0C7E-19CF-9A1E8C6978B0}"/>
+              </a:ext>
+            </a:extLst>
+          </p:cNvPr>
+          <p:cNvPicPr>
+            <a:picLocks noChangeAspect="1"/>
+          </p:cNvPicPr>
+          <p:nvPr/>
+        </p:nvPicPr>
+        <p:blipFill>
+          <a:blip r:embed="rId6">
+            <a:extLst>
+              <a:ext uri="{96DAC541-7B7A-43D3-8B79-37D633B846F1}">
+                <asvg:svgBlip xmlns:asvg="http://schemas.microsoft.com/office/drawing/2016/SVG/main" r:embed="rId7"/>
+              </a:ext>
+            </a:extLst>
+          </a:blip>
+          <a:stretch>
+            <a:fillRect/>
+          </a:stretch>
+        </p:blipFill>
+        <p:spPr>
+          <a:xfrm>
+            <a:off x="647700" y="2204179"/>
+            <a:ext cx="369332" cy="369332"/>
+          </a:xfrm>
+          <a:prstGeom prst="rect">
+            <a:avLst/>
+          </a:prstGeom>
+        </p:spPr>
+      </p:pic>
+      <p:sp>
+        <p:nvSpPr>
+          <p:cNvPr id="19" name="TextBox 18">
+            <a:extLst>
+              <a:ext uri="{FF2B5EF4-FFF2-40B4-BE49-F238E27FC236}">
+                <a16:creationId xmlns:a16="http://schemas.microsoft.com/office/drawing/2014/main" id="{CA330F27-4084-F55A-8401-B573720D9337}"/>
+              </a:ext>
+            </a:extLst>
+          </p:cNvPr>
+          <p:cNvSpPr txBox="1"/>
+          <p:nvPr/>
+        </p:nvSpPr>
+        <p:spPr>
+          <a:xfrm>
+            <a:off x="1017032" y="2204179"/>
+            <a:ext cx="2040430" cy="369332"/>
+          </a:xfrm>
+          <a:prstGeom prst="rect">
+            <a:avLst/>
+          </a:prstGeom>
+          <a:noFill/>
+        </p:spPr>
+        <p:txBody>
+          <a:bodyPr wrap="none" rtlCol="0" anchor="ctr">
+            <a:spAutoFit/>
+          </a:bodyPr>
+          <a:lstStyle/>
+          <a:p>
+            <a:r>
+              <a:rPr lang="en-US" dirty="0"/>
+              <a:t>Open-source codes </a:t>
+            </a:r>
+          </a:p>
+        </p:txBody>
+      </p:sp>
+      <p:pic>
+        <p:nvPicPr>
+          <p:cNvPr id="20" name="Graphic 19" descr="Morse Code with solid fill">
+            <a:extLst>
+              <a:ext uri="{FF2B5EF4-FFF2-40B4-BE49-F238E27FC236}">
+                <a16:creationId xmlns:a16="http://schemas.microsoft.com/office/drawing/2014/main" id="{93CC8581-ECC4-4D52-D1F5-E6E5AD6EB5F0}"/>
+              </a:ext>
+            </a:extLst>
+          </p:cNvPr>
+          <p:cNvPicPr>
+            <a:picLocks noChangeAspect="1"/>
+          </p:cNvPicPr>
+          <p:nvPr/>
+        </p:nvPicPr>
+        <p:blipFill>
+          <a:blip r:embed="rId8">
+            <a:extLst>
+              <a:ext uri="{96DAC541-7B7A-43D3-8B79-37D633B846F1}">
+                <asvg:svgBlip xmlns:asvg="http://schemas.microsoft.com/office/drawing/2016/SVG/main" r:embed="rId9"/>
+              </a:ext>
+            </a:extLst>
+          </a:blip>
+          <a:stretch>
+            <a:fillRect/>
+          </a:stretch>
+        </p:blipFill>
+        <p:spPr>
+          <a:xfrm>
+            <a:off x="10968300" y="5104058"/>
+            <a:ext cx="288000" cy="288000"/>
+          </a:xfrm>
+          <a:prstGeom prst="rect">
+            <a:avLst/>
+          </a:prstGeom>
+        </p:spPr>
+      </p:pic>
+      <p:pic>
+        <p:nvPicPr>
+          <p:cNvPr id="21" name="Graphic 20" descr="Document with solid fill">
+            <a:extLst>
+              <a:ext uri="{FF2B5EF4-FFF2-40B4-BE49-F238E27FC236}">
+                <a16:creationId xmlns:a16="http://schemas.microsoft.com/office/drawing/2014/main" id="{918383C2-F7D9-0822-D1B6-AFC5B355629E}"/>
+              </a:ext>
+            </a:extLst>
+          </p:cNvPr>
+          <p:cNvPicPr>
+            <a:picLocks noChangeAspect="1"/>
+          </p:cNvPicPr>
+          <p:nvPr/>
+        </p:nvPicPr>
+        <p:blipFill>
+          <a:blip r:embed="rId10">
+            <a:extLst>
+              <a:ext uri="{96DAC541-7B7A-43D3-8B79-37D633B846F1}">
+                <asvg:svgBlip xmlns:asvg="http://schemas.microsoft.com/office/drawing/2016/SVG/main" r:embed="rId11"/>
+              </a:ext>
+            </a:extLst>
+          </a:blip>
+          <a:srcRect/>
+          <a:stretch/>
+        </p:blipFill>
+        <p:spPr>
+          <a:xfrm>
+            <a:off x="647700" y="3244334"/>
+            <a:ext cx="369332" cy="369332"/>
+          </a:xfrm>
+          <a:prstGeom prst="rect">
+            <a:avLst/>
+          </a:prstGeom>
+        </p:spPr>
+      </p:pic>
+      <p:sp>
+        <p:nvSpPr>
+          <p:cNvPr id="22" name="TextBox 21">
+            <a:extLst>
+              <a:ext uri="{FF2B5EF4-FFF2-40B4-BE49-F238E27FC236}">
+                <a16:creationId xmlns:a16="http://schemas.microsoft.com/office/drawing/2014/main" id="{42877CE5-AFE8-8328-705F-13A26DF28328}"/>
+              </a:ext>
+            </a:extLst>
+          </p:cNvPr>
+          <p:cNvSpPr txBox="1"/>
+          <p:nvPr/>
+        </p:nvSpPr>
+        <p:spPr>
+          <a:xfrm>
+            <a:off x="1017032" y="3244334"/>
+            <a:ext cx="1781963" cy="369332"/>
+          </a:xfrm>
+          <a:prstGeom prst="rect">
+            <a:avLst/>
+          </a:prstGeom>
+          <a:noFill/>
+        </p:spPr>
+        <p:txBody>
+          <a:bodyPr wrap="square" rtlCol="0" anchor="ctr">
+            <a:spAutoFit/>
+          </a:bodyPr>
+          <a:lstStyle/>
+          <a:p>
+            <a:r>
+              <a:rPr lang="en-US" dirty="0"/>
+              <a:t>Published papers</a:t>
+            </a:r>
+          </a:p>
+        </p:txBody>
+      </p:sp>
+      <p:pic>
+        <p:nvPicPr>
+          <p:cNvPr id="24" name="Picture 23" descr="A black background with a black square&#10;&#10;Description automatically generated with medium confidence">
+            <a:extLst>
+              <a:ext uri="{FF2B5EF4-FFF2-40B4-BE49-F238E27FC236}">
+                <a16:creationId xmlns:a16="http://schemas.microsoft.com/office/drawing/2014/main" id="{C26CD685-A2F6-EB66-ED09-F1D1A7C5283B}"/>
+              </a:ext>
+            </a:extLst>
+          </p:cNvPr>
+          <p:cNvPicPr>
+            <a:picLocks noChangeAspect="1"/>
+          </p:cNvPicPr>
+          <p:nvPr/>
+        </p:nvPicPr>
+        <p:blipFill>
+          <a:blip r:embed="rId12">
+            <a:duotone>
+              <a:schemeClr val="accent4">
+                <a:shade val="45000"/>
+                <a:satMod val="135000"/>
+              </a:schemeClr>
+              <a:prstClr val="white"/>
+            </a:duotone>
+            <a:extLst>
+              <a:ext uri="{28A0092B-C50C-407E-A947-70E740481C1C}">
+                <a14:useLocalDpi xmlns:a14="http://schemas.microsoft.com/office/drawing/2010/main" val="0"/>
+              </a:ext>
+            </a:extLst>
+          </a:blip>
+          <a:stretch>
+            <a:fillRect/>
+          </a:stretch>
+        </p:blipFill>
+        <p:spPr>
+          <a:xfrm>
+            <a:off x="647700" y="4284489"/>
+            <a:ext cx="369333" cy="369333"/>
+          </a:xfrm>
+          <a:prstGeom prst="rect">
+            <a:avLst/>
+          </a:prstGeom>
+        </p:spPr>
+      </p:pic>
+      <p:sp>
+        <p:nvSpPr>
+          <p:cNvPr id="25" name="TextBox 24">
+            <a:extLst>
+              <a:ext uri="{FF2B5EF4-FFF2-40B4-BE49-F238E27FC236}">
+                <a16:creationId xmlns:a16="http://schemas.microsoft.com/office/drawing/2014/main" id="{1C1485C8-07C6-B18A-E271-633481E4AEB7}"/>
+              </a:ext>
+            </a:extLst>
+          </p:cNvPr>
+          <p:cNvSpPr txBox="1"/>
+          <p:nvPr/>
+        </p:nvSpPr>
+        <p:spPr>
+          <a:xfrm>
+            <a:off x="1017032" y="4284490"/>
+            <a:ext cx="2368065" cy="369332"/>
+          </a:xfrm>
+          <a:prstGeom prst="rect">
+            <a:avLst/>
+          </a:prstGeom>
+          <a:noFill/>
+        </p:spPr>
+        <p:txBody>
+          <a:bodyPr wrap="square" rtlCol="0" anchor="ctr">
+            <a:spAutoFit/>
+          </a:bodyPr>
+          <a:lstStyle/>
+          <a:p>
+            <a:r>
+              <a:rPr lang="en-US" dirty="0" err="1">
+                <a:solidFill>
+                  <a:schemeClr val="accent4"/>
+                </a:solidFill>
+              </a:rPr>
+              <a:t>ProjectNeura</a:t>
+            </a:r>
+            <a:r>
+              <a:rPr lang="en-US" dirty="0">
+                <a:solidFill>
+                  <a:schemeClr val="accent4"/>
+                </a:solidFill>
+              </a:rPr>
+              <a:t>/LEADS</a:t>
+            </a:r>
+          </a:p>
+        </p:txBody>
+      </p:sp>
+      <p:pic>
+        <p:nvPicPr>
+          <p:cNvPr id="27" name="Graphic 26" descr="Internet with solid fill">
+            <a:extLst>
+              <a:ext uri="{FF2B5EF4-FFF2-40B4-BE49-F238E27FC236}">
+                <a16:creationId xmlns:a16="http://schemas.microsoft.com/office/drawing/2014/main" id="{D5DA8FED-69BD-6FB5-1D66-B8B210F1E22A}"/>
+              </a:ext>
+            </a:extLst>
+          </p:cNvPr>
+          <p:cNvPicPr>
+            <a:picLocks noChangeAspect="1"/>
+          </p:cNvPicPr>
+          <p:nvPr/>
+        </p:nvPicPr>
+        <p:blipFill>
+          <a:blip r:embed="rId13">
+            <a:extLst>
+              <a:ext uri="{96DAC541-7B7A-43D3-8B79-37D633B846F1}">
+                <asvg:svgBlip xmlns:asvg="http://schemas.microsoft.com/office/drawing/2016/SVG/main" r:embed="rId14"/>
+              </a:ext>
+            </a:extLst>
+          </a:blip>
+          <a:stretch>
+            <a:fillRect/>
+          </a:stretch>
+        </p:blipFill>
+        <p:spPr>
+          <a:xfrm>
+            <a:off x="647700" y="5324642"/>
+            <a:ext cx="369332" cy="369332"/>
+          </a:xfrm>
+          <a:prstGeom prst="rect">
+            <a:avLst/>
+          </a:prstGeom>
+        </p:spPr>
+      </p:pic>
+      <p:sp>
+        <p:nvSpPr>
+          <p:cNvPr id="28" name="TextBox 27">
+            <a:extLst>
+              <a:ext uri="{FF2B5EF4-FFF2-40B4-BE49-F238E27FC236}">
+                <a16:creationId xmlns:a16="http://schemas.microsoft.com/office/drawing/2014/main" id="{08D717F8-9C58-39A1-D324-7E6964CA2153}"/>
+              </a:ext>
+            </a:extLst>
+          </p:cNvPr>
+          <p:cNvSpPr txBox="1"/>
+          <p:nvPr/>
+        </p:nvSpPr>
+        <p:spPr>
+          <a:xfrm>
+            <a:off x="1017032" y="5323458"/>
+            <a:ext cx="3312743" cy="369332"/>
+          </a:xfrm>
+          <a:prstGeom prst="rect">
+            <a:avLst/>
+          </a:prstGeom>
+          <a:noFill/>
+        </p:spPr>
+        <p:txBody>
+          <a:bodyPr wrap="square" rtlCol="0" anchor="ctr">
+            <a:spAutoFit/>
+          </a:bodyPr>
+          <a:lstStyle/>
+          <a:p>
+            <a:r>
+              <a:rPr lang="en-US" dirty="0">
+                <a:hlinkClick r:id="rId15"/>
+              </a:rPr>
+              <a:t>https://leads.projectneura.org</a:t>
+            </a:r>
+            <a:endParaRPr lang="en-US" dirty="0"/>
+          </a:p>
+        </p:txBody>
+      </p:sp>
+      <p:pic>
+        <p:nvPicPr>
+          <p:cNvPr id="30" name="Graphic 29" descr="Morse Code with solid fill">
+            <a:extLst>
+              <a:ext uri="{FF2B5EF4-FFF2-40B4-BE49-F238E27FC236}">
+                <a16:creationId xmlns:a16="http://schemas.microsoft.com/office/drawing/2014/main" id="{354CD114-196A-645C-59A7-CC138D8F83F5}"/>
+              </a:ext>
+            </a:extLst>
+          </p:cNvPr>
+          <p:cNvPicPr>
+            <a:picLocks noChangeAspect="1"/>
+          </p:cNvPicPr>
+          <p:nvPr/>
+        </p:nvPicPr>
+        <p:blipFill>
+          <a:blip r:embed="rId8">
+            <a:extLst>
+              <a:ext uri="{96DAC541-7B7A-43D3-8B79-37D633B846F1}">
+                <asvg:svgBlip xmlns:asvg="http://schemas.microsoft.com/office/drawing/2016/SVG/main" r:embed="rId9"/>
+              </a:ext>
+            </a:extLst>
+          </a:blip>
+          <a:stretch>
+            <a:fillRect/>
+          </a:stretch>
+        </p:blipFill>
+        <p:spPr>
+          <a:xfrm>
+            <a:off x="10968300" y="4063904"/>
+            <a:ext cx="288000" cy="288000"/>
+          </a:xfrm>
+          <a:prstGeom prst="rect">
+            <a:avLst/>
+          </a:prstGeom>
+        </p:spPr>
+      </p:pic>
+    </p:spTree>
+    <p:extLst>
+      <p:ext uri="{BB962C8B-B14F-4D97-AF65-F5344CB8AC3E}">
+        <p14:creationId xmlns:p14="http://schemas.microsoft.com/office/powerpoint/2010/main" val="1401013285"/>
+      </p:ext>
+    </p:extLst>
+  </p:cSld>
+  <p:clrMapOvr>
+    <a:masterClrMapping/>
+  </p:clrMapOvr>
+</p:sld>
+</file>
+
+<file path=ppt/slides/slide6.xml><?xml version="1.0" encoding="utf-8"?>
+<p:sld xmlns:a="http://schemas.openxmlformats.org/drawingml/2006/main" xmlns:r="http://schemas.openxmlformats.org/officeDocument/2006/relationships" xmlns:p="http://schemas.openxmlformats.org/presentationml/2006/main">
+  <p:cSld>
+    <p:bg>
+      <p:bgPr>
+        <a:solidFill>
+          <a:schemeClr val="bg2"/>
+        </a:solidFill>
+        <a:effectLst/>
+      </p:bgPr>
+    </p:bg>
+    <p:spTree>
+      <p:nvGrpSpPr>
+        <p:cNvPr id="1" name=""/>
+        <p:cNvGrpSpPr/>
+        <p:nvPr/>
+      </p:nvGrpSpPr>
+      <p:grpSpPr>
+        <a:xfrm>
+          <a:off x="0" y="0"/>
+          <a:ext cx="0" cy="0"/>
+          <a:chOff x="0" y="0"/>
+          <a:chExt cx="0" cy="0"/>
+        </a:xfrm>
+      </p:grpSpPr>
+      <p:sp>
+        <p:nvSpPr>
+          <p:cNvPr id="2" name="Title 1">
+            <a:extLst>
+              <a:ext uri="{FF2B5EF4-FFF2-40B4-BE49-F238E27FC236}">
+                <a16:creationId xmlns:a16="http://schemas.microsoft.com/office/drawing/2014/main" id="{8699D222-16D9-B56F-D1A7-EF42B3137189}"/>
+              </a:ext>
+            </a:extLst>
+          </p:cNvPr>
+          <p:cNvSpPr>
+            <a:spLocks noGrp="1"/>
+          </p:cNvSpPr>
+          <p:nvPr>
+            <p:ph type="title"/>
+          </p:nvPr>
+        </p:nvSpPr>
+        <p:spPr>
+          <a:noFill/>
+        </p:spPr>
+        <p:txBody>
+          <a:bodyPr>
+            <a:normAutofit/>
+          </a:bodyPr>
+          <a:lstStyle/>
+          <a:p>
+            <a:pPr algn="ctr"/>
+            <a:r>
+              <a:rPr lang="en-US" sz="5400" b="1" dirty="0">
+                <a:solidFill>
+                  <a:schemeClr val="accent1"/>
+                </a:solidFill>
+              </a:rPr>
+              <a:t>What We Have Achieved</a:t>
+            </a:r>
+          </a:p>
+        </p:txBody>
+      </p:sp>
+    </p:spTree>
+    <p:extLst>
+      <p:ext uri="{BB962C8B-B14F-4D97-AF65-F5344CB8AC3E}">
+        <p14:creationId xmlns:p14="http://schemas.microsoft.com/office/powerpoint/2010/main" val="1391951025"/>
+      </p:ext>
+    </p:extLst>
+  </p:cSld>
+  <p:clrMapOvr>
+    <a:masterClrMapping/>
+  </p:clrMapOvr>
+</p:sld>
+</file>
+
+<file path=ppt/slides/slide7.xml><?xml version="1.0" encoding="utf-8"?>
 <p:sld xmlns:a="http://schemas.openxmlformats.org/drawingml/2006/main" xmlns:r="http://schemas.openxmlformats.org/officeDocument/2006/relationships" xmlns:p="http://schemas.openxmlformats.org/presentationml/2006/main">
   <p:cSld>
     <p:bg>
@@ -7015,47 +8267,47 @@
 </file>
 
 <file path=ppt/theme/theme1.xml><?xml version="1.0" encoding="utf-8"?>
-<a:theme xmlns:a="http://schemas.openxmlformats.org/drawingml/2006/main" name="Office Theme">
+<a:theme xmlns:a="http://schemas.openxmlformats.org/drawingml/2006/main" name="Office 2013 - 2022 Theme">
   <a:themeElements>
-    <a:clrScheme name="Office">
+    <a:clrScheme name="Timeless">
       <a:dk1>
-        <a:sysClr val="windowText" lastClr="000000"/>
+        <a:srgbClr val="000000"/>
       </a:dk1>
       <a:lt1>
-        <a:sysClr val="window" lastClr="FFFFFF"/>
+        <a:srgbClr val="FFFFFF"/>
       </a:lt1>
       <a:dk2>
-        <a:srgbClr val="44546A"/>
+        <a:srgbClr val="343751"/>
       </a:dk2>
       <a:lt2>
-        <a:srgbClr val="E7E6E6"/>
+        <a:srgbClr val="FFFFFF"/>
       </a:lt2>
       <a:accent1>
-        <a:srgbClr val="4472C4"/>
+        <a:srgbClr val="90ACC7"/>
       </a:accent1>
       <a:accent2>
         <a:srgbClr val="ED7D31"/>
       </a:accent2>
       <a:accent3>
-        <a:srgbClr val="A5A5A5"/>
+        <a:srgbClr val="E4E4E4"/>
       </a:accent3>
       <a:accent4>
-        <a:srgbClr val="FFC000"/>
+        <a:srgbClr val="FAD12B"/>
       </a:accent4>
       <a:accent5>
-        <a:srgbClr val="5B9BD5"/>
+        <a:srgbClr val="343751"/>
       </a:accent5>
       <a:accent6>
-        <a:srgbClr val="70AD47"/>
+        <a:srgbClr val="181C20"/>
       </a:accent6>
       <a:hlink>
-        <a:srgbClr val="0563C1"/>
+        <a:srgbClr val="009192"/>
       </a:hlink>
       <a:folHlink>
         <a:srgbClr val="954F72"/>
       </a:folHlink>
     </a:clrScheme>
-    <a:fontScheme name="Office">
+    <a:fontScheme name="Office 2013 - 2022 Theme">
       <a:majorFont>
         <a:latin typeface="Calibri Light" panose="020F0302020204030204"/>
         <a:ea typeface=""/>
@@ -7090,23 +8342,6 @@
         <a:font script="Viet" typeface="Times New Roman"/>
         <a:font script="Uigh" typeface="Microsoft Uighur"/>
         <a:font script="Geor" typeface="Sylfaen"/>
-        <a:font script="Armn" typeface="Arial"/>
-        <a:font script="Bugi" typeface="Leelawadee UI"/>
-        <a:font script="Bopo" typeface="Microsoft JhengHei"/>
-        <a:font script="Java" typeface="Javanese Text"/>
-        <a:font script="Lisu" typeface="Segoe UI"/>
-        <a:font script="Mymr" typeface="Myanmar Text"/>
-        <a:font script="Nkoo" typeface="Ebrima"/>
-        <a:font script="Olck" typeface="Nirmala UI"/>
-        <a:font script="Osma" typeface="Ebrima"/>
-        <a:font script="Phag" typeface="Phagspa"/>
-        <a:font script="Syrn" typeface="Estrangelo Edessa"/>
-        <a:font script="Syrj" typeface="Estrangelo Edessa"/>
-        <a:font script="Syre" typeface="Estrangelo Edessa"/>
-        <a:font script="Sora" typeface="Nirmala UI"/>
-        <a:font script="Tale" typeface="Microsoft Tai Le"/>
-        <a:font script="Talu" typeface="Microsoft New Tai Lue"/>
-        <a:font script="Tfng" typeface="Ebrima"/>
       </a:majorFont>
       <a:minorFont>
         <a:latin typeface="Calibri" panose="020F0502020204030204"/>
@@ -7142,26 +8377,9 @@
         <a:font script="Viet" typeface="Arial"/>
         <a:font script="Uigh" typeface="Microsoft Uighur"/>
         <a:font script="Geor" typeface="Sylfaen"/>
-        <a:font script="Armn" typeface="Arial"/>
-        <a:font script="Bugi" typeface="Leelawadee UI"/>
-        <a:font script="Bopo" typeface="Microsoft JhengHei"/>
-        <a:font script="Java" typeface="Javanese Text"/>
-        <a:font script="Lisu" typeface="Segoe UI"/>
-        <a:font script="Mymr" typeface="Myanmar Text"/>
-        <a:font script="Nkoo" typeface="Ebrima"/>
-        <a:font script="Olck" typeface="Nirmala UI"/>
-        <a:font script="Osma" typeface="Ebrima"/>
-        <a:font script="Phag" typeface="Phagspa"/>
-        <a:font script="Syrn" typeface="Estrangelo Edessa"/>
-        <a:font script="Syrj" typeface="Estrangelo Edessa"/>
-        <a:font script="Syre" typeface="Estrangelo Edessa"/>
-        <a:font script="Sora" typeface="Nirmala UI"/>
-        <a:font script="Tale" typeface="Microsoft Tai Le"/>
-        <a:font script="Talu" typeface="Microsoft New Tai Lue"/>
-        <a:font script="Tfng" typeface="Ebrima"/>
       </a:minorFont>
     </a:fontScheme>
-    <a:fmtScheme name="Office">
+    <a:fmtScheme name="Office 2013 - 2022 Theme">
       <a:fillStyleLst>
         <a:solidFill>
           <a:schemeClr val="phClr"/>
@@ -7303,7 +8521,7 @@
   <a:extraClrSchemeLst/>
   <a:extLst>
     <a:ext uri="{05A4C25C-085E-4340-85A3-A5531E510DB2}">
-      <thm15:themeFamily xmlns:thm15="http://schemas.microsoft.com/office/thememl/2012/main" name="Office Theme" id="{62F939B6-93AF-4DB8-9C6B-D6C7DFDC589F}" vid="{4A3C46E8-61CC-4603-A589-7422A47A8E4A}"/>
+      <thm15:themeFamily xmlns:thm15="http://schemas.microsoft.com/office/thememl/2012/main" name="Office 2013 - 2022 Theme" id="{62F939B6-93AF-4DB8-9C6B-D6C7DFDC589F}" vid="{4F46216B-77A9-411A-B9D3-5023FCB70208}"/>
     </a:ext>
   </a:extLst>
 </a:theme>

--- a/docs/LEADS.pptx
+++ b/docs/LEADS.pptx
@@ -134,18 +134,18 @@
   <pc:docChgLst>
     <pc:chgData name="Tianhao Fu" userId="3c5ffcaadea6c056" providerId="LiveId" clId="{2628F682-DF01-404E-B59F-6BDA13BCEEDE}"/>
     <pc:docChg chg="undo custSel addSld delSld modSld sldOrd modMainMaster">
-      <pc:chgData name="Tianhao Fu" userId="3c5ffcaadea6c056" providerId="LiveId" clId="{2628F682-DF01-404E-B59F-6BDA13BCEEDE}" dt="2024-07-25T05:58:24.584" v="4443" actId="478"/>
+      <pc:chgData name="Tianhao Fu" userId="3c5ffcaadea6c056" providerId="LiveId" clId="{2628F682-DF01-404E-B59F-6BDA13BCEEDE}" dt="2024-07-25T07:37:45.522" v="4444" actId="207"/>
       <pc:docMkLst>
         <pc:docMk/>
       </pc:docMkLst>
       <pc:sldChg chg="addSp modSp mod setBg">
-        <pc:chgData name="Tianhao Fu" userId="3c5ffcaadea6c056" providerId="LiveId" clId="{2628F682-DF01-404E-B59F-6BDA13BCEEDE}" dt="2024-07-25T05:57:49.774" v="4442"/>
+        <pc:chgData name="Tianhao Fu" userId="3c5ffcaadea6c056" providerId="LiveId" clId="{2628F682-DF01-404E-B59F-6BDA13BCEEDE}" dt="2024-07-25T07:37:45.522" v="4444" actId="207"/>
         <pc:sldMkLst>
           <pc:docMk/>
           <pc:sldMk cId="2679133407" sldId="256"/>
         </pc:sldMkLst>
         <pc:spChg chg="mod">
-          <ac:chgData name="Tianhao Fu" userId="3c5ffcaadea6c056" providerId="LiveId" clId="{2628F682-DF01-404E-B59F-6BDA13BCEEDE}" dt="2024-07-25T04:54:45.330" v="3528" actId="207"/>
+          <ac:chgData name="Tianhao Fu" userId="3c5ffcaadea6c056" providerId="LiveId" clId="{2628F682-DF01-404E-B59F-6BDA13BCEEDE}" dt="2024-07-25T07:37:45.522" v="4444" actId="207"/>
           <ac:spMkLst>
             <pc:docMk/>
             <pc:sldMk cId="2679133407" sldId="256"/>
@@ -4679,10 +4679,18 @@
             <a:r>
               <a:rPr lang="en-US" sz="5400" b="1" dirty="0">
                 <a:solidFill>
+                  <a:schemeClr val="accent4"/>
+                </a:solidFill>
+              </a:rPr>
+              <a:t>S</a:t>
+            </a:r>
+            <a:r>
+              <a:rPr lang="en-US" sz="5400" b="1" dirty="0">
+                <a:solidFill>
                   <a:schemeClr val="accent1"/>
                 </a:solidFill>
               </a:rPr>
-              <a:t>System</a:t>
+              <a:t>ystem</a:t>
             </a:r>
           </a:p>
         </p:txBody>

--- a/docs/LEADS.pptx
+++ b/docs/LEADS.pptx
@@ -9,12 +9,12 @@
   </p:notesMasterIdLst>
   <p:sldIdLst>
     <p:sldId id="256" r:id="rId2"/>
-    <p:sldId id="259" r:id="rId3"/>
-    <p:sldId id="258" r:id="rId4"/>
-    <p:sldId id="260" r:id="rId5"/>
-    <p:sldId id="263" r:id="rId6"/>
+    <p:sldId id="265" r:id="rId3"/>
+    <p:sldId id="259" r:id="rId4"/>
+    <p:sldId id="258" r:id="rId5"/>
+    <p:sldId id="260" r:id="rId6"/>
     <p:sldId id="264" r:id="rId7"/>
-    <p:sldId id="261" r:id="rId8"/>
+    <p:sldId id="263" r:id="rId8"/>
   </p:sldIdLst>
   <p:sldSz cx="12192000" cy="6858000"/>
   <p:notesSz cx="6858000" cy="9144000"/>
@@ -124,7 +124,7 @@
 <file path=ppt/revisionInfo.xml><?xml version="1.0" encoding="utf-8"?>
 <p1510:revInfo xmlns:a="http://schemas.openxmlformats.org/drawingml/2006/main" xmlns:r="http://schemas.openxmlformats.org/officeDocument/2006/relationships" xmlns:p1510="http://schemas.microsoft.com/office/powerpoint/2015/10/main">
   <p1510:revLst>
-    <p1510:client id="{2628F682-DF01-404E-B59F-6BDA13BCEEDE}" v="155" dt="2024-07-25T05:57:49.774"/>
+    <p1510:client id="{2628F682-DF01-404E-B59F-6BDA13BCEEDE}" v="331" dt="2024-07-26T15:26:56.481"/>
   </p1510:revLst>
 </p1510:revInfo>
 </file>
@@ -134,12 +134,12 @@
   <pc:docChgLst>
     <pc:chgData name="Tianhao Fu" userId="3c5ffcaadea6c056" providerId="LiveId" clId="{2628F682-DF01-404E-B59F-6BDA13BCEEDE}"/>
     <pc:docChg chg="undo custSel addSld delSld modSld sldOrd modMainMaster">
-      <pc:chgData name="Tianhao Fu" userId="3c5ffcaadea6c056" providerId="LiveId" clId="{2628F682-DF01-404E-B59F-6BDA13BCEEDE}" dt="2024-07-25T07:37:45.522" v="4444" actId="207"/>
+      <pc:chgData name="Tianhao Fu" userId="3c5ffcaadea6c056" providerId="LiveId" clId="{2628F682-DF01-404E-B59F-6BDA13BCEEDE}" dt="2024-07-26T15:45:30.942" v="5542" actId="2696"/>
       <pc:docMkLst>
         <pc:docMk/>
       </pc:docMkLst>
       <pc:sldChg chg="addSp modSp mod setBg">
-        <pc:chgData name="Tianhao Fu" userId="3c5ffcaadea6c056" providerId="LiveId" clId="{2628F682-DF01-404E-B59F-6BDA13BCEEDE}" dt="2024-07-25T07:37:45.522" v="4444" actId="207"/>
+        <pc:chgData name="Tianhao Fu" userId="3c5ffcaadea6c056" providerId="LiveId" clId="{2628F682-DF01-404E-B59F-6BDA13BCEEDE}" dt="2024-07-26T14:43:21.826" v="5192" actId="20577"/>
         <pc:sldMkLst>
           <pc:docMk/>
           <pc:sldMk cId="2679133407" sldId="256"/>
@@ -153,7 +153,7 @@
           </ac:spMkLst>
         </pc:spChg>
         <pc:spChg chg="mod">
-          <ac:chgData name="Tianhao Fu" userId="3c5ffcaadea6c056" providerId="LiveId" clId="{2628F682-DF01-404E-B59F-6BDA13BCEEDE}" dt="2024-07-25T04:51:19.887" v="3489" actId="207"/>
+          <ac:chgData name="Tianhao Fu" userId="3c5ffcaadea6c056" providerId="LiveId" clId="{2628F682-DF01-404E-B59F-6BDA13BCEEDE}" dt="2024-07-26T14:43:21.826" v="5192" actId="20577"/>
           <ac:spMkLst>
             <pc:docMk/>
             <pc:sldMk cId="2679133407" sldId="256"/>
@@ -161,7 +161,7 @@
           </ac:spMkLst>
         </pc:spChg>
         <pc:spChg chg="add mod">
-          <ac:chgData name="Tianhao Fu" userId="3c5ffcaadea6c056" providerId="LiveId" clId="{2628F682-DF01-404E-B59F-6BDA13BCEEDE}" dt="2024-07-25T04:54:01.925" v="3519" actId="207"/>
+          <ac:chgData name="Tianhao Fu" userId="3c5ffcaadea6c056" providerId="LiveId" clId="{2628F682-DF01-404E-B59F-6BDA13BCEEDE}" dt="2024-07-26T11:20:10.204" v="4982" actId="113"/>
           <ac:spMkLst>
             <pc:docMk/>
             <pc:sldMk cId="2679133407" sldId="256"/>
@@ -335,8 +335,8 @@
           </ac:spMkLst>
         </pc:spChg>
       </pc:sldChg>
-      <pc:sldChg chg="addSp delSp modSp new mod ord setBg">
-        <pc:chgData name="Tianhao Fu" userId="3c5ffcaadea6c056" providerId="LiveId" clId="{2628F682-DF01-404E-B59F-6BDA13BCEEDE}" dt="2024-07-25T05:57:35.020" v="4440"/>
+      <pc:sldChg chg="addSp delSp modSp new mod ord setBg modAnim">
+        <pc:chgData name="Tianhao Fu" userId="3c5ffcaadea6c056" providerId="LiveId" clId="{2628F682-DF01-404E-B59F-6BDA13BCEEDE}" dt="2024-07-26T12:14:40.563" v="5135"/>
         <pc:sldMkLst>
           <pc:docMk/>
           <pc:sldMk cId="1881318779" sldId="259"/>
@@ -795,8 +795,8 @@
           </ac:spMkLst>
         </pc:spChg>
       </pc:sldChg>
-      <pc:sldChg chg="delSp modSp new mod setBg">
-        <pc:chgData name="Tianhao Fu" userId="3c5ffcaadea6c056" providerId="LiveId" clId="{2628F682-DF01-404E-B59F-6BDA13BCEEDE}" dt="2024-07-25T04:37:59.117" v="3452"/>
+      <pc:sldChg chg="delSp modSp new del mod setBg">
+        <pc:chgData name="Tianhao Fu" userId="3c5ffcaadea6c056" providerId="LiveId" clId="{2628F682-DF01-404E-B59F-6BDA13BCEEDE}" dt="2024-07-26T15:45:30.942" v="5542" actId="2696"/>
         <pc:sldMkLst>
           <pc:docMk/>
           <pc:sldMk cId="1478565706" sldId="261"/>
@@ -1060,14 +1060,14 @@
           <pc:sldMk cId="958355017" sldId="264"/>
         </pc:sldMkLst>
       </pc:sldChg>
-      <pc:sldChg chg="delSp modSp add mod setBg">
-        <pc:chgData name="Tianhao Fu" userId="3c5ffcaadea6c056" providerId="LiveId" clId="{2628F682-DF01-404E-B59F-6BDA13BCEEDE}" dt="2024-07-25T05:58:24.584" v="4443" actId="478"/>
+      <pc:sldChg chg="delSp modSp add del mod ord setBg">
+        <pc:chgData name="Tianhao Fu" userId="3c5ffcaadea6c056" providerId="LiveId" clId="{2628F682-DF01-404E-B59F-6BDA13BCEEDE}" dt="2024-07-26T10:48:29.701" v="4474" actId="2696"/>
         <pc:sldMkLst>
           <pc:docMk/>
           <pc:sldMk cId="1391951025" sldId="264"/>
         </pc:sldMkLst>
         <pc:spChg chg="mod">
-          <ac:chgData name="Tianhao Fu" userId="3c5ffcaadea6c056" providerId="LiveId" clId="{2628F682-DF01-404E-B59F-6BDA13BCEEDE}" dt="2024-07-25T05:57:07.411" v="4437" actId="207"/>
+          <ac:chgData name="Tianhao Fu" userId="3c5ffcaadea6c056" providerId="LiveId" clId="{2628F682-DF01-404E-B59F-6BDA13BCEEDE}" dt="2024-07-26T10:47:49.557" v="4472" actId="20577"/>
           <ac:spMkLst>
             <pc:docMk/>
             <pc:sldMk cId="1391951025" sldId="264"/>
@@ -1202,6 +1202,537 @@
             <ac:cxnSpMk id="63" creationId="{A4256477-A514-2DBE-0C2A-7B3617760D5D}"/>
           </ac:cxnSpMkLst>
         </pc:cxnChg>
+      </pc:sldChg>
+      <pc:sldChg chg="addSp delSp modSp add mod setBg modAnim">
+        <pc:chgData name="Tianhao Fu" userId="3c5ffcaadea6c056" providerId="LiveId" clId="{2628F682-DF01-404E-B59F-6BDA13BCEEDE}" dt="2024-07-26T15:22:43.991" v="5529" actId="14100"/>
+        <pc:sldMkLst>
+          <pc:docMk/>
+          <pc:sldMk cId="3766991575" sldId="264"/>
+        </pc:sldMkLst>
+        <pc:spChg chg="add mod">
+          <ac:chgData name="Tianhao Fu" userId="3c5ffcaadea6c056" providerId="LiveId" clId="{2628F682-DF01-404E-B59F-6BDA13BCEEDE}" dt="2024-07-26T10:50:12.524" v="4526" actId="207"/>
+          <ac:spMkLst>
+            <pc:docMk/>
+            <pc:sldMk cId="3766991575" sldId="264"/>
+            <ac:spMk id="3" creationId="{2CA8D627-D357-06DE-6C0A-CCD196C7327B}"/>
+          </ac:spMkLst>
+        </pc:spChg>
+        <pc:spChg chg="add mod">
+          <ac:chgData name="Tianhao Fu" userId="3c5ffcaadea6c056" providerId="LiveId" clId="{2628F682-DF01-404E-B59F-6BDA13BCEEDE}" dt="2024-07-26T11:09:56.379" v="4856" actId="1076"/>
+          <ac:spMkLst>
+            <pc:docMk/>
+            <pc:sldMk cId="3766991575" sldId="264"/>
+            <ac:spMk id="4" creationId="{8418A97F-52AE-707E-858F-872303CFEE68}"/>
+          </ac:spMkLst>
+        </pc:spChg>
+        <pc:spChg chg="add mod">
+          <ac:chgData name="Tianhao Fu" userId="3c5ffcaadea6c056" providerId="LiveId" clId="{2628F682-DF01-404E-B59F-6BDA13BCEEDE}" dt="2024-07-26T15:21:31.969" v="5517" actId="14100"/>
+          <ac:spMkLst>
+            <pc:docMk/>
+            <pc:sldMk cId="3766991575" sldId="264"/>
+            <ac:spMk id="5" creationId="{631B08D3-B123-6C21-0520-B5991592E50B}"/>
+          </ac:spMkLst>
+        </pc:spChg>
+        <pc:spChg chg="add mod">
+          <ac:chgData name="Tianhao Fu" userId="3c5ffcaadea6c056" providerId="LiveId" clId="{2628F682-DF01-404E-B59F-6BDA13BCEEDE}" dt="2024-07-26T11:09:56.379" v="4856" actId="1076"/>
+          <ac:spMkLst>
+            <pc:docMk/>
+            <pc:sldMk cId="3766991575" sldId="264"/>
+            <ac:spMk id="6" creationId="{A9A968CE-1B95-21E4-140D-AE6A369B115E}"/>
+          </ac:spMkLst>
+        </pc:spChg>
+        <pc:spChg chg="add mod">
+          <ac:chgData name="Tianhao Fu" userId="3c5ffcaadea6c056" providerId="LiveId" clId="{2628F682-DF01-404E-B59F-6BDA13BCEEDE}" dt="2024-07-26T15:07:03.560" v="5460" actId="20577"/>
+          <ac:spMkLst>
+            <pc:docMk/>
+            <pc:sldMk cId="3766991575" sldId="264"/>
+            <ac:spMk id="7" creationId="{74FB6C89-4894-66F0-6581-098F08A80046}"/>
+          </ac:spMkLst>
+        </pc:spChg>
+        <pc:spChg chg="add mod">
+          <ac:chgData name="Tianhao Fu" userId="3c5ffcaadea6c056" providerId="LiveId" clId="{2628F682-DF01-404E-B59F-6BDA13BCEEDE}" dt="2024-07-26T11:09:56.379" v="4856" actId="1076"/>
+          <ac:spMkLst>
+            <pc:docMk/>
+            <pc:sldMk cId="3766991575" sldId="264"/>
+            <ac:spMk id="8" creationId="{B68CD3A0-614D-3B04-C968-3662A79DFC77}"/>
+          </ac:spMkLst>
+        </pc:spChg>
+        <pc:spChg chg="del">
+          <ac:chgData name="Tianhao Fu" userId="3c5ffcaadea6c056" providerId="LiveId" clId="{2628F682-DF01-404E-B59F-6BDA13BCEEDE}" dt="2024-07-26T10:48:56.306" v="4477" actId="478"/>
+          <ac:spMkLst>
+            <pc:docMk/>
+            <pc:sldMk cId="3766991575" sldId="264"/>
+            <ac:spMk id="9" creationId="{49E307C5-5510-6176-3A67-B1012F2EAAB4}"/>
+          </ac:spMkLst>
+        </pc:spChg>
+        <pc:spChg chg="del">
+          <ac:chgData name="Tianhao Fu" userId="3c5ffcaadea6c056" providerId="LiveId" clId="{2628F682-DF01-404E-B59F-6BDA13BCEEDE}" dt="2024-07-26T10:49:01.984" v="4479" actId="478"/>
+          <ac:spMkLst>
+            <pc:docMk/>
+            <pc:sldMk cId="3766991575" sldId="264"/>
+            <ac:spMk id="10" creationId="{760B2514-928F-6309-3B68-0B8287A0F32D}"/>
+          </ac:spMkLst>
+        </pc:spChg>
+        <pc:spChg chg="del">
+          <ac:chgData name="Tianhao Fu" userId="3c5ffcaadea6c056" providerId="LiveId" clId="{2628F682-DF01-404E-B59F-6BDA13BCEEDE}" dt="2024-07-26T10:48:56.306" v="4477" actId="478"/>
+          <ac:spMkLst>
+            <pc:docMk/>
+            <pc:sldMk cId="3766991575" sldId="264"/>
+            <ac:spMk id="11" creationId="{F5808D5F-7086-4266-0583-6981ED231DAF}"/>
+          </ac:spMkLst>
+        </pc:spChg>
+        <pc:spChg chg="del">
+          <ac:chgData name="Tianhao Fu" userId="3c5ffcaadea6c056" providerId="LiveId" clId="{2628F682-DF01-404E-B59F-6BDA13BCEEDE}" dt="2024-07-26T10:48:56.306" v="4477" actId="478"/>
+          <ac:spMkLst>
+            <pc:docMk/>
+            <pc:sldMk cId="3766991575" sldId="264"/>
+            <ac:spMk id="12" creationId="{924C8CED-8197-33C3-18B9-BE5FF6DC7C86}"/>
+          </ac:spMkLst>
+        </pc:spChg>
+        <pc:spChg chg="del">
+          <ac:chgData name="Tianhao Fu" userId="3c5ffcaadea6c056" providerId="LiveId" clId="{2628F682-DF01-404E-B59F-6BDA13BCEEDE}" dt="2024-07-26T10:48:59.568" v="4478" actId="478"/>
+          <ac:spMkLst>
+            <pc:docMk/>
+            <pc:sldMk cId="3766991575" sldId="264"/>
+            <ac:spMk id="13" creationId="{09DED1D1-39DD-EF16-692F-9E3773284159}"/>
+          </ac:spMkLst>
+        </pc:spChg>
+        <pc:spChg chg="add del mod">
+          <ac:chgData name="Tianhao Fu" userId="3c5ffcaadea6c056" providerId="LiveId" clId="{2628F682-DF01-404E-B59F-6BDA13BCEEDE}" dt="2024-07-26T10:55:49.219" v="4641" actId="478"/>
+          <ac:spMkLst>
+            <pc:docMk/>
+            <pc:sldMk cId="3766991575" sldId="264"/>
+            <ac:spMk id="14" creationId="{0C797546-5F67-E916-610C-0691F1EE0D45}"/>
+          </ac:spMkLst>
+        </pc:spChg>
+        <pc:spChg chg="add mod">
+          <ac:chgData name="Tianhao Fu" userId="3c5ffcaadea6c056" providerId="LiveId" clId="{2628F682-DF01-404E-B59F-6BDA13BCEEDE}" dt="2024-07-26T11:10:30.747" v="4859" actId="1076"/>
+          <ac:spMkLst>
+            <pc:docMk/>
+            <pc:sldMk cId="3766991575" sldId="264"/>
+            <ac:spMk id="15" creationId="{9545EF9E-DF28-BE4F-A796-BE668A84B952}"/>
+          </ac:spMkLst>
+        </pc:spChg>
+        <pc:spChg chg="add mod">
+          <ac:chgData name="Tianhao Fu" userId="3c5ffcaadea6c056" providerId="LiveId" clId="{2628F682-DF01-404E-B59F-6BDA13BCEEDE}" dt="2024-07-26T11:10:30.747" v="4859" actId="1076"/>
+          <ac:spMkLst>
+            <pc:docMk/>
+            <pc:sldMk cId="3766991575" sldId="264"/>
+            <ac:spMk id="16" creationId="{2EFA3304-C938-208C-16CB-D977944BB4D3}"/>
+          </ac:spMkLst>
+        </pc:spChg>
+        <pc:spChg chg="add mod">
+          <ac:chgData name="Tianhao Fu" userId="3c5ffcaadea6c056" providerId="LiveId" clId="{2628F682-DF01-404E-B59F-6BDA13BCEEDE}" dt="2024-07-26T11:10:30.747" v="4859" actId="1076"/>
+          <ac:spMkLst>
+            <pc:docMk/>
+            <pc:sldMk cId="3766991575" sldId="264"/>
+            <ac:spMk id="17" creationId="{056AC579-ECB0-4EC1-5258-125DB63908D9}"/>
+          </ac:spMkLst>
+        </pc:spChg>
+        <pc:spChg chg="add mod">
+          <ac:chgData name="Tianhao Fu" userId="3c5ffcaadea6c056" providerId="LiveId" clId="{2628F682-DF01-404E-B59F-6BDA13BCEEDE}" dt="2024-07-26T15:06:58.801" v="5439" actId="20577"/>
+          <ac:spMkLst>
+            <pc:docMk/>
+            <pc:sldMk cId="3766991575" sldId="264"/>
+            <ac:spMk id="18" creationId="{2A6176B4-C1A6-74AB-EFCE-5BEEB423F0D9}"/>
+          </ac:spMkLst>
+        </pc:spChg>
+        <pc:spChg chg="add mod">
+          <ac:chgData name="Tianhao Fu" userId="3c5ffcaadea6c056" providerId="LiveId" clId="{2628F682-DF01-404E-B59F-6BDA13BCEEDE}" dt="2024-07-26T11:10:30.747" v="4859" actId="1076"/>
+          <ac:spMkLst>
+            <pc:docMk/>
+            <pc:sldMk cId="3766991575" sldId="264"/>
+            <ac:spMk id="19" creationId="{EDABDA4E-A792-1D9F-9111-03F5E822DC31}"/>
+          </ac:spMkLst>
+        </pc:spChg>
+        <pc:spChg chg="add mod">
+          <ac:chgData name="Tianhao Fu" userId="3c5ffcaadea6c056" providerId="LiveId" clId="{2628F682-DF01-404E-B59F-6BDA13BCEEDE}" dt="2024-07-26T15:12:33.498" v="5476" actId="20577"/>
+          <ac:spMkLst>
+            <pc:docMk/>
+            <pc:sldMk cId="3766991575" sldId="264"/>
+            <ac:spMk id="20" creationId="{9582A629-10B5-79F2-69BE-FDC12BD0BE68}"/>
+          </ac:spMkLst>
+        </pc:spChg>
+        <pc:spChg chg="add mod">
+          <ac:chgData name="Tianhao Fu" userId="3c5ffcaadea6c056" providerId="LiveId" clId="{2628F682-DF01-404E-B59F-6BDA13BCEEDE}" dt="2024-07-26T15:22:29.593" v="5526" actId="14100"/>
+          <ac:spMkLst>
+            <pc:docMk/>
+            <pc:sldMk cId="3766991575" sldId="264"/>
+            <ac:spMk id="21" creationId="{F74B499D-054B-7FF4-814B-119B3E8FE484}"/>
+          </ac:spMkLst>
+        </pc:spChg>
+        <pc:spChg chg="add mod">
+          <ac:chgData name="Tianhao Fu" userId="3c5ffcaadea6c056" providerId="LiveId" clId="{2628F682-DF01-404E-B59F-6BDA13BCEEDE}" dt="2024-07-26T11:10:10.206" v="4858" actId="1076"/>
+          <ac:spMkLst>
+            <pc:docMk/>
+            <pc:sldMk cId="3766991575" sldId="264"/>
+            <ac:spMk id="22" creationId="{C2ABAFDB-E2C2-65AA-39E5-0F76242D7E5B}"/>
+          </ac:spMkLst>
+        </pc:spChg>
+        <pc:spChg chg="add mod">
+          <ac:chgData name="Tianhao Fu" userId="3c5ffcaadea6c056" providerId="LiveId" clId="{2628F682-DF01-404E-B59F-6BDA13BCEEDE}" dt="2024-07-26T11:21:08.759" v="5013" actId="20577"/>
+          <ac:spMkLst>
+            <pc:docMk/>
+            <pc:sldMk cId="3766991575" sldId="264"/>
+            <ac:spMk id="23" creationId="{87476386-7235-8354-5A74-117E3D52126D}"/>
+          </ac:spMkLst>
+        </pc:spChg>
+        <pc:spChg chg="add mod">
+          <ac:chgData name="Tianhao Fu" userId="3c5ffcaadea6c056" providerId="LiveId" clId="{2628F682-DF01-404E-B59F-6BDA13BCEEDE}" dt="2024-07-26T11:10:10.206" v="4858" actId="1076"/>
+          <ac:spMkLst>
+            <pc:docMk/>
+            <pc:sldMk cId="3766991575" sldId="264"/>
+            <ac:spMk id="24" creationId="{250A2C12-2473-A30B-C623-F283E2FCF062}"/>
+          </ac:spMkLst>
+        </pc:spChg>
+        <pc:spChg chg="add del mod">
+          <ac:chgData name="Tianhao Fu" userId="3c5ffcaadea6c056" providerId="LiveId" clId="{2628F682-DF01-404E-B59F-6BDA13BCEEDE}" dt="2024-07-26T11:09:58.164" v="4857" actId="478"/>
+          <ac:spMkLst>
+            <pc:docMk/>
+            <pc:sldMk cId="3766991575" sldId="264"/>
+            <ac:spMk id="37" creationId="{8C8B104C-1A0F-5403-3217-ED9094D6CE18}"/>
+          </ac:spMkLst>
+        </pc:spChg>
+        <pc:spChg chg="add del mod">
+          <ac:chgData name="Tianhao Fu" userId="3c5ffcaadea6c056" providerId="LiveId" clId="{2628F682-DF01-404E-B59F-6BDA13BCEEDE}" dt="2024-07-26T14:56:13.219" v="5390" actId="478"/>
+          <ac:spMkLst>
+            <pc:docMk/>
+            <pc:sldMk cId="3766991575" sldId="264"/>
+            <ac:spMk id="38" creationId="{6DBF5695-82CC-00F2-6114-C88F96B06E39}"/>
+          </ac:spMkLst>
+        </pc:spChg>
+        <pc:spChg chg="add mod">
+          <ac:chgData name="Tianhao Fu" userId="3c5ffcaadea6c056" providerId="LiveId" clId="{2628F682-DF01-404E-B59F-6BDA13BCEEDE}" dt="2024-07-26T14:59:53.221" v="5428" actId="1076"/>
+          <ac:spMkLst>
+            <pc:docMk/>
+            <pc:sldMk cId="3766991575" sldId="264"/>
+            <ac:spMk id="39" creationId="{2A6F879C-73C1-FC0F-7482-EE350F60FB70}"/>
+          </ac:spMkLst>
+        </pc:spChg>
+        <pc:spChg chg="add mod">
+          <ac:chgData name="Tianhao Fu" userId="3c5ffcaadea6c056" providerId="LiveId" clId="{2628F682-DF01-404E-B59F-6BDA13BCEEDE}" dt="2024-07-26T14:58:53.407" v="5421" actId="1076"/>
+          <ac:spMkLst>
+            <pc:docMk/>
+            <pc:sldMk cId="3766991575" sldId="264"/>
+            <ac:spMk id="40" creationId="{32233F79-1278-9EF6-24C6-682B89BE1B62}"/>
+          </ac:spMkLst>
+        </pc:spChg>
+        <pc:spChg chg="add del mod">
+          <ac:chgData name="Tianhao Fu" userId="3c5ffcaadea6c056" providerId="LiveId" clId="{2628F682-DF01-404E-B59F-6BDA13BCEEDE}" dt="2024-07-26T11:16:30.601" v="4945" actId="478"/>
+          <ac:spMkLst>
+            <pc:docMk/>
+            <pc:sldMk cId="3766991575" sldId="264"/>
+            <ac:spMk id="41" creationId="{B927E994-4BBA-D249-1ECA-5588E4310A44}"/>
+          </ac:spMkLst>
+        </pc:spChg>
+        <pc:spChg chg="add del mod">
+          <ac:chgData name="Tianhao Fu" userId="3c5ffcaadea6c056" providerId="LiveId" clId="{2628F682-DF01-404E-B59F-6BDA13BCEEDE}" dt="2024-07-26T12:18:11.885" v="5146"/>
+          <ac:spMkLst>
+            <pc:docMk/>
+            <pc:sldMk cId="3766991575" sldId="264"/>
+            <ac:spMk id="42" creationId="{8129EAF6-9E88-A666-B16A-3B136D37E0DB}"/>
+          </ac:spMkLst>
+        </pc:spChg>
+        <pc:spChg chg="add mod">
+          <ac:chgData name="Tianhao Fu" userId="3c5ffcaadea6c056" providerId="LiveId" clId="{2628F682-DF01-404E-B59F-6BDA13BCEEDE}" dt="2024-07-26T12:18:13.467" v="5147"/>
+          <ac:spMkLst>
+            <pc:docMk/>
+            <pc:sldMk cId="3766991575" sldId="264"/>
+            <ac:spMk id="43" creationId="{5BD64325-6BB5-112A-FA8F-228AA3A1B802}"/>
+          </ac:spMkLst>
+        </pc:spChg>
+        <pc:spChg chg="add mod">
+          <ac:chgData name="Tianhao Fu" userId="3c5ffcaadea6c056" providerId="LiveId" clId="{2628F682-DF01-404E-B59F-6BDA13BCEEDE}" dt="2024-07-26T12:18:15.375" v="5148"/>
+          <ac:spMkLst>
+            <pc:docMk/>
+            <pc:sldMk cId="3766991575" sldId="264"/>
+            <ac:spMk id="44" creationId="{611D4464-6E86-8A64-8CD6-0BCC184C46C8}"/>
+          </ac:spMkLst>
+        </pc:spChg>
+        <pc:spChg chg="add mod">
+          <ac:chgData name="Tianhao Fu" userId="3c5ffcaadea6c056" providerId="LiveId" clId="{2628F682-DF01-404E-B59F-6BDA13BCEEDE}" dt="2024-07-26T12:18:37.272" v="5152" actId="1076"/>
+          <ac:spMkLst>
+            <pc:docMk/>
+            <pc:sldMk cId="3766991575" sldId="264"/>
+            <ac:spMk id="45" creationId="{EBBAF350-018D-4E3D-05F1-15CAF555AEE9}"/>
+          </ac:spMkLst>
+        </pc:spChg>
+        <pc:spChg chg="add mod">
+          <ac:chgData name="Tianhao Fu" userId="3c5ffcaadea6c056" providerId="LiveId" clId="{2628F682-DF01-404E-B59F-6BDA13BCEEDE}" dt="2024-07-26T15:20:15.050" v="5509" actId="14100"/>
+          <ac:spMkLst>
+            <pc:docMk/>
+            <pc:sldMk cId="3766991575" sldId="264"/>
+            <ac:spMk id="46" creationId="{8166FC5B-3BD0-EF2F-556D-98CD27C69D56}"/>
+          </ac:spMkLst>
+        </pc:spChg>
+        <pc:spChg chg="add mod">
+          <ac:chgData name="Tianhao Fu" userId="3c5ffcaadea6c056" providerId="LiveId" clId="{2628F682-DF01-404E-B59F-6BDA13BCEEDE}" dt="2024-07-26T15:13:59.790" v="5494" actId="1076"/>
+          <ac:spMkLst>
+            <pc:docMk/>
+            <pc:sldMk cId="3766991575" sldId="264"/>
+            <ac:spMk id="47" creationId="{A88B665B-BC23-4A54-0F44-900F52860E28}"/>
+          </ac:spMkLst>
+        </pc:spChg>
+        <pc:spChg chg="add mod">
+          <ac:chgData name="Tianhao Fu" userId="3c5ffcaadea6c056" providerId="LiveId" clId="{2628F682-DF01-404E-B59F-6BDA13BCEEDE}" dt="2024-07-26T15:21:57.900" v="5521" actId="14100"/>
+          <ac:spMkLst>
+            <pc:docMk/>
+            <pc:sldMk cId="3766991575" sldId="264"/>
+            <ac:spMk id="48" creationId="{B6E08704-4159-62C3-A802-73D6F60CDDE9}"/>
+          </ac:spMkLst>
+        </pc:spChg>
+        <pc:spChg chg="add mod">
+          <ac:chgData name="Tianhao Fu" userId="3c5ffcaadea6c056" providerId="LiveId" clId="{2628F682-DF01-404E-B59F-6BDA13BCEEDE}" dt="2024-07-26T15:13:44.847" v="5493" actId="1076"/>
+          <ac:spMkLst>
+            <pc:docMk/>
+            <pc:sldMk cId="3766991575" sldId="264"/>
+            <ac:spMk id="49" creationId="{B92FFE34-6B55-5A73-82D8-E7BEC820C391}"/>
+          </ac:spMkLst>
+        </pc:spChg>
+        <pc:spChg chg="add mod">
+          <ac:chgData name="Tianhao Fu" userId="3c5ffcaadea6c056" providerId="LiveId" clId="{2628F682-DF01-404E-B59F-6BDA13BCEEDE}" dt="2024-07-26T15:22:43.991" v="5529" actId="14100"/>
+          <ac:spMkLst>
+            <pc:docMk/>
+            <pc:sldMk cId="3766991575" sldId="264"/>
+            <ac:spMk id="50" creationId="{153819A0-48F3-6391-711E-B93745D04468}"/>
+          </ac:spMkLst>
+        </pc:spChg>
+        <pc:spChg chg="add mod">
+          <ac:chgData name="Tianhao Fu" userId="3c5ffcaadea6c056" providerId="LiveId" clId="{2628F682-DF01-404E-B59F-6BDA13BCEEDE}" dt="2024-07-26T14:59:45.058" v="5427" actId="14100"/>
+          <ac:spMkLst>
+            <pc:docMk/>
+            <pc:sldMk cId="3766991575" sldId="264"/>
+            <ac:spMk id="51" creationId="{CEFA6BDC-429D-4B93-E5B4-EA63C1B8B532}"/>
+          </ac:spMkLst>
+        </pc:spChg>
+        <pc:spChg chg="add mod">
+          <ac:chgData name="Tianhao Fu" userId="3c5ffcaadea6c056" providerId="LiveId" clId="{2628F682-DF01-404E-B59F-6BDA13BCEEDE}" dt="2024-07-26T14:59:37.327" v="5426" actId="1076"/>
+          <ac:spMkLst>
+            <pc:docMk/>
+            <pc:sldMk cId="3766991575" sldId="264"/>
+            <ac:spMk id="52" creationId="{D9BF9D14-235E-4BA4-68B9-A51AB86AAC7E}"/>
+          </ac:spMkLst>
+        </pc:spChg>
+        <pc:spChg chg="add del mod">
+          <ac:chgData name="Tianhao Fu" userId="3c5ffcaadea6c056" providerId="LiveId" clId="{2628F682-DF01-404E-B59F-6BDA13BCEEDE}" dt="2024-07-26T15:00:31.634" v="5430" actId="478"/>
+          <ac:spMkLst>
+            <pc:docMk/>
+            <pc:sldMk cId="3766991575" sldId="264"/>
+            <ac:spMk id="53" creationId="{56B20E72-9918-A99E-B6D7-CF4341961C3D}"/>
+          </ac:spMkLst>
+        </pc:spChg>
+        <pc:picChg chg="add del mod">
+          <ac:chgData name="Tianhao Fu" userId="3c5ffcaadea6c056" providerId="LiveId" clId="{2628F682-DF01-404E-B59F-6BDA13BCEEDE}" dt="2024-07-26T11:03:55.243" v="4811" actId="478"/>
+          <ac:picMkLst>
+            <pc:docMk/>
+            <pc:sldMk cId="3766991575" sldId="264"/>
+            <ac:picMk id="26" creationId="{372C3188-A3A1-AD4D-E338-7403DDBE05E9}"/>
+          </ac:picMkLst>
+        </pc:picChg>
+        <pc:picChg chg="add del mod">
+          <ac:chgData name="Tianhao Fu" userId="3c5ffcaadea6c056" providerId="LiveId" clId="{2628F682-DF01-404E-B59F-6BDA13BCEEDE}" dt="2024-07-26T11:07:38.645" v="4840" actId="478"/>
+          <ac:picMkLst>
+            <pc:docMk/>
+            <pc:sldMk cId="3766991575" sldId="264"/>
+            <ac:picMk id="28" creationId="{F2087027-3D96-5605-7310-4F3F42C52147}"/>
+          </ac:picMkLst>
+        </pc:picChg>
+        <pc:picChg chg="add del mod">
+          <ac:chgData name="Tianhao Fu" userId="3c5ffcaadea6c056" providerId="LiveId" clId="{2628F682-DF01-404E-B59F-6BDA13BCEEDE}" dt="2024-07-26T11:07:19.208" v="4838" actId="478"/>
+          <ac:picMkLst>
+            <pc:docMk/>
+            <pc:sldMk cId="3766991575" sldId="264"/>
+            <ac:picMk id="30" creationId="{707862EE-3F23-F96D-04B8-6474E50B0B6F}"/>
+          </ac:picMkLst>
+        </pc:picChg>
+        <pc:picChg chg="add mod">
+          <ac:chgData name="Tianhao Fu" userId="3c5ffcaadea6c056" providerId="LiveId" clId="{2628F682-DF01-404E-B59F-6BDA13BCEEDE}" dt="2024-07-26T11:10:30.747" v="4859" actId="1076"/>
+          <ac:picMkLst>
+            <pc:docMk/>
+            <pc:sldMk cId="3766991575" sldId="264"/>
+            <ac:picMk id="32" creationId="{F584A376-10C8-C8E4-00E9-DCD2BC4E97E1}"/>
+          </ac:picMkLst>
+        </pc:picChg>
+        <pc:picChg chg="add mod">
+          <ac:chgData name="Tianhao Fu" userId="3c5ffcaadea6c056" providerId="LiveId" clId="{2628F682-DF01-404E-B59F-6BDA13BCEEDE}" dt="2024-07-26T11:10:10.206" v="4858" actId="1076"/>
+          <ac:picMkLst>
+            <pc:docMk/>
+            <pc:sldMk cId="3766991575" sldId="264"/>
+            <ac:picMk id="34" creationId="{C9100814-98B3-6170-01F4-CC26FEF72B2C}"/>
+          </ac:picMkLst>
+        </pc:picChg>
+        <pc:picChg chg="add mod">
+          <ac:chgData name="Tianhao Fu" userId="3c5ffcaadea6c056" providerId="LiveId" clId="{2628F682-DF01-404E-B59F-6BDA13BCEEDE}" dt="2024-07-26T11:09:56.379" v="4856" actId="1076"/>
+          <ac:picMkLst>
+            <pc:docMk/>
+            <pc:sldMk cId="3766991575" sldId="264"/>
+            <ac:picMk id="36" creationId="{353F86D6-AEEA-4469-6E79-F140AADB8529}"/>
+          </ac:picMkLst>
+        </pc:picChg>
+      </pc:sldChg>
+      <pc:sldChg chg="addSp delSp modSp add del mod setBg">
+        <pc:chgData name="Tianhao Fu" userId="3c5ffcaadea6c056" providerId="LiveId" clId="{2628F682-DF01-404E-B59F-6BDA13BCEEDE}" dt="2024-07-26T12:21:36.140" v="5188" actId="2696"/>
+        <pc:sldMkLst>
+          <pc:docMk/>
+          <pc:sldMk cId="737783601" sldId="265"/>
+        </pc:sldMkLst>
+        <pc:spChg chg="mod">
+          <ac:chgData name="Tianhao Fu" userId="3c5ffcaadea6c056" providerId="LiveId" clId="{2628F682-DF01-404E-B59F-6BDA13BCEEDE}" dt="2024-07-26T11:22:53.726" v="5063" actId="20577"/>
+          <ac:spMkLst>
+            <pc:docMk/>
+            <pc:sldMk cId="737783601" sldId="265"/>
+            <ac:spMk id="4" creationId="{8418A97F-52AE-707E-858F-872303CFEE68}"/>
+          </ac:spMkLst>
+        </pc:spChg>
+        <pc:spChg chg="mod">
+          <ac:chgData name="Tianhao Fu" userId="3c5ffcaadea6c056" providerId="LiveId" clId="{2628F682-DF01-404E-B59F-6BDA13BCEEDE}" dt="2024-07-26T11:22:56.623" v="5070" actId="20577"/>
+          <ac:spMkLst>
+            <pc:docMk/>
+            <pc:sldMk cId="737783601" sldId="265"/>
+            <ac:spMk id="5" creationId="{631B08D3-B123-6C21-0520-B5991592E50B}"/>
+          </ac:spMkLst>
+        </pc:spChg>
+        <pc:spChg chg="add mod">
+          <ac:chgData name="Tianhao Fu" userId="3c5ffcaadea6c056" providerId="LiveId" clId="{2628F682-DF01-404E-B59F-6BDA13BCEEDE}" dt="2024-07-26T12:19:04.106" v="5158"/>
+          <ac:spMkLst>
+            <pc:docMk/>
+            <pc:sldMk cId="737783601" sldId="265"/>
+            <ac:spMk id="11" creationId="{1879F735-E620-B3D8-EFB2-385533C8FA23}"/>
+          </ac:spMkLst>
+        </pc:spChg>
+        <pc:spChg chg="mod">
+          <ac:chgData name="Tianhao Fu" userId="3c5ffcaadea6c056" providerId="LiveId" clId="{2628F682-DF01-404E-B59F-6BDA13BCEEDE}" dt="2024-07-26T11:22:39.697" v="5036" actId="20577"/>
+          <ac:spMkLst>
+            <pc:docMk/>
+            <pc:sldMk cId="737783601" sldId="265"/>
+            <ac:spMk id="15" creationId="{9545EF9E-DF28-BE4F-A796-BE668A84B952}"/>
+          </ac:spMkLst>
+        </pc:spChg>
+        <pc:spChg chg="mod">
+          <ac:chgData name="Tianhao Fu" userId="3c5ffcaadea6c056" providerId="LiveId" clId="{2628F682-DF01-404E-B59F-6BDA13BCEEDE}" dt="2024-07-26T11:22:42.763" v="5043" actId="20577"/>
+          <ac:spMkLst>
+            <pc:docMk/>
+            <pc:sldMk cId="737783601" sldId="265"/>
+            <ac:spMk id="16" creationId="{2EFA3304-C938-208C-16CB-D977944BB4D3}"/>
+          </ac:spMkLst>
+        </pc:spChg>
+        <pc:spChg chg="mod">
+          <ac:chgData name="Tianhao Fu" userId="3c5ffcaadea6c056" providerId="LiveId" clId="{2628F682-DF01-404E-B59F-6BDA13BCEEDE}" dt="2024-07-26T11:23:19.193" v="5076" actId="20577"/>
+          <ac:spMkLst>
+            <pc:docMk/>
+            <pc:sldMk cId="737783601" sldId="265"/>
+            <ac:spMk id="20" creationId="{9582A629-10B5-79F2-69BE-FDC12BD0BE68}"/>
+          </ac:spMkLst>
+        </pc:spChg>
+        <pc:spChg chg="mod">
+          <ac:chgData name="Tianhao Fu" userId="3c5ffcaadea6c056" providerId="LiveId" clId="{2628F682-DF01-404E-B59F-6BDA13BCEEDE}" dt="2024-07-26T11:23:41.788" v="5088" actId="20577"/>
+          <ac:spMkLst>
+            <pc:docMk/>
+            <pc:sldMk cId="737783601" sldId="265"/>
+            <ac:spMk id="21" creationId="{F74B499D-054B-7FF4-814B-119B3E8FE484}"/>
+          </ac:spMkLst>
+        </pc:spChg>
+        <pc:picChg chg="add mod">
+          <ac:chgData name="Tianhao Fu" userId="3c5ffcaadea6c056" providerId="LiveId" clId="{2628F682-DF01-404E-B59F-6BDA13BCEEDE}" dt="2024-07-26T11:24:23.761" v="5089"/>
+          <ac:picMkLst>
+            <pc:docMk/>
+            <pc:sldMk cId="737783601" sldId="265"/>
+            <ac:picMk id="2" creationId="{0C0F3D8A-1AD1-49A6-B20C-2FFA99E96CF0}"/>
+          </ac:picMkLst>
+        </pc:picChg>
+        <pc:picChg chg="add mod">
+          <ac:chgData name="Tianhao Fu" userId="3c5ffcaadea6c056" providerId="LiveId" clId="{2628F682-DF01-404E-B59F-6BDA13BCEEDE}" dt="2024-07-26T11:24:23.761" v="5089"/>
+          <ac:picMkLst>
+            <pc:docMk/>
+            <pc:sldMk cId="737783601" sldId="265"/>
+            <ac:picMk id="9" creationId="{8B2CA2EB-0D02-CB79-FB80-FAF520F238D3}"/>
+          </ac:picMkLst>
+        </pc:picChg>
+        <pc:picChg chg="add mod">
+          <ac:chgData name="Tianhao Fu" userId="3c5ffcaadea6c056" providerId="LiveId" clId="{2628F682-DF01-404E-B59F-6BDA13BCEEDE}" dt="2024-07-26T11:24:23.761" v="5089"/>
+          <ac:picMkLst>
+            <pc:docMk/>
+            <pc:sldMk cId="737783601" sldId="265"/>
+            <ac:picMk id="10" creationId="{3DED5EF8-44AC-FB5F-1BB8-15ED3A0BEF4E}"/>
+          </ac:picMkLst>
+        </pc:picChg>
+        <pc:picChg chg="del">
+          <ac:chgData name="Tianhao Fu" userId="3c5ffcaadea6c056" providerId="LiveId" clId="{2628F682-DF01-404E-B59F-6BDA13BCEEDE}" dt="2024-07-26T11:22:15.280" v="5016" actId="478"/>
+          <ac:picMkLst>
+            <pc:docMk/>
+            <pc:sldMk cId="737783601" sldId="265"/>
+            <ac:picMk id="32" creationId="{F584A376-10C8-C8E4-00E9-DCD2BC4E97E1}"/>
+          </ac:picMkLst>
+        </pc:picChg>
+        <pc:picChg chg="del">
+          <ac:chgData name="Tianhao Fu" userId="3c5ffcaadea6c056" providerId="LiveId" clId="{2628F682-DF01-404E-B59F-6BDA13BCEEDE}" dt="2024-07-26T11:22:15.280" v="5016" actId="478"/>
+          <ac:picMkLst>
+            <pc:docMk/>
+            <pc:sldMk cId="737783601" sldId="265"/>
+            <ac:picMk id="34" creationId="{C9100814-98B3-6170-01F4-CC26FEF72B2C}"/>
+          </ac:picMkLst>
+        </pc:picChg>
+        <pc:picChg chg="del">
+          <ac:chgData name="Tianhao Fu" userId="3c5ffcaadea6c056" providerId="LiveId" clId="{2628F682-DF01-404E-B59F-6BDA13BCEEDE}" dt="2024-07-26T11:22:15.280" v="5016" actId="478"/>
+          <ac:picMkLst>
+            <pc:docMk/>
+            <pc:sldMk cId="737783601" sldId="265"/>
+            <ac:picMk id="36" creationId="{353F86D6-AEEA-4469-6E79-F140AADB8529}"/>
+          </ac:picMkLst>
+        </pc:picChg>
+      </pc:sldChg>
+      <pc:sldChg chg="modSp new del mod">
+        <pc:chgData name="Tianhao Fu" userId="3c5ffcaadea6c056" providerId="LiveId" clId="{2628F682-DF01-404E-B59F-6BDA13BCEEDE}" dt="2024-07-26T10:47:34.713" v="4450" actId="2696"/>
+        <pc:sldMkLst>
+          <pc:docMk/>
+          <pc:sldMk cId="831802410" sldId="265"/>
+        </pc:sldMkLst>
+        <pc:spChg chg="mod">
+          <ac:chgData name="Tianhao Fu" userId="3c5ffcaadea6c056" providerId="LiveId" clId="{2628F682-DF01-404E-B59F-6BDA13BCEEDE}" dt="2024-07-26T10:47:32.007" v="4449" actId="20577"/>
+          <ac:spMkLst>
+            <pc:docMk/>
+            <pc:sldMk cId="831802410" sldId="265"/>
+            <ac:spMk id="2" creationId="{877F5C17-368D-55B1-5A0F-750452AB6193}"/>
+          </ac:spMkLst>
+        </pc:spChg>
+      </pc:sldChg>
+      <pc:sldChg chg="modSp add mod setBg">
+        <pc:chgData name="Tianhao Fu" userId="3c5ffcaadea6c056" providerId="LiveId" clId="{2628F682-DF01-404E-B59F-6BDA13BCEEDE}" dt="2024-07-26T14:55:03.696" v="5389"/>
+        <pc:sldMkLst>
+          <pc:docMk/>
+          <pc:sldMk cId="4252881930" sldId="265"/>
+        </pc:sldMkLst>
+        <pc:spChg chg="mod">
+          <ac:chgData name="Tianhao Fu" userId="3c5ffcaadea6c056" providerId="LiveId" clId="{2628F682-DF01-404E-B59F-6BDA13BCEEDE}" dt="2024-07-26T14:47:45.870" v="5386" actId="207"/>
+          <ac:spMkLst>
+            <pc:docMk/>
+            <pc:sldMk cId="4252881930" sldId="265"/>
+            <ac:spMk id="2" creationId="{77FEA460-627F-C105-DA42-3AD952AA3A60}"/>
+          </ac:spMkLst>
+        </pc:spChg>
+        <pc:spChg chg="mod">
+          <ac:chgData name="Tianhao Fu" userId="3c5ffcaadea6c056" providerId="LiveId" clId="{2628F682-DF01-404E-B59F-6BDA13BCEEDE}" dt="2024-07-26T14:55:03.696" v="5389"/>
+          <ac:spMkLst>
+            <pc:docMk/>
+            <pc:sldMk cId="4252881930" sldId="265"/>
+            <ac:spMk id="3" creationId="{54E7C4DC-1390-7E56-69FD-CF28A90C7AF8}"/>
+          </ac:spMkLst>
+        </pc:spChg>
+      </pc:sldChg>
+      <pc:sldChg chg="modSp new del mod setBg">
+        <pc:chgData name="Tianhao Fu" userId="3c5ffcaadea6c056" providerId="LiveId" clId="{2628F682-DF01-404E-B59F-6BDA13BCEEDE}" dt="2024-07-26T15:45:29.296" v="5541" actId="2696"/>
+        <pc:sldMkLst>
+          <pc:docMk/>
+          <pc:sldMk cId="2740633948" sldId="266"/>
+        </pc:sldMkLst>
+        <pc:spChg chg="mod">
+          <ac:chgData name="Tianhao Fu" userId="3c5ffcaadea6c056" providerId="LiveId" clId="{2628F682-DF01-404E-B59F-6BDA13BCEEDE}" dt="2024-07-26T15:27:37.863" v="5540" actId="207"/>
+          <ac:spMkLst>
+            <pc:docMk/>
+            <pc:sldMk cId="2740633948" sldId="266"/>
+            <ac:spMk id="2" creationId="{1E9A8F5E-EEB7-46CC-6F6A-F3CCC23D448A}"/>
+          </ac:spMkLst>
+        </pc:spChg>
       </pc:sldChg>
       <pc:sldMasterChg chg="setBg">
         <pc:chgData name="Tianhao Fu" userId="3c5ffcaadea6c056" providerId="LiveId" clId="{2628F682-DF01-404E-B59F-6BDA13BCEEDE}" dt="2024-07-25T04:34:33.498" v="3445"/>
@@ -1329,7 +1860,7 @@
           <a:p>
             <a:fld id="{0FC8290A-0E42-2F47-A033-0833A59CB4B8}" type="datetimeFigureOut">
               <a:rPr lang="en-US" smtClean="0"/>
-              <a:t>7/25/24</a:t>
+              <a:t>7/26/24</a:t>
             </a:fld>
             <a:endParaRPr lang="en-US"/>
           </a:p>
@@ -1680,6 +2211,90 @@
 </p:notes>
 </file>
 
+<file path=ppt/notesSlides/notesSlide2.xml><?xml version="1.0" encoding="utf-8"?>
+<p:notes xmlns:a="http://schemas.openxmlformats.org/drawingml/2006/main" xmlns:r="http://schemas.openxmlformats.org/officeDocument/2006/relationships" xmlns:p="http://schemas.openxmlformats.org/presentationml/2006/main">
+  <p:cSld>
+    <p:spTree>
+      <p:nvGrpSpPr>
+        <p:cNvPr id="1" name=""/>
+        <p:cNvGrpSpPr/>
+        <p:nvPr/>
+      </p:nvGrpSpPr>
+      <p:grpSpPr>
+        <a:xfrm>
+          <a:off x="0" y="0"/>
+          <a:ext cx="0" cy="0"/>
+          <a:chOff x="0" y="0"/>
+          <a:chExt cx="0" cy="0"/>
+        </a:xfrm>
+      </p:grpSpPr>
+      <p:sp>
+        <p:nvSpPr>
+          <p:cNvPr id="2" name="Slide Image Placeholder 1"/>
+          <p:cNvSpPr>
+            <a:spLocks noGrp="1" noRot="1" noChangeAspect="1"/>
+          </p:cNvSpPr>
+          <p:nvPr>
+            <p:ph type="sldImg"/>
+          </p:nvPr>
+        </p:nvSpPr>
+        <p:spPr/>
+      </p:sp>
+      <p:sp>
+        <p:nvSpPr>
+          <p:cNvPr id="3" name="Notes Placeholder 2"/>
+          <p:cNvSpPr>
+            <a:spLocks noGrp="1"/>
+          </p:cNvSpPr>
+          <p:nvPr>
+            <p:ph type="body" idx="1"/>
+          </p:nvPr>
+        </p:nvSpPr>
+        <p:spPr/>
+        <p:txBody>
+          <a:bodyPr/>
+          <a:lstStyle/>
+          <a:p>
+            <a:endParaRPr lang="en-US" dirty="0"/>
+          </a:p>
+        </p:txBody>
+      </p:sp>
+      <p:sp>
+        <p:nvSpPr>
+          <p:cNvPr id="4" name="Slide Number Placeholder 3"/>
+          <p:cNvSpPr>
+            <a:spLocks noGrp="1"/>
+          </p:cNvSpPr>
+          <p:nvPr>
+            <p:ph type="sldNum" sz="quarter" idx="5"/>
+          </p:nvPr>
+        </p:nvSpPr>
+        <p:spPr/>
+        <p:txBody>
+          <a:bodyPr/>
+          <a:lstStyle/>
+          <a:p>
+            <a:fld id="{7A965B42-9ED9-2B41-87DB-75DA12D8B177}" type="slidenum">
+              <a:rPr lang="en-US" smtClean="0"/>
+              <a:t>2</a:t>
+            </a:fld>
+            <a:endParaRPr lang="en-US"/>
+          </a:p>
+        </p:txBody>
+      </p:sp>
+    </p:spTree>
+    <p:extLst>
+      <p:ext uri="{BB962C8B-B14F-4D97-AF65-F5344CB8AC3E}">
+        <p14:creationId xmlns:p14="http://schemas.microsoft.com/office/powerpoint/2010/main" val="3224212155"/>
+      </p:ext>
+    </p:extLst>
+  </p:cSld>
+  <p:clrMapOvr>
+    <a:masterClrMapping/>
+  </p:clrMapOvr>
+</p:notes>
+</file>
+
 <file path=ppt/slideLayouts/slideLayout1.xml><?xml version="1.0" encoding="utf-8"?>
 <p:sldLayout xmlns:a="http://schemas.openxmlformats.org/drawingml/2006/main" xmlns:r="http://schemas.openxmlformats.org/officeDocument/2006/relationships" xmlns:p="http://schemas.openxmlformats.org/presentationml/2006/main" type="title" preserve="1">
   <p:cSld name="Title Slide">
@@ -1811,7 +2426,7 @@
           <a:p>
             <a:fld id="{EB14851A-53D1-B04B-AD6B-CB7FEFB4C1FD}" type="datetimeFigureOut">
               <a:rPr lang="en-US" smtClean="0"/>
-              <a:t>7/25/24</a:t>
+              <a:t>7/26/24</a:t>
             </a:fld>
             <a:endParaRPr lang="en-US"/>
           </a:p>
@@ -1981,7 +2596,7 @@
           <a:p>
             <a:fld id="{EB14851A-53D1-B04B-AD6B-CB7FEFB4C1FD}" type="datetimeFigureOut">
               <a:rPr lang="en-US" smtClean="0"/>
-              <a:t>7/25/24</a:t>
+              <a:t>7/26/24</a:t>
             </a:fld>
             <a:endParaRPr lang="en-US"/>
           </a:p>
@@ -2161,7 +2776,7 @@
           <a:p>
             <a:fld id="{EB14851A-53D1-B04B-AD6B-CB7FEFB4C1FD}" type="datetimeFigureOut">
               <a:rPr lang="en-US" smtClean="0"/>
-              <a:t>7/25/24</a:t>
+              <a:t>7/26/24</a:t>
             </a:fld>
             <a:endParaRPr lang="en-US"/>
           </a:p>
@@ -2331,7 +2946,7 @@
           <a:p>
             <a:fld id="{EB14851A-53D1-B04B-AD6B-CB7FEFB4C1FD}" type="datetimeFigureOut">
               <a:rPr lang="en-US" smtClean="0"/>
-              <a:t>7/25/24</a:t>
+              <a:t>7/26/24</a:t>
             </a:fld>
             <a:endParaRPr lang="en-US"/>
           </a:p>
@@ -2577,7 +3192,7 @@
           <a:p>
             <a:fld id="{EB14851A-53D1-B04B-AD6B-CB7FEFB4C1FD}" type="datetimeFigureOut">
               <a:rPr lang="en-US" smtClean="0"/>
-              <a:t>7/25/24</a:t>
+              <a:t>7/26/24</a:t>
             </a:fld>
             <a:endParaRPr lang="en-US"/>
           </a:p>
@@ -2809,7 +3424,7 @@
           <a:p>
             <a:fld id="{EB14851A-53D1-B04B-AD6B-CB7FEFB4C1FD}" type="datetimeFigureOut">
               <a:rPr lang="en-US" smtClean="0"/>
-              <a:t>7/25/24</a:t>
+              <a:t>7/26/24</a:t>
             </a:fld>
             <a:endParaRPr lang="en-US"/>
           </a:p>
@@ -3176,7 +3791,7 @@
           <a:p>
             <a:fld id="{EB14851A-53D1-B04B-AD6B-CB7FEFB4C1FD}" type="datetimeFigureOut">
               <a:rPr lang="en-US" smtClean="0"/>
-              <a:t>7/25/24</a:t>
+              <a:t>7/26/24</a:t>
             </a:fld>
             <a:endParaRPr lang="en-US"/>
           </a:p>
@@ -3294,7 +3909,7 @@
           <a:p>
             <a:fld id="{EB14851A-53D1-B04B-AD6B-CB7FEFB4C1FD}" type="datetimeFigureOut">
               <a:rPr lang="en-US" smtClean="0"/>
-              <a:t>7/25/24</a:t>
+              <a:t>7/26/24</a:t>
             </a:fld>
             <a:endParaRPr lang="en-US"/>
           </a:p>
@@ -3389,7 +4004,7 @@
           <a:p>
             <a:fld id="{EB14851A-53D1-B04B-AD6B-CB7FEFB4C1FD}" type="datetimeFigureOut">
               <a:rPr lang="en-US" smtClean="0"/>
-              <a:t>7/25/24</a:t>
+              <a:t>7/26/24</a:t>
             </a:fld>
             <a:endParaRPr lang="en-US"/>
           </a:p>
@@ -3666,7 +4281,7 @@
           <a:p>
             <a:fld id="{EB14851A-53D1-B04B-AD6B-CB7FEFB4C1FD}" type="datetimeFigureOut">
               <a:rPr lang="en-US" smtClean="0"/>
-              <a:t>7/25/24</a:t>
+              <a:t>7/26/24</a:t>
             </a:fld>
             <a:endParaRPr lang="en-US"/>
           </a:p>
@@ -3923,7 +4538,7 @@
           <a:p>
             <a:fld id="{EB14851A-53D1-B04B-AD6B-CB7FEFB4C1FD}" type="datetimeFigureOut">
               <a:rPr lang="en-US" smtClean="0"/>
-              <a:t>7/25/24</a:t>
+              <a:t>7/26/24</a:t>
             </a:fld>
             <a:endParaRPr lang="en-US"/>
           </a:p>
@@ -4136,7 +4751,7 @@
           <a:p>
             <a:fld id="{EB14851A-53D1-B04B-AD6B-CB7FEFB4C1FD}" type="datetimeFigureOut">
               <a:rPr lang="en-US" smtClean="0"/>
-              <a:t>7/25/24</a:t>
+              <a:t>7/26/24</a:t>
             </a:fld>
             <a:endParaRPr lang="en-US"/>
           </a:p>
@@ -4720,7 +5335,7 @@
           <a:p>
             <a:r>
               <a:rPr lang="en-US" dirty="0"/>
-              <a:t>Enable your racing car with powerful, data-driven instrumentation, control, and analysis systems, all wrapped up in a gorgeous look.</a:t>
+              <a:t>Enable your racing car with powerful, data-driven instrumentation, control, and analysis systems, all wrapped up in a gorgeous look</a:t>
             </a:r>
           </a:p>
         </p:txBody>
@@ -4774,7 +5389,7 @@
           <a:p>
             <a:pPr algn="ctr"/>
             <a:r>
-              <a:rPr lang="en-US" sz="1200" dirty="0">
+              <a:rPr lang="en-US" sz="1200" b="1" dirty="0">
                 <a:solidFill>
                   <a:schemeClr val="tx1"/>
                 </a:solidFill>
@@ -4926,6 +5541,352 @@
           <p:cNvPr id="2" name="Title 1">
             <a:extLst>
               <a:ext uri="{FF2B5EF4-FFF2-40B4-BE49-F238E27FC236}">
+                <a16:creationId xmlns:a16="http://schemas.microsoft.com/office/drawing/2014/main" id="{77FEA460-627F-C105-DA42-3AD952AA3A60}"/>
+              </a:ext>
+            </a:extLst>
+          </p:cNvPr>
+          <p:cNvSpPr>
+            <a:spLocks noGrp="1"/>
+          </p:cNvSpPr>
+          <p:nvPr>
+            <p:ph type="ctrTitle"/>
+          </p:nvPr>
+        </p:nvSpPr>
+        <p:spPr/>
+        <p:txBody>
+          <a:bodyPr>
+            <a:noAutofit/>
+          </a:bodyPr>
+          <a:lstStyle/>
+          <a:p>
+            <a:r>
+              <a:rPr lang="en-US" sz="5400" b="1" dirty="0">
+                <a:solidFill>
+                  <a:schemeClr val="accent1"/>
+                </a:solidFill>
+              </a:rPr>
+              <a:t>LEADS: </a:t>
+            </a:r>
+            <a:r>
+              <a:rPr lang="en-US" sz="4400" b="1" dirty="0" err="1">
+                <a:solidFill>
+                  <a:schemeClr val="accent4"/>
+                </a:solidFill>
+              </a:rPr>
+              <a:t>轻</a:t>
+            </a:r>
+            <a:r>
+              <a:rPr lang="en-US" sz="4400" b="1" dirty="0" err="1">
+                <a:solidFill>
+                  <a:schemeClr val="accent1"/>
+                </a:solidFill>
+              </a:rPr>
+              <a:t>量化</a:t>
+            </a:r>
+            <a:r>
+              <a:rPr lang="en-US" sz="4400" b="1" dirty="0" err="1">
+                <a:solidFill>
+                  <a:schemeClr val="accent4"/>
+                </a:solidFill>
+              </a:rPr>
+              <a:t>嵌</a:t>
+            </a:r>
+            <a:r>
+              <a:rPr lang="en-US" sz="4400" b="1" dirty="0" err="1">
+                <a:solidFill>
+                  <a:schemeClr val="accent1"/>
+                </a:solidFill>
+              </a:rPr>
+              <a:t>入式</a:t>
+            </a:r>
+            <a:r>
+              <a:rPr lang="en-US" sz="4400" b="1" dirty="0" err="1">
+                <a:solidFill>
+                  <a:schemeClr val="accent4"/>
+                </a:solidFill>
+              </a:rPr>
+              <a:t>辅</a:t>
+            </a:r>
+            <a:r>
+              <a:rPr lang="en-US" sz="4400" b="1" dirty="0" err="1">
+                <a:solidFill>
+                  <a:schemeClr val="accent1"/>
+                </a:solidFill>
+              </a:rPr>
+              <a:t>助</a:t>
+            </a:r>
+            <a:r>
+              <a:rPr lang="en-US" sz="4400" b="1" dirty="0" err="1">
+                <a:solidFill>
+                  <a:schemeClr val="accent4"/>
+                </a:solidFill>
+              </a:rPr>
+              <a:t>驾</a:t>
+            </a:r>
+            <a:r>
+              <a:rPr lang="en-US" sz="4400" b="1" dirty="0" err="1">
+                <a:solidFill>
+                  <a:schemeClr val="accent1"/>
+                </a:solidFill>
+              </a:rPr>
+              <a:t>驶</a:t>
+            </a:r>
+            <a:r>
+              <a:rPr lang="en-US" sz="4400" b="1" dirty="0" err="1">
+                <a:solidFill>
+                  <a:schemeClr val="accent4"/>
+                </a:solidFill>
+              </a:rPr>
+              <a:t>系</a:t>
+            </a:r>
+            <a:r>
+              <a:rPr lang="en-US" sz="4400" b="1" dirty="0" err="1">
+                <a:solidFill>
+                  <a:schemeClr val="accent1"/>
+                </a:solidFill>
+              </a:rPr>
+              <a:t>统</a:t>
+            </a:r>
+            <a:endParaRPr lang="en-US" sz="4400" b="1" dirty="0">
+              <a:solidFill>
+                <a:schemeClr val="accent1"/>
+              </a:solidFill>
+            </a:endParaRPr>
+          </a:p>
+        </p:txBody>
+      </p:sp>
+      <p:sp>
+        <p:nvSpPr>
+          <p:cNvPr id="3" name="Subtitle 2">
+            <a:extLst>
+              <a:ext uri="{FF2B5EF4-FFF2-40B4-BE49-F238E27FC236}">
+                <a16:creationId xmlns:a16="http://schemas.microsoft.com/office/drawing/2014/main" id="{54E7C4DC-1390-7E56-69FD-CF28A90C7AF8}"/>
+              </a:ext>
+            </a:extLst>
+          </p:cNvPr>
+          <p:cNvSpPr>
+            <a:spLocks noGrp="1"/>
+          </p:cNvSpPr>
+          <p:nvPr>
+            <p:ph type="subTitle" idx="1"/>
+          </p:nvPr>
+        </p:nvSpPr>
+        <p:spPr/>
+        <p:txBody>
+          <a:bodyPr>
+            <a:normAutofit/>
+          </a:bodyPr>
+          <a:lstStyle/>
+          <a:p>
+            <a:r>
+              <a:rPr lang="zh-CN" altLang="en-US" dirty="0"/>
+              <a:t>用强大的数据驱动系统赋能你的赛车，结合仪表、控制和分析功能，同时以精美的外观包裹</a:t>
+            </a:r>
+            <a:endParaRPr lang="en-US" dirty="0"/>
+          </a:p>
+        </p:txBody>
+      </p:sp>
+      <p:sp>
+        <p:nvSpPr>
+          <p:cNvPr id="4" name="Rectangle 3">
+            <a:extLst>
+              <a:ext uri="{FF2B5EF4-FFF2-40B4-BE49-F238E27FC236}">
+                <a16:creationId xmlns:a16="http://schemas.microsoft.com/office/drawing/2014/main" id="{2107007A-6605-E5A2-2275-0F0EB3913C97}"/>
+              </a:ext>
+            </a:extLst>
+          </p:cNvPr>
+          <p:cNvSpPr/>
+          <p:nvPr/>
+        </p:nvSpPr>
+        <p:spPr>
+          <a:xfrm>
+            <a:off x="0" y="6480730"/>
+            <a:ext cx="11814730" cy="377270"/>
+          </a:xfrm>
+          <a:prstGeom prst="rect">
+            <a:avLst/>
+          </a:prstGeom>
+          <a:solidFill>
+            <a:schemeClr val="accent4"/>
+          </a:solidFill>
+          <a:ln>
+            <a:noFill/>
+          </a:ln>
+        </p:spPr>
+        <p:style>
+          <a:lnRef idx="2">
+            <a:schemeClr val="accent1">
+              <a:shade val="15000"/>
+            </a:schemeClr>
+          </a:lnRef>
+          <a:fillRef idx="1">
+            <a:schemeClr val="accent1"/>
+          </a:fillRef>
+          <a:effectRef idx="0">
+            <a:schemeClr val="accent1"/>
+          </a:effectRef>
+          <a:fontRef idx="minor">
+            <a:schemeClr val="lt1"/>
+          </a:fontRef>
+        </p:style>
+        <p:txBody>
+          <a:bodyPr rtlCol="0" anchor="ctr"/>
+          <a:lstStyle/>
+          <a:p>
+            <a:pPr algn="ctr"/>
+            <a:r>
+              <a:rPr lang="en-US" sz="1200" b="1" dirty="0">
+                <a:solidFill>
+                  <a:schemeClr val="tx1"/>
+                </a:solidFill>
+              </a:rPr>
+              <a:t>PROUDLY PRESENTED BY PROJECT NEURA</a:t>
+            </a:r>
+          </a:p>
+        </p:txBody>
+      </p:sp>
+      <p:sp>
+        <p:nvSpPr>
+          <p:cNvPr id="5" name="Rectangle 4">
+            <a:extLst>
+              <a:ext uri="{FF2B5EF4-FFF2-40B4-BE49-F238E27FC236}">
+                <a16:creationId xmlns:a16="http://schemas.microsoft.com/office/drawing/2014/main" id="{F986577C-2CAB-979C-0EA1-9BE403917DF3}"/>
+              </a:ext>
+            </a:extLst>
+          </p:cNvPr>
+          <p:cNvSpPr/>
+          <p:nvPr/>
+        </p:nvSpPr>
+        <p:spPr>
+          <a:xfrm>
+            <a:off x="11814730" y="6480730"/>
+            <a:ext cx="377270" cy="377270"/>
+          </a:xfrm>
+          <a:prstGeom prst="rect">
+            <a:avLst/>
+          </a:prstGeom>
+          <a:solidFill>
+            <a:schemeClr val="accent1"/>
+          </a:solidFill>
+          <a:ln>
+            <a:noFill/>
+          </a:ln>
+        </p:spPr>
+        <p:style>
+          <a:lnRef idx="2">
+            <a:schemeClr val="accent1">
+              <a:shade val="15000"/>
+            </a:schemeClr>
+          </a:lnRef>
+          <a:fillRef idx="1">
+            <a:schemeClr val="accent1"/>
+          </a:fillRef>
+          <a:effectRef idx="0">
+            <a:schemeClr val="accent1"/>
+          </a:effectRef>
+          <a:fontRef idx="minor">
+            <a:schemeClr val="lt1"/>
+          </a:fontRef>
+        </p:style>
+        <p:txBody>
+          <a:bodyPr rtlCol="0" anchor="ctr"/>
+          <a:lstStyle/>
+          <a:p>
+            <a:pPr algn="ctr"/>
+            <a:endParaRPr lang="en-US" sz="1200" dirty="0"/>
+          </a:p>
+        </p:txBody>
+      </p:sp>
+      <p:pic>
+        <p:nvPicPr>
+          <p:cNvPr id="1026" name="Picture 2">
+            <a:extLst>
+              <a:ext uri="{FF2B5EF4-FFF2-40B4-BE49-F238E27FC236}">
+                <a16:creationId xmlns:a16="http://schemas.microsoft.com/office/drawing/2014/main" id="{AA65CB3D-3533-C08A-1D38-6DB25121972E}"/>
+              </a:ext>
+            </a:extLst>
+          </p:cNvPr>
+          <p:cNvPicPr>
+            <a:picLocks noChangeAspect="1" noChangeArrowheads="1"/>
+          </p:cNvPicPr>
+          <p:nvPr/>
+        </p:nvPicPr>
+        <p:blipFill>
+          <a:blip r:embed="rId3">
+            <a:extLst>
+              <a:ext uri="{28A0092B-C50C-407E-A947-70E740481C1C}">
+                <a14:useLocalDpi xmlns:a14="http://schemas.microsoft.com/office/drawing/2010/main" val="0"/>
+              </a:ext>
+            </a:extLst>
+          </a:blip>
+          <a:srcRect/>
+          <a:stretch>
+            <a:fillRect/>
+          </a:stretch>
+        </p:blipFill>
+        <p:spPr bwMode="auto">
+          <a:xfrm>
+            <a:off x="11814730" y="6480730"/>
+            <a:ext cx="377270" cy="377270"/>
+          </a:xfrm>
+          <a:prstGeom prst="rect">
+            <a:avLst/>
+          </a:prstGeom>
+          <a:noFill/>
+          <a:extLst>
+            <a:ext uri="{909E8E84-426E-40DD-AFC4-6F175D3DCCD1}">
+              <a14:hiddenFill xmlns:a14="http://schemas.microsoft.com/office/drawing/2010/main">
+                <a:solidFill>
+                  <a:srgbClr val="FFFFFF"/>
+                </a:solidFill>
+              </a14:hiddenFill>
+            </a:ext>
+          </a:extLst>
+        </p:spPr>
+      </p:pic>
+    </p:spTree>
+    <p:extLst>
+      <p:ext uri="{BB962C8B-B14F-4D97-AF65-F5344CB8AC3E}">
+        <p14:creationId xmlns:p14="http://schemas.microsoft.com/office/powerpoint/2010/main" val="4252881930"/>
+      </p:ext>
+    </p:extLst>
+  </p:cSld>
+  <p:clrMapOvr>
+    <a:masterClrMapping/>
+  </p:clrMapOvr>
+</p:sld>
+</file>
+
+<file path=ppt/slides/slide3.xml><?xml version="1.0" encoding="utf-8"?>
+<p:sld xmlns:a="http://schemas.openxmlformats.org/drawingml/2006/main" xmlns:r="http://schemas.openxmlformats.org/officeDocument/2006/relationships" xmlns:p="http://schemas.openxmlformats.org/presentationml/2006/main">
+  <p:cSld>
+    <p:bg>
+      <p:bgPr>
+        <a:solidFill>
+          <a:schemeClr val="bg2"/>
+        </a:solidFill>
+        <a:effectLst/>
+      </p:bgPr>
+    </p:bg>
+    <p:spTree>
+      <p:nvGrpSpPr>
+        <p:cNvPr id="1" name=""/>
+        <p:cNvGrpSpPr/>
+        <p:nvPr/>
+      </p:nvGrpSpPr>
+      <p:grpSpPr>
+        <a:xfrm>
+          <a:off x="0" y="0"/>
+          <a:ext cx="0" cy="0"/>
+          <a:chOff x="0" y="0"/>
+          <a:chExt cx="0" cy="0"/>
+        </a:xfrm>
+      </p:grpSpPr>
+      <p:sp>
+        <p:nvSpPr>
+          <p:cNvPr id="2" name="Title 1">
+            <a:extLst>
+              <a:ext uri="{FF2B5EF4-FFF2-40B4-BE49-F238E27FC236}">
                 <a16:creationId xmlns:a16="http://schemas.microsoft.com/office/drawing/2014/main" id="{8699D222-16D9-B56F-D1A7-EF42B3137189}"/>
               </a:ext>
             </a:extLst>
@@ -5850,10 +6811,730 @@
   <p:clrMapOvr>
     <a:masterClrMapping/>
   </p:clrMapOvr>
+  <p:timing>
+    <p:tnLst>
+      <p:par>
+        <p:cTn id="1" dur="indefinite" restart="never" nodeType="tmRoot">
+          <p:childTnLst>
+            <p:seq concurrent="1" nextAc="seek">
+              <p:cTn id="2" dur="indefinite" nodeType="mainSeq">
+                <p:childTnLst>
+                  <p:par>
+                    <p:cTn id="3" fill="hold">
+                      <p:stCondLst>
+                        <p:cond delay="indefinite"/>
+                      </p:stCondLst>
+                      <p:childTnLst>
+                        <p:par>
+                          <p:cTn id="4" fill="hold">
+                            <p:stCondLst>
+                              <p:cond delay="0"/>
+                            </p:stCondLst>
+                            <p:childTnLst>
+                              <p:par>
+                                <p:cTn id="5" presetID="1" presetClass="entr" presetSubtype="0" fill="hold" grpId="0" nodeType="clickEffect">
+                                  <p:stCondLst>
+                                    <p:cond delay="0"/>
+                                  </p:stCondLst>
+                                  <p:childTnLst>
+                                    <p:set>
+                                      <p:cBhvr>
+                                        <p:cTn id="6" dur="1" fill="hold">
+                                          <p:stCondLst>
+                                            <p:cond delay="0"/>
+                                          </p:stCondLst>
+                                        </p:cTn>
+                                        <p:tgtEl>
+                                          <p:spTgt spid="13"/>
+                                        </p:tgtEl>
+                                        <p:attrNameLst>
+                                          <p:attrName>style.visibility</p:attrName>
+                                        </p:attrNameLst>
+                                      </p:cBhvr>
+                                      <p:to>
+                                        <p:strVal val="visible"/>
+                                      </p:to>
+                                    </p:set>
+                                  </p:childTnLst>
+                                </p:cTn>
+                              </p:par>
+                              <p:par>
+                                <p:cTn id="7" presetID="1" presetClass="entr" presetSubtype="0" fill="hold" grpId="0" nodeType="withEffect">
+                                  <p:stCondLst>
+                                    <p:cond delay="0"/>
+                                  </p:stCondLst>
+                                  <p:childTnLst>
+                                    <p:set>
+                                      <p:cBhvr>
+                                        <p:cTn id="8" dur="1" fill="hold">
+                                          <p:stCondLst>
+                                            <p:cond delay="0"/>
+                                          </p:stCondLst>
+                                        </p:cTn>
+                                        <p:tgtEl>
+                                          <p:spTgt spid="21"/>
+                                        </p:tgtEl>
+                                        <p:attrNameLst>
+                                          <p:attrName>style.visibility</p:attrName>
+                                        </p:attrNameLst>
+                                      </p:cBhvr>
+                                      <p:to>
+                                        <p:strVal val="visible"/>
+                                      </p:to>
+                                    </p:set>
+                                  </p:childTnLst>
+                                </p:cTn>
+                              </p:par>
+                            </p:childTnLst>
+                          </p:cTn>
+                        </p:par>
+                      </p:childTnLst>
+                    </p:cTn>
+                  </p:par>
+                  <p:par>
+                    <p:cTn id="9" fill="hold">
+                      <p:stCondLst>
+                        <p:cond delay="indefinite"/>
+                      </p:stCondLst>
+                      <p:childTnLst>
+                        <p:par>
+                          <p:cTn id="10" fill="hold">
+                            <p:stCondLst>
+                              <p:cond delay="0"/>
+                            </p:stCondLst>
+                            <p:childTnLst>
+                              <p:par>
+                                <p:cTn id="11" presetID="22" presetClass="entr" presetSubtype="4" fill="hold" grpId="0" nodeType="clickEffect">
+                                  <p:stCondLst>
+                                    <p:cond delay="0"/>
+                                  </p:stCondLst>
+                                  <p:childTnLst>
+                                    <p:set>
+                                      <p:cBhvr>
+                                        <p:cTn id="12" dur="1" fill="hold">
+                                          <p:stCondLst>
+                                            <p:cond delay="0"/>
+                                          </p:stCondLst>
+                                        </p:cTn>
+                                        <p:tgtEl>
+                                          <p:spTgt spid="20"/>
+                                        </p:tgtEl>
+                                        <p:attrNameLst>
+                                          <p:attrName>style.visibility</p:attrName>
+                                        </p:attrNameLst>
+                                      </p:cBhvr>
+                                      <p:to>
+                                        <p:strVal val="visible"/>
+                                      </p:to>
+                                    </p:set>
+                                    <p:animEffect transition="in" filter="wipe(down)">
+                                      <p:cBhvr>
+                                        <p:cTn id="13" dur="500"/>
+                                        <p:tgtEl>
+                                          <p:spTgt spid="20"/>
+                                        </p:tgtEl>
+                                      </p:cBhvr>
+                                    </p:animEffect>
+                                  </p:childTnLst>
+                                </p:cTn>
+                              </p:par>
+                            </p:childTnLst>
+                          </p:cTn>
+                        </p:par>
+                        <p:par>
+                          <p:cTn id="14" fill="hold">
+                            <p:stCondLst>
+                              <p:cond delay="500"/>
+                            </p:stCondLst>
+                            <p:childTnLst>
+                              <p:par>
+                                <p:cTn id="15" presetID="22" presetClass="entr" presetSubtype="4" fill="hold" nodeType="afterEffect">
+                                  <p:stCondLst>
+                                    <p:cond delay="0"/>
+                                  </p:stCondLst>
+                                  <p:childTnLst>
+                                    <p:set>
+                                      <p:cBhvr>
+                                        <p:cTn id="16" dur="1" fill="hold">
+                                          <p:stCondLst>
+                                            <p:cond delay="0"/>
+                                          </p:stCondLst>
+                                        </p:cTn>
+                                        <p:tgtEl>
+                                          <p:spTgt spid="27"/>
+                                        </p:tgtEl>
+                                        <p:attrNameLst>
+                                          <p:attrName>style.visibility</p:attrName>
+                                        </p:attrNameLst>
+                                      </p:cBhvr>
+                                      <p:to>
+                                        <p:strVal val="visible"/>
+                                      </p:to>
+                                    </p:set>
+                                    <p:animEffect transition="in" filter="wipe(down)">
+                                      <p:cBhvr>
+                                        <p:cTn id="17" dur="500"/>
+                                        <p:tgtEl>
+                                          <p:spTgt spid="27"/>
+                                        </p:tgtEl>
+                                      </p:cBhvr>
+                                    </p:animEffect>
+                                  </p:childTnLst>
+                                </p:cTn>
+                              </p:par>
+                              <p:par>
+                                <p:cTn id="18" presetID="22" presetClass="entr" presetSubtype="4" fill="hold" nodeType="withEffect">
+                                  <p:stCondLst>
+                                    <p:cond delay="0"/>
+                                  </p:stCondLst>
+                                  <p:childTnLst>
+                                    <p:set>
+                                      <p:cBhvr>
+                                        <p:cTn id="19" dur="1" fill="hold">
+                                          <p:stCondLst>
+                                            <p:cond delay="0"/>
+                                          </p:stCondLst>
+                                        </p:cTn>
+                                        <p:tgtEl>
+                                          <p:spTgt spid="23"/>
+                                        </p:tgtEl>
+                                        <p:attrNameLst>
+                                          <p:attrName>style.visibility</p:attrName>
+                                        </p:attrNameLst>
+                                      </p:cBhvr>
+                                      <p:to>
+                                        <p:strVal val="visible"/>
+                                      </p:to>
+                                    </p:set>
+                                    <p:animEffect transition="in" filter="wipe(down)">
+                                      <p:cBhvr>
+                                        <p:cTn id="20" dur="500"/>
+                                        <p:tgtEl>
+                                          <p:spTgt spid="23"/>
+                                        </p:tgtEl>
+                                      </p:cBhvr>
+                                    </p:animEffect>
+                                  </p:childTnLst>
+                                </p:cTn>
+                              </p:par>
+                            </p:childTnLst>
+                          </p:cTn>
+                        </p:par>
+                        <p:par>
+                          <p:cTn id="21" fill="hold">
+                            <p:stCondLst>
+                              <p:cond delay="1000"/>
+                            </p:stCondLst>
+                            <p:childTnLst>
+                              <p:par>
+                                <p:cTn id="22" presetID="22" presetClass="entr" presetSubtype="4" fill="hold" grpId="0" nodeType="afterEffect">
+                                  <p:stCondLst>
+                                    <p:cond delay="0"/>
+                                  </p:stCondLst>
+                                  <p:childTnLst>
+                                    <p:set>
+                                      <p:cBhvr>
+                                        <p:cTn id="23" dur="1" fill="hold">
+                                          <p:stCondLst>
+                                            <p:cond delay="0"/>
+                                          </p:stCondLst>
+                                        </p:cTn>
+                                        <p:tgtEl>
+                                          <p:spTgt spid="17"/>
+                                        </p:tgtEl>
+                                        <p:attrNameLst>
+                                          <p:attrName>style.visibility</p:attrName>
+                                        </p:attrNameLst>
+                                      </p:cBhvr>
+                                      <p:to>
+                                        <p:strVal val="visible"/>
+                                      </p:to>
+                                    </p:set>
+                                    <p:animEffect transition="in" filter="wipe(down)">
+                                      <p:cBhvr>
+                                        <p:cTn id="24" dur="500"/>
+                                        <p:tgtEl>
+                                          <p:spTgt spid="17"/>
+                                        </p:tgtEl>
+                                      </p:cBhvr>
+                                    </p:animEffect>
+                                  </p:childTnLst>
+                                </p:cTn>
+                              </p:par>
+                              <p:par>
+                                <p:cTn id="25" presetID="22" presetClass="entr" presetSubtype="4" fill="hold" grpId="0" nodeType="withEffect">
+                                  <p:stCondLst>
+                                    <p:cond delay="0"/>
+                                  </p:stCondLst>
+                                  <p:childTnLst>
+                                    <p:set>
+                                      <p:cBhvr>
+                                        <p:cTn id="26" dur="1" fill="hold">
+                                          <p:stCondLst>
+                                            <p:cond delay="0"/>
+                                          </p:stCondLst>
+                                        </p:cTn>
+                                        <p:tgtEl>
+                                          <p:spTgt spid="14"/>
+                                        </p:tgtEl>
+                                        <p:attrNameLst>
+                                          <p:attrName>style.visibility</p:attrName>
+                                        </p:attrNameLst>
+                                      </p:cBhvr>
+                                      <p:to>
+                                        <p:strVal val="visible"/>
+                                      </p:to>
+                                    </p:set>
+                                    <p:animEffect transition="in" filter="wipe(down)">
+                                      <p:cBhvr>
+                                        <p:cTn id="27" dur="500"/>
+                                        <p:tgtEl>
+                                          <p:spTgt spid="14"/>
+                                        </p:tgtEl>
+                                      </p:cBhvr>
+                                    </p:animEffect>
+                                  </p:childTnLst>
+                                </p:cTn>
+                              </p:par>
+                            </p:childTnLst>
+                          </p:cTn>
+                        </p:par>
+                      </p:childTnLst>
+                    </p:cTn>
+                  </p:par>
+                  <p:par>
+                    <p:cTn id="28" fill="hold">
+                      <p:stCondLst>
+                        <p:cond delay="indefinite"/>
+                      </p:stCondLst>
+                      <p:childTnLst>
+                        <p:par>
+                          <p:cTn id="29" fill="hold">
+                            <p:stCondLst>
+                              <p:cond delay="0"/>
+                            </p:stCondLst>
+                            <p:childTnLst>
+                              <p:par>
+                                <p:cTn id="30" presetID="22" presetClass="entr" presetSubtype="4" fill="hold" nodeType="clickEffect">
+                                  <p:stCondLst>
+                                    <p:cond delay="0"/>
+                                  </p:stCondLst>
+                                  <p:childTnLst>
+                                    <p:set>
+                                      <p:cBhvr>
+                                        <p:cTn id="31" dur="1" fill="hold">
+                                          <p:stCondLst>
+                                            <p:cond delay="0"/>
+                                          </p:stCondLst>
+                                        </p:cTn>
+                                        <p:tgtEl>
+                                          <p:spTgt spid="37"/>
+                                        </p:tgtEl>
+                                        <p:attrNameLst>
+                                          <p:attrName>style.visibility</p:attrName>
+                                        </p:attrNameLst>
+                                      </p:cBhvr>
+                                      <p:to>
+                                        <p:strVal val="visible"/>
+                                      </p:to>
+                                    </p:set>
+                                    <p:animEffect transition="in" filter="wipe(down)">
+                                      <p:cBhvr>
+                                        <p:cTn id="32" dur="500"/>
+                                        <p:tgtEl>
+                                          <p:spTgt spid="37"/>
+                                        </p:tgtEl>
+                                      </p:cBhvr>
+                                    </p:animEffect>
+                                  </p:childTnLst>
+                                </p:cTn>
+                              </p:par>
+                            </p:childTnLst>
+                          </p:cTn>
+                        </p:par>
+                        <p:par>
+                          <p:cTn id="33" fill="hold">
+                            <p:stCondLst>
+                              <p:cond delay="500"/>
+                            </p:stCondLst>
+                            <p:childTnLst>
+                              <p:par>
+                                <p:cTn id="34" presetID="22" presetClass="entr" presetSubtype="2" fill="hold" grpId="0" nodeType="afterEffect">
+                                  <p:stCondLst>
+                                    <p:cond delay="0"/>
+                                  </p:stCondLst>
+                                  <p:childTnLst>
+                                    <p:set>
+                                      <p:cBhvr>
+                                        <p:cTn id="35" dur="1" fill="hold">
+                                          <p:stCondLst>
+                                            <p:cond delay="0"/>
+                                          </p:stCondLst>
+                                        </p:cTn>
+                                        <p:tgtEl>
+                                          <p:spTgt spid="35"/>
+                                        </p:tgtEl>
+                                        <p:attrNameLst>
+                                          <p:attrName>style.visibility</p:attrName>
+                                        </p:attrNameLst>
+                                      </p:cBhvr>
+                                      <p:to>
+                                        <p:strVal val="visible"/>
+                                      </p:to>
+                                    </p:set>
+                                    <p:animEffect transition="in" filter="wipe(right)">
+                                      <p:cBhvr>
+                                        <p:cTn id="36" dur="500"/>
+                                        <p:tgtEl>
+                                          <p:spTgt spid="35"/>
+                                        </p:tgtEl>
+                                      </p:cBhvr>
+                                    </p:animEffect>
+                                  </p:childTnLst>
+                                </p:cTn>
+                              </p:par>
+                              <p:par>
+                                <p:cTn id="37" presetID="22" presetClass="entr" presetSubtype="2" fill="hold" grpId="0" nodeType="withEffect">
+                                  <p:stCondLst>
+                                    <p:cond delay="0"/>
+                                  </p:stCondLst>
+                                  <p:childTnLst>
+                                    <p:set>
+                                      <p:cBhvr>
+                                        <p:cTn id="38" dur="1" fill="hold">
+                                          <p:stCondLst>
+                                            <p:cond delay="0"/>
+                                          </p:stCondLst>
+                                        </p:cTn>
+                                        <p:tgtEl>
+                                          <p:spTgt spid="34"/>
+                                        </p:tgtEl>
+                                        <p:attrNameLst>
+                                          <p:attrName>style.visibility</p:attrName>
+                                        </p:attrNameLst>
+                                      </p:cBhvr>
+                                      <p:to>
+                                        <p:strVal val="visible"/>
+                                      </p:to>
+                                    </p:set>
+                                    <p:animEffect transition="in" filter="wipe(right)">
+                                      <p:cBhvr>
+                                        <p:cTn id="39" dur="500"/>
+                                        <p:tgtEl>
+                                          <p:spTgt spid="34"/>
+                                        </p:tgtEl>
+                                      </p:cBhvr>
+                                    </p:animEffect>
+                                  </p:childTnLst>
+                                </p:cTn>
+                              </p:par>
+                            </p:childTnLst>
+                          </p:cTn>
+                        </p:par>
+                        <p:par>
+                          <p:cTn id="40" fill="hold">
+                            <p:stCondLst>
+                              <p:cond delay="1000"/>
+                            </p:stCondLst>
+                            <p:childTnLst>
+                              <p:par>
+                                <p:cTn id="41" presetID="22" presetClass="entr" presetSubtype="2" fill="hold" grpId="0" nodeType="afterEffect">
+                                  <p:stCondLst>
+                                    <p:cond delay="0"/>
+                                  </p:stCondLst>
+                                  <p:childTnLst>
+                                    <p:set>
+                                      <p:cBhvr>
+                                        <p:cTn id="42" dur="1" fill="hold">
+                                          <p:stCondLst>
+                                            <p:cond delay="0"/>
+                                          </p:stCondLst>
+                                        </p:cTn>
+                                        <p:tgtEl>
+                                          <p:spTgt spid="33"/>
+                                        </p:tgtEl>
+                                        <p:attrNameLst>
+                                          <p:attrName>style.visibility</p:attrName>
+                                        </p:attrNameLst>
+                                      </p:cBhvr>
+                                      <p:to>
+                                        <p:strVal val="visible"/>
+                                      </p:to>
+                                    </p:set>
+                                    <p:animEffect transition="in" filter="wipe(right)">
+                                      <p:cBhvr>
+                                        <p:cTn id="43" dur="500"/>
+                                        <p:tgtEl>
+                                          <p:spTgt spid="33"/>
+                                        </p:tgtEl>
+                                      </p:cBhvr>
+                                    </p:animEffect>
+                                  </p:childTnLst>
+                                </p:cTn>
+                              </p:par>
+                            </p:childTnLst>
+                          </p:cTn>
+                        </p:par>
+                      </p:childTnLst>
+                    </p:cTn>
+                  </p:par>
+                  <p:par>
+                    <p:cTn id="44" fill="hold">
+                      <p:stCondLst>
+                        <p:cond delay="indefinite"/>
+                      </p:stCondLst>
+                      <p:childTnLst>
+                        <p:par>
+                          <p:cTn id="45" fill="hold">
+                            <p:stCondLst>
+                              <p:cond delay="0"/>
+                            </p:stCondLst>
+                            <p:childTnLst>
+                              <p:par>
+                                <p:cTn id="46" presetID="22" presetClass="entr" presetSubtype="4" fill="hold" nodeType="clickEffect">
+                                  <p:stCondLst>
+                                    <p:cond delay="0"/>
+                                  </p:stCondLst>
+                                  <p:childTnLst>
+                                    <p:set>
+                                      <p:cBhvr>
+                                        <p:cTn id="47" dur="1" fill="hold">
+                                          <p:stCondLst>
+                                            <p:cond delay="0"/>
+                                          </p:stCondLst>
+                                        </p:cTn>
+                                        <p:tgtEl>
+                                          <p:spTgt spid="48"/>
+                                        </p:tgtEl>
+                                        <p:attrNameLst>
+                                          <p:attrName>style.visibility</p:attrName>
+                                        </p:attrNameLst>
+                                      </p:cBhvr>
+                                      <p:to>
+                                        <p:strVal val="visible"/>
+                                      </p:to>
+                                    </p:set>
+                                    <p:animEffect transition="in" filter="wipe(down)">
+                                      <p:cBhvr>
+                                        <p:cTn id="48" dur="500"/>
+                                        <p:tgtEl>
+                                          <p:spTgt spid="48"/>
+                                        </p:tgtEl>
+                                      </p:cBhvr>
+                                    </p:animEffect>
+                                  </p:childTnLst>
+                                </p:cTn>
+                              </p:par>
+                              <p:par>
+                                <p:cTn id="49" presetID="22" presetClass="entr" presetSubtype="4" fill="hold" nodeType="withEffect">
+                                  <p:stCondLst>
+                                    <p:cond delay="0"/>
+                                  </p:stCondLst>
+                                  <p:childTnLst>
+                                    <p:set>
+                                      <p:cBhvr>
+                                        <p:cTn id="50" dur="1" fill="hold">
+                                          <p:stCondLst>
+                                            <p:cond delay="0"/>
+                                          </p:stCondLst>
+                                        </p:cTn>
+                                        <p:tgtEl>
+                                          <p:spTgt spid="51"/>
+                                        </p:tgtEl>
+                                        <p:attrNameLst>
+                                          <p:attrName>style.visibility</p:attrName>
+                                        </p:attrNameLst>
+                                      </p:cBhvr>
+                                      <p:to>
+                                        <p:strVal val="visible"/>
+                                      </p:to>
+                                    </p:set>
+                                    <p:animEffect transition="in" filter="wipe(down)">
+                                      <p:cBhvr>
+                                        <p:cTn id="51" dur="500"/>
+                                        <p:tgtEl>
+                                          <p:spTgt spid="51"/>
+                                        </p:tgtEl>
+                                      </p:cBhvr>
+                                    </p:animEffect>
+                                  </p:childTnLst>
+                                </p:cTn>
+                              </p:par>
+                            </p:childTnLst>
+                          </p:cTn>
+                        </p:par>
+                      </p:childTnLst>
+                    </p:cTn>
+                  </p:par>
+                  <p:par>
+                    <p:cTn id="52" fill="hold">
+                      <p:stCondLst>
+                        <p:cond delay="indefinite"/>
+                      </p:stCondLst>
+                      <p:childTnLst>
+                        <p:par>
+                          <p:cTn id="53" fill="hold">
+                            <p:stCondLst>
+                              <p:cond delay="0"/>
+                            </p:stCondLst>
+                            <p:childTnLst>
+                              <p:par>
+                                <p:cTn id="54" presetID="22" presetClass="entr" presetSubtype="1" fill="hold" nodeType="clickEffect">
+                                  <p:stCondLst>
+                                    <p:cond delay="0"/>
+                                  </p:stCondLst>
+                                  <p:childTnLst>
+                                    <p:set>
+                                      <p:cBhvr>
+                                        <p:cTn id="55" dur="1" fill="hold">
+                                          <p:stCondLst>
+                                            <p:cond delay="0"/>
+                                          </p:stCondLst>
+                                        </p:cTn>
+                                        <p:tgtEl>
+                                          <p:spTgt spid="63"/>
+                                        </p:tgtEl>
+                                        <p:attrNameLst>
+                                          <p:attrName>style.visibility</p:attrName>
+                                        </p:attrNameLst>
+                                      </p:cBhvr>
+                                      <p:to>
+                                        <p:strVal val="visible"/>
+                                      </p:to>
+                                    </p:set>
+                                    <p:animEffect transition="in" filter="wipe(up)">
+                                      <p:cBhvr>
+                                        <p:cTn id="56" dur="500"/>
+                                        <p:tgtEl>
+                                          <p:spTgt spid="63"/>
+                                        </p:tgtEl>
+                                      </p:cBhvr>
+                                    </p:animEffect>
+                                  </p:childTnLst>
+                                </p:cTn>
+                              </p:par>
+                              <p:par>
+                                <p:cTn id="57" presetID="22" presetClass="entr" presetSubtype="4" fill="hold" nodeType="withEffect">
+                                  <p:stCondLst>
+                                    <p:cond delay="0"/>
+                                  </p:stCondLst>
+                                  <p:childTnLst>
+                                    <p:set>
+                                      <p:cBhvr>
+                                        <p:cTn id="58" dur="1" fill="hold">
+                                          <p:stCondLst>
+                                            <p:cond delay="0"/>
+                                          </p:stCondLst>
+                                        </p:cTn>
+                                        <p:tgtEl>
+                                          <p:spTgt spid="58"/>
+                                        </p:tgtEl>
+                                        <p:attrNameLst>
+                                          <p:attrName>style.visibility</p:attrName>
+                                        </p:attrNameLst>
+                                      </p:cBhvr>
+                                      <p:to>
+                                        <p:strVal val="visible"/>
+                                      </p:to>
+                                    </p:set>
+                                    <p:animEffect transition="in" filter="wipe(down)">
+                                      <p:cBhvr>
+                                        <p:cTn id="59" dur="500"/>
+                                        <p:tgtEl>
+                                          <p:spTgt spid="58"/>
+                                        </p:tgtEl>
+                                      </p:cBhvr>
+                                    </p:animEffect>
+                                  </p:childTnLst>
+                                </p:cTn>
+                              </p:par>
+                            </p:childTnLst>
+                          </p:cTn>
+                        </p:par>
+                        <p:par>
+                          <p:cTn id="60" fill="hold">
+                            <p:stCondLst>
+                              <p:cond delay="500"/>
+                            </p:stCondLst>
+                            <p:childTnLst>
+                              <p:par>
+                                <p:cTn id="61" presetID="10" presetClass="entr" presetSubtype="0" fill="hold" grpId="0" nodeType="afterEffect">
+                                  <p:stCondLst>
+                                    <p:cond delay="0"/>
+                                  </p:stCondLst>
+                                  <p:childTnLst>
+                                    <p:set>
+                                      <p:cBhvr>
+                                        <p:cTn id="62" dur="1" fill="hold">
+                                          <p:stCondLst>
+                                            <p:cond delay="0"/>
+                                          </p:stCondLst>
+                                        </p:cTn>
+                                        <p:tgtEl>
+                                          <p:spTgt spid="57"/>
+                                        </p:tgtEl>
+                                        <p:attrNameLst>
+                                          <p:attrName>style.visibility</p:attrName>
+                                        </p:attrNameLst>
+                                      </p:cBhvr>
+                                      <p:to>
+                                        <p:strVal val="visible"/>
+                                      </p:to>
+                                    </p:set>
+                                    <p:animEffect transition="in" filter="fade">
+                                      <p:cBhvr>
+                                        <p:cTn id="63" dur="500"/>
+                                        <p:tgtEl>
+                                          <p:spTgt spid="57"/>
+                                        </p:tgtEl>
+                                      </p:cBhvr>
+                                    </p:animEffect>
+                                  </p:childTnLst>
+                                </p:cTn>
+                              </p:par>
+                            </p:childTnLst>
+                          </p:cTn>
+                        </p:par>
+                      </p:childTnLst>
+                    </p:cTn>
+                  </p:par>
+                </p:childTnLst>
+              </p:cTn>
+              <p:prevCondLst>
+                <p:cond evt="onPrev" delay="0">
+                  <p:tgtEl>
+                    <p:sldTgt/>
+                  </p:tgtEl>
+                </p:cond>
+              </p:prevCondLst>
+              <p:nextCondLst>
+                <p:cond evt="onNext" delay="0">
+                  <p:tgtEl>
+                    <p:sldTgt/>
+                  </p:tgtEl>
+                </p:cond>
+              </p:nextCondLst>
+            </p:seq>
+          </p:childTnLst>
+        </p:cTn>
+      </p:par>
+    </p:tnLst>
+    <p:bldLst>
+      <p:bldP spid="13" grpId="0" animBg="1"/>
+      <p:bldP spid="14" grpId="0" animBg="1"/>
+      <p:bldP spid="17" grpId="0" animBg="1"/>
+      <p:bldP spid="20" grpId="0" animBg="1"/>
+      <p:bldP spid="21" grpId="0" animBg="1"/>
+      <p:bldP spid="33" grpId="0" animBg="1"/>
+      <p:bldP spid="34" grpId="0" animBg="1"/>
+      <p:bldP spid="35" grpId="0" animBg="1"/>
+      <p:bldP spid="57" grpId="0" animBg="1"/>
+    </p:bldLst>
+  </p:timing>
 </p:sld>
 </file>
 
-<file path=ppt/slides/slide3.xml><?xml version="1.0" encoding="utf-8"?>
+<file path=ppt/slides/slide4.xml><?xml version="1.0" encoding="utf-8"?>
 <p:sld xmlns:a="http://schemas.openxmlformats.org/drawingml/2006/main" xmlns:r="http://schemas.openxmlformats.org/officeDocument/2006/relationships" xmlns:p="http://schemas.openxmlformats.org/presentationml/2006/main">
   <p:cSld>
     <p:bg>
@@ -6311,7 +7992,7 @@
 </p:sld>
 </file>
 
-<file path=ppt/slides/slide4.xml><?xml version="1.0" encoding="utf-8"?>
+<file path=ppt/slides/slide5.xml><?xml version="1.0" encoding="utf-8"?>
 <p:sld xmlns:a="http://schemas.openxmlformats.org/drawingml/2006/main" xmlns:r="http://schemas.openxmlformats.org/officeDocument/2006/relationships" xmlns:p="http://schemas.openxmlformats.org/presentationml/2006/main">
   <p:cSld>
     <p:bg>
@@ -7107,7 +8788,1911 @@
 </p:sld>
 </file>
 
-<file path=ppt/slides/slide5.xml><?xml version="1.0" encoding="utf-8"?>
+<file path=ppt/slides/slide6.xml><?xml version="1.0" encoding="utf-8"?>
+<p:sld xmlns:a="http://schemas.openxmlformats.org/drawingml/2006/main" xmlns:r="http://schemas.openxmlformats.org/officeDocument/2006/relationships" xmlns:p="http://schemas.openxmlformats.org/presentationml/2006/main">
+  <p:cSld>
+    <p:bg>
+      <p:bgPr>
+        <a:solidFill>
+          <a:schemeClr val="accent6"/>
+        </a:solidFill>
+        <a:effectLst/>
+      </p:bgPr>
+    </p:bg>
+    <p:spTree>
+      <p:nvGrpSpPr>
+        <p:cNvPr id="1" name=""/>
+        <p:cNvGrpSpPr/>
+        <p:nvPr/>
+      </p:nvGrpSpPr>
+      <p:grpSpPr>
+        <a:xfrm>
+          <a:off x="0" y="0"/>
+          <a:ext cx="0" cy="0"/>
+          <a:chOff x="0" y="0"/>
+          <a:chExt cx="0" cy="0"/>
+        </a:xfrm>
+      </p:grpSpPr>
+      <p:sp>
+        <p:nvSpPr>
+          <p:cNvPr id="51" name="Rectangle 50">
+            <a:extLst>
+              <a:ext uri="{FF2B5EF4-FFF2-40B4-BE49-F238E27FC236}">
+                <a16:creationId xmlns:a16="http://schemas.microsoft.com/office/drawing/2014/main" id="{CEFA6BDC-429D-4B93-E5B4-EA63C1B8B532}"/>
+              </a:ext>
+            </a:extLst>
+          </p:cNvPr>
+          <p:cNvSpPr/>
+          <p:nvPr/>
+        </p:nvSpPr>
+        <p:spPr>
+          <a:xfrm>
+            <a:off x="0" y="6480730"/>
+            <a:ext cx="11817600" cy="377270"/>
+          </a:xfrm>
+          <a:prstGeom prst="rect">
+            <a:avLst/>
+          </a:prstGeom>
+          <a:solidFill>
+            <a:schemeClr val="accent4"/>
+          </a:solidFill>
+          <a:ln>
+            <a:noFill/>
+          </a:ln>
+        </p:spPr>
+        <p:style>
+          <a:lnRef idx="2">
+            <a:schemeClr val="accent1">
+              <a:shade val="15000"/>
+            </a:schemeClr>
+          </a:lnRef>
+          <a:fillRef idx="1">
+            <a:schemeClr val="accent1"/>
+          </a:fillRef>
+          <a:effectRef idx="0">
+            <a:schemeClr val="accent1"/>
+          </a:effectRef>
+          <a:fontRef idx="minor">
+            <a:schemeClr val="lt1"/>
+          </a:fontRef>
+        </p:style>
+        <p:txBody>
+          <a:bodyPr rtlCol="0" anchor="ctr"/>
+          <a:lstStyle/>
+          <a:p>
+            <a:pPr algn="ctr"/>
+            <a:endParaRPr lang="en-US" sz="1200" b="1" dirty="0">
+              <a:solidFill>
+                <a:schemeClr val="tx1"/>
+              </a:solidFill>
+            </a:endParaRPr>
+          </a:p>
+        </p:txBody>
+      </p:sp>
+      <p:sp>
+        <p:nvSpPr>
+          <p:cNvPr id="3" name="Title 2">
+            <a:extLst>
+              <a:ext uri="{FF2B5EF4-FFF2-40B4-BE49-F238E27FC236}">
+                <a16:creationId xmlns:a16="http://schemas.microsoft.com/office/drawing/2014/main" id="{2CA8D627-D357-06DE-6C0A-CCD196C7327B}"/>
+              </a:ext>
+            </a:extLst>
+          </p:cNvPr>
+          <p:cNvSpPr>
+            <a:spLocks noGrp="1"/>
+          </p:cNvSpPr>
+          <p:nvPr>
+            <p:ph type="title"/>
+          </p:nvPr>
+        </p:nvSpPr>
+        <p:spPr/>
+        <p:txBody>
+          <a:bodyPr>
+            <a:normAutofit/>
+          </a:bodyPr>
+          <a:lstStyle/>
+          <a:p>
+            <a:pPr algn="ctr"/>
+            <a:r>
+              <a:rPr lang="en-US" sz="5400" b="1" dirty="0">
+                <a:solidFill>
+                  <a:schemeClr val="accent4"/>
+                </a:solidFill>
+              </a:rPr>
+              <a:t>Simple</a:t>
+            </a:r>
+            <a:r>
+              <a:rPr lang="en-US" sz="5400" b="1" dirty="0">
+                <a:solidFill>
+                  <a:schemeClr val="accent1"/>
+                </a:solidFill>
+              </a:rPr>
+              <a:t>, </a:t>
+            </a:r>
+            <a:r>
+              <a:rPr lang="en-US" sz="5400" b="1" dirty="0">
+                <a:solidFill>
+                  <a:schemeClr val="accent4"/>
+                </a:solidFill>
+              </a:rPr>
+              <a:t>Mature</a:t>
+            </a:r>
+            <a:r>
+              <a:rPr lang="en-US" sz="5400" b="1" dirty="0">
+                <a:solidFill>
+                  <a:schemeClr val="accent1"/>
+                </a:solidFill>
+              </a:rPr>
+              <a:t>, and </a:t>
+            </a:r>
+            <a:r>
+              <a:rPr lang="en-US" sz="5400" b="1" dirty="0">
+                <a:solidFill>
+                  <a:schemeClr val="accent4"/>
+                </a:solidFill>
+              </a:rPr>
+              <a:t>Universal</a:t>
+            </a:r>
+          </a:p>
+        </p:txBody>
+      </p:sp>
+      <p:sp>
+        <p:nvSpPr>
+          <p:cNvPr id="4" name="Rounded Rectangle 3">
+            <a:extLst>
+              <a:ext uri="{FF2B5EF4-FFF2-40B4-BE49-F238E27FC236}">
+                <a16:creationId xmlns:a16="http://schemas.microsoft.com/office/drawing/2014/main" id="{8418A97F-52AE-707E-858F-872303CFEE68}"/>
+              </a:ext>
+            </a:extLst>
+          </p:cNvPr>
+          <p:cNvSpPr/>
+          <p:nvPr/>
+        </p:nvSpPr>
+        <p:spPr>
+          <a:xfrm>
+            <a:off x="5193195" y="2333345"/>
+            <a:ext cx="1805608" cy="775253"/>
+          </a:xfrm>
+          <a:prstGeom prst="roundRect">
+            <a:avLst/>
+          </a:prstGeom>
+          <a:ln>
+            <a:noFill/>
+          </a:ln>
+        </p:spPr>
+        <p:style>
+          <a:lnRef idx="2">
+            <a:schemeClr val="accent1">
+              <a:shade val="15000"/>
+            </a:schemeClr>
+          </a:lnRef>
+          <a:fillRef idx="1">
+            <a:schemeClr val="accent1"/>
+          </a:fillRef>
+          <a:effectRef idx="0">
+            <a:schemeClr val="accent1"/>
+          </a:effectRef>
+          <a:fontRef idx="minor">
+            <a:schemeClr val="lt1"/>
+          </a:fontRef>
+        </p:style>
+        <p:txBody>
+          <a:bodyPr rtlCol="0" anchor="ctr"/>
+          <a:lstStyle/>
+          <a:p>
+            <a:pPr algn="ctr"/>
+            <a:r>
+              <a:rPr lang="en-US" b="1" dirty="0"/>
+              <a:t>Raspberry Pi</a:t>
+            </a:r>
+          </a:p>
+        </p:txBody>
+      </p:sp>
+      <p:sp>
+        <p:nvSpPr>
+          <p:cNvPr id="5" name="Rounded Rectangle 4">
+            <a:extLst>
+              <a:ext uri="{FF2B5EF4-FFF2-40B4-BE49-F238E27FC236}">
+                <a16:creationId xmlns:a16="http://schemas.microsoft.com/office/drawing/2014/main" id="{631B08D3-B123-6C21-0520-B5991592E50B}"/>
+              </a:ext>
+            </a:extLst>
+          </p:cNvPr>
+          <p:cNvSpPr/>
+          <p:nvPr/>
+        </p:nvSpPr>
+        <p:spPr>
+          <a:xfrm>
+            <a:off x="5193195" y="3381915"/>
+            <a:ext cx="1805609" cy="775253"/>
+          </a:xfrm>
+          <a:prstGeom prst="roundRect">
+            <a:avLst/>
+          </a:prstGeom>
+          <a:ln>
+            <a:noFill/>
+          </a:ln>
+        </p:spPr>
+        <p:style>
+          <a:lnRef idx="2">
+            <a:schemeClr val="accent1">
+              <a:shade val="15000"/>
+            </a:schemeClr>
+          </a:lnRef>
+          <a:fillRef idx="1">
+            <a:schemeClr val="accent1"/>
+          </a:fillRef>
+          <a:effectRef idx="0">
+            <a:schemeClr val="accent1"/>
+          </a:effectRef>
+          <a:fontRef idx="minor">
+            <a:schemeClr val="lt1"/>
+          </a:fontRef>
+        </p:style>
+        <p:txBody>
+          <a:bodyPr rtlCol="0" anchor="ctr"/>
+          <a:lstStyle/>
+          <a:p>
+            <a:pPr algn="ctr"/>
+            <a:r>
+              <a:rPr lang="en-US" b="1" dirty="0"/>
+              <a:t>NVIDIA Jetson</a:t>
+            </a:r>
+          </a:p>
+        </p:txBody>
+      </p:sp>
+      <p:sp>
+        <p:nvSpPr>
+          <p:cNvPr id="6" name="Rounded Rectangle 5">
+            <a:extLst>
+              <a:ext uri="{FF2B5EF4-FFF2-40B4-BE49-F238E27FC236}">
+                <a16:creationId xmlns:a16="http://schemas.microsoft.com/office/drawing/2014/main" id="{A9A968CE-1B95-21E4-140D-AE6A369B115E}"/>
+              </a:ext>
+            </a:extLst>
+          </p:cNvPr>
+          <p:cNvSpPr/>
+          <p:nvPr/>
+        </p:nvSpPr>
+        <p:spPr>
+          <a:xfrm>
+            <a:off x="4903304" y="2060020"/>
+            <a:ext cx="2385391" cy="3419060"/>
+          </a:xfrm>
+          <a:prstGeom prst="roundRect">
+            <a:avLst/>
+          </a:prstGeom>
+          <a:noFill/>
+          <a:ln w="38100">
+            <a:solidFill>
+              <a:schemeClr val="accent1"/>
+            </a:solidFill>
+          </a:ln>
+        </p:spPr>
+        <p:style>
+          <a:lnRef idx="2">
+            <a:schemeClr val="accent1">
+              <a:shade val="15000"/>
+            </a:schemeClr>
+          </a:lnRef>
+          <a:fillRef idx="1">
+            <a:schemeClr val="accent1"/>
+          </a:fillRef>
+          <a:effectRef idx="0">
+            <a:schemeClr val="accent1"/>
+          </a:effectRef>
+          <a:fontRef idx="minor">
+            <a:schemeClr val="lt1"/>
+          </a:fontRef>
+        </p:style>
+        <p:txBody>
+          <a:bodyPr rtlCol="0" anchor="ctr"/>
+          <a:lstStyle/>
+          <a:p>
+            <a:pPr algn="ctr"/>
+            <a:endParaRPr lang="en-US"/>
+          </a:p>
+        </p:txBody>
+      </p:sp>
+      <p:sp>
+        <p:nvSpPr>
+          <p:cNvPr id="7" name="TextBox 6">
+            <a:extLst>
+              <a:ext uri="{FF2B5EF4-FFF2-40B4-BE49-F238E27FC236}">
+                <a16:creationId xmlns:a16="http://schemas.microsoft.com/office/drawing/2014/main" id="{74FB6C89-4894-66F0-6581-098F08A80046}"/>
+              </a:ext>
+            </a:extLst>
+          </p:cNvPr>
+          <p:cNvSpPr txBox="1"/>
+          <p:nvPr/>
+        </p:nvSpPr>
+        <p:spPr>
+          <a:xfrm>
+            <a:off x="4898818" y="1690688"/>
+            <a:ext cx="2394373" cy="369332"/>
+          </a:xfrm>
+          <a:prstGeom prst="rect">
+            <a:avLst/>
+          </a:prstGeom>
+          <a:noFill/>
+        </p:spPr>
+        <p:txBody>
+          <a:bodyPr wrap="none" rtlCol="0">
+            <a:spAutoFit/>
+          </a:bodyPr>
+          <a:lstStyle/>
+          <a:p>
+            <a:pPr algn="ctr"/>
+            <a:r>
+              <a:rPr lang="en-US" altLang="zh-CN" b="1" dirty="0">
+                <a:solidFill>
+                  <a:schemeClr val="accent1"/>
+                </a:solidFill>
+              </a:rPr>
+              <a:t>Single-board Computer</a:t>
+            </a:r>
+            <a:endParaRPr lang="en-US" b="1" dirty="0">
+              <a:solidFill>
+                <a:schemeClr val="accent1"/>
+              </a:solidFill>
+            </a:endParaRPr>
+          </a:p>
+        </p:txBody>
+      </p:sp>
+      <p:sp>
+        <p:nvSpPr>
+          <p:cNvPr id="8" name="Rounded Rectangle 7">
+            <a:extLst>
+              <a:ext uri="{FF2B5EF4-FFF2-40B4-BE49-F238E27FC236}">
+                <a16:creationId xmlns:a16="http://schemas.microsoft.com/office/drawing/2014/main" id="{B68CD3A0-614D-3B04-C968-3662A79DFC77}"/>
+              </a:ext>
+            </a:extLst>
+          </p:cNvPr>
+          <p:cNvSpPr/>
+          <p:nvPr/>
+        </p:nvSpPr>
+        <p:spPr>
+          <a:xfrm>
+            <a:off x="5193195" y="4430502"/>
+            <a:ext cx="1805609" cy="775253"/>
+          </a:xfrm>
+          <a:prstGeom prst="roundRect">
+            <a:avLst/>
+          </a:prstGeom>
+          <a:ln>
+            <a:noFill/>
+          </a:ln>
+        </p:spPr>
+        <p:style>
+          <a:lnRef idx="2">
+            <a:schemeClr val="accent1">
+              <a:shade val="15000"/>
+            </a:schemeClr>
+          </a:lnRef>
+          <a:fillRef idx="1">
+            <a:schemeClr val="accent1"/>
+          </a:fillRef>
+          <a:effectRef idx="0">
+            <a:schemeClr val="accent1"/>
+          </a:effectRef>
+          <a:fontRef idx="minor">
+            <a:schemeClr val="lt1"/>
+          </a:fontRef>
+        </p:style>
+        <p:txBody>
+          <a:bodyPr rtlCol="0" anchor="ctr"/>
+          <a:lstStyle/>
+          <a:p>
+            <a:pPr algn="ctr"/>
+            <a:r>
+              <a:rPr lang="en-US" b="1" dirty="0"/>
+              <a:t>…</a:t>
+            </a:r>
+          </a:p>
+        </p:txBody>
+      </p:sp>
+      <p:sp>
+        <p:nvSpPr>
+          <p:cNvPr id="15" name="Rounded Rectangle 14">
+            <a:extLst>
+              <a:ext uri="{FF2B5EF4-FFF2-40B4-BE49-F238E27FC236}">
+                <a16:creationId xmlns:a16="http://schemas.microsoft.com/office/drawing/2014/main" id="{9545EF9E-DF28-BE4F-A796-BE668A84B952}"/>
+              </a:ext>
+            </a:extLst>
+          </p:cNvPr>
+          <p:cNvSpPr/>
+          <p:nvPr/>
+        </p:nvSpPr>
+        <p:spPr>
+          <a:xfrm>
+            <a:off x="2133649" y="2333345"/>
+            <a:ext cx="1805608" cy="775253"/>
+          </a:xfrm>
+          <a:prstGeom prst="roundRect">
+            <a:avLst/>
+          </a:prstGeom>
+          <a:ln>
+            <a:noFill/>
+          </a:ln>
+        </p:spPr>
+        <p:style>
+          <a:lnRef idx="2">
+            <a:schemeClr val="accent1">
+              <a:shade val="15000"/>
+            </a:schemeClr>
+          </a:lnRef>
+          <a:fillRef idx="1">
+            <a:schemeClr val="accent1"/>
+          </a:fillRef>
+          <a:effectRef idx="0">
+            <a:schemeClr val="accent1"/>
+          </a:effectRef>
+          <a:fontRef idx="minor">
+            <a:schemeClr val="lt1"/>
+          </a:fontRef>
+        </p:style>
+        <p:txBody>
+          <a:bodyPr rtlCol="0" anchor="ctr"/>
+          <a:lstStyle/>
+          <a:p>
+            <a:pPr algn="ctr"/>
+            <a:r>
+              <a:rPr lang="en-US" b="1" dirty="0"/>
+              <a:t>Arduino</a:t>
+            </a:r>
+          </a:p>
+        </p:txBody>
+      </p:sp>
+      <p:sp>
+        <p:nvSpPr>
+          <p:cNvPr id="16" name="Rounded Rectangle 15">
+            <a:extLst>
+              <a:ext uri="{FF2B5EF4-FFF2-40B4-BE49-F238E27FC236}">
+                <a16:creationId xmlns:a16="http://schemas.microsoft.com/office/drawing/2014/main" id="{2EFA3304-C938-208C-16CB-D977944BB4D3}"/>
+              </a:ext>
+            </a:extLst>
+          </p:cNvPr>
+          <p:cNvSpPr/>
+          <p:nvPr/>
+        </p:nvSpPr>
+        <p:spPr>
+          <a:xfrm>
+            <a:off x="2133649" y="3381924"/>
+            <a:ext cx="1805609" cy="775253"/>
+          </a:xfrm>
+          <a:prstGeom prst="roundRect">
+            <a:avLst/>
+          </a:prstGeom>
+          <a:ln>
+            <a:noFill/>
+          </a:ln>
+        </p:spPr>
+        <p:style>
+          <a:lnRef idx="2">
+            <a:schemeClr val="accent1">
+              <a:shade val="15000"/>
+            </a:schemeClr>
+          </a:lnRef>
+          <a:fillRef idx="1">
+            <a:schemeClr val="accent1"/>
+          </a:fillRef>
+          <a:effectRef idx="0">
+            <a:schemeClr val="accent1"/>
+          </a:effectRef>
+          <a:fontRef idx="minor">
+            <a:schemeClr val="lt1"/>
+          </a:fontRef>
+        </p:style>
+        <p:txBody>
+          <a:bodyPr rtlCol="0" anchor="ctr"/>
+          <a:lstStyle/>
+          <a:p>
+            <a:pPr algn="ctr"/>
+            <a:r>
+              <a:rPr lang="en-US" b="1" dirty="0"/>
+              <a:t>STM32</a:t>
+            </a:r>
+          </a:p>
+        </p:txBody>
+      </p:sp>
+      <p:sp>
+        <p:nvSpPr>
+          <p:cNvPr id="17" name="Rounded Rectangle 16">
+            <a:extLst>
+              <a:ext uri="{FF2B5EF4-FFF2-40B4-BE49-F238E27FC236}">
+                <a16:creationId xmlns:a16="http://schemas.microsoft.com/office/drawing/2014/main" id="{056AC579-ECB0-4EC1-5258-125DB63908D9}"/>
+              </a:ext>
+            </a:extLst>
+          </p:cNvPr>
+          <p:cNvSpPr/>
+          <p:nvPr/>
+        </p:nvSpPr>
+        <p:spPr>
+          <a:xfrm>
+            <a:off x="1843758" y="2060020"/>
+            <a:ext cx="2385391" cy="3419060"/>
+          </a:xfrm>
+          <a:prstGeom prst="roundRect">
+            <a:avLst/>
+          </a:prstGeom>
+          <a:noFill/>
+          <a:ln w="38100">
+            <a:solidFill>
+              <a:schemeClr val="accent1"/>
+            </a:solidFill>
+          </a:ln>
+        </p:spPr>
+        <p:style>
+          <a:lnRef idx="2">
+            <a:schemeClr val="accent1">
+              <a:shade val="15000"/>
+            </a:schemeClr>
+          </a:lnRef>
+          <a:fillRef idx="1">
+            <a:schemeClr val="accent1"/>
+          </a:fillRef>
+          <a:effectRef idx="0">
+            <a:schemeClr val="accent1"/>
+          </a:effectRef>
+          <a:fontRef idx="minor">
+            <a:schemeClr val="lt1"/>
+          </a:fontRef>
+        </p:style>
+        <p:txBody>
+          <a:bodyPr rtlCol="0" anchor="ctr"/>
+          <a:lstStyle/>
+          <a:p>
+            <a:pPr algn="ctr"/>
+            <a:endParaRPr lang="en-US"/>
+          </a:p>
+        </p:txBody>
+      </p:sp>
+      <p:sp>
+        <p:nvSpPr>
+          <p:cNvPr id="18" name="TextBox 17">
+            <a:extLst>
+              <a:ext uri="{FF2B5EF4-FFF2-40B4-BE49-F238E27FC236}">
+                <a16:creationId xmlns:a16="http://schemas.microsoft.com/office/drawing/2014/main" id="{2A6176B4-C1A6-74AB-EFCE-5BEEB423F0D9}"/>
+              </a:ext>
+            </a:extLst>
+          </p:cNvPr>
+          <p:cNvSpPr txBox="1"/>
+          <p:nvPr/>
+        </p:nvSpPr>
+        <p:spPr>
+          <a:xfrm>
+            <a:off x="1968341" y="1690688"/>
+            <a:ext cx="2136226" cy="369332"/>
+          </a:xfrm>
+          <a:prstGeom prst="rect">
+            <a:avLst/>
+          </a:prstGeom>
+          <a:noFill/>
+        </p:spPr>
+        <p:txBody>
+          <a:bodyPr wrap="none" rtlCol="0">
+            <a:spAutoFit/>
+          </a:bodyPr>
+          <a:lstStyle/>
+          <a:p>
+            <a:pPr algn="ctr"/>
+            <a:r>
+              <a:rPr lang="en-CA" b="1" dirty="0">
+                <a:solidFill>
+                  <a:schemeClr val="accent1"/>
+                </a:solidFill>
+              </a:rPr>
+              <a:t>Microcontroller Unit</a:t>
+            </a:r>
+            <a:endParaRPr lang="en-US" b="1" dirty="0">
+              <a:solidFill>
+                <a:schemeClr val="accent1"/>
+              </a:solidFill>
+            </a:endParaRPr>
+          </a:p>
+        </p:txBody>
+      </p:sp>
+      <p:sp>
+        <p:nvSpPr>
+          <p:cNvPr id="19" name="Rounded Rectangle 18">
+            <a:extLst>
+              <a:ext uri="{FF2B5EF4-FFF2-40B4-BE49-F238E27FC236}">
+                <a16:creationId xmlns:a16="http://schemas.microsoft.com/office/drawing/2014/main" id="{EDABDA4E-A792-1D9F-9111-03F5E822DC31}"/>
+              </a:ext>
+            </a:extLst>
+          </p:cNvPr>
+          <p:cNvSpPr/>
+          <p:nvPr/>
+        </p:nvSpPr>
+        <p:spPr>
+          <a:xfrm>
+            <a:off x="2133649" y="4430502"/>
+            <a:ext cx="1805609" cy="775253"/>
+          </a:xfrm>
+          <a:prstGeom prst="roundRect">
+            <a:avLst/>
+          </a:prstGeom>
+          <a:ln>
+            <a:noFill/>
+          </a:ln>
+        </p:spPr>
+        <p:style>
+          <a:lnRef idx="2">
+            <a:schemeClr val="accent1">
+              <a:shade val="15000"/>
+            </a:schemeClr>
+          </a:lnRef>
+          <a:fillRef idx="1">
+            <a:schemeClr val="accent1"/>
+          </a:fillRef>
+          <a:effectRef idx="0">
+            <a:schemeClr val="accent1"/>
+          </a:effectRef>
+          <a:fontRef idx="minor">
+            <a:schemeClr val="lt1"/>
+          </a:fontRef>
+        </p:style>
+        <p:txBody>
+          <a:bodyPr rtlCol="0" anchor="ctr"/>
+          <a:lstStyle/>
+          <a:p>
+            <a:pPr algn="ctr"/>
+            <a:r>
+              <a:rPr lang="en-US" b="1" dirty="0"/>
+              <a:t>…</a:t>
+            </a:r>
+          </a:p>
+        </p:txBody>
+      </p:sp>
+      <p:sp>
+        <p:nvSpPr>
+          <p:cNvPr id="20" name="Rounded Rectangle 19">
+            <a:extLst>
+              <a:ext uri="{FF2B5EF4-FFF2-40B4-BE49-F238E27FC236}">
+                <a16:creationId xmlns:a16="http://schemas.microsoft.com/office/drawing/2014/main" id="{9582A629-10B5-79F2-69BE-FDC12BD0BE68}"/>
+              </a:ext>
+            </a:extLst>
+          </p:cNvPr>
+          <p:cNvSpPr/>
+          <p:nvPr/>
+        </p:nvSpPr>
+        <p:spPr>
+          <a:xfrm>
+            <a:off x="8252742" y="2333345"/>
+            <a:ext cx="1805608" cy="775253"/>
+          </a:xfrm>
+          <a:prstGeom prst="roundRect">
+            <a:avLst/>
+          </a:prstGeom>
+          <a:ln>
+            <a:noFill/>
+          </a:ln>
+        </p:spPr>
+        <p:style>
+          <a:lnRef idx="2">
+            <a:schemeClr val="accent1">
+              <a:shade val="15000"/>
+            </a:schemeClr>
+          </a:lnRef>
+          <a:fillRef idx="1">
+            <a:schemeClr val="accent1"/>
+          </a:fillRef>
+          <a:effectRef idx="0">
+            <a:schemeClr val="accent1"/>
+          </a:effectRef>
+          <a:fontRef idx="minor">
+            <a:schemeClr val="lt1"/>
+          </a:fontRef>
+        </p:style>
+        <p:txBody>
+          <a:bodyPr rtlCol="0" anchor="ctr"/>
+          <a:lstStyle/>
+          <a:p>
+            <a:pPr algn="ctr"/>
+            <a:r>
+              <a:rPr lang="en-US" b="1" dirty="0"/>
+              <a:t>Workstation</a:t>
+            </a:r>
+          </a:p>
+        </p:txBody>
+      </p:sp>
+      <p:sp>
+        <p:nvSpPr>
+          <p:cNvPr id="21" name="Rounded Rectangle 20">
+            <a:extLst>
+              <a:ext uri="{FF2B5EF4-FFF2-40B4-BE49-F238E27FC236}">
+                <a16:creationId xmlns:a16="http://schemas.microsoft.com/office/drawing/2014/main" id="{F74B499D-054B-7FF4-814B-119B3E8FE484}"/>
+              </a:ext>
+            </a:extLst>
+          </p:cNvPr>
+          <p:cNvSpPr/>
+          <p:nvPr/>
+        </p:nvSpPr>
+        <p:spPr>
+          <a:xfrm>
+            <a:off x="8252741" y="3381910"/>
+            <a:ext cx="1805609" cy="775255"/>
+          </a:xfrm>
+          <a:prstGeom prst="roundRect">
+            <a:avLst/>
+          </a:prstGeom>
+          <a:ln>
+            <a:noFill/>
+          </a:ln>
+        </p:spPr>
+        <p:style>
+          <a:lnRef idx="2">
+            <a:schemeClr val="accent1">
+              <a:shade val="15000"/>
+            </a:schemeClr>
+          </a:lnRef>
+          <a:fillRef idx="1">
+            <a:schemeClr val="accent1"/>
+          </a:fillRef>
+          <a:effectRef idx="0">
+            <a:schemeClr val="accent1"/>
+          </a:effectRef>
+          <a:fontRef idx="minor">
+            <a:schemeClr val="lt1"/>
+          </a:fontRef>
+        </p:style>
+        <p:txBody>
+          <a:bodyPr rtlCol="0" anchor="ctr"/>
+          <a:lstStyle/>
+          <a:p>
+            <a:pPr algn="ctr"/>
+            <a:r>
+              <a:rPr lang="en-US" b="1" dirty="0"/>
+              <a:t>Cloud Server</a:t>
+            </a:r>
+          </a:p>
+        </p:txBody>
+      </p:sp>
+      <p:sp>
+        <p:nvSpPr>
+          <p:cNvPr id="22" name="Rounded Rectangle 21">
+            <a:extLst>
+              <a:ext uri="{FF2B5EF4-FFF2-40B4-BE49-F238E27FC236}">
+                <a16:creationId xmlns:a16="http://schemas.microsoft.com/office/drawing/2014/main" id="{C2ABAFDB-E2C2-65AA-39E5-0F76242D7E5B}"/>
+              </a:ext>
+            </a:extLst>
+          </p:cNvPr>
+          <p:cNvSpPr/>
+          <p:nvPr/>
+        </p:nvSpPr>
+        <p:spPr>
+          <a:xfrm>
+            <a:off x="7962851" y="2060020"/>
+            <a:ext cx="2385391" cy="3419060"/>
+          </a:xfrm>
+          <a:prstGeom prst="roundRect">
+            <a:avLst/>
+          </a:prstGeom>
+          <a:noFill/>
+          <a:ln w="38100">
+            <a:solidFill>
+              <a:schemeClr val="accent1"/>
+            </a:solidFill>
+          </a:ln>
+        </p:spPr>
+        <p:style>
+          <a:lnRef idx="2">
+            <a:schemeClr val="accent1">
+              <a:shade val="15000"/>
+            </a:schemeClr>
+          </a:lnRef>
+          <a:fillRef idx="1">
+            <a:schemeClr val="accent1"/>
+          </a:fillRef>
+          <a:effectRef idx="0">
+            <a:schemeClr val="accent1"/>
+          </a:effectRef>
+          <a:fontRef idx="minor">
+            <a:schemeClr val="lt1"/>
+          </a:fontRef>
+        </p:style>
+        <p:txBody>
+          <a:bodyPr rtlCol="0" anchor="ctr"/>
+          <a:lstStyle/>
+          <a:p>
+            <a:pPr algn="ctr"/>
+            <a:endParaRPr lang="en-US"/>
+          </a:p>
+        </p:txBody>
+      </p:sp>
+      <p:sp>
+        <p:nvSpPr>
+          <p:cNvPr id="23" name="TextBox 22">
+            <a:extLst>
+              <a:ext uri="{FF2B5EF4-FFF2-40B4-BE49-F238E27FC236}">
+                <a16:creationId xmlns:a16="http://schemas.microsoft.com/office/drawing/2014/main" id="{87476386-7235-8354-5A74-117E3D52126D}"/>
+              </a:ext>
+            </a:extLst>
+          </p:cNvPr>
+          <p:cNvSpPr txBox="1"/>
+          <p:nvPr/>
+        </p:nvSpPr>
+        <p:spPr>
+          <a:xfrm>
+            <a:off x="8127803" y="1690688"/>
+            <a:ext cx="2055499" cy="369332"/>
+          </a:xfrm>
+          <a:prstGeom prst="rect">
+            <a:avLst/>
+          </a:prstGeom>
+          <a:noFill/>
+        </p:spPr>
+        <p:txBody>
+          <a:bodyPr wrap="none" rtlCol="0">
+            <a:spAutoFit/>
+          </a:bodyPr>
+          <a:lstStyle/>
+          <a:p>
+            <a:pPr algn="ctr"/>
+            <a:r>
+              <a:rPr lang="en-US" b="1" dirty="0">
+                <a:solidFill>
+                  <a:schemeClr val="accent1"/>
+                </a:solidFill>
+              </a:rPr>
+              <a:t>Standard Computer</a:t>
+            </a:r>
+          </a:p>
+        </p:txBody>
+      </p:sp>
+      <p:sp>
+        <p:nvSpPr>
+          <p:cNvPr id="24" name="Rounded Rectangle 23">
+            <a:extLst>
+              <a:ext uri="{FF2B5EF4-FFF2-40B4-BE49-F238E27FC236}">
+                <a16:creationId xmlns:a16="http://schemas.microsoft.com/office/drawing/2014/main" id="{250A2C12-2473-A30B-C623-F283E2FCF062}"/>
+              </a:ext>
+            </a:extLst>
+          </p:cNvPr>
+          <p:cNvSpPr/>
+          <p:nvPr/>
+        </p:nvSpPr>
+        <p:spPr>
+          <a:xfrm>
+            <a:off x="8252742" y="4430502"/>
+            <a:ext cx="1805609" cy="775253"/>
+          </a:xfrm>
+          <a:prstGeom prst="roundRect">
+            <a:avLst/>
+          </a:prstGeom>
+          <a:ln>
+            <a:noFill/>
+          </a:ln>
+        </p:spPr>
+        <p:style>
+          <a:lnRef idx="2">
+            <a:schemeClr val="accent1">
+              <a:shade val="15000"/>
+            </a:schemeClr>
+          </a:lnRef>
+          <a:fillRef idx="1">
+            <a:schemeClr val="accent1"/>
+          </a:fillRef>
+          <a:effectRef idx="0">
+            <a:schemeClr val="accent1"/>
+          </a:effectRef>
+          <a:fontRef idx="minor">
+            <a:schemeClr val="lt1"/>
+          </a:fontRef>
+        </p:style>
+        <p:txBody>
+          <a:bodyPr rtlCol="0" anchor="ctr"/>
+          <a:lstStyle/>
+          <a:p>
+            <a:pPr algn="ctr"/>
+            <a:r>
+              <a:rPr lang="en-US" b="1" dirty="0"/>
+              <a:t>…</a:t>
+            </a:r>
+          </a:p>
+        </p:txBody>
+      </p:sp>
+      <p:pic>
+        <p:nvPicPr>
+          <p:cNvPr id="32" name="Graphic 31" descr="Gears with solid fill">
+            <a:extLst>
+              <a:ext uri="{FF2B5EF4-FFF2-40B4-BE49-F238E27FC236}">
+                <a16:creationId xmlns:a16="http://schemas.microsoft.com/office/drawing/2014/main" id="{F584A376-10C8-C8E4-00E9-DCD2BC4E97E1}"/>
+              </a:ext>
+            </a:extLst>
+          </p:cNvPr>
+          <p:cNvPicPr>
+            <a:picLocks noChangeAspect="1"/>
+          </p:cNvPicPr>
+          <p:nvPr/>
+        </p:nvPicPr>
+        <p:blipFill>
+          <a:blip r:embed="rId2">
+            <a:extLst>
+              <a:ext uri="{96DAC541-7B7A-43D3-8B79-37D633B846F1}">
+                <asvg:svgBlip xmlns:asvg="http://schemas.microsoft.com/office/drawing/2016/SVG/main" r:embed="rId3"/>
+              </a:ext>
+            </a:extLst>
+          </a:blip>
+          <a:stretch>
+            <a:fillRect/>
+          </a:stretch>
+        </p:blipFill>
+        <p:spPr>
+          <a:xfrm>
+            <a:off x="2676453" y="5479080"/>
+            <a:ext cx="720000" cy="720000"/>
+          </a:xfrm>
+          <a:prstGeom prst="rect">
+            <a:avLst/>
+          </a:prstGeom>
+        </p:spPr>
+      </p:pic>
+      <p:pic>
+        <p:nvPicPr>
+          <p:cNvPr id="34" name="Graphic 33" descr="Car Mechanic with solid fill">
+            <a:extLst>
+              <a:ext uri="{FF2B5EF4-FFF2-40B4-BE49-F238E27FC236}">
+                <a16:creationId xmlns:a16="http://schemas.microsoft.com/office/drawing/2014/main" id="{C9100814-98B3-6170-01F4-CC26FEF72B2C}"/>
+              </a:ext>
+            </a:extLst>
+          </p:cNvPr>
+          <p:cNvPicPr>
+            <a:picLocks noChangeAspect="1"/>
+          </p:cNvPicPr>
+          <p:nvPr/>
+        </p:nvPicPr>
+        <p:blipFill>
+          <a:blip r:embed="rId4">
+            <a:extLst>
+              <a:ext uri="{96DAC541-7B7A-43D3-8B79-37D633B846F1}">
+                <asvg:svgBlip xmlns:asvg="http://schemas.microsoft.com/office/drawing/2016/SVG/main" r:embed="rId5"/>
+              </a:ext>
+            </a:extLst>
+          </a:blip>
+          <a:stretch>
+            <a:fillRect/>
+          </a:stretch>
+        </p:blipFill>
+        <p:spPr>
+          <a:xfrm>
+            <a:off x="8795546" y="5479080"/>
+            <a:ext cx="720000" cy="720000"/>
+          </a:xfrm>
+          <a:prstGeom prst="rect">
+            <a:avLst/>
+          </a:prstGeom>
+        </p:spPr>
+      </p:pic>
+      <p:pic>
+        <p:nvPicPr>
+          <p:cNvPr id="36" name="Graphic 35" descr="Car with solid fill">
+            <a:extLst>
+              <a:ext uri="{FF2B5EF4-FFF2-40B4-BE49-F238E27FC236}">
+                <a16:creationId xmlns:a16="http://schemas.microsoft.com/office/drawing/2014/main" id="{353F86D6-AEEA-4469-6E79-F140AADB8529}"/>
+              </a:ext>
+            </a:extLst>
+          </p:cNvPr>
+          <p:cNvPicPr>
+            <a:picLocks noChangeAspect="1"/>
+          </p:cNvPicPr>
+          <p:nvPr/>
+        </p:nvPicPr>
+        <p:blipFill>
+          <a:blip r:embed="rId6">
+            <a:extLst>
+              <a:ext uri="{96DAC541-7B7A-43D3-8B79-37D633B846F1}">
+                <asvg:svgBlip xmlns:asvg="http://schemas.microsoft.com/office/drawing/2016/SVG/main" r:embed="rId7"/>
+              </a:ext>
+            </a:extLst>
+          </a:blip>
+          <a:stretch>
+            <a:fillRect/>
+          </a:stretch>
+        </p:blipFill>
+        <p:spPr>
+          <a:xfrm>
+            <a:off x="5735999" y="5479080"/>
+            <a:ext cx="720000" cy="720000"/>
+          </a:xfrm>
+          <a:prstGeom prst="rect">
+            <a:avLst/>
+          </a:prstGeom>
+        </p:spPr>
+      </p:pic>
+      <p:sp>
+        <p:nvSpPr>
+          <p:cNvPr id="39" name="TextBox 38">
+            <a:extLst>
+              <a:ext uri="{FF2B5EF4-FFF2-40B4-BE49-F238E27FC236}">
+                <a16:creationId xmlns:a16="http://schemas.microsoft.com/office/drawing/2014/main" id="{2A6F879C-73C1-FC0F-7482-EE350F60FB70}"/>
+              </a:ext>
+            </a:extLst>
+          </p:cNvPr>
+          <p:cNvSpPr txBox="1"/>
+          <p:nvPr/>
+        </p:nvSpPr>
+        <p:spPr>
+          <a:xfrm>
+            <a:off x="11374145" y="6530865"/>
+            <a:ext cx="443455" cy="276999"/>
+          </a:xfrm>
+          <a:prstGeom prst="rect">
+            <a:avLst/>
+          </a:prstGeom>
+          <a:noFill/>
+        </p:spPr>
+        <p:txBody>
+          <a:bodyPr wrap="none" rtlCol="0" anchor="ctr">
+            <a:spAutoFit/>
+          </a:bodyPr>
+          <a:lstStyle/>
+          <a:p>
+            <a:pPr algn="r"/>
+            <a:r>
+              <a:rPr lang="en-US" sz="1200" b="1" dirty="0"/>
+              <a:t>TOP</a:t>
+            </a:r>
+          </a:p>
+        </p:txBody>
+      </p:sp>
+      <p:sp>
+        <p:nvSpPr>
+          <p:cNvPr id="40" name="TextBox 39">
+            <a:extLst>
+              <a:ext uri="{FF2B5EF4-FFF2-40B4-BE49-F238E27FC236}">
+                <a16:creationId xmlns:a16="http://schemas.microsoft.com/office/drawing/2014/main" id="{32233F79-1278-9EF6-24C6-682B89BE1B62}"/>
+              </a:ext>
+            </a:extLst>
+          </p:cNvPr>
+          <p:cNvSpPr txBox="1"/>
+          <p:nvPr/>
+        </p:nvSpPr>
+        <p:spPr>
+          <a:xfrm>
+            <a:off x="0" y="6530865"/>
+            <a:ext cx="860349" cy="276999"/>
+          </a:xfrm>
+          <a:prstGeom prst="rect">
+            <a:avLst/>
+          </a:prstGeom>
+          <a:noFill/>
+        </p:spPr>
+        <p:txBody>
+          <a:bodyPr wrap="square" rtlCol="0" anchor="ctr">
+            <a:spAutoFit/>
+          </a:bodyPr>
+          <a:lstStyle/>
+          <a:p>
+            <a:r>
+              <a:rPr lang="en-US" sz="1200" b="1" dirty="0"/>
+              <a:t>BOTTOM</a:t>
+            </a:r>
+          </a:p>
+        </p:txBody>
+      </p:sp>
+      <p:sp>
+        <p:nvSpPr>
+          <p:cNvPr id="45" name="Rounded Rectangle 44">
+            <a:extLst>
+              <a:ext uri="{FF2B5EF4-FFF2-40B4-BE49-F238E27FC236}">
+                <a16:creationId xmlns:a16="http://schemas.microsoft.com/office/drawing/2014/main" id="{EBBAF350-018D-4E3D-05F1-15CAF555AEE9}"/>
+              </a:ext>
+            </a:extLst>
+          </p:cNvPr>
+          <p:cNvSpPr/>
+          <p:nvPr/>
+        </p:nvSpPr>
+        <p:spPr>
+          <a:xfrm>
+            <a:off x="2133649" y="2333344"/>
+            <a:ext cx="1805608" cy="775253"/>
+          </a:xfrm>
+          <a:prstGeom prst="roundRect">
+            <a:avLst/>
+          </a:prstGeom>
+          <a:ln>
+            <a:noFill/>
+          </a:ln>
+        </p:spPr>
+        <p:style>
+          <a:lnRef idx="2">
+            <a:schemeClr val="accent1">
+              <a:shade val="15000"/>
+            </a:schemeClr>
+          </a:lnRef>
+          <a:fillRef idx="1">
+            <a:schemeClr val="accent1"/>
+          </a:fillRef>
+          <a:effectRef idx="0">
+            <a:schemeClr val="accent1"/>
+          </a:effectRef>
+          <a:fontRef idx="minor">
+            <a:schemeClr val="lt1"/>
+          </a:fontRef>
+        </p:style>
+        <p:txBody>
+          <a:bodyPr rtlCol="0" anchor="ctr"/>
+          <a:lstStyle/>
+          <a:p>
+            <a:pPr algn="ctr"/>
+            <a:r>
+              <a:rPr lang="en-US" b="1" dirty="0"/>
+              <a:t>C / C++</a:t>
+            </a:r>
+          </a:p>
+        </p:txBody>
+      </p:sp>
+      <p:sp>
+        <p:nvSpPr>
+          <p:cNvPr id="46" name="Rounded Rectangle 45">
+            <a:extLst>
+              <a:ext uri="{FF2B5EF4-FFF2-40B4-BE49-F238E27FC236}">
+                <a16:creationId xmlns:a16="http://schemas.microsoft.com/office/drawing/2014/main" id="{8166FC5B-3BD0-EF2F-556D-98CD27C69D56}"/>
+              </a:ext>
+            </a:extLst>
+          </p:cNvPr>
+          <p:cNvSpPr/>
+          <p:nvPr/>
+        </p:nvSpPr>
+        <p:spPr>
+          <a:xfrm>
+            <a:off x="2133648" y="3381922"/>
+            <a:ext cx="1805609" cy="775252"/>
+          </a:xfrm>
+          <a:prstGeom prst="roundRect">
+            <a:avLst/>
+          </a:prstGeom>
+          <a:ln>
+            <a:noFill/>
+          </a:ln>
+        </p:spPr>
+        <p:style>
+          <a:lnRef idx="2">
+            <a:schemeClr val="accent1">
+              <a:shade val="15000"/>
+            </a:schemeClr>
+          </a:lnRef>
+          <a:fillRef idx="1">
+            <a:schemeClr val="accent1"/>
+          </a:fillRef>
+          <a:effectRef idx="0">
+            <a:schemeClr val="accent1"/>
+          </a:effectRef>
+          <a:fontRef idx="minor">
+            <a:schemeClr val="lt1"/>
+          </a:fontRef>
+        </p:style>
+        <p:txBody>
+          <a:bodyPr rtlCol="0" anchor="ctr"/>
+          <a:lstStyle/>
+          <a:p>
+            <a:pPr algn="ctr"/>
+            <a:r>
+              <a:rPr lang="en-US" b="1" dirty="0"/>
+              <a:t>Rust</a:t>
+            </a:r>
+          </a:p>
+        </p:txBody>
+      </p:sp>
+      <p:sp>
+        <p:nvSpPr>
+          <p:cNvPr id="47" name="Rounded Rectangle 46">
+            <a:extLst>
+              <a:ext uri="{FF2B5EF4-FFF2-40B4-BE49-F238E27FC236}">
+                <a16:creationId xmlns:a16="http://schemas.microsoft.com/office/drawing/2014/main" id="{A88B665B-BC23-4A54-0F44-900F52860E28}"/>
+              </a:ext>
+            </a:extLst>
+          </p:cNvPr>
+          <p:cNvSpPr/>
+          <p:nvPr/>
+        </p:nvSpPr>
+        <p:spPr>
+          <a:xfrm>
+            <a:off x="5193195" y="2333341"/>
+            <a:ext cx="1805608" cy="775253"/>
+          </a:xfrm>
+          <a:prstGeom prst="roundRect">
+            <a:avLst/>
+          </a:prstGeom>
+          <a:ln>
+            <a:noFill/>
+          </a:ln>
+        </p:spPr>
+        <p:style>
+          <a:lnRef idx="2">
+            <a:schemeClr val="accent1">
+              <a:shade val="15000"/>
+            </a:schemeClr>
+          </a:lnRef>
+          <a:fillRef idx="1">
+            <a:schemeClr val="accent1"/>
+          </a:fillRef>
+          <a:effectRef idx="0">
+            <a:schemeClr val="accent1"/>
+          </a:effectRef>
+          <a:fontRef idx="minor">
+            <a:schemeClr val="lt1"/>
+          </a:fontRef>
+        </p:style>
+        <p:txBody>
+          <a:bodyPr rtlCol="0" anchor="ctr"/>
+          <a:lstStyle/>
+          <a:p>
+            <a:pPr algn="ctr"/>
+            <a:r>
+              <a:rPr lang="en-US" b="1" dirty="0"/>
+              <a:t>Python</a:t>
+            </a:r>
+          </a:p>
+        </p:txBody>
+      </p:sp>
+      <p:sp>
+        <p:nvSpPr>
+          <p:cNvPr id="48" name="Rounded Rectangle 47">
+            <a:extLst>
+              <a:ext uri="{FF2B5EF4-FFF2-40B4-BE49-F238E27FC236}">
+                <a16:creationId xmlns:a16="http://schemas.microsoft.com/office/drawing/2014/main" id="{B6E08704-4159-62C3-A802-73D6F60CDDE9}"/>
+              </a:ext>
+            </a:extLst>
+          </p:cNvPr>
+          <p:cNvSpPr/>
+          <p:nvPr/>
+        </p:nvSpPr>
+        <p:spPr>
+          <a:xfrm>
+            <a:off x="5193194" y="3381910"/>
+            <a:ext cx="1805609" cy="775257"/>
+          </a:xfrm>
+          <a:prstGeom prst="roundRect">
+            <a:avLst/>
+          </a:prstGeom>
+          <a:ln>
+            <a:noFill/>
+          </a:ln>
+        </p:spPr>
+        <p:style>
+          <a:lnRef idx="2">
+            <a:schemeClr val="accent1">
+              <a:shade val="15000"/>
+            </a:schemeClr>
+          </a:lnRef>
+          <a:fillRef idx="1">
+            <a:schemeClr val="accent1"/>
+          </a:fillRef>
+          <a:effectRef idx="0">
+            <a:schemeClr val="accent1"/>
+          </a:effectRef>
+          <a:fontRef idx="minor">
+            <a:schemeClr val="lt1"/>
+          </a:fontRef>
+        </p:style>
+        <p:txBody>
+          <a:bodyPr rtlCol="0" anchor="ctr"/>
+          <a:lstStyle/>
+          <a:p>
+            <a:pPr algn="ctr"/>
+            <a:r>
+              <a:rPr lang="en-US" b="1" dirty="0"/>
+              <a:t>C / C++</a:t>
+            </a:r>
+          </a:p>
+        </p:txBody>
+      </p:sp>
+      <p:sp>
+        <p:nvSpPr>
+          <p:cNvPr id="49" name="Rounded Rectangle 48">
+            <a:extLst>
+              <a:ext uri="{FF2B5EF4-FFF2-40B4-BE49-F238E27FC236}">
+                <a16:creationId xmlns:a16="http://schemas.microsoft.com/office/drawing/2014/main" id="{B92FFE34-6B55-5A73-82D8-E7BEC820C391}"/>
+              </a:ext>
+            </a:extLst>
+          </p:cNvPr>
+          <p:cNvSpPr/>
+          <p:nvPr/>
+        </p:nvSpPr>
+        <p:spPr>
+          <a:xfrm>
+            <a:off x="8252741" y="2333342"/>
+            <a:ext cx="1805608" cy="775253"/>
+          </a:xfrm>
+          <a:prstGeom prst="roundRect">
+            <a:avLst/>
+          </a:prstGeom>
+          <a:ln>
+            <a:noFill/>
+          </a:ln>
+        </p:spPr>
+        <p:style>
+          <a:lnRef idx="2">
+            <a:schemeClr val="accent1">
+              <a:shade val="15000"/>
+            </a:schemeClr>
+          </a:lnRef>
+          <a:fillRef idx="1">
+            <a:schemeClr val="accent1"/>
+          </a:fillRef>
+          <a:effectRef idx="0">
+            <a:schemeClr val="accent1"/>
+          </a:effectRef>
+          <a:fontRef idx="minor">
+            <a:schemeClr val="lt1"/>
+          </a:fontRef>
+        </p:style>
+        <p:txBody>
+          <a:bodyPr rtlCol="0" anchor="ctr"/>
+          <a:lstStyle/>
+          <a:p>
+            <a:pPr algn="ctr"/>
+            <a:r>
+              <a:rPr lang="en-US" b="1" dirty="0"/>
+              <a:t>Python</a:t>
+            </a:r>
+          </a:p>
+        </p:txBody>
+      </p:sp>
+      <p:sp>
+        <p:nvSpPr>
+          <p:cNvPr id="50" name="Rounded Rectangle 49">
+            <a:extLst>
+              <a:ext uri="{FF2B5EF4-FFF2-40B4-BE49-F238E27FC236}">
+                <a16:creationId xmlns:a16="http://schemas.microsoft.com/office/drawing/2014/main" id="{153819A0-48F3-6391-711E-B93745D04468}"/>
+              </a:ext>
+            </a:extLst>
+          </p:cNvPr>
+          <p:cNvSpPr/>
+          <p:nvPr/>
+        </p:nvSpPr>
+        <p:spPr>
+          <a:xfrm>
+            <a:off x="8252741" y="3381905"/>
+            <a:ext cx="1805609" cy="775253"/>
+          </a:xfrm>
+          <a:prstGeom prst="roundRect">
+            <a:avLst/>
+          </a:prstGeom>
+          <a:ln>
+            <a:noFill/>
+          </a:ln>
+        </p:spPr>
+        <p:style>
+          <a:lnRef idx="2">
+            <a:schemeClr val="accent1">
+              <a:shade val="15000"/>
+            </a:schemeClr>
+          </a:lnRef>
+          <a:fillRef idx="1">
+            <a:schemeClr val="accent1"/>
+          </a:fillRef>
+          <a:effectRef idx="0">
+            <a:schemeClr val="accent1"/>
+          </a:effectRef>
+          <a:fontRef idx="minor">
+            <a:schemeClr val="lt1"/>
+          </a:fontRef>
+        </p:style>
+        <p:txBody>
+          <a:bodyPr rtlCol="0" anchor="ctr"/>
+          <a:lstStyle/>
+          <a:p>
+            <a:pPr algn="ctr"/>
+            <a:r>
+              <a:rPr lang="en-US" b="1" dirty="0"/>
+              <a:t>JavaScript</a:t>
+            </a:r>
+          </a:p>
+        </p:txBody>
+      </p:sp>
+      <p:sp>
+        <p:nvSpPr>
+          <p:cNvPr id="52" name="Right Triangle 51">
+            <a:extLst>
+              <a:ext uri="{FF2B5EF4-FFF2-40B4-BE49-F238E27FC236}">
+                <a16:creationId xmlns:a16="http://schemas.microsoft.com/office/drawing/2014/main" id="{D9BF9D14-235E-4BA4-68B9-A51AB86AAC7E}"/>
+              </a:ext>
+            </a:extLst>
+          </p:cNvPr>
+          <p:cNvSpPr/>
+          <p:nvPr/>
+        </p:nvSpPr>
+        <p:spPr>
+          <a:xfrm>
+            <a:off x="11817600" y="6480730"/>
+            <a:ext cx="374400" cy="377271"/>
+          </a:xfrm>
+          <a:prstGeom prst="rtTriangle">
+            <a:avLst/>
+          </a:prstGeom>
+          <a:ln>
+            <a:noFill/>
+          </a:ln>
+        </p:spPr>
+        <p:style>
+          <a:lnRef idx="2">
+            <a:schemeClr val="accent1">
+              <a:shade val="15000"/>
+            </a:schemeClr>
+          </a:lnRef>
+          <a:fillRef idx="1">
+            <a:schemeClr val="accent1"/>
+          </a:fillRef>
+          <a:effectRef idx="0">
+            <a:schemeClr val="accent1"/>
+          </a:effectRef>
+          <a:fontRef idx="minor">
+            <a:schemeClr val="lt1"/>
+          </a:fontRef>
+        </p:style>
+        <p:txBody>
+          <a:bodyPr rtlCol="0" anchor="ctr"/>
+          <a:lstStyle/>
+          <a:p>
+            <a:pPr algn="ctr"/>
+            <a:endParaRPr lang="en-US"/>
+          </a:p>
+        </p:txBody>
+      </p:sp>
+    </p:spTree>
+    <p:extLst>
+      <p:ext uri="{BB962C8B-B14F-4D97-AF65-F5344CB8AC3E}">
+        <p14:creationId xmlns:p14="http://schemas.microsoft.com/office/powerpoint/2010/main" val="3766991575"/>
+      </p:ext>
+    </p:extLst>
+  </p:cSld>
+  <p:clrMapOvr>
+    <a:masterClrMapping/>
+  </p:clrMapOvr>
+  <p:timing>
+    <p:tnLst>
+      <p:par>
+        <p:cTn id="1" dur="indefinite" restart="never" nodeType="tmRoot">
+          <p:childTnLst>
+            <p:seq concurrent="1" nextAc="seek">
+              <p:cTn id="2" dur="indefinite" nodeType="mainSeq">
+                <p:childTnLst>
+                  <p:par>
+                    <p:cTn id="3" fill="hold">
+                      <p:stCondLst>
+                        <p:cond delay="indefinite"/>
+                      </p:stCondLst>
+                      <p:childTnLst>
+                        <p:par>
+                          <p:cTn id="4" fill="hold">
+                            <p:stCondLst>
+                              <p:cond delay="0"/>
+                            </p:stCondLst>
+                            <p:childTnLst>
+                              <p:par>
+                                <p:cTn id="5" presetID="1" presetClass="exit" presetSubtype="0" fill="hold" grpId="0" nodeType="clickEffect">
+                                  <p:stCondLst>
+                                    <p:cond delay="0"/>
+                                  </p:stCondLst>
+                                  <p:childTnLst>
+                                    <p:set>
+                                      <p:cBhvr>
+                                        <p:cTn id="6" dur="1" fill="hold">
+                                          <p:stCondLst>
+                                            <p:cond delay="0"/>
+                                          </p:stCondLst>
+                                        </p:cTn>
+                                        <p:tgtEl>
+                                          <p:spTgt spid="15"/>
+                                        </p:tgtEl>
+                                        <p:attrNameLst>
+                                          <p:attrName>style.visibility</p:attrName>
+                                        </p:attrNameLst>
+                                      </p:cBhvr>
+                                      <p:to>
+                                        <p:strVal val="hidden"/>
+                                      </p:to>
+                                    </p:set>
+                                  </p:childTnLst>
+                                </p:cTn>
+                              </p:par>
+                              <p:par>
+                                <p:cTn id="7" presetID="1" presetClass="exit" presetSubtype="0" fill="hold" grpId="0" nodeType="withEffect">
+                                  <p:stCondLst>
+                                    <p:cond delay="0"/>
+                                  </p:stCondLst>
+                                  <p:childTnLst>
+                                    <p:set>
+                                      <p:cBhvr>
+                                        <p:cTn id="8" dur="1" fill="hold">
+                                          <p:stCondLst>
+                                            <p:cond delay="0"/>
+                                          </p:stCondLst>
+                                        </p:cTn>
+                                        <p:tgtEl>
+                                          <p:spTgt spid="16"/>
+                                        </p:tgtEl>
+                                        <p:attrNameLst>
+                                          <p:attrName>style.visibility</p:attrName>
+                                        </p:attrNameLst>
+                                      </p:cBhvr>
+                                      <p:to>
+                                        <p:strVal val="hidden"/>
+                                      </p:to>
+                                    </p:set>
+                                  </p:childTnLst>
+                                </p:cTn>
+                              </p:par>
+                            </p:childTnLst>
+                          </p:cTn>
+                        </p:par>
+                        <p:par>
+                          <p:cTn id="9" fill="hold">
+                            <p:stCondLst>
+                              <p:cond delay="0"/>
+                            </p:stCondLst>
+                            <p:childTnLst>
+                              <p:par>
+                                <p:cTn id="10" presetID="1" presetClass="entr" presetSubtype="0" fill="hold" grpId="0" nodeType="afterEffect">
+                                  <p:stCondLst>
+                                    <p:cond delay="0"/>
+                                  </p:stCondLst>
+                                  <p:childTnLst>
+                                    <p:set>
+                                      <p:cBhvr>
+                                        <p:cTn id="11" dur="1" fill="hold">
+                                          <p:stCondLst>
+                                            <p:cond delay="0"/>
+                                          </p:stCondLst>
+                                        </p:cTn>
+                                        <p:tgtEl>
+                                          <p:spTgt spid="45"/>
+                                        </p:tgtEl>
+                                        <p:attrNameLst>
+                                          <p:attrName>style.visibility</p:attrName>
+                                        </p:attrNameLst>
+                                      </p:cBhvr>
+                                      <p:to>
+                                        <p:strVal val="visible"/>
+                                      </p:to>
+                                    </p:set>
+                                  </p:childTnLst>
+                                </p:cTn>
+                              </p:par>
+                              <p:par>
+                                <p:cTn id="12" presetID="1" presetClass="entr" presetSubtype="0" fill="hold" grpId="0" nodeType="withEffect">
+                                  <p:stCondLst>
+                                    <p:cond delay="0"/>
+                                  </p:stCondLst>
+                                  <p:childTnLst>
+                                    <p:set>
+                                      <p:cBhvr>
+                                        <p:cTn id="13" dur="1" fill="hold">
+                                          <p:stCondLst>
+                                            <p:cond delay="0"/>
+                                          </p:stCondLst>
+                                        </p:cTn>
+                                        <p:tgtEl>
+                                          <p:spTgt spid="46"/>
+                                        </p:tgtEl>
+                                        <p:attrNameLst>
+                                          <p:attrName>style.visibility</p:attrName>
+                                        </p:attrNameLst>
+                                      </p:cBhvr>
+                                      <p:to>
+                                        <p:strVal val="visible"/>
+                                      </p:to>
+                                    </p:set>
+                                  </p:childTnLst>
+                                </p:cTn>
+                              </p:par>
+                            </p:childTnLst>
+                          </p:cTn>
+                        </p:par>
+                      </p:childTnLst>
+                    </p:cTn>
+                  </p:par>
+                  <p:par>
+                    <p:cTn id="14" fill="hold">
+                      <p:stCondLst>
+                        <p:cond delay="indefinite"/>
+                      </p:stCondLst>
+                      <p:childTnLst>
+                        <p:par>
+                          <p:cTn id="15" fill="hold">
+                            <p:stCondLst>
+                              <p:cond delay="0"/>
+                            </p:stCondLst>
+                            <p:childTnLst>
+                              <p:par>
+                                <p:cTn id="16" presetID="1" presetClass="exit" presetSubtype="0" fill="hold" grpId="0" nodeType="clickEffect">
+                                  <p:stCondLst>
+                                    <p:cond delay="0"/>
+                                  </p:stCondLst>
+                                  <p:childTnLst>
+                                    <p:set>
+                                      <p:cBhvr>
+                                        <p:cTn id="17" dur="1" fill="hold">
+                                          <p:stCondLst>
+                                            <p:cond delay="0"/>
+                                          </p:stCondLst>
+                                        </p:cTn>
+                                        <p:tgtEl>
+                                          <p:spTgt spid="4"/>
+                                        </p:tgtEl>
+                                        <p:attrNameLst>
+                                          <p:attrName>style.visibility</p:attrName>
+                                        </p:attrNameLst>
+                                      </p:cBhvr>
+                                      <p:to>
+                                        <p:strVal val="hidden"/>
+                                      </p:to>
+                                    </p:set>
+                                  </p:childTnLst>
+                                </p:cTn>
+                              </p:par>
+                              <p:par>
+                                <p:cTn id="18" presetID="1" presetClass="exit" presetSubtype="0" fill="hold" grpId="0" nodeType="withEffect">
+                                  <p:stCondLst>
+                                    <p:cond delay="0"/>
+                                  </p:stCondLst>
+                                  <p:childTnLst>
+                                    <p:set>
+                                      <p:cBhvr>
+                                        <p:cTn id="19" dur="1" fill="hold">
+                                          <p:stCondLst>
+                                            <p:cond delay="0"/>
+                                          </p:stCondLst>
+                                        </p:cTn>
+                                        <p:tgtEl>
+                                          <p:spTgt spid="5"/>
+                                        </p:tgtEl>
+                                        <p:attrNameLst>
+                                          <p:attrName>style.visibility</p:attrName>
+                                        </p:attrNameLst>
+                                      </p:cBhvr>
+                                      <p:to>
+                                        <p:strVal val="hidden"/>
+                                      </p:to>
+                                    </p:set>
+                                  </p:childTnLst>
+                                </p:cTn>
+                              </p:par>
+                            </p:childTnLst>
+                          </p:cTn>
+                        </p:par>
+                        <p:par>
+                          <p:cTn id="20" fill="hold">
+                            <p:stCondLst>
+                              <p:cond delay="0"/>
+                            </p:stCondLst>
+                            <p:childTnLst>
+                              <p:par>
+                                <p:cTn id="21" presetID="1" presetClass="entr" presetSubtype="0" fill="hold" grpId="0" nodeType="afterEffect">
+                                  <p:stCondLst>
+                                    <p:cond delay="0"/>
+                                  </p:stCondLst>
+                                  <p:childTnLst>
+                                    <p:set>
+                                      <p:cBhvr>
+                                        <p:cTn id="22" dur="1" fill="hold">
+                                          <p:stCondLst>
+                                            <p:cond delay="0"/>
+                                          </p:stCondLst>
+                                        </p:cTn>
+                                        <p:tgtEl>
+                                          <p:spTgt spid="47"/>
+                                        </p:tgtEl>
+                                        <p:attrNameLst>
+                                          <p:attrName>style.visibility</p:attrName>
+                                        </p:attrNameLst>
+                                      </p:cBhvr>
+                                      <p:to>
+                                        <p:strVal val="visible"/>
+                                      </p:to>
+                                    </p:set>
+                                  </p:childTnLst>
+                                </p:cTn>
+                              </p:par>
+                              <p:par>
+                                <p:cTn id="23" presetID="1" presetClass="entr" presetSubtype="0" fill="hold" grpId="0" nodeType="withEffect">
+                                  <p:stCondLst>
+                                    <p:cond delay="0"/>
+                                  </p:stCondLst>
+                                  <p:childTnLst>
+                                    <p:set>
+                                      <p:cBhvr>
+                                        <p:cTn id="24" dur="1" fill="hold">
+                                          <p:stCondLst>
+                                            <p:cond delay="0"/>
+                                          </p:stCondLst>
+                                        </p:cTn>
+                                        <p:tgtEl>
+                                          <p:spTgt spid="48"/>
+                                        </p:tgtEl>
+                                        <p:attrNameLst>
+                                          <p:attrName>style.visibility</p:attrName>
+                                        </p:attrNameLst>
+                                      </p:cBhvr>
+                                      <p:to>
+                                        <p:strVal val="visible"/>
+                                      </p:to>
+                                    </p:set>
+                                  </p:childTnLst>
+                                </p:cTn>
+                              </p:par>
+                            </p:childTnLst>
+                          </p:cTn>
+                        </p:par>
+                      </p:childTnLst>
+                    </p:cTn>
+                  </p:par>
+                  <p:par>
+                    <p:cTn id="25" fill="hold">
+                      <p:stCondLst>
+                        <p:cond delay="indefinite"/>
+                      </p:stCondLst>
+                      <p:childTnLst>
+                        <p:par>
+                          <p:cTn id="26" fill="hold">
+                            <p:stCondLst>
+                              <p:cond delay="0"/>
+                            </p:stCondLst>
+                            <p:childTnLst>
+                              <p:par>
+                                <p:cTn id="27" presetID="1" presetClass="exit" presetSubtype="0" fill="hold" grpId="0" nodeType="clickEffect">
+                                  <p:stCondLst>
+                                    <p:cond delay="0"/>
+                                  </p:stCondLst>
+                                  <p:childTnLst>
+                                    <p:set>
+                                      <p:cBhvr>
+                                        <p:cTn id="28" dur="1" fill="hold">
+                                          <p:stCondLst>
+                                            <p:cond delay="0"/>
+                                          </p:stCondLst>
+                                        </p:cTn>
+                                        <p:tgtEl>
+                                          <p:spTgt spid="20"/>
+                                        </p:tgtEl>
+                                        <p:attrNameLst>
+                                          <p:attrName>style.visibility</p:attrName>
+                                        </p:attrNameLst>
+                                      </p:cBhvr>
+                                      <p:to>
+                                        <p:strVal val="hidden"/>
+                                      </p:to>
+                                    </p:set>
+                                  </p:childTnLst>
+                                </p:cTn>
+                              </p:par>
+                              <p:par>
+                                <p:cTn id="29" presetID="1" presetClass="exit" presetSubtype="0" fill="hold" grpId="0" nodeType="withEffect">
+                                  <p:stCondLst>
+                                    <p:cond delay="0"/>
+                                  </p:stCondLst>
+                                  <p:childTnLst>
+                                    <p:set>
+                                      <p:cBhvr>
+                                        <p:cTn id="30" dur="1" fill="hold">
+                                          <p:stCondLst>
+                                            <p:cond delay="0"/>
+                                          </p:stCondLst>
+                                        </p:cTn>
+                                        <p:tgtEl>
+                                          <p:spTgt spid="21"/>
+                                        </p:tgtEl>
+                                        <p:attrNameLst>
+                                          <p:attrName>style.visibility</p:attrName>
+                                        </p:attrNameLst>
+                                      </p:cBhvr>
+                                      <p:to>
+                                        <p:strVal val="hidden"/>
+                                      </p:to>
+                                    </p:set>
+                                  </p:childTnLst>
+                                </p:cTn>
+                              </p:par>
+                            </p:childTnLst>
+                          </p:cTn>
+                        </p:par>
+                        <p:par>
+                          <p:cTn id="31" fill="hold">
+                            <p:stCondLst>
+                              <p:cond delay="0"/>
+                            </p:stCondLst>
+                            <p:childTnLst>
+                              <p:par>
+                                <p:cTn id="32" presetID="1" presetClass="entr" presetSubtype="0" fill="hold" grpId="0" nodeType="afterEffect">
+                                  <p:stCondLst>
+                                    <p:cond delay="0"/>
+                                  </p:stCondLst>
+                                  <p:childTnLst>
+                                    <p:set>
+                                      <p:cBhvr>
+                                        <p:cTn id="33" dur="1" fill="hold">
+                                          <p:stCondLst>
+                                            <p:cond delay="0"/>
+                                          </p:stCondLst>
+                                        </p:cTn>
+                                        <p:tgtEl>
+                                          <p:spTgt spid="49"/>
+                                        </p:tgtEl>
+                                        <p:attrNameLst>
+                                          <p:attrName>style.visibility</p:attrName>
+                                        </p:attrNameLst>
+                                      </p:cBhvr>
+                                      <p:to>
+                                        <p:strVal val="visible"/>
+                                      </p:to>
+                                    </p:set>
+                                  </p:childTnLst>
+                                </p:cTn>
+                              </p:par>
+                              <p:par>
+                                <p:cTn id="34" presetID="1" presetClass="entr" presetSubtype="0" fill="hold" grpId="0" nodeType="withEffect">
+                                  <p:stCondLst>
+                                    <p:cond delay="0"/>
+                                  </p:stCondLst>
+                                  <p:childTnLst>
+                                    <p:set>
+                                      <p:cBhvr>
+                                        <p:cTn id="35" dur="1" fill="hold">
+                                          <p:stCondLst>
+                                            <p:cond delay="0"/>
+                                          </p:stCondLst>
+                                        </p:cTn>
+                                        <p:tgtEl>
+                                          <p:spTgt spid="50"/>
+                                        </p:tgtEl>
+                                        <p:attrNameLst>
+                                          <p:attrName>style.visibility</p:attrName>
+                                        </p:attrNameLst>
+                                      </p:cBhvr>
+                                      <p:to>
+                                        <p:strVal val="visible"/>
+                                      </p:to>
+                                    </p:set>
+                                  </p:childTnLst>
+                                </p:cTn>
+                              </p:par>
+                            </p:childTnLst>
+                          </p:cTn>
+                        </p:par>
+                      </p:childTnLst>
+                    </p:cTn>
+                  </p:par>
+                </p:childTnLst>
+              </p:cTn>
+              <p:prevCondLst>
+                <p:cond evt="onPrev" delay="0">
+                  <p:tgtEl>
+                    <p:sldTgt/>
+                  </p:tgtEl>
+                </p:cond>
+              </p:prevCondLst>
+              <p:nextCondLst>
+                <p:cond evt="onNext" delay="0">
+                  <p:tgtEl>
+                    <p:sldTgt/>
+                  </p:tgtEl>
+                </p:cond>
+              </p:nextCondLst>
+            </p:seq>
+          </p:childTnLst>
+        </p:cTn>
+      </p:par>
+    </p:tnLst>
+    <p:bldLst>
+      <p:bldP spid="4" grpId="0" animBg="1"/>
+      <p:bldP spid="5" grpId="0" animBg="1"/>
+      <p:bldP spid="15" grpId="0" animBg="1"/>
+      <p:bldP spid="16" grpId="0" animBg="1"/>
+      <p:bldP spid="20" grpId="0" animBg="1"/>
+      <p:bldP spid="21" grpId="0" animBg="1"/>
+      <p:bldP spid="45" grpId="0" animBg="1"/>
+      <p:bldP spid="46" grpId="0" animBg="1"/>
+      <p:bldP spid="47" grpId="0" animBg="1"/>
+      <p:bldP spid="48" grpId="0" animBg="1"/>
+      <p:bldP spid="49" grpId="0" animBg="1"/>
+      <p:bldP spid="50" grpId="0" animBg="1"/>
+    </p:bldLst>
+  </p:timing>
+</p:sld>
+</file>
+
+<file path=ppt/slides/slide7.xml><?xml version="1.0" encoding="utf-8"?>
 <p:sld xmlns:a="http://schemas.openxmlformats.org/drawingml/2006/main" xmlns:r="http://schemas.openxmlformats.org/officeDocument/2006/relationships" xmlns:p="http://schemas.openxmlformats.org/presentationml/2006/main">
   <p:cSld>
     <p:bg>
@@ -8118,153 +11703,6 @@
     <p:extLst>
       <p:ext uri="{BB962C8B-B14F-4D97-AF65-F5344CB8AC3E}">
         <p14:creationId xmlns:p14="http://schemas.microsoft.com/office/powerpoint/2010/main" val="1401013285"/>
-      </p:ext>
-    </p:extLst>
-  </p:cSld>
-  <p:clrMapOvr>
-    <a:masterClrMapping/>
-  </p:clrMapOvr>
-</p:sld>
-</file>
-
-<file path=ppt/slides/slide6.xml><?xml version="1.0" encoding="utf-8"?>
-<p:sld xmlns:a="http://schemas.openxmlformats.org/drawingml/2006/main" xmlns:r="http://schemas.openxmlformats.org/officeDocument/2006/relationships" xmlns:p="http://schemas.openxmlformats.org/presentationml/2006/main">
-  <p:cSld>
-    <p:bg>
-      <p:bgPr>
-        <a:solidFill>
-          <a:schemeClr val="bg2"/>
-        </a:solidFill>
-        <a:effectLst/>
-      </p:bgPr>
-    </p:bg>
-    <p:spTree>
-      <p:nvGrpSpPr>
-        <p:cNvPr id="1" name=""/>
-        <p:cNvGrpSpPr/>
-        <p:nvPr/>
-      </p:nvGrpSpPr>
-      <p:grpSpPr>
-        <a:xfrm>
-          <a:off x="0" y="0"/>
-          <a:ext cx="0" cy="0"/>
-          <a:chOff x="0" y="0"/>
-          <a:chExt cx="0" cy="0"/>
-        </a:xfrm>
-      </p:grpSpPr>
-      <p:sp>
-        <p:nvSpPr>
-          <p:cNvPr id="2" name="Title 1">
-            <a:extLst>
-              <a:ext uri="{FF2B5EF4-FFF2-40B4-BE49-F238E27FC236}">
-                <a16:creationId xmlns:a16="http://schemas.microsoft.com/office/drawing/2014/main" id="{8699D222-16D9-B56F-D1A7-EF42B3137189}"/>
-              </a:ext>
-            </a:extLst>
-          </p:cNvPr>
-          <p:cNvSpPr>
-            <a:spLocks noGrp="1"/>
-          </p:cNvSpPr>
-          <p:nvPr>
-            <p:ph type="title"/>
-          </p:nvPr>
-        </p:nvSpPr>
-        <p:spPr>
-          <a:noFill/>
-        </p:spPr>
-        <p:txBody>
-          <a:bodyPr>
-            <a:normAutofit/>
-          </a:bodyPr>
-          <a:lstStyle/>
-          <a:p>
-            <a:pPr algn="ctr"/>
-            <a:r>
-              <a:rPr lang="en-US" sz="5400" b="1" dirty="0">
-                <a:solidFill>
-                  <a:schemeClr val="accent1"/>
-                </a:solidFill>
-              </a:rPr>
-              <a:t>What We Have Achieved</a:t>
-            </a:r>
-          </a:p>
-        </p:txBody>
-      </p:sp>
-    </p:spTree>
-    <p:extLst>
-      <p:ext uri="{BB962C8B-B14F-4D97-AF65-F5344CB8AC3E}">
-        <p14:creationId xmlns:p14="http://schemas.microsoft.com/office/powerpoint/2010/main" val="1391951025"/>
-      </p:ext>
-    </p:extLst>
-  </p:cSld>
-  <p:clrMapOvr>
-    <a:masterClrMapping/>
-  </p:clrMapOvr>
-</p:sld>
-</file>
-
-<file path=ppt/slides/slide7.xml><?xml version="1.0" encoding="utf-8"?>
-<p:sld xmlns:a="http://schemas.openxmlformats.org/drawingml/2006/main" xmlns:r="http://schemas.openxmlformats.org/officeDocument/2006/relationships" xmlns:p="http://schemas.openxmlformats.org/presentationml/2006/main">
-  <p:cSld>
-    <p:bg>
-      <p:bgPr>
-        <a:solidFill>
-          <a:srgbClr val="171B21"/>
-        </a:solidFill>
-        <a:effectLst/>
-      </p:bgPr>
-    </p:bg>
-    <p:spTree>
-      <p:nvGrpSpPr>
-        <p:cNvPr id="1" name=""/>
-        <p:cNvGrpSpPr/>
-        <p:nvPr/>
-      </p:nvGrpSpPr>
-      <p:grpSpPr>
-        <a:xfrm>
-          <a:off x="0" y="0"/>
-          <a:ext cx="0" cy="0"/>
-          <a:chOff x="0" y="0"/>
-          <a:chExt cx="0" cy="0"/>
-        </a:xfrm>
-      </p:grpSpPr>
-      <p:sp>
-        <p:nvSpPr>
-          <p:cNvPr id="2" name="Title 1">
-            <a:extLst>
-              <a:ext uri="{FF2B5EF4-FFF2-40B4-BE49-F238E27FC236}">
-                <a16:creationId xmlns:a16="http://schemas.microsoft.com/office/drawing/2014/main" id="{B79B4425-E07F-0358-E58F-12E46FD11BF3}"/>
-              </a:ext>
-            </a:extLst>
-          </p:cNvPr>
-          <p:cNvSpPr>
-            <a:spLocks noGrp="1"/>
-          </p:cNvSpPr>
-          <p:nvPr>
-            <p:ph type="title"/>
-          </p:nvPr>
-        </p:nvSpPr>
-        <p:spPr/>
-        <p:txBody>
-          <a:bodyPr anchor="b">
-            <a:normAutofit/>
-          </a:bodyPr>
-          <a:lstStyle/>
-          <a:p>
-            <a:r>
-              <a:rPr lang="en-US" sz="5400" b="1" dirty="0">
-                <a:solidFill>
-                  <a:srgbClr val="FAD12B"/>
-                </a:solidFill>
-              </a:rPr>
-              <a:t>TECHNICAL REPORT</a:t>
-            </a:r>
-          </a:p>
-        </p:txBody>
-      </p:sp>
-    </p:spTree>
-    <p:extLst>
-      <p:ext uri="{BB962C8B-B14F-4D97-AF65-F5344CB8AC3E}">
-        <p14:creationId xmlns:p14="http://schemas.microsoft.com/office/powerpoint/2010/main" val="1478565706"/>
       </p:ext>
     </p:extLst>
   </p:cSld>

--- a/docs/LEADS.pptx
+++ b/docs/LEADS.pptx
@@ -124,7 +124,7 @@
 <file path=ppt/revisionInfo.xml><?xml version="1.0" encoding="utf-8"?>
 <p1510:revInfo xmlns:a="http://schemas.openxmlformats.org/drawingml/2006/main" xmlns:r="http://schemas.openxmlformats.org/officeDocument/2006/relationships" xmlns:p1510="http://schemas.microsoft.com/office/powerpoint/2015/10/main">
   <p1510:revLst>
-    <p1510:client id="{2628F682-DF01-404E-B59F-6BDA13BCEEDE}" v="331" dt="2024-07-26T15:26:56.481"/>
+    <p1510:client id="{2628F682-DF01-404E-B59F-6BDA13BCEEDE}" v="442" dt="2024-08-04T07:19:31.138"/>
   </p1510:revLst>
 </p1510:revInfo>
 </file>
@@ -134,7 +134,7 @@
   <pc:docChgLst>
     <pc:chgData name="Tianhao Fu" userId="3c5ffcaadea6c056" providerId="LiveId" clId="{2628F682-DF01-404E-B59F-6BDA13BCEEDE}"/>
     <pc:docChg chg="undo custSel addSld delSld modSld sldOrd modMainMaster">
-      <pc:chgData name="Tianhao Fu" userId="3c5ffcaadea6c056" providerId="LiveId" clId="{2628F682-DF01-404E-B59F-6BDA13BCEEDE}" dt="2024-07-26T15:45:30.942" v="5542" actId="2696"/>
+      <pc:chgData name="Tianhao Fu" userId="3c5ffcaadea6c056" providerId="LiveId" clId="{2628F682-DF01-404E-B59F-6BDA13BCEEDE}" dt="2024-08-04T07:19:41.995" v="5706" actId="478"/>
       <pc:docMkLst>
         <pc:docMk/>
       </pc:docMkLst>
@@ -335,8 +335,8 @@
           </ac:spMkLst>
         </pc:spChg>
       </pc:sldChg>
-      <pc:sldChg chg="addSp delSp modSp new mod ord setBg modAnim">
-        <pc:chgData name="Tianhao Fu" userId="3c5ffcaadea6c056" providerId="LiveId" clId="{2628F682-DF01-404E-B59F-6BDA13BCEEDE}" dt="2024-07-26T12:14:40.563" v="5135"/>
+      <pc:sldChg chg="addSp delSp modSp new mod ord setBg delAnim modAnim">
+        <pc:chgData name="Tianhao Fu" userId="3c5ffcaadea6c056" providerId="LiveId" clId="{2628F682-DF01-404E-B59F-6BDA13BCEEDE}" dt="2024-08-04T07:19:41.995" v="5706" actId="478"/>
         <pc:sldMkLst>
           <pc:docMk/>
           <pc:sldMk cId="1881318779" sldId="259"/>
@@ -430,7 +430,7 @@
           </ac:spMkLst>
         </pc:spChg>
         <pc:spChg chg="add mod">
-          <ac:chgData name="Tianhao Fu" userId="3c5ffcaadea6c056" providerId="LiveId" clId="{2628F682-DF01-404E-B59F-6BDA13BCEEDE}" dt="2024-07-25T04:52:19.708" v="3500" actId="207"/>
+          <ac:chgData name="Tianhao Fu" userId="3c5ffcaadea6c056" providerId="LiveId" clId="{2628F682-DF01-404E-B59F-6BDA13BCEEDE}" dt="2024-08-04T07:14:24.446" v="5596" actId="12788"/>
           <ac:spMkLst>
             <pc:docMk/>
             <pc:sldMk cId="1881318779" sldId="259"/>
@@ -438,7 +438,7 @@
           </ac:spMkLst>
         </pc:spChg>
         <pc:spChg chg="add mod">
-          <ac:chgData name="Tianhao Fu" userId="3c5ffcaadea6c056" providerId="LiveId" clId="{2628F682-DF01-404E-B59F-6BDA13BCEEDE}" dt="2024-07-25T04:52:19.708" v="3500" actId="207"/>
+          <ac:chgData name="Tianhao Fu" userId="3c5ffcaadea6c056" providerId="LiveId" clId="{2628F682-DF01-404E-B59F-6BDA13BCEEDE}" dt="2024-08-04T07:14:24.446" v="5596" actId="12788"/>
           <ac:spMkLst>
             <pc:docMk/>
             <pc:sldMk cId="1881318779" sldId="259"/>
@@ -446,7 +446,7 @@
           </ac:spMkLst>
         </pc:spChg>
         <pc:spChg chg="add mod">
-          <ac:chgData name="Tianhao Fu" userId="3c5ffcaadea6c056" providerId="LiveId" clId="{2628F682-DF01-404E-B59F-6BDA13BCEEDE}" dt="2024-07-25T04:52:19.708" v="3500" actId="207"/>
+          <ac:chgData name="Tianhao Fu" userId="3c5ffcaadea6c056" providerId="LiveId" clId="{2628F682-DF01-404E-B59F-6BDA13BCEEDE}" dt="2024-08-04T07:14:24.446" v="5596" actId="12788"/>
           <ac:spMkLst>
             <pc:docMk/>
             <pc:sldMk cId="1881318779" sldId="259"/>
@@ -462,7 +462,15 @@
           </ac:spMkLst>
         </pc:spChg>
         <pc:spChg chg="add mod">
-          <ac:chgData name="Tianhao Fu" userId="3c5ffcaadea6c056" providerId="LiveId" clId="{2628F682-DF01-404E-B59F-6BDA13BCEEDE}" dt="2024-07-25T05:09:03.662" v="3975" actId="208"/>
+          <ac:chgData name="Tianhao Fu" userId="3c5ffcaadea6c056" providerId="LiveId" clId="{2628F682-DF01-404E-B59F-6BDA13BCEEDE}" dt="2024-08-04T07:19:26.989" v="5702" actId="1076"/>
+          <ac:spMkLst>
+            <pc:docMk/>
+            <pc:sldMk cId="1881318779" sldId="259"/>
+            <ac:spMk id="18" creationId="{633A54D1-42DC-6B31-8CAC-F8596E46BA4F}"/>
+          </ac:spMkLst>
+        </pc:spChg>
+        <pc:spChg chg="add mod">
+          <ac:chgData name="Tianhao Fu" userId="3c5ffcaadea6c056" providerId="LiveId" clId="{2628F682-DF01-404E-B59F-6BDA13BCEEDE}" dt="2024-08-04T07:14:24.446" v="5596" actId="12788"/>
           <ac:spMkLst>
             <pc:docMk/>
             <pc:sldMk cId="1881318779" sldId="259"/>
@@ -470,7 +478,7 @@
           </ac:spMkLst>
         </pc:spChg>
         <pc:spChg chg="add mod">
-          <ac:chgData name="Tianhao Fu" userId="3c5ffcaadea6c056" providerId="LiveId" clId="{2628F682-DF01-404E-B59F-6BDA13BCEEDE}" dt="2024-07-25T04:52:19.708" v="3500" actId="207"/>
+          <ac:chgData name="Tianhao Fu" userId="3c5ffcaadea6c056" providerId="LiveId" clId="{2628F682-DF01-404E-B59F-6BDA13BCEEDE}" dt="2024-08-04T07:14:24.446" v="5596" actId="12788"/>
           <ac:spMkLst>
             <pc:docMk/>
             <pc:sldMk cId="1881318779" sldId="259"/>
@@ -486,6 +494,14 @@
           </ac:spMkLst>
         </pc:spChg>
         <pc:spChg chg="add del mod">
+          <ac:chgData name="Tianhao Fu" userId="3c5ffcaadea6c056" providerId="LiveId" clId="{2628F682-DF01-404E-B59F-6BDA13BCEEDE}" dt="2024-08-04T07:11:58.911" v="5565" actId="478"/>
+          <ac:spMkLst>
+            <pc:docMk/>
+            <pc:sldMk cId="1881318779" sldId="259"/>
+            <ac:spMk id="31" creationId="{629F633C-8070-0429-E64A-D04CCAF05489}"/>
+          </ac:spMkLst>
+        </pc:spChg>
+        <pc:spChg chg="add del mod">
           <ac:chgData name="Tianhao Fu" userId="3c5ffcaadea6c056" providerId="LiveId" clId="{2628F682-DF01-404E-B59F-6BDA13BCEEDE}" dt="2024-07-24T04:47:37.893" v="381" actId="478"/>
           <ac:spMkLst>
             <pc:docMk/>
@@ -502,7 +518,7 @@
           </ac:spMkLst>
         </pc:spChg>
         <pc:spChg chg="add mod">
-          <ac:chgData name="Tianhao Fu" userId="3c5ffcaadea6c056" providerId="LiveId" clId="{2628F682-DF01-404E-B59F-6BDA13BCEEDE}" dt="2024-07-25T04:52:14.166" v="3499" actId="207"/>
+          <ac:chgData name="Tianhao Fu" userId="3c5ffcaadea6c056" providerId="LiveId" clId="{2628F682-DF01-404E-B59F-6BDA13BCEEDE}" dt="2024-08-04T07:14:54.540" v="5602" actId="12789"/>
           <ac:spMkLst>
             <pc:docMk/>
             <pc:sldMk cId="1881318779" sldId="259"/>
@@ -510,7 +526,7 @@
           </ac:spMkLst>
         </pc:spChg>
         <pc:spChg chg="add mod">
-          <ac:chgData name="Tianhao Fu" userId="3c5ffcaadea6c056" providerId="LiveId" clId="{2628F682-DF01-404E-B59F-6BDA13BCEEDE}" dt="2024-07-25T04:52:19.708" v="3500" actId="207"/>
+          <ac:chgData name="Tianhao Fu" userId="3c5ffcaadea6c056" providerId="LiveId" clId="{2628F682-DF01-404E-B59F-6BDA13BCEEDE}" dt="2024-08-04T07:14:54.540" v="5602" actId="12789"/>
           <ac:spMkLst>
             <pc:docMk/>
             <pc:sldMk cId="1881318779" sldId="259"/>
@@ -518,7 +534,7 @@
           </ac:spMkLst>
         </pc:spChg>
         <pc:spChg chg="add mod">
-          <ac:chgData name="Tianhao Fu" userId="3c5ffcaadea6c056" providerId="LiveId" clId="{2628F682-DF01-404E-B59F-6BDA13BCEEDE}" dt="2024-07-25T05:08:39.923" v="3967" actId="208"/>
+          <ac:chgData name="Tianhao Fu" userId="3c5ffcaadea6c056" providerId="LiveId" clId="{2628F682-DF01-404E-B59F-6BDA13BCEEDE}" dt="2024-08-04T07:19:41.010" v="5705" actId="14100"/>
           <ac:spMkLst>
             <pc:docMk/>
             <pc:sldMk cId="1881318779" sldId="259"/>
@@ -526,6 +542,14 @@
           </ac:spMkLst>
         </pc:spChg>
         <pc:spChg chg="add del mod">
+          <ac:chgData name="Tianhao Fu" userId="3c5ffcaadea6c056" providerId="LiveId" clId="{2628F682-DF01-404E-B59F-6BDA13BCEEDE}" dt="2024-08-04T07:12:15.649" v="5569" actId="478"/>
+          <ac:spMkLst>
+            <pc:docMk/>
+            <pc:sldMk cId="1881318779" sldId="259"/>
+            <ac:spMk id="49" creationId="{28CAB8AC-8232-A8EB-0126-2D7203FB76E2}"/>
+          </ac:spMkLst>
+        </pc:spChg>
+        <pc:spChg chg="add del mod">
           <ac:chgData name="Tianhao Fu" userId="3c5ffcaadea6c056" providerId="LiveId" clId="{2628F682-DF01-404E-B59F-6BDA13BCEEDE}" dt="2024-07-24T09:07:36.532" v="2255" actId="478"/>
           <ac:spMkLst>
             <pc:docMk/>
@@ -534,11 +558,19 @@
           </ac:spMkLst>
         </pc:spChg>
         <pc:spChg chg="add mod">
-          <ac:chgData name="Tianhao Fu" userId="3c5ffcaadea6c056" providerId="LiveId" clId="{2628F682-DF01-404E-B59F-6BDA13BCEEDE}" dt="2024-07-25T04:52:09.958" v="3498" actId="207"/>
+          <ac:chgData name="Tianhao Fu" userId="3c5ffcaadea6c056" providerId="LiveId" clId="{2628F682-DF01-404E-B59F-6BDA13BCEEDE}" dt="2024-08-04T07:14:24.446" v="5596" actId="12788"/>
           <ac:spMkLst>
             <pc:docMk/>
             <pc:sldMk cId="1881318779" sldId="259"/>
             <ac:spMk id="57" creationId="{8852AD21-42C3-6AD8-C6F1-C6DBEF6E96F2}"/>
+          </ac:spMkLst>
+        </pc:spChg>
+        <pc:spChg chg="add del mod">
+          <ac:chgData name="Tianhao Fu" userId="3c5ffcaadea6c056" providerId="LiveId" clId="{2628F682-DF01-404E-B59F-6BDA13BCEEDE}" dt="2024-08-04T07:19:41.995" v="5706" actId="478"/>
+          <ac:spMkLst>
+            <pc:docMk/>
+            <pc:sldMk cId="1881318779" sldId="259"/>
+            <ac:spMk id="61" creationId="{4F3AD185-B40A-7B57-8CC1-33D6CB8DE190}"/>
           </ac:spMkLst>
         </pc:spChg>
         <pc:cxnChg chg="add del mod">
@@ -550,7 +582,7 @@
           </ac:cxnSpMkLst>
         </pc:cxnChg>
         <pc:cxnChg chg="add mod">
-          <ac:chgData name="Tianhao Fu" userId="3c5ffcaadea6c056" providerId="LiveId" clId="{2628F682-DF01-404E-B59F-6BDA13BCEEDE}" dt="2024-07-25T05:08:59.134" v="3973" actId="208"/>
+          <ac:chgData name="Tianhao Fu" userId="3c5ffcaadea6c056" providerId="LiveId" clId="{2628F682-DF01-404E-B59F-6BDA13BCEEDE}" dt="2024-08-04T07:14:24.446" v="5596" actId="12788"/>
           <ac:cxnSpMkLst>
             <pc:docMk/>
             <pc:sldMk cId="1881318779" sldId="259"/>
@@ -558,7 +590,7 @@
           </ac:cxnSpMkLst>
         </pc:cxnChg>
         <pc:cxnChg chg="add mod">
-          <ac:chgData name="Tianhao Fu" userId="3c5ffcaadea6c056" providerId="LiveId" clId="{2628F682-DF01-404E-B59F-6BDA13BCEEDE}" dt="2024-07-25T05:09:01.458" v="3974" actId="208"/>
+          <ac:chgData name="Tianhao Fu" userId="3c5ffcaadea6c056" providerId="LiveId" clId="{2628F682-DF01-404E-B59F-6BDA13BCEEDE}" dt="2024-08-04T07:14:24.446" v="5596" actId="12788"/>
           <ac:cxnSpMkLst>
             <pc:docMk/>
             <pc:sldMk cId="1881318779" sldId="259"/>
@@ -566,7 +598,7 @@
           </ac:cxnSpMkLst>
         </pc:cxnChg>
         <pc:cxnChg chg="add del mod">
-          <ac:chgData name="Tianhao Fu" userId="3c5ffcaadea6c056" providerId="LiveId" clId="{2628F682-DF01-404E-B59F-6BDA13BCEEDE}" dt="2024-07-25T05:08:51.078" v="3970" actId="208"/>
+          <ac:chgData name="Tianhao Fu" userId="3c5ffcaadea6c056" providerId="LiveId" clId="{2628F682-DF01-404E-B59F-6BDA13BCEEDE}" dt="2024-08-04T07:19:41.010" v="5705" actId="14100"/>
           <ac:cxnSpMkLst>
             <pc:docMk/>
             <pc:sldMk cId="1881318779" sldId="259"/>
@@ -574,7 +606,7 @@
           </ac:cxnSpMkLst>
         </pc:cxnChg>
         <pc:cxnChg chg="add mod">
-          <ac:chgData name="Tianhao Fu" userId="3c5ffcaadea6c056" providerId="LiveId" clId="{2628F682-DF01-404E-B59F-6BDA13BCEEDE}" dt="2024-07-25T05:08:53.577" v="3971" actId="208"/>
+          <ac:chgData name="Tianhao Fu" userId="3c5ffcaadea6c056" providerId="LiveId" clId="{2628F682-DF01-404E-B59F-6BDA13BCEEDE}" dt="2024-08-04T07:19:41.010" v="5705" actId="14100"/>
           <ac:cxnSpMkLst>
             <pc:docMk/>
             <pc:sldMk cId="1881318779" sldId="259"/>
@@ -582,23 +614,39 @@
           </ac:cxnSpMkLst>
         </pc:cxnChg>
         <pc:cxnChg chg="add del mod">
-          <ac:chgData name="Tianhao Fu" userId="3c5ffcaadea6c056" providerId="LiveId" clId="{2628F682-DF01-404E-B59F-6BDA13BCEEDE}" dt="2024-07-25T05:08:55.981" v="3972" actId="208"/>
+          <ac:chgData name="Tianhao Fu" userId="3c5ffcaadea6c056" providerId="LiveId" clId="{2628F682-DF01-404E-B59F-6BDA13BCEEDE}" dt="2024-08-04T07:19:41.010" v="5705" actId="14100"/>
           <ac:cxnSpMkLst>
             <pc:docMk/>
             <pc:sldMk cId="1881318779" sldId="259"/>
             <ac:cxnSpMk id="51" creationId="{E167C354-8A79-6202-60C4-09454A54173B}"/>
           </ac:cxnSpMkLst>
         </pc:cxnChg>
+        <pc:cxnChg chg="add del mod">
+          <ac:chgData name="Tianhao Fu" userId="3c5ffcaadea6c056" providerId="LiveId" clId="{2628F682-DF01-404E-B59F-6BDA13BCEEDE}" dt="2024-08-04T07:13:16.935" v="5578" actId="478"/>
+          <ac:cxnSpMkLst>
+            <pc:docMk/>
+            <pc:sldMk cId="1881318779" sldId="259"/>
+            <ac:cxnSpMk id="56" creationId="{8E50110F-7AD6-8615-D123-26ADAFDCBBA0}"/>
+          </ac:cxnSpMkLst>
+        </pc:cxnChg>
         <pc:cxnChg chg="add mod">
-          <ac:chgData name="Tianhao Fu" userId="3c5ffcaadea6c056" providerId="LiveId" clId="{2628F682-DF01-404E-B59F-6BDA13BCEEDE}" dt="2024-07-25T05:08:47.740" v="3969" actId="208"/>
+          <ac:chgData name="Tianhao Fu" userId="3c5ffcaadea6c056" providerId="LiveId" clId="{2628F682-DF01-404E-B59F-6BDA13BCEEDE}" dt="2024-08-04T07:14:24.446" v="5596" actId="12788"/>
           <ac:cxnSpMkLst>
             <pc:docMk/>
             <pc:sldMk cId="1881318779" sldId="259"/>
             <ac:cxnSpMk id="58" creationId="{910A9505-960F-476E-1BD9-6676355CD59E}"/>
           </ac:cxnSpMkLst>
         </pc:cxnChg>
+        <pc:cxnChg chg="add del mod">
+          <ac:chgData name="Tianhao Fu" userId="3c5ffcaadea6c056" providerId="LiveId" clId="{2628F682-DF01-404E-B59F-6BDA13BCEEDE}" dt="2024-08-04T07:14:17.398" v="5594" actId="478"/>
+          <ac:cxnSpMkLst>
+            <pc:docMk/>
+            <pc:sldMk cId="1881318779" sldId="259"/>
+            <ac:cxnSpMk id="60" creationId="{FC728E53-813C-11CD-C950-453F3CE003FE}"/>
+          </ac:cxnSpMkLst>
+        </pc:cxnChg>
         <pc:cxnChg chg="add mod">
-          <ac:chgData name="Tianhao Fu" userId="3c5ffcaadea6c056" providerId="LiveId" clId="{2628F682-DF01-404E-B59F-6BDA13BCEEDE}" dt="2024-07-25T05:08:45.297" v="3968" actId="208"/>
+          <ac:chgData name="Tianhao Fu" userId="3c5ffcaadea6c056" providerId="LiveId" clId="{2628F682-DF01-404E-B59F-6BDA13BCEEDE}" dt="2024-08-04T07:19:41.010" v="5705" actId="14100"/>
           <ac:cxnSpMkLst>
             <pc:docMk/>
             <pc:sldMk cId="1881318779" sldId="259"/>
@@ -1204,7 +1252,7 @@
         </pc:cxnChg>
       </pc:sldChg>
       <pc:sldChg chg="addSp delSp modSp add mod setBg modAnim">
-        <pc:chgData name="Tianhao Fu" userId="3c5ffcaadea6c056" providerId="LiveId" clId="{2628F682-DF01-404E-B59F-6BDA13BCEEDE}" dt="2024-07-26T15:22:43.991" v="5529" actId="14100"/>
+        <pc:chgData name="Tianhao Fu" userId="3c5ffcaadea6c056" providerId="LiveId" clId="{2628F682-DF01-404E-B59F-6BDA13BCEEDE}" dt="2024-07-26T16:10:03.466" v="5544" actId="2085"/>
         <pc:sldMkLst>
           <pc:docMk/>
           <pc:sldMk cId="3766991575" sldId="264"/>
@@ -1506,7 +1554,7 @@
           </ac:spMkLst>
         </pc:spChg>
         <pc:spChg chg="add mod">
-          <ac:chgData name="Tianhao Fu" userId="3c5ffcaadea6c056" providerId="LiveId" clId="{2628F682-DF01-404E-B59F-6BDA13BCEEDE}" dt="2024-07-26T14:59:37.327" v="5426" actId="1076"/>
+          <ac:chgData name="Tianhao Fu" userId="3c5ffcaadea6c056" providerId="LiveId" clId="{2628F682-DF01-404E-B59F-6BDA13BCEEDE}" dt="2024-07-26T16:10:03.466" v="5544" actId="2085"/>
           <ac:spMkLst>
             <pc:docMk/>
             <pc:sldMk cId="3766991575" sldId="264"/>
@@ -1860,7 +1908,7 @@
           <a:p>
             <a:fld id="{0FC8290A-0E42-2F47-A033-0833A59CB4B8}" type="datetimeFigureOut">
               <a:rPr lang="en-US" smtClean="0"/>
-              <a:t>7/26/24</a:t>
+              <a:t>8/4/24</a:t>
             </a:fld>
             <a:endParaRPr lang="en-US"/>
           </a:p>
@@ -2295,6 +2343,90 @@
 </p:notes>
 </file>
 
+<file path=ppt/notesSlides/notesSlide3.xml><?xml version="1.0" encoding="utf-8"?>
+<p:notes xmlns:a="http://schemas.openxmlformats.org/drawingml/2006/main" xmlns:r="http://schemas.openxmlformats.org/officeDocument/2006/relationships" xmlns:p="http://schemas.openxmlformats.org/presentationml/2006/main">
+  <p:cSld>
+    <p:spTree>
+      <p:nvGrpSpPr>
+        <p:cNvPr id="1" name=""/>
+        <p:cNvGrpSpPr/>
+        <p:nvPr/>
+      </p:nvGrpSpPr>
+      <p:grpSpPr>
+        <a:xfrm>
+          <a:off x="0" y="0"/>
+          <a:ext cx="0" cy="0"/>
+          <a:chOff x="0" y="0"/>
+          <a:chExt cx="0" cy="0"/>
+        </a:xfrm>
+      </p:grpSpPr>
+      <p:sp>
+        <p:nvSpPr>
+          <p:cNvPr id="2" name="Slide Image Placeholder 1"/>
+          <p:cNvSpPr>
+            <a:spLocks noGrp="1" noRot="1" noChangeAspect="1"/>
+          </p:cNvSpPr>
+          <p:nvPr>
+            <p:ph type="sldImg"/>
+          </p:nvPr>
+        </p:nvSpPr>
+        <p:spPr/>
+      </p:sp>
+      <p:sp>
+        <p:nvSpPr>
+          <p:cNvPr id="3" name="Notes Placeholder 2"/>
+          <p:cNvSpPr>
+            <a:spLocks noGrp="1"/>
+          </p:cNvSpPr>
+          <p:nvPr>
+            <p:ph type="body" idx="1"/>
+          </p:nvPr>
+        </p:nvSpPr>
+        <p:spPr/>
+        <p:txBody>
+          <a:bodyPr/>
+          <a:lstStyle/>
+          <a:p>
+            <a:endParaRPr lang="en-US" dirty="0"/>
+          </a:p>
+        </p:txBody>
+      </p:sp>
+      <p:sp>
+        <p:nvSpPr>
+          <p:cNvPr id="4" name="Slide Number Placeholder 3"/>
+          <p:cNvSpPr>
+            <a:spLocks noGrp="1"/>
+          </p:cNvSpPr>
+          <p:nvPr>
+            <p:ph type="sldNum" sz="quarter" idx="5"/>
+          </p:nvPr>
+        </p:nvSpPr>
+        <p:spPr/>
+        <p:txBody>
+          <a:bodyPr/>
+          <a:lstStyle/>
+          <a:p>
+            <a:fld id="{7A965B42-9ED9-2B41-87DB-75DA12D8B177}" type="slidenum">
+              <a:rPr lang="en-US" smtClean="0"/>
+              <a:t>3</a:t>
+            </a:fld>
+            <a:endParaRPr lang="en-US"/>
+          </a:p>
+        </p:txBody>
+      </p:sp>
+    </p:spTree>
+    <p:extLst>
+      <p:ext uri="{BB962C8B-B14F-4D97-AF65-F5344CB8AC3E}">
+        <p14:creationId xmlns:p14="http://schemas.microsoft.com/office/powerpoint/2010/main" val="470147392"/>
+      </p:ext>
+    </p:extLst>
+  </p:cSld>
+  <p:clrMapOvr>
+    <a:masterClrMapping/>
+  </p:clrMapOvr>
+</p:notes>
+</file>
+
 <file path=ppt/slideLayouts/slideLayout1.xml><?xml version="1.0" encoding="utf-8"?>
 <p:sldLayout xmlns:a="http://schemas.openxmlformats.org/drawingml/2006/main" xmlns:r="http://schemas.openxmlformats.org/officeDocument/2006/relationships" xmlns:p="http://schemas.openxmlformats.org/presentationml/2006/main" type="title" preserve="1">
   <p:cSld name="Title Slide">
@@ -2426,7 +2558,7 @@
           <a:p>
             <a:fld id="{EB14851A-53D1-B04B-AD6B-CB7FEFB4C1FD}" type="datetimeFigureOut">
               <a:rPr lang="en-US" smtClean="0"/>
-              <a:t>7/26/24</a:t>
+              <a:t>8/4/24</a:t>
             </a:fld>
             <a:endParaRPr lang="en-US"/>
           </a:p>
@@ -2596,7 +2728,7 @@
           <a:p>
             <a:fld id="{EB14851A-53D1-B04B-AD6B-CB7FEFB4C1FD}" type="datetimeFigureOut">
               <a:rPr lang="en-US" smtClean="0"/>
-              <a:t>7/26/24</a:t>
+              <a:t>8/4/24</a:t>
             </a:fld>
             <a:endParaRPr lang="en-US"/>
           </a:p>
@@ -2776,7 +2908,7 @@
           <a:p>
             <a:fld id="{EB14851A-53D1-B04B-AD6B-CB7FEFB4C1FD}" type="datetimeFigureOut">
               <a:rPr lang="en-US" smtClean="0"/>
-              <a:t>7/26/24</a:t>
+              <a:t>8/4/24</a:t>
             </a:fld>
             <a:endParaRPr lang="en-US"/>
           </a:p>
@@ -2946,7 +3078,7 @@
           <a:p>
             <a:fld id="{EB14851A-53D1-B04B-AD6B-CB7FEFB4C1FD}" type="datetimeFigureOut">
               <a:rPr lang="en-US" smtClean="0"/>
-              <a:t>7/26/24</a:t>
+              <a:t>8/4/24</a:t>
             </a:fld>
             <a:endParaRPr lang="en-US"/>
           </a:p>
@@ -3192,7 +3324,7 @@
           <a:p>
             <a:fld id="{EB14851A-53D1-B04B-AD6B-CB7FEFB4C1FD}" type="datetimeFigureOut">
               <a:rPr lang="en-US" smtClean="0"/>
-              <a:t>7/26/24</a:t>
+              <a:t>8/4/24</a:t>
             </a:fld>
             <a:endParaRPr lang="en-US"/>
           </a:p>
@@ -3424,7 +3556,7 @@
           <a:p>
             <a:fld id="{EB14851A-53D1-B04B-AD6B-CB7FEFB4C1FD}" type="datetimeFigureOut">
               <a:rPr lang="en-US" smtClean="0"/>
-              <a:t>7/26/24</a:t>
+              <a:t>8/4/24</a:t>
             </a:fld>
             <a:endParaRPr lang="en-US"/>
           </a:p>
@@ -3791,7 +3923,7 @@
           <a:p>
             <a:fld id="{EB14851A-53D1-B04B-AD6B-CB7FEFB4C1FD}" type="datetimeFigureOut">
               <a:rPr lang="en-US" smtClean="0"/>
-              <a:t>7/26/24</a:t>
+              <a:t>8/4/24</a:t>
             </a:fld>
             <a:endParaRPr lang="en-US"/>
           </a:p>
@@ -3909,7 +4041,7 @@
           <a:p>
             <a:fld id="{EB14851A-53D1-B04B-AD6B-CB7FEFB4C1FD}" type="datetimeFigureOut">
               <a:rPr lang="en-US" smtClean="0"/>
-              <a:t>7/26/24</a:t>
+              <a:t>8/4/24</a:t>
             </a:fld>
             <a:endParaRPr lang="en-US"/>
           </a:p>
@@ -4004,7 +4136,7 @@
           <a:p>
             <a:fld id="{EB14851A-53D1-B04B-AD6B-CB7FEFB4C1FD}" type="datetimeFigureOut">
               <a:rPr lang="en-US" smtClean="0"/>
-              <a:t>7/26/24</a:t>
+              <a:t>8/4/24</a:t>
             </a:fld>
             <a:endParaRPr lang="en-US"/>
           </a:p>
@@ -4281,7 +4413,7 @@
           <a:p>
             <a:fld id="{EB14851A-53D1-B04B-AD6B-CB7FEFB4C1FD}" type="datetimeFigureOut">
               <a:rPr lang="en-US" smtClean="0"/>
-              <a:t>7/26/24</a:t>
+              <a:t>8/4/24</a:t>
             </a:fld>
             <a:endParaRPr lang="en-US"/>
           </a:p>
@@ -4538,7 +4670,7 @@
           <a:p>
             <a:fld id="{EB14851A-53D1-B04B-AD6B-CB7FEFB4C1FD}" type="datetimeFigureOut">
               <a:rPr lang="en-US" smtClean="0"/>
-              <a:t>7/26/24</a:t>
+              <a:t>8/4/24</a:t>
             </a:fld>
             <a:endParaRPr lang="en-US"/>
           </a:p>
@@ -4751,7 +4883,7 @@
           <a:p>
             <a:fld id="{EB14851A-53D1-B04B-AD6B-CB7FEFB4C1FD}" type="datetimeFigureOut">
               <a:rPr lang="en-US" smtClean="0"/>
-              <a:t>7/26/24</a:t>
+              <a:t>8/4/24</a:t>
             </a:fld>
             <a:endParaRPr lang="en-US"/>
           </a:p>
@@ -5941,7 +6073,7 @@
         </p:nvSpPr>
         <p:spPr>
           <a:xfrm>
-            <a:off x="4997706" y="5162553"/>
+            <a:off x="4470934" y="5101281"/>
             <a:ext cx="1478692" cy="877330"/>
           </a:xfrm>
           <a:prstGeom prst="roundRect">
@@ -6000,7 +6132,7 @@
         </p:nvSpPr>
         <p:spPr>
           <a:xfrm>
-            <a:off x="4715554" y="3554582"/>
+            <a:off x="4188782" y="3493310"/>
             <a:ext cx="1760840" cy="877330"/>
           </a:xfrm>
           <a:prstGeom prst="roundRect">
@@ -6059,7 +6191,7 @@
         </p:nvSpPr>
         <p:spPr>
           <a:xfrm>
-            <a:off x="6777081" y="3554582"/>
+            <a:off x="6250309" y="3493310"/>
             <a:ext cx="1734062" cy="877330"/>
           </a:xfrm>
           <a:prstGeom prst="roundRect">
@@ -6118,7 +6250,7 @@
         </p:nvSpPr>
         <p:spPr>
           <a:xfrm>
-            <a:off x="4742333" y="4967902"/>
+            <a:off x="4215561" y="4906630"/>
             <a:ext cx="3768811" cy="1266632"/>
           </a:xfrm>
           <a:prstGeom prst="roundRect">
@@ -6170,7 +6302,7 @@
         </p:nvSpPr>
         <p:spPr>
           <a:xfrm>
-            <a:off x="6777081" y="5162553"/>
+            <a:off x="6250309" y="5101281"/>
             <a:ext cx="1478692" cy="877330"/>
           </a:xfrm>
           <a:prstGeom prst="roundRect">
@@ -6233,7 +6365,7 @@
         </p:nvCxnSpPr>
         <p:spPr>
           <a:xfrm flipH="1" flipV="1">
-            <a:off x="5595974" y="4431912"/>
+            <a:off x="5069202" y="4370640"/>
             <a:ext cx="1030765" cy="535990"/>
           </a:xfrm>
           <a:prstGeom prst="straightConnector1">
@@ -6279,7 +6411,7 @@
         </p:nvCxnSpPr>
         <p:spPr>
           <a:xfrm flipV="1">
-            <a:off x="6626739" y="4431912"/>
+            <a:off x="6099967" y="4370640"/>
             <a:ext cx="1017373" cy="535990"/>
           </a:xfrm>
           <a:prstGeom prst="straightConnector1">
@@ -6321,7 +6453,7 @@
         </p:nvSpPr>
         <p:spPr>
           <a:xfrm>
-            <a:off x="4997706" y="1946611"/>
+            <a:off x="4470934" y="1885339"/>
             <a:ext cx="1478692" cy="877330"/>
           </a:xfrm>
           <a:prstGeom prst="roundRect">
@@ -6393,7 +6525,7 @@
         </p:nvSpPr>
         <p:spPr>
           <a:xfrm>
-            <a:off x="6777081" y="1946611"/>
+            <a:off x="6250309" y="1885339"/>
             <a:ext cx="1478692" cy="877330"/>
           </a:xfrm>
           <a:prstGeom prst="roundRect">
@@ -6468,8 +6600,8 @@
         </p:nvSpPr>
         <p:spPr>
           <a:xfrm>
-            <a:off x="4742332" y="1751960"/>
-            <a:ext cx="3768811" cy="1266632"/>
+            <a:off x="4215560" y="1690688"/>
+            <a:ext cx="5502875" cy="1266632"/>
           </a:xfrm>
           <a:prstGeom prst="roundRect">
             <a:avLst/>
@@ -6523,13 +6655,13 @@
           <p:nvPr/>
         </p:nvCxnSpPr>
         <p:spPr>
-          <a:xfrm flipH="1" flipV="1">
-            <a:off x="8511143" y="2385276"/>
-            <a:ext cx="1" cy="3215942"/>
+          <a:xfrm flipV="1">
+            <a:off x="7984372" y="2324004"/>
+            <a:ext cx="1734063" cy="3215942"/>
           </a:xfrm>
           <a:prstGeom prst="bentConnector3">
             <a:avLst>
-              <a:gd name="adj1" fmla="val -22860000000"/>
+              <a:gd name="adj1" fmla="val 113183"/>
             </a:avLst>
           </a:prstGeom>
           <a:ln w="38100">
@@ -6572,8 +6704,8 @@
         </p:nvCxnSpPr>
         <p:spPr>
           <a:xfrm flipV="1">
-            <a:off x="5595974" y="3018592"/>
-            <a:ext cx="1030764" cy="535990"/>
+            <a:off x="5069202" y="2957320"/>
+            <a:ext cx="1897796" cy="535990"/>
           </a:xfrm>
           <a:prstGeom prst="straightConnector1">
             <a:avLst/>
@@ -6620,8 +6752,8 @@
         </p:nvCxnSpPr>
         <p:spPr>
           <a:xfrm flipH="1" flipV="1">
-            <a:off x="6626738" y="3018592"/>
-            <a:ext cx="1017374" cy="535990"/>
+            <a:off x="6966998" y="2957320"/>
+            <a:ext cx="150342" cy="535990"/>
           </a:xfrm>
           <a:prstGeom prst="straightConnector1">
             <a:avLst/>
@@ -6664,7 +6796,7 @@
         </p:nvSpPr>
         <p:spPr>
           <a:xfrm>
-            <a:off x="2989731" y="3554582"/>
+            <a:off x="2462959" y="3493310"/>
             <a:ext cx="1478692" cy="877330"/>
           </a:xfrm>
           <a:prstGeom prst="roundRect">
@@ -6727,7 +6859,7 @@
         </p:nvCxnSpPr>
         <p:spPr>
           <a:xfrm flipH="1" flipV="1">
-            <a:off x="3729077" y="4431912"/>
+            <a:off x="3202305" y="4370640"/>
             <a:ext cx="1013256" cy="1169306"/>
           </a:xfrm>
           <a:prstGeom prst="straightConnector1">
@@ -6773,7 +6905,7 @@
         </p:nvCxnSpPr>
         <p:spPr>
           <a:xfrm flipH="1">
-            <a:off x="3729077" y="2385276"/>
+            <a:off x="3202305" y="2324004"/>
             <a:ext cx="1013255" cy="1169306"/>
           </a:xfrm>
           <a:prstGeom prst="straightConnector1">
@@ -6801,6 +6933,81 @@
           </a:fontRef>
         </p:style>
       </p:cxnSp>
+      <p:sp>
+        <p:nvSpPr>
+          <p:cNvPr id="18" name="Rounded Rectangle 17">
+            <a:extLst>
+              <a:ext uri="{FF2B5EF4-FFF2-40B4-BE49-F238E27FC236}">
+                <a16:creationId xmlns:a16="http://schemas.microsoft.com/office/drawing/2014/main" id="{633A54D1-42DC-6B31-8CAC-F8596E46BA4F}"/>
+              </a:ext>
+            </a:extLst>
+          </p:cNvPr>
+          <p:cNvSpPr/>
+          <p:nvPr/>
+        </p:nvSpPr>
+        <p:spPr>
+          <a:xfrm>
+            <a:off x="7984371" y="1885339"/>
+            <a:ext cx="1478692" cy="877330"/>
+          </a:xfrm>
+          <a:prstGeom prst="roundRect">
+            <a:avLst/>
+          </a:prstGeom>
+          <a:solidFill>
+            <a:schemeClr val="accent1"/>
+          </a:solidFill>
+          <a:ln w="12700">
+            <a:noFill/>
+          </a:ln>
+        </p:spPr>
+        <p:style>
+          <a:lnRef idx="2">
+            <a:schemeClr val="accent1">
+              <a:shade val="15000"/>
+            </a:schemeClr>
+          </a:lnRef>
+          <a:fillRef idx="1">
+            <a:schemeClr val="accent1"/>
+          </a:fillRef>
+          <a:effectRef idx="0">
+            <a:schemeClr val="accent1"/>
+          </a:effectRef>
+          <a:fontRef idx="minor">
+            <a:schemeClr val="lt1"/>
+          </a:fontRef>
+        </p:style>
+        <p:txBody>
+          <a:bodyPr rtlCol="0" anchor="ctr"/>
+          <a:lstStyle/>
+          <a:p>
+            <a:pPr algn="ctr"/>
+            <a:r>
+              <a:rPr lang="en-US" sz="1600" b="1" dirty="0">
+                <a:solidFill>
+                  <a:schemeClr val="accent3"/>
+                </a:solidFill>
+              </a:rPr>
+              <a:t>LEADS </a:t>
+            </a:r>
+            <a:r>
+              <a:rPr lang="en-US" sz="1600" b="1" dirty="0" err="1">
+                <a:solidFill>
+                  <a:schemeClr val="accent3"/>
+                </a:solidFill>
+              </a:rPr>
+              <a:t>VeC</a:t>
+            </a:r>
+            <a:r>
+              <a:rPr lang="en-US" sz="1600" b="1" dirty="0">
+                <a:solidFill>
+                  <a:schemeClr val="accent3"/>
+                </a:solidFill>
+              </a:rPr>
+              <a:t> DP</a:t>
+            </a:r>
+          </a:p>
+        </p:txBody>
+      </p:sp>
     </p:spTree>
     <p:extLst>
       <p:ext uri="{BB962C8B-B14F-4D97-AF65-F5344CB8AC3E}">
@@ -6929,7 +7136,7 @@
                                     </p:set>
                                     <p:animEffect transition="in" filter="wipe(down)">
                                       <p:cBhvr>
-                                        <p:cTn id="13" dur="500"/>
+                                        <p:cTn id="13" dur="200"/>
                                         <p:tgtEl>
                                           <p:spTgt spid="20"/>
                                         </p:tgtEl>
@@ -6944,7 +7151,7 @@
                         <p:par>
                           <p:cTn id="14" fill="hold">
                             <p:stCondLst>
-                              <p:cond delay="500"/>
+                              <p:cond delay="200"/>
                             </p:stCondLst>
                             <p:childTnLst>
                               <p:par>
@@ -6973,7 +7180,7 @@
                                     </p:set>
                                     <p:animEffect transition="in" filter="wipe(down)">
                                       <p:cBhvr>
-                                        <p:cTn id="17" dur="500"/>
+                                        <p:cTn id="17" dur="200"/>
                                         <p:tgtEl>
                                           <p:spTgt spid="27"/>
                                         </p:tgtEl>
@@ -7008,7 +7215,7 @@
                                     </p:set>
                                     <p:animEffect transition="in" filter="wipe(down)">
                                       <p:cBhvr>
-                                        <p:cTn id="20" dur="500"/>
+                                        <p:cTn id="20" dur="200"/>
                                         <p:tgtEl>
                                           <p:spTgt spid="23"/>
                                         </p:tgtEl>
@@ -7023,7 +7230,7 @@
                         <p:par>
                           <p:cTn id="21" fill="hold">
                             <p:stCondLst>
-                              <p:cond delay="1000"/>
+                              <p:cond delay="400"/>
                             </p:stCondLst>
                             <p:childTnLst>
                               <p:par>
@@ -7052,7 +7259,7 @@
                                     </p:set>
                                     <p:animEffect transition="in" filter="wipe(down)">
                                       <p:cBhvr>
-                                        <p:cTn id="24" dur="500"/>
+                                        <p:cTn id="24" dur="200"/>
                                         <p:tgtEl>
                                           <p:spTgt spid="17"/>
                                         </p:tgtEl>
@@ -7087,7 +7294,7 @@
                                     </p:set>
                                     <p:animEffect transition="in" filter="wipe(down)">
                                       <p:cBhvr>
-                                        <p:cTn id="27" dur="500"/>
+                                        <p:cTn id="27" dur="200"/>
                                         <p:tgtEl>
                                           <p:spTgt spid="14"/>
                                         </p:tgtEl>
@@ -7140,7 +7347,7 @@
                                     </p:set>
                                     <p:animEffect transition="in" filter="wipe(down)">
                                       <p:cBhvr>
-                                        <p:cTn id="32" dur="500"/>
+                                        <p:cTn id="32" dur="200"/>
                                         <p:tgtEl>
                                           <p:spTgt spid="37"/>
                                         </p:tgtEl>
@@ -7155,7 +7362,7 @@
                         <p:par>
                           <p:cTn id="33" fill="hold">
                             <p:stCondLst>
-                              <p:cond delay="500"/>
+                              <p:cond delay="200"/>
                             </p:stCondLst>
                             <p:childTnLst>
                               <p:par>
@@ -7184,7 +7391,7 @@
                                     </p:set>
                                     <p:animEffect transition="in" filter="wipe(right)">
                                       <p:cBhvr>
-                                        <p:cTn id="36" dur="500"/>
+                                        <p:cTn id="36" dur="200"/>
                                         <p:tgtEl>
                                           <p:spTgt spid="35"/>
                                         </p:tgtEl>
@@ -7207,6 +7414,50 @@
                                           </p:stCondLst>
                                         </p:cTn>
                                         <p:tgtEl>
+                                          <p:spTgt spid="18"/>
+                                        </p:tgtEl>
+                                        <p:attrNameLst>
+                                          <p:attrName>style.visibility</p:attrName>
+                                        </p:attrNameLst>
+                                      </p:cBhvr>
+                                      <p:to>
+                                        <p:strVal val="visible"/>
+                                      </p:to>
+                                    </p:set>
+                                    <p:animEffect transition="in" filter="wipe(right)">
+                                      <p:cBhvr>
+                                        <p:cTn id="39" dur="200"/>
+                                        <p:tgtEl>
+                                          <p:spTgt spid="18"/>
+                                        </p:tgtEl>
+                                      </p:cBhvr>
+                                    </p:animEffect>
+                                  </p:childTnLst>
+                                </p:cTn>
+                              </p:par>
+                            </p:childTnLst>
+                          </p:cTn>
+                        </p:par>
+                        <p:par>
+                          <p:cTn id="40" fill="hold">
+                            <p:stCondLst>
+                              <p:cond delay="400"/>
+                            </p:stCondLst>
+                            <p:childTnLst>
+                              <p:par>
+                                <p:cTn id="41" presetID="22" presetClass="entr" presetSubtype="2" fill="hold" grpId="0" nodeType="afterEffect">
+                                  <p:stCondLst>
+                                    <p:cond delay="0"/>
+                                  </p:stCondLst>
+                                  <p:childTnLst>
+                                    <p:set>
+                                      <p:cBhvr>
+                                        <p:cTn id="42" dur="1" fill="hold">
+                                          <p:stCondLst>
+                                            <p:cond delay="0"/>
+                                          </p:stCondLst>
+                                        </p:cTn>
+                                        <p:tgtEl>
                                           <p:spTgt spid="34"/>
                                         </p:tgtEl>
                                         <p:attrNameLst>
@@ -7219,7 +7470,7 @@
                                     </p:set>
                                     <p:animEffect transition="in" filter="wipe(right)">
                                       <p:cBhvr>
-                                        <p:cTn id="39" dur="500"/>
+                                        <p:cTn id="43" dur="200"/>
                                         <p:tgtEl>
                                           <p:spTgt spid="34"/>
                                         </p:tgtEl>
@@ -7232,20 +7483,20 @@
                           </p:cTn>
                         </p:par>
                         <p:par>
-                          <p:cTn id="40" fill="hold">
+                          <p:cTn id="44" fill="hold">
                             <p:stCondLst>
-                              <p:cond delay="1000"/>
+                              <p:cond delay="600"/>
                             </p:stCondLst>
                             <p:childTnLst>
                               <p:par>
-                                <p:cTn id="41" presetID="22" presetClass="entr" presetSubtype="2" fill="hold" grpId="0" nodeType="afterEffect">
+                                <p:cTn id="45" presetID="22" presetClass="entr" presetSubtype="2" fill="hold" grpId="0" nodeType="afterEffect">
                                   <p:stCondLst>
                                     <p:cond delay="0"/>
                                   </p:stCondLst>
                                   <p:childTnLst>
                                     <p:set>
                                       <p:cBhvr>
-                                        <p:cTn id="42" dur="1" fill="hold">
+                                        <p:cTn id="46" dur="1" fill="hold">
                                           <p:stCondLst>
                                             <p:cond delay="0"/>
                                           </p:stCondLst>
@@ -7263,7 +7514,7 @@
                                     </p:set>
                                     <p:animEffect transition="in" filter="wipe(right)">
                                       <p:cBhvr>
-                                        <p:cTn id="43" dur="500"/>
+                                        <p:cTn id="47" dur="200"/>
                                         <p:tgtEl>
                                           <p:spTgt spid="33"/>
                                         </p:tgtEl>
@@ -7279,26 +7530,26 @@
                     </p:cTn>
                   </p:par>
                   <p:par>
-                    <p:cTn id="44" fill="hold">
+                    <p:cTn id="48" fill="hold">
                       <p:stCondLst>
                         <p:cond delay="indefinite"/>
                       </p:stCondLst>
                       <p:childTnLst>
                         <p:par>
-                          <p:cTn id="45" fill="hold">
+                          <p:cTn id="49" fill="hold">
                             <p:stCondLst>
                               <p:cond delay="0"/>
                             </p:stCondLst>
                             <p:childTnLst>
                               <p:par>
-                                <p:cTn id="46" presetID="22" presetClass="entr" presetSubtype="4" fill="hold" nodeType="clickEffect">
+                                <p:cTn id="50" presetID="22" presetClass="entr" presetSubtype="4" fill="hold" nodeType="clickEffect">
                                   <p:stCondLst>
                                     <p:cond delay="0"/>
                                   </p:stCondLst>
                                   <p:childTnLst>
                                     <p:set>
                                       <p:cBhvr>
-                                        <p:cTn id="47" dur="1" fill="hold">
+                                        <p:cTn id="51" dur="1" fill="hold">
                                           <p:stCondLst>
                                             <p:cond delay="0"/>
                                           </p:stCondLst>
@@ -7316,7 +7567,7 @@
                                     </p:set>
                                     <p:animEffect transition="in" filter="wipe(down)">
                                       <p:cBhvr>
-                                        <p:cTn id="48" dur="500"/>
+                                        <p:cTn id="52" dur="200"/>
                                         <p:tgtEl>
                                           <p:spTgt spid="48"/>
                                         </p:tgtEl>
@@ -7326,14 +7577,14 @@
                                 </p:cTn>
                               </p:par>
                               <p:par>
-                                <p:cTn id="49" presetID="22" presetClass="entr" presetSubtype="4" fill="hold" nodeType="withEffect">
+                                <p:cTn id="53" presetID="22" presetClass="entr" presetSubtype="4" fill="hold" nodeType="withEffect">
                                   <p:stCondLst>
                                     <p:cond delay="0"/>
                                   </p:stCondLst>
                                   <p:childTnLst>
                                     <p:set>
                                       <p:cBhvr>
-                                        <p:cTn id="50" dur="1" fill="hold">
+                                        <p:cTn id="54" dur="1" fill="hold">
                                           <p:stCondLst>
                                             <p:cond delay="0"/>
                                           </p:stCondLst>
@@ -7351,7 +7602,7 @@
                                     </p:set>
                                     <p:animEffect transition="in" filter="wipe(down)">
                                       <p:cBhvr>
-                                        <p:cTn id="51" dur="500"/>
+                                        <p:cTn id="55" dur="200"/>
                                         <p:tgtEl>
                                           <p:spTgt spid="51"/>
                                         </p:tgtEl>
@@ -7367,26 +7618,26 @@
                     </p:cTn>
                   </p:par>
                   <p:par>
-                    <p:cTn id="52" fill="hold">
+                    <p:cTn id="56" fill="hold">
                       <p:stCondLst>
                         <p:cond delay="indefinite"/>
                       </p:stCondLst>
                       <p:childTnLst>
                         <p:par>
-                          <p:cTn id="53" fill="hold">
+                          <p:cTn id="57" fill="hold">
                             <p:stCondLst>
                               <p:cond delay="0"/>
                             </p:stCondLst>
                             <p:childTnLst>
                               <p:par>
-                                <p:cTn id="54" presetID="22" presetClass="entr" presetSubtype="1" fill="hold" nodeType="clickEffect">
+                                <p:cTn id="58" presetID="22" presetClass="entr" presetSubtype="1" fill="hold" nodeType="clickEffect">
                                   <p:stCondLst>
                                     <p:cond delay="0"/>
                                   </p:stCondLst>
                                   <p:childTnLst>
                                     <p:set>
                                       <p:cBhvr>
-                                        <p:cTn id="55" dur="1" fill="hold">
+                                        <p:cTn id="59" dur="1" fill="hold">
                                           <p:stCondLst>
                                             <p:cond delay="0"/>
                                           </p:stCondLst>
@@ -7404,7 +7655,7 @@
                                     </p:set>
                                     <p:animEffect transition="in" filter="wipe(up)">
                                       <p:cBhvr>
-                                        <p:cTn id="56" dur="500"/>
+                                        <p:cTn id="60" dur="200"/>
                                         <p:tgtEl>
                                           <p:spTgt spid="63"/>
                                         </p:tgtEl>
@@ -7414,14 +7665,14 @@
                                 </p:cTn>
                               </p:par>
                               <p:par>
-                                <p:cTn id="57" presetID="22" presetClass="entr" presetSubtype="4" fill="hold" nodeType="withEffect">
+                                <p:cTn id="61" presetID="22" presetClass="entr" presetSubtype="4" fill="hold" nodeType="withEffect">
                                   <p:stCondLst>
                                     <p:cond delay="0"/>
                                   </p:stCondLst>
                                   <p:childTnLst>
                                     <p:set>
                                       <p:cBhvr>
-                                        <p:cTn id="58" dur="1" fill="hold">
+                                        <p:cTn id="62" dur="1" fill="hold">
                                           <p:stCondLst>
                                             <p:cond delay="0"/>
                                           </p:stCondLst>
@@ -7439,7 +7690,7 @@
                                     </p:set>
                                     <p:animEffect transition="in" filter="wipe(down)">
                                       <p:cBhvr>
-                                        <p:cTn id="59" dur="500"/>
+                                        <p:cTn id="63" dur="200"/>
                                         <p:tgtEl>
                                           <p:spTgt spid="58"/>
                                         </p:tgtEl>
@@ -7452,20 +7703,20 @@
                           </p:cTn>
                         </p:par>
                         <p:par>
-                          <p:cTn id="60" fill="hold">
+                          <p:cTn id="64" fill="hold">
                             <p:stCondLst>
-                              <p:cond delay="500"/>
+                              <p:cond delay="200"/>
                             </p:stCondLst>
                             <p:childTnLst>
                               <p:par>
-                                <p:cTn id="61" presetID="10" presetClass="entr" presetSubtype="0" fill="hold" grpId="0" nodeType="afterEffect">
+                                <p:cTn id="65" presetID="10" presetClass="entr" presetSubtype="0" fill="hold" grpId="0" nodeType="afterEffect">
                                   <p:stCondLst>
                                     <p:cond delay="0"/>
                                   </p:stCondLst>
                                   <p:childTnLst>
                                     <p:set>
                                       <p:cBhvr>
-                                        <p:cTn id="62" dur="1" fill="hold">
+                                        <p:cTn id="66" dur="1" fill="hold">
                                           <p:stCondLst>
                                             <p:cond delay="0"/>
                                           </p:stCondLst>
@@ -7483,7 +7734,7 @@
                                     </p:set>
                                     <p:animEffect transition="in" filter="fade">
                                       <p:cBhvr>
-                                        <p:cTn id="63" dur="500"/>
+                                        <p:cTn id="67" dur="200"/>
                                         <p:tgtEl>
                                           <p:spTgt spid="57"/>
                                         </p:tgtEl>
@@ -7529,6 +7780,7 @@
       <p:bldP spid="34" grpId="0" animBg="1"/>
       <p:bldP spid="35" grpId="0" animBg="1"/>
       <p:bldP spid="57" grpId="0" animBg="1"/>
+      <p:bldP spid="18" grpId="0" animBg="1"/>
     </p:bldLst>
   </p:timing>
 </p:sld>
